--- a/MANAJEMEN OPTIMASI STOCK PIZZA KING.pptx
+++ b/MANAJEMEN OPTIMASI STOCK PIZZA KING.pptx
@@ -271,7 +271,7 @@
           <a:p>
             <a:fld id="{6AE3A5EE-74E7-43CA-8E00-077E31A4AEAB}" type="datetimeFigureOut">
               <a:rPr lang="en-ID" smtClean="0"/>
-              <a:t>21/03/2024</a:t>
+              <a:t>24/03/2024</a:t>
             </a:fld>
             <a:endParaRPr lang="en-ID"/>
           </a:p>
@@ -471,7 +471,7 @@
           <a:p>
             <a:fld id="{6AE3A5EE-74E7-43CA-8E00-077E31A4AEAB}" type="datetimeFigureOut">
               <a:rPr lang="en-ID" smtClean="0"/>
-              <a:t>21/03/2024</a:t>
+              <a:t>24/03/2024</a:t>
             </a:fld>
             <a:endParaRPr lang="en-ID"/>
           </a:p>
@@ -681,7 +681,7 @@
           <a:p>
             <a:fld id="{6AE3A5EE-74E7-43CA-8E00-077E31A4AEAB}" type="datetimeFigureOut">
               <a:rPr lang="en-ID" smtClean="0"/>
-              <a:t>21/03/2024</a:t>
+              <a:t>24/03/2024</a:t>
             </a:fld>
             <a:endParaRPr lang="en-ID"/>
           </a:p>
@@ -881,7 +881,7 @@
           <a:p>
             <a:fld id="{6AE3A5EE-74E7-43CA-8E00-077E31A4AEAB}" type="datetimeFigureOut">
               <a:rPr lang="en-ID" smtClean="0"/>
-              <a:t>21/03/2024</a:t>
+              <a:t>24/03/2024</a:t>
             </a:fld>
             <a:endParaRPr lang="en-ID"/>
           </a:p>
@@ -1157,7 +1157,7 @@
           <a:p>
             <a:fld id="{6AE3A5EE-74E7-43CA-8E00-077E31A4AEAB}" type="datetimeFigureOut">
               <a:rPr lang="en-ID" smtClean="0"/>
-              <a:t>21/03/2024</a:t>
+              <a:t>24/03/2024</a:t>
             </a:fld>
             <a:endParaRPr lang="en-ID"/>
           </a:p>
@@ -1425,7 +1425,7 @@
           <a:p>
             <a:fld id="{6AE3A5EE-74E7-43CA-8E00-077E31A4AEAB}" type="datetimeFigureOut">
               <a:rPr lang="en-ID" smtClean="0"/>
-              <a:t>21/03/2024</a:t>
+              <a:t>24/03/2024</a:t>
             </a:fld>
             <a:endParaRPr lang="en-ID"/>
           </a:p>
@@ -1840,7 +1840,7 @@
           <a:p>
             <a:fld id="{6AE3A5EE-74E7-43CA-8E00-077E31A4AEAB}" type="datetimeFigureOut">
               <a:rPr lang="en-ID" smtClean="0"/>
-              <a:t>21/03/2024</a:t>
+              <a:t>24/03/2024</a:t>
             </a:fld>
             <a:endParaRPr lang="en-ID"/>
           </a:p>
@@ -1982,7 +1982,7 @@
           <a:p>
             <a:fld id="{6AE3A5EE-74E7-43CA-8E00-077E31A4AEAB}" type="datetimeFigureOut">
               <a:rPr lang="en-ID" smtClean="0"/>
-              <a:t>21/03/2024</a:t>
+              <a:t>24/03/2024</a:t>
             </a:fld>
             <a:endParaRPr lang="en-ID"/>
           </a:p>
@@ -2095,7 +2095,7 @@
           <a:p>
             <a:fld id="{6AE3A5EE-74E7-43CA-8E00-077E31A4AEAB}" type="datetimeFigureOut">
               <a:rPr lang="en-ID" smtClean="0"/>
-              <a:t>21/03/2024</a:t>
+              <a:t>24/03/2024</a:t>
             </a:fld>
             <a:endParaRPr lang="en-ID"/>
           </a:p>
@@ -2408,7 +2408,7 @@
           <a:p>
             <a:fld id="{6AE3A5EE-74E7-43CA-8E00-077E31A4AEAB}" type="datetimeFigureOut">
               <a:rPr lang="en-ID" smtClean="0"/>
-              <a:t>21/03/2024</a:t>
+              <a:t>24/03/2024</a:t>
             </a:fld>
             <a:endParaRPr lang="en-ID"/>
           </a:p>
@@ -2697,7 +2697,7 @@
           <a:p>
             <a:fld id="{6AE3A5EE-74E7-43CA-8E00-077E31A4AEAB}" type="datetimeFigureOut">
               <a:rPr lang="en-ID" smtClean="0"/>
-              <a:t>21/03/2024</a:t>
+              <a:t>24/03/2024</a:t>
             </a:fld>
             <a:endParaRPr lang="en-ID"/>
           </a:p>
@@ -2940,7 +2940,7 @@
           <a:p>
             <a:fld id="{6AE3A5EE-74E7-43CA-8E00-077E31A4AEAB}" type="datetimeFigureOut">
               <a:rPr lang="en-ID" smtClean="0"/>
-              <a:t>21/03/2024</a:t>
+              <a:t>24/03/2024</a:t>
             </a:fld>
             <a:endParaRPr lang="en-ID"/>
           </a:p>
@@ -3376,34 +3376,36 @@
         <p:spPr/>
         <p:txBody>
           <a:bodyPr>
-            <a:normAutofit fontScale="90000"/>
+            <a:normAutofit/>
           </a:bodyPr>
           <a:lstStyle/>
           <a:p>
             <a:r>
-              <a:rPr lang="en-US" dirty="0">
-                <a:latin typeface="Bell MT" panose="02020503060305020303" pitchFamily="18" charset="0"/>
+              <a:rPr lang="en-ID" sz="5400" dirty="0">
+                <a:latin typeface="Calibri" panose="020F0502020204030204" pitchFamily="34" charset="0"/>
+                <a:ea typeface="Calibri" panose="020F0502020204030204" pitchFamily="34" charset="0"/>
+                <a:cs typeface="Times New Roman" panose="02020603050405020304" pitchFamily="18" charset="0"/>
               </a:rPr>
-              <a:t>MANAJEMEN OPTIMASI STOCK PIZZA KING</a:t>
+              <a:t>PIZZA KING STOCK OPTIMIZATION MANAGEMENT</a:t>
             </a:r>
             <a:br>
-              <a:rPr lang="en-ID" sz="1800" dirty="0">
+              <a:rPr lang="en-ID" sz="5400" dirty="0">
                 <a:effectLst/>
                 <a:latin typeface="Calibri" panose="020F0502020204030204" pitchFamily="34" charset="0"/>
                 <a:ea typeface="Calibri" panose="020F0502020204030204" pitchFamily="34" charset="0"/>
                 <a:cs typeface="Times New Roman" panose="02020603050405020304" pitchFamily="18" charset="0"/>
               </a:rPr>
             </a:br>
-            <a:endParaRPr lang="en-ID" dirty="0"/>
+            <a:endParaRPr lang="en-ID" sz="5400" dirty="0"/>
           </a:p>
         </p:txBody>
       </p:sp>
       <p:sp>
         <p:nvSpPr>
-          <p:cNvPr id="3" name="Subtitle 2">
+          <p:cNvPr id="8" name="Subtitle 7">
             <a:extLst>
               <a:ext uri="{FF2B5EF4-FFF2-40B4-BE49-F238E27FC236}">
-                <a16:creationId xmlns:a16="http://schemas.microsoft.com/office/drawing/2014/main" id="{6D7AF703-11F9-409C-81C3-47BF5DAA5282}"/>
+                <a16:creationId xmlns:a16="http://schemas.microsoft.com/office/drawing/2014/main" id="{0119EF7E-35BC-417E-838F-A5A88C8E479F}"/>
               </a:ext>
             </a:extLst>
           </p:cNvPr>
@@ -3417,307 +3419,18 @@
         <p:spPr/>
         <p:txBody>
           <a:bodyPr>
-            <a:normAutofit fontScale="92500" lnSpcReduction="20000"/>
+            <a:normAutofit fontScale="92500"/>
           </a:bodyPr>
           <a:lstStyle/>
           <a:p>
             <a:pPr algn="just"/>
             <a:r>
-              <a:rPr lang="en-US" dirty="0"/>
-              <a:t>Pizza king </a:t>
+              <a:rPr lang="en-US" altLang="en-US" dirty="0"/>
+              <a:t>Pizza King is an new F&amp;B company that sells various premium quality pizzas. The Pizza King company itself has only been established or has only been running for about a month. Pizza King itself has various problems with their stock inventory. From the owner's side, they feel that their inventory is very messy so there are often empty items and also rotten items </a:t>
             </a:r>
-            <a:r>
-              <a:rPr lang="en-US" dirty="0" err="1"/>
-              <a:t>merupakan</a:t>
-            </a:r>
-            <a:r>
-              <a:rPr lang="en-US" dirty="0"/>
-              <a:t> </a:t>
-            </a:r>
-            <a:r>
-              <a:rPr lang="en-US" dirty="0" err="1"/>
-              <a:t>suatu</a:t>
-            </a:r>
-            <a:r>
-              <a:rPr lang="en-US" dirty="0"/>
-              <a:t> </a:t>
-            </a:r>
-            <a:r>
-              <a:rPr lang="en-US" dirty="0" err="1"/>
-              <a:t>perusahaan</a:t>
-            </a:r>
-            <a:r>
-              <a:rPr lang="en-US" dirty="0"/>
-              <a:t> F&amp;B yang </a:t>
-            </a:r>
-            <a:r>
-              <a:rPr lang="en-US" dirty="0" err="1"/>
-              <a:t>menjual</a:t>
-            </a:r>
-            <a:r>
-              <a:rPr lang="en-US" dirty="0"/>
-              <a:t> </a:t>
-            </a:r>
-            <a:r>
-              <a:rPr lang="en-US" dirty="0" err="1"/>
-              <a:t>berbagai</a:t>
-            </a:r>
-            <a:r>
-              <a:rPr lang="en-US" dirty="0"/>
-              <a:t> pizza </a:t>
-            </a:r>
-            <a:r>
-              <a:rPr lang="en-US" dirty="0" err="1"/>
-              <a:t>dengan</a:t>
-            </a:r>
-            <a:r>
-              <a:rPr lang="en-US" dirty="0"/>
-              <a:t> </a:t>
-            </a:r>
-            <a:r>
-              <a:rPr lang="en-US" dirty="0" err="1"/>
-              <a:t>kualitas</a:t>
-            </a:r>
-            <a:r>
-              <a:rPr lang="en-US" dirty="0"/>
-              <a:t> premium, </a:t>
-            </a:r>
-            <a:r>
-              <a:rPr lang="en-US" dirty="0" err="1"/>
-              <a:t>perusahaan</a:t>
-            </a:r>
-            <a:r>
-              <a:rPr lang="en-US" dirty="0"/>
-              <a:t> pizza king </a:t>
-            </a:r>
-            <a:r>
-              <a:rPr lang="en-US" dirty="0" err="1"/>
-              <a:t>sendiri</a:t>
-            </a:r>
-            <a:r>
-              <a:rPr lang="en-US" dirty="0"/>
-              <a:t> </a:t>
-            </a:r>
-            <a:r>
-              <a:rPr lang="en-US" dirty="0" err="1"/>
-              <a:t>baru</a:t>
-            </a:r>
-            <a:r>
-              <a:rPr lang="en-US" dirty="0"/>
-              <a:t> </a:t>
-            </a:r>
-            <a:r>
-              <a:rPr lang="en-US" dirty="0" err="1"/>
-              <a:t>berdiri</a:t>
-            </a:r>
-            <a:r>
-              <a:rPr lang="en-US" dirty="0"/>
-              <a:t> </a:t>
-            </a:r>
-            <a:r>
-              <a:rPr lang="en-US" dirty="0" err="1"/>
-              <a:t>atau</a:t>
-            </a:r>
-            <a:r>
-              <a:rPr lang="en-US" dirty="0"/>
-              <a:t> </a:t>
-            </a:r>
-            <a:r>
-              <a:rPr lang="en-US" dirty="0" err="1"/>
-              <a:t>baru</a:t>
-            </a:r>
-            <a:r>
-              <a:rPr lang="en-US" dirty="0"/>
-              <a:t> </a:t>
-            </a:r>
-            <a:r>
-              <a:rPr lang="en-US" dirty="0" err="1"/>
-              <a:t>berjalan</a:t>
-            </a:r>
-            <a:r>
-              <a:rPr lang="en-US" dirty="0"/>
-              <a:t> </a:t>
-            </a:r>
-            <a:r>
-              <a:rPr lang="en-US" dirty="0" err="1"/>
-              <a:t>sekitar</a:t>
-            </a:r>
-            <a:r>
-              <a:rPr lang="en-US" dirty="0"/>
-              <a:t> </a:t>
-            </a:r>
-            <a:r>
-              <a:rPr lang="en-US" dirty="0" err="1"/>
-              <a:t>satu</a:t>
-            </a:r>
-            <a:r>
-              <a:rPr lang="en-US" dirty="0"/>
-              <a:t> </a:t>
-            </a:r>
-            <a:r>
-              <a:rPr lang="en-US" dirty="0" err="1"/>
-              <a:t>bulan</a:t>
-            </a:r>
-            <a:r>
-              <a:rPr lang="en-US" dirty="0"/>
-              <a:t>, pizza king </a:t>
-            </a:r>
-            <a:r>
-              <a:rPr lang="en-US" dirty="0" err="1"/>
-              <a:t>sendiri</a:t>
-            </a:r>
-            <a:r>
-              <a:rPr lang="en-US" dirty="0"/>
-              <a:t> </a:t>
-            </a:r>
-            <a:r>
-              <a:rPr lang="en-US" dirty="0" err="1"/>
-              <a:t>memiliki</a:t>
-            </a:r>
-            <a:r>
-              <a:rPr lang="en-US" dirty="0"/>
-              <a:t> </a:t>
-            </a:r>
-            <a:r>
-              <a:rPr lang="en-US" dirty="0" err="1"/>
-              <a:t>berbagai</a:t>
-            </a:r>
-            <a:r>
-              <a:rPr lang="en-US" dirty="0"/>
-              <a:t> </a:t>
-            </a:r>
-            <a:r>
-              <a:rPr lang="en-US" dirty="0" err="1"/>
-              <a:t>permasalan</a:t>
-            </a:r>
-            <a:r>
-              <a:rPr lang="en-US" dirty="0"/>
-              <a:t> </a:t>
-            </a:r>
-            <a:r>
-              <a:rPr lang="en-US" dirty="0" err="1"/>
-              <a:t>dengan</a:t>
-            </a:r>
-            <a:r>
-              <a:rPr lang="en-US" dirty="0"/>
-              <a:t> stock </a:t>
-            </a:r>
-            <a:r>
-              <a:rPr lang="en-US" dirty="0" err="1"/>
-              <a:t>barang</a:t>
-            </a:r>
-            <a:r>
-              <a:rPr lang="en-US" dirty="0"/>
-              <a:t> inventory </a:t>
-            </a:r>
-            <a:r>
-              <a:rPr lang="en-US" dirty="0" err="1"/>
-              <a:t>mereka</a:t>
-            </a:r>
-            <a:r>
-              <a:rPr lang="en-US" dirty="0"/>
-              <a:t>. Dari </a:t>
-            </a:r>
-            <a:r>
-              <a:rPr lang="en-US" dirty="0" err="1"/>
-              <a:t>pihak</a:t>
-            </a:r>
-            <a:r>
-              <a:rPr lang="en-US" dirty="0"/>
-              <a:t> owner, </a:t>
-            </a:r>
-            <a:r>
-              <a:rPr lang="en-US" dirty="0" err="1"/>
-              <a:t>mereka</a:t>
-            </a:r>
-            <a:r>
-              <a:rPr lang="en-US" dirty="0"/>
-              <a:t> </a:t>
-            </a:r>
-            <a:r>
-              <a:rPr lang="en-US" dirty="0" err="1"/>
-              <a:t>merasa</a:t>
-            </a:r>
-            <a:r>
-              <a:rPr lang="en-US" dirty="0"/>
-              <a:t> </a:t>
-            </a:r>
-            <a:r>
-              <a:rPr lang="en-US" dirty="0" err="1"/>
-              <a:t>bahwa</a:t>
-            </a:r>
-            <a:r>
-              <a:rPr lang="en-US" dirty="0"/>
-              <a:t> inventory </a:t>
-            </a:r>
-            <a:r>
-              <a:rPr lang="en-US" dirty="0" err="1"/>
-              <a:t>mereka</a:t>
-            </a:r>
-            <a:r>
-              <a:rPr lang="en-US" dirty="0"/>
-              <a:t> sangat </a:t>
-            </a:r>
-            <a:r>
-              <a:rPr lang="en-US" dirty="0" err="1"/>
-              <a:t>berantakan</a:t>
-            </a:r>
-            <a:r>
-              <a:rPr lang="en-US" dirty="0"/>
-              <a:t> </a:t>
-            </a:r>
-            <a:r>
-              <a:rPr lang="en-US" dirty="0" err="1"/>
-              <a:t>sehingga</a:t>
-            </a:r>
-            <a:r>
-              <a:rPr lang="en-US" dirty="0"/>
-              <a:t> </a:t>
-            </a:r>
-            <a:r>
-              <a:rPr lang="en-US" dirty="0" err="1"/>
-              <a:t>sering</a:t>
-            </a:r>
-            <a:r>
-              <a:rPr lang="en-US" dirty="0"/>
-              <a:t> </a:t>
-            </a:r>
-            <a:r>
-              <a:rPr lang="en-US" dirty="0" err="1"/>
-              <a:t>terjadinya</a:t>
-            </a:r>
-            <a:r>
-              <a:rPr lang="en-US" dirty="0"/>
-              <a:t> </a:t>
-            </a:r>
-            <a:r>
-              <a:rPr lang="en-US" dirty="0" err="1"/>
-              <a:t>kekosongan</a:t>
-            </a:r>
-            <a:r>
-              <a:rPr lang="en-US" dirty="0"/>
-              <a:t> </a:t>
-            </a:r>
-            <a:r>
-              <a:rPr lang="en-US" dirty="0" err="1"/>
-              <a:t>barang</a:t>
-            </a:r>
-            <a:r>
-              <a:rPr lang="en-US" dirty="0"/>
-              <a:t> dan juga </a:t>
-            </a:r>
-            <a:r>
-              <a:rPr lang="en-US" dirty="0" err="1"/>
-              <a:t>barang</a:t>
-            </a:r>
-            <a:r>
-              <a:rPr lang="en-US" dirty="0"/>
-              <a:t> yang </a:t>
-            </a:r>
-            <a:r>
-              <a:rPr lang="en-US" dirty="0" err="1"/>
-              <a:t>busuk</a:t>
-            </a:r>
+          </a:p>
+          <a:p>
+            <a:pPr algn="just"/>
             <a:endParaRPr lang="en-ID" dirty="0"/>
           </a:p>
         </p:txBody>
@@ -3770,8 +3483,8 @@
         </p:nvSpPr>
         <p:spPr>
           <a:xfrm>
-            <a:off x="6311898" y="873125"/>
-            <a:ext cx="5654675" cy="3978275"/>
+            <a:off x="6586909" y="2437595"/>
+            <a:ext cx="5478091" cy="1982809"/>
           </a:xfrm>
         </p:spPr>
         <p:txBody>
@@ -3781,315 +3494,44 @@
           <a:lstStyle/>
           <a:p>
             <a:r>
-              <a:rPr lang="en-US" sz="2800" dirty="0"/>
-              <a:t>Dari data di </a:t>
+              <a:rPr lang="en-US" sz="1800" dirty="0">
+                <a:latin typeface="+mn-lt"/>
+              </a:rPr>
+              <a:t>From the data provided, it is evident that there are some materials with unstable usage patterns. Therefore, to determine the ideal stock quantity for a weekly timeframe, it is necessary to find the highest weekly moving average value and add 30% to ensure the availability of materials in case of sudden spikes in orders.</a:t>
             </a:r>
-            <a:r>
-              <a:rPr lang="en-US" sz="2800" dirty="0" err="1"/>
-              <a:t>samping</a:t>
-            </a:r>
-            <a:r>
-              <a:rPr lang="en-US" sz="2800" dirty="0"/>
-              <a:t> </a:t>
-            </a:r>
-            <a:r>
-              <a:rPr lang="en-US" sz="2800" dirty="0" err="1"/>
-              <a:t>terlihat</a:t>
-            </a:r>
-            <a:r>
-              <a:rPr lang="en-US" sz="2800" dirty="0"/>
-              <a:t> </a:t>
-            </a:r>
-            <a:r>
-              <a:rPr lang="en-US" sz="2800" dirty="0" err="1"/>
-              <a:t>bahwa</a:t>
-            </a:r>
-            <a:r>
-              <a:rPr lang="en-US" sz="2800" dirty="0"/>
-              <a:t> </a:t>
-            </a:r>
-            <a:r>
-              <a:rPr lang="en-US" sz="2800" dirty="0" err="1"/>
-              <a:t>ada</a:t>
-            </a:r>
-            <a:r>
-              <a:rPr lang="en-US" sz="2800" dirty="0"/>
-              <a:t> </a:t>
-            </a:r>
-            <a:r>
-              <a:rPr lang="en-US" sz="2800" dirty="0" err="1"/>
-              <a:t>beberapa</a:t>
-            </a:r>
-            <a:r>
-              <a:rPr lang="en-US" sz="2800" dirty="0"/>
-              <a:t> </a:t>
-            </a:r>
-            <a:r>
-              <a:rPr lang="en-US" sz="2800" dirty="0" err="1"/>
-              <a:t>bahan</a:t>
-            </a:r>
-            <a:r>
-              <a:rPr lang="en-US" sz="2800" dirty="0"/>
-              <a:t> yang </a:t>
-            </a:r>
-            <a:r>
-              <a:rPr lang="en-US" sz="2800" dirty="0" err="1"/>
-              <a:t>pergerakan</a:t>
-            </a:r>
-            <a:r>
-              <a:rPr lang="en-US" sz="2800" dirty="0"/>
-              <a:t> </a:t>
-            </a:r>
-            <a:r>
-              <a:rPr lang="en-US" sz="2800" dirty="0" err="1"/>
-              <a:t>penggunaanya</a:t>
-            </a:r>
-            <a:r>
-              <a:rPr lang="en-US" sz="2800" dirty="0"/>
-              <a:t> </a:t>
-            </a:r>
-            <a:r>
-              <a:rPr lang="en-US" sz="2800" dirty="0" err="1"/>
-              <a:t>tidak</a:t>
-            </a:r>
-            <a:r>
-              <a:rPr lang="en-US" sz="2800" dirty="0"/>
-              <a:t> </a:t>
-            </a:r>
-            <a:r>
-              <a:rPr lang="en-US" sz="2800" dirty="0" err="1"/>
-              <a:t>stabil</a:t>
-            </a:r>
-            <a:r>
-              <a:rPr lang="en-US" sz="2800" dirty="0"/>
-              <a:t>, </a:t>
-            </a:r>
-            <a:r>
-              <a:rPr lang="en-US" sz="2800" dirty="0" err="1"/>
-              <a:t>jadi</a:t>
-            </a:r>
-            <a:r>
-              <a:rPr lang="en-US" sz="2800" dirty="0"/>
-              <a:t> </a:t>
-            </a:r>
-            <a:r>
-              <a:rPr lang="en-US" sz="2800" dirty="0" err="1"/>
-              <a:t>untuk</a:t>
-            </a:r>
-            <a:r>
-              <a:rPr lang="en-US" sz="2800" dirty="0"/>
-              <a:t> </a:t>
-            </a:r>
-            <a:r>
-              <a:rPr lang="en-US" sz="2800" dirty="0" err="1"/>
-              <a:t>mencari</a:t>
-            </a:r>
-            <a:r>
-              <a:rPr lang="en-US" sz="2800" dirty="0"/>
-              <a:t> </a:t>
-            </a:r>
-            <a:r>
-              <a:rPr lang="en-US" sz="2800" dirty="0" err="1"/>
-              <a:t>jumlah</a:t>
-            </a:r>
-            <a:r>
-              <a:rPr lang="en-US" sz="2800" dirty="0"/>
-              <a:t> stock yang ideal </a:t>
-            </a:r>
-            <a:r>
-              <a:rPr lang="en-US" sz="2800" dirty="0" err="1"/>
-              <a:t>untuk</a:t>
-            </a:r>
-            <a:r>
-              <a:rPr lang="en-US" sz="2800" dirty="0"/>
-              <a:t> </a:t>
-            </a:r>
-            <a:r>
-              <a:rPr lang="en-US" sz="2800" dirty="0" err="1"/>
-              <a:t>jangka</a:t>
-            </a:r>
-            <a:r>
-              <a:rPr lang="en-US" sz="2800" dirty="0"/>
-              <a:t> </a:t>
-            </a:r>
-            <a:r>
-              <a:rPr lang="en-US" sz="2800" dirty="0" err="1"/>
-              <a:t>waktu</a:t>
-            </a:r>
-            <a:r>
-              <a:rPr lang="en-US" sz="2800" dirty="0"/>
-              <a:t> </a:t>
-            </a:r>
-            <a:r>
-              <a:rPr lang="en-US" sz="2800" dirty="0" err="1"/>
-              <a:t>mingguan</a:t>
-            </a:r>
-            <a:r>
-              <a:rPr lang="en-US" sz="2800" dirty="0"/>
-              <a:t> </a:t>
-            </a:r>
-            <a:r>
-              <a:rPr lang="en-US" sz="2800" dirty="0" err="1"/>
-              <a:t>maka</a:t>
-            </a:r>
-            <a:r>
-              <a:rPr lang="en-US" sz="2800" dirty="0"/>
-              <a:t> </a:t>
-            </a:r>
-            <a:r>
-              <a:rPr lang="en-US" sz="2800" dirty="0" err="1"/>
-              <a:t>perlu</a:t>
-            </a:r>
-            <a:r>
-              <a:rPr lang="en-US" sz="2800" dirty="0"/>
-              <a:t> di </a:t>
-            </a:r>
-            <a:r>
-              <a:rPr lang="en-US" sz="2800" dirty="0" err="1"/>
-              <a:t>cari</a:t>
-            </a:r>
-            <a:r>
-              <a:rPr lang="en-US" sz="2800" dirty="0"/>
-              <a:t> </a:t>
-            </a:r>
-            <a:r>
-              <a:rPr lang="en-US" sz="2800" dirty="0" err="1"/>
-              <a:t>nilai</a:t>
-            </a:r>
-            <a:r>
-              <a:rPr lang="en-US" sz="2800" dirty="0"/>
-              <a:t> </a:t>
-            </a:r>
-            <a:r>
-              <a:rPr lang="en-US" sz="2800" dirty="0" err="1"/>
-              <a:t>dari</a:t>
-            </a:r>
-            <a:r>
-              <a:rPr lang="en-US" sz="2800" dirty="0"/>
-              <a:t> moving average </a:t>
-            </a:r>
-            <a:r>
-              <a:rPr lang="en-US" sz="2800" dirty="0" err="1"/>
-              <a:t>mingguan</a:t>
-            </a:r>
-            <a:r>
-              <a:rPr lang="en-US" sz="2800" dirty="0"/>
-              <a:t> </a:t>
-            </a:r>
-            <a:r>
-              <a:rPr lang="en-US" sz="2800" dirty="0" err="1"/>
-              <a:t>tertinggi</a:t>
-            </a:r>
-            <a:r>
-              <a:rPr lang="en-US" sz="2800" dirty="0"/>
-              <a:t> di </a:t>
-            </a:r>
-            <a:r>
-              <a:rPr lang="en-US" sz="2800" dirty="0" err="1"/>
-              <a:t>tambah</a:t>
-            </a:r>
-            <a:r>
-              <a:rPr lang="en-US" sz="2800" dirty="0"/>
-              <a:t> 30% </a:t>
-            </a:r>
-            <a:r>
-              <a:rPr lang="en-US" sz="2800" dirty="0" err="1"/>
-              <a:t>untuk</a:t>
-            </a:r>
-            <a:r>
-              <a:rPr lang="en-US" sz="2800" dirty="0"/>
-              <a:t> </a:t>
-            </a:r>
-            <a:r>
-              <a:rPr lang="en-US" sz="2800" dirty="0" err="1"/>
-              <a:t>menjaga</a:t>
-            </a:r>
-            <a:r>
-              <a:rPr lang="en-US" sz="2800" dirty="0"/>
-              <a:t> </a:t>
-            </a:r>
-            <a:r>
-              <a:rPr lang="en-US" sz="2800" dirty="0" err="1"/>
-              <a:t>ketersedian</a:t>
-            </a:r>
-            <a:r>
-              <a:rPr lang="en-US" sz="2800" dirty="0"/>
-              <a:t> </a:t>
-            </a:r>
-            <a:r>
-              <a:rPr lang="en-US" sz="2800" dirty="0" err="1"/>
-              <a:t>bahan</a:t>
-            </a:r>
-            <a:r>
-              <a:rPr lang="en-US" sz="2800" dirty="0"/>
-              <a:t> </a:t>
-            </a:r>
-            <a:r>
-              <a:rPr lang="en-US" sz="2800" dirty="0" err="1"/>
-              <a:t>selalu</a:t>
-            </a:r>
-            <a:r>
-              <a:rPr lang="en-US" sz="2800" dirty="0"/>
-              <a:t> </a:t>
-            </a:r>
-            <a:r>
-              <a:rPr lang="en-US" sz="2800" dirty="0" err="1"/>
-              <a:t>tersedia</a:t>
-            </a:r>
-            <a:r>
-              <a:rPr lang="en-US" sz="2800" dirty="0"/>
-              <a:t> Ketika </a:t>
-            </a:r>
-            <a:r>
-              <a:rPr lang="en-US" sz="2800" dirty="0" err="1"/>
-              <a:t>terjadi</a:t>
-            </a:r>
-            <a:r>
-              <a:rPr lang="en-US" sz="2800" dirty="0"/>
-              <a:t> </a:t>
-            </a:r>
-            <a:r>
-              <a:rPr lang="en-US" sz="2800" dirty="0" err="1"/>
-              <a:t>lonjakan</a:t>
-            </a:r>
-            <a:r>
-              <a:rPr lang="en-US" sz="2800" dirty="0"/>
-              <a:t> </a:t>
-            </a:r>
-            <a:r>
-              <a:rPr lang="en-US" sz="2800" dirty="0" err="1"/>
-              <a:t>pesanan</a:t>
-            </a:r>
-            <a:endParaRPr lang="en-ID" sz="2800" dirty="0"/>
+            <a:endParaRPr lang="en-ID" sz="1800" dirty="0">
+              <a:latin typeface="+mn-lt"/>
+            </a:endParaRPr>
           </a:p>
         </p:txBody>
       </p:sp>
       <p:pic>
         <p:nvPicPr>
-          <p:cNvPr id="5" name="Content Placeholder 4">
+          <p:cNvPr id="7" name="Picture 6">
             <a:extLst>
               <a:ext uri="{FF2B5EF4-FFF2-40B4-BE49-F238E27FC236}">
-                <a16:creationId xmlns:a16="http://schemas.microsoft.com/office/drawing/2014/main" id="{38E18904-256A-4383-B32E-2A06F421916B}"/>
+                <a16:creationId xmlns:a16="http://schemas.microsoft.com/office/drawing/2014/main" id="{CC695B84-6020-4AB2-B77F-1BE7938FAD34}"/>
               </a:ext>
             </a:extLst>
           </p:cNvPr>
           <p:cNvPicPr>
-            <a:picLocks noGrp="1" noChangeAspect="1"/>
+            <a:picLocks noChangeAspect="1"/>
           </p:cNvPicPr>
-          <p:nvPr>
-            <p:ph idx="1"/>
-          </p:nvPr>
+          <p:nvPr/>
         </p:nvPicPr>
         <p:blipFill rotWithShape="1">
           <a:blip r:embed="rId2"/>
-          <a:srcRect l="56522" t="8568" r="19685" b="30092"/>
+          <a:srcRect l="56459" t="8643" r="20000" b="30126"/>
           <a:stretch/>
         </p:blipFill>
         <p:spPr>
           <a:xfrm>
-            <a:off x="266699" y="365125"/>
-            <a:ext cx="5654675" cy="6127749"/>
+            <a:off x="127000" y="190500"/>
+            <a:ext cx="6184898" cy="6239632"/>
           </a:xfrm>
+          <a:prstGeom prst="rect">
+            <a:avLst/>
+          </a:prstGeom>
         </p:spPr>
       </p:pic>
     </p:spTree>
@@ -4140,8 +3582,8 @@
         </p:nvSpPr>
         <p:spPr>
           <a:xfrm>
-            <a:off x="7124700" y="342900"/>
-            <a:ext cx="4546600" cy="5232400"/>
+            <a:off x="7039627" y="2066011"/>
+            <a:ext cx="4844615" cy="2725977"/>
           </a:xfrm>
         </p:spPr>
         <p:txBody>
@@ -4150,305 +3592,59 @@
           </a:bodyPr>
           <a:lstStyle/>
           <a:p>
+            <a:pPr algn="l"/>
             <a:r>
-              <a:rPr lang="en-US" sz="2400" dirty="0"/>
-              <a:t>Data di </a:t>
-            </a:r>
-            <a:r>
-              <a:rPr lang="en-US" sz="2400" dirty="0" err="1"/>
-              <a:t>samping</a:t>
-            </a:r>
-            <a:r>
-              <a:rPr lang="en-US" sz="2400" dirty="0"/>
-              <a:t> </a:t>
-            </a:r>
-            <a:r>
-              <a:rPr lang="en-US" sz="2400" dirty="0" err="1"/>
-              <a:t>merupakan</a:t>
-            </a:r>
-            <a:r>
-              <a:rPr lang="en-US" sz="2400" dirty="0"/>
-              <a:t> data moving average </a:t>
-            </a:r>
-            <a:r>
-              <a:rPr lang="en-US" sz="2400" dirty="0" err="1"/>
-              <a:t>mingguan</a:t>
-            </a:r>
-            <a:r>
-              <a:rPr lang="en-US" sz="2400" dirty="0"/>
-              <a:t> yang mana </a:t>
-            </a:r>
-            <a:r>
-              <a:rPr lang="en-US" sz="2400" dirty="0" err="1"/>
-              <a:t>akan</a:t>
-            </a:r>
-            <a:r>
-              <a:rPr lang="en-US" sz="2400" dirty="0"/>
-              <a:t> di </a:t>
-            </a:r>
-            <a:r>
-              <a:rPr lang="en-US" sz="2400" dirty="0" err="1"/>
-              <a:t>ambil</a:t>
-            </a:r>
-            <a:r>
-              <a:rPr lang="en-US" sz="2400" dirty="0"/>
-              <a:t> data moving average </a:t>
-            </a:r>
-            <a:r>
-              <a:rPr lang="en-US" sz="2400" dirty="0" err="1"/>
-              <a:t>mingguan</a:t>
-            </a:r>
-            <a:r>
-              <a:rPr lang="en-US" sz="2400" dirty="0"/>
-              <a:t> </a:t>
-            </a:r>
-            <a:r>
-              <a:rPr lang="en-US" sz="2400" dirty="0" err="1"/>
-              <a:t>tertinggi</a:t>
-            </a:r>
-            <a:r>
-              <a:rPr lang="en-US" sz="2400" dirty="0"/>
-              <a:t> dan di </a:t>
-            </a:r>
-            <a:r>
-              <a:rPr lang="en-US" sz="2400" dirty="0" err="1"/>
-              <a:t>tambahkan</a:t>
-            </a:r>
-            <a:r>
-              <a:rPr lang="en-US" sz="2400" dirty="0"/>
-              <a:t> 30% </a:t>
-            </a:r>
-            <a:r>
-              <a:rPr lang="en-US" sz="2400" dirty="0" err="1"/>
-              <a:t>dari</a:t>
-            </a:r>
-            <a:r>
-              <a:rPr lang="en-US" sz="2400" dirty="0"/>
-              <a:t> moving average </a:t>
-            </a:r>
-            <a:r>
-              <a:rPr lang="en-US" sz="2400" dirty="0" err="1"/>
-              <a:t>tertinggi</a:t>
-            </a:r>
-            <a:r>
-              <a:rPr lang="en-US" sz="2400" dirty="0"/>
-              <a:t> </a:t>
-            </a:r>
-            <a:r>
-              <a:rPr lang="en-US" sz="2400" dirty="0" err="1"/>
-              <a:t>untuk</a:t>
-            </a:r>
-            <a:r>
-              <a:rPr lang="en-US" sz="2400" dirty="0"/>
-              <a:t> </a:t>
-            </a:r>
-            <a:r>
-              <a:rPr lang="en-US" sz="2400" dirty="0" err="1"/>
-              <a:t>mengisi</a:t>
-            </a:r>
-            <a:r>
-              <a:rPr lang="en-US" sz="2400" dirty="0"/>
-              <a:t> stock </a:t>
-            </a:r>
-            <a:r>
-              <a:rPr lang="en-US" sz="2400" dirty="0" err="1"/>
-              <a:t>mingguan</a:t>
-            </a:r>
-            <a:r>
-              <a:rPr lang="en-US" sz="2400" dirty="0"/>
-              <a:t> agar </a:t>
-            </a:r>
-            <a:r>
-              <a:rPr lang="en-US" sz="2400" dirty="0" err="1"/>
-              <a:t>lebih</a:t>
-            </a:r>
-            <a:r>
-              <a:rPr lang="en-US" sz="2400" dirty="0"/>
-              <a:t> </a:t>
-            </a:r>
-            <a:r>
-              <a:rPr lang="en-US" sz="2400" dirty="0" err="1"/>
-              <a:t>aman</a:t>
-            </a:r>
-            <a:r>
-              <a:rPr lang="en-US" sz="2400" dirty="0"/>
-              <a:t>.</a:t>
+              <a:rPr lang="en-US" sz="1800" dirty="0">
+                <a:latin typeface="+mn-lt"/>
+              </a:rPr>
+              <a:t>The data provided represents weekly moving averages, from which the highest weekly moving average value will be selected and increased by 30% to replenish the weekly stock for greater security.</a:t>
             </a:r>
             <a:br>
-              <a:rPr lang="en-US" sz="2400" dirty="0"/>
+              <a:rPr lang="en-US" sz="1800" dirty="0">
+                <a:latin typeface="+mn-lt"/>
+              </a:rPr>
             </a:br>
             <a:br>
-              <a:rPr lang="en-US" sz="2400" dirty="0"/>
+              <a:rPr lang="en-US" sz="1800" dirty="0">
+                <a:latin typeface="+mn-lt"/>
+              </a:rPr>
             </a:br>
             <a:r>
-              <a:rPr lang="en-US" sz="2400" dirty="0"/>
-              <a:t>Saya </a:t>
+              <a:rPr lang="en-US" sz="1800" dirty="0">
+                <a:latin typeface="+mn-lt"/>
+              </a:rPr>
+              <a:t>I am confident that implementing this weekly stock method will significantly enhance cash flow, allowing for increased cash reserves and improved company profitability.</a:t>
             </a:r>
-            <a:r>
-              <a:rPr lang="en-US" sz="2400" dirty="0" err="1"/>
-              <a:t>yakin</a:t>
-            </a:r>
-            <a:r>
-              <a:rPr lang="en-US" sz="2400" dirty="0"/>
-              <a:t> </a:t>
-            </a:r>
-            <a:r>
-              <a:rPr lang="en-US" sz="2400" dirty="0" err="1"/>
-              <a:t>dengan</a:t>
-            </a:r>
-            <a:r>
-              <a:rPr lang="en-US" sz="2400" dirty="0"/>
-              <a:t> </a:t>
-            </a:r>
-            <a:r>
-              <a:rPr lang="en-US" sz="2400" dirty="0" err="1"/>
-              <a:t>metode</a:t>
-            </a:r>
-            <a:r>
-              <a:rPr lang="en-US" sz="2400" dirty="0"/>
-              <a:t> stock </a:t>
-            </a:r>
-            <a:r>
-              <a:rPr lang="en-US" sz="2400" dirty="0" err="1"/>
-              <a:t>mingguan</a:t>
-            </a:r>
-            <a:r>
-              <a:rPr lang="en-US" sz="2400" dirty="0"/>
-              <a:t> </a:t>
-            </a:r>
-            <a:r>
-              <a:rPr lang="en-US" sz="2400" dirty="0" err="1"/>
-              <a:t>seperti</a:t>
-            </a:r>
-            <a:r>
-              <a:rPr lang="en-US" sz="2400" dirty="0"/>
-              <a:t> </a:t>
-            </a:r>
-            <a:r>
-              <a:rPr lang="en-US" sz="2400" dirty="0" err="1"/>
-              <a:t>ini</a:t>
-            </a:r>
-            <a:r>
-              <a:rPr lang="en-US" sz="2400" dirty="0"/>
-              <a:t> </a:t>
-            </a:r>
-            <a:r>
-              <a:rPr lang="en-US" sz="2400" dirty="0" err="1"/>
-              <a:t>akan</a:t>
-            </a:r>
-            <a:r>
-              <a:rPr lang="en-US" sz="2400" dirty="0"/>
-              <a:t> sangat </a:t>
-            </a:r>
-            <a:r>
-              <a:rPr lang="en-US" sz="2400" dirty="0" err="1"/>
-              <a:t>membantu</a:t>
-            </a:r>
-            <a:r>
-              <a:rPr lang="en-US" sz="2400" dirty="0"/>
-              <a:t> </a:t>
-            </a:r>
-            <a:r>
-              <a:rPr lang="en-US" sz="2400" dirty="0" err="1"/>
-              <a:t>meningkatkan</a:t>
-            </a:r>
-            <a:r>
-              <a:rPr lang="en-US" sz="2400" dirty="0"/>
-              <a:t> cashflow agar </a:t>
-            </a:r>
-            <a:r>
-              <a:rPr lang="en-US" sz="2400" dirty="0" err="1"/>
-              <a:t>dapat</a:t>
-            </a:r>
-            <a:r>
-              <a:rPr lang="en-US" sz="2400" dirty="0"/>
-              <a:t> </a:t>
-            </a:r>
-            <a:r>
-              <a:rPr lang="en-US" sz="2400" dirty="0" err="1"/>
-              <a:t>mendapatkan</a:t>
-            </a:r>
-            <a:r>
-              <a:rPr lang="en-US" sz="2400" dirty="0"/>
-              <a:t> uang cash </a:t>
-            </a:r>
-            <a:r>
-              <a:rPr lang="en-US" sz="2400" dirty="0" err="1"/>
-              <a:t>dengan</a:t>
-            </a:r>
-            <a:r>
-              <a:rPr lang="en-US" sz="2400" dirty="0"/>
-              <a:t> </a:t>
-            </a:r>
-            <a:r>
-              <a:rPr lang="en-US" sz="2400" dirty="0" err="1"/>
-              <a:t>lebih</a:t>
-            </a:r>
-            <a:r>
-              <a:rPr lang="en-US" sz="2400" dirty="0"/>
-              <a:t> </a:t>
-            </a:r>
-            <a:r>
-              <a:rPr lang="en-US" sz="2400" dirty="0" err="1"/>
-              <a:t>banyak</a:t>
-            </a:r>
-            <a:r>
-              <a:rPr lang="en-US" sz="2400" dirty="0"/>
-              <a:t> dan juga </a:t>
-            </a:r>
-            <a:r>
-              <a:rPr lang="en-US" sz="2400" dirty="0" err="1"/>
-              <a:t>dapat</a:t>
-            </a:r>
-            <a:r>
-              <a:rPr lang="en-US" sz="2400" dirty="0"/>
-              <a:t> </a:t>
-            </a:r>
-            <a:r>
-              <a:rPr lang="en-US" sz="2400" dirty="0" err="1"/>
-              <a:t>meningkatkan</a:t>
-            </a:r>
-            <a:r>
-              <a:rPr lang="en-US" sz="2400" dirty="0"/>
-              <a:t> profit </a:t>
-            </a:r>
-            <a:r>
-              <a:rPr lang="en-US" sz="2400" dirty="0" err="1"/>
-              <a:t>perusahaan</a:t>
-            </a:r>
-            <a:br>
-              <a:rPr lang="en-US" sz="2400" dirty="0"/>
-            </a:br>
-            <a:endParaRPr lang="en-ID" sz="2400" dirty="0"/>
           </a:p>
         </p:txBody>
       </p:sp>
       <p:pic>
         <p:nvPicPr>
-          <p:cNvPr id="5" name="Content Placeholder 4">
+          <p:cNvPr id="7" name="Picture 6">
             <a:extLst>
               <a:ext uri="{FF2B5EF4-FFF2-40B4-BE49-F238E27FC236}">
-                <a16:creationId xmlns:a16="http://schemas.microsoft.com/office/drawing/2014/main" id="{D946ABDE-F453-47D0-9DC8-C7DDD55B8C54}"/>
+                <a16:creationId xmlns:a16="http://schemas.microsoft.com/office/drawing/2014/main" id="{F41E27E3-6E37-47E2-B005-139CF343E6A2}"/>
               </a:ext>
             </a:extLst>
           </p:cNvPr>
           <p:cNvPicPr>
-            <a:picLocks noGrp="1" noChangeAspect="1"/>
+            <a:picLocks noChangeAspect="1"/>
           </p:cNvPicPr>
-          <p:nvPr>
-            <p:ph idx="1"/>
-          </p:nvPr>
+          <p:nvPr/>
         </p:nvPicPr>
         <p:blipFill rotWithShape="1">
           <a:blip r:embed="rId2"/>
-          <a:srcRect l="56280" t="10747" r="21739" b="29781"/>
+          <a:srcRect l="56250" t="10522" r="22396" b="29858"/>
           <a:stretch/>
         </p:blipFill>
         <p:spPr>
           <a:xfrm>
-            <a:off x="292099" y="139700"/>
-            <a:ext cx="6053811" cy="6353175"/>
+            <a:off x="165100" y="228600"/>
+            <a:ext cx="6248400" cy="6065148"/>
           </a:xfrm>
+          <a:prstGeom prst="rect">
+            <a:avLst/>
+          </a:prstGeom>
         </p:spPr>
       </p:pic>
     </p:spTree>
@@ -4499,8 +3695,8 @@
         </p:nvSpPr>
         <p:spPr>
           <a:xfrm>
-            <a:off x="4191000" y="0"/>
-            <a:ext cx="3810000" cy="774700"/>
+            <a:off x="1841500" y="-812800"/>
+            <a:ext cx="8509000" cy="3048000"/>
           </a:xfrm>
         </p:spPr>
         <p:txBody>
@@ -4510,18 +3706,18 @@
           <a:lstStyle/>
           <a:p>
             <a:r>
-              <a:rPr lang="en-US" sz="1800" dirty="0">
-                <a:latin typeface="Bell MT" panose="02020503060305020303" pitchFamily="18" charset="0"/>
+              <a:rPr lang="en-US" sz="4800" dirty="0">
+                <a:latin typeface="+mn-lt"/>
               </a:rPr>
-              <a:t>PENTINGYA OPTIMASI STOCK</a:t>
+              <a:t>WHY INVENTORY STOCK OPTIMIZATION MANAGEMENT</a:t>
             </a:r>
             <a:br>
-              <a:rPr lang="en-ID" sz="1800" dirty="0">
-                <a:latin typeface="Bell MT" panose="02020503060305020303" pitchFamily="18" charset="0"/>
+              <a:rPr lang="en-ID" sz="4800" dirty="0">
+                <a:latin typeface="+mn-lt"/>
               </a:rPr>
             </a:br>
-            <a:endParaRPr lang="en-ID" sz="1800" dirty="0">
-              <a:latin typeface="Bell MT" panose="02020503060305020303" pitchFamily="18" charset="0"/>
+            <a:endParaRPr lang="en-ID" sz="4800" dirty="0">
+              <a:latin typeface="+mn-lt"/>
             </a:endParaRPr>
           </a:p>
         </p:txBody>
@@ -4544,5687 +3740,92 @@
         </p:nvSpPr>
         <p:spPr>
           <a:xfrm>
-            <a:off x="317500" y="685800"/>
-            <a:ext cx="11557000" cy="6007100"/>
+            <a:off x="317500" y="1780957"/>
+            <a:ext cx="11557000" cy="4807733"/>
           </a:xfrm>
         </p:spPr>
         <p:txBody>
           <a:bodyPr>
-            <a:normAutofit fontScale="92500" lnSpcReduction="20000"/>
+            <a:noAutofit/>
           </a:bodyPr>
           <a:lstStyle/>
           <a:p>
-            <a:pPr algn="just">
-              <a:lnSpc>
-                <a:spcPct val="107000"/>
-              </a:lnSpc>
-              <a:spcAft>
-                <a:spcPts val="800"/>
-              </a:spcAft>
-            </a:pPr>
+            <a:pPr algn="l"/>
             <a:r>
-              <a:rPr lang="en-ID" sz="1800" dirty="0">
-                <a:effectLst/>
-                <a:latin typeface="Calibri" panose="020F0502020204030204" pitchFamily="34" charset="0"/>
-                <a:ea typeface="Calibri" panose="020F0502020204030204" pitchFamily="34" charset="0"/>
-                <a:cs typeface="Times New Roman" panose="02020603050405020304" pitchFamily="18" charset="0"/>
-              </a:rPr>
-              <a:t>	</a:t>
+              <a:rPr lang="en-US" sz="1600" dirty="0"/>
+              <a:t>	Stock optimization is a crucial process for a company because efficiently managed stock can have a significant impact on the company's performance and profitability. Here are several reasons why stock optimization is highly important:</a:t>
             </a:r>
-            <a:r>
-              <a:rPr lang="en-ID" sz="1800" dirty="0" err="1">
-                <a:effectLst/>
-                <a:latin typeface="Calibri" panose="020F0502020204030204" pitchFamily="34" charset="0"/>
-                <a:ea typeface="Calibri" panose="020F0502020204030204" pitchFamily="34" charset="0"/>
-                <a:cs typeface="Times New Roman" panose="02020603050405020304" pitchFamily="18" charset="0"/>
-              </a:rPr>
-              <a:t>Optimasi</a:t>
-            </a:r>
-            <a:r>
-              <a:rPr lang="en-ID" sz="1800" dirty="0">
-                <a:effectLst/>
-                <a:latin typeface="Calibri" panose="020F0502020204030204" pitchFamily="34" charset="0"/>
-                <a:ea typeface="Calibri" panose="020F0502020204030204" pitchFamily="34" charset="0"/>
-                <a:cs typeface="Times New Roman" panose="02020603050405020304" pitchFamily="18" charset="0"/>
-              </a:rPr>
-              <a:t> </a:t>
-            </a:r>
-            <a:r>
-              <a:rPr lang="en-ID" sz="1800" dirty="0" err="1">
-                <a:effectLst/>
-                <a:latin typeface="Calibri" panose="020F0502020204030204" pitchFamily="34" charset="0"/>
-                <a:ea typeface="Calibri" panose="020F0502020204030204" pitchFamily="34" charset="0"/>
-                <a:cs typeface="Times New Roman" panose="02020603050405020304" pitchFamily="18" charset="0"/>
-              </a:rPr>
-              <a:t>stok</a:t>
-            </a:r>
-            <a:r>
-              <a:rPr lang="en-ID" sz="1800" dirty="0">
-                <a:effectLst/>
-                <a:latin typeface="Calibri" panose="020F0502020204030204" pitchFamily="34" charset="0"/>
-                <a:ea typeface="Calibri" panose="020F0502020204030204" pitchFamily="34" charset="0"/>
-                <a:cs typeface="Times New Roman" panose="02020603050405020304" pitchFamily="18" charset="0"/>
-              </a:rPr>
-              <a:t> </a:t>
-            </a:r>
-            <a:r>
-              <a:rPr lang="en-ID" sz="1800" dirty="0" err="1">
-                <a:effectLst/>
-                <a:latin typeface="Calibri" panose="020F0502020204030204" pitchFamily="34" charset="0"/>
-                <a:ea typeface="Calibri" panose="020F0502020204030204" pitchFamily="34" charset="0"/>
-                <a:cs typeface="Times New Roman" panose="02020603050405020304" pitchFamily="18" charset="0"/>
-              </a:rPr>
-              <a:t>merupakan</a:t>
-            </a:r>
-            <a:r>
-              <a:rPr lang="en-ID" sz="1800" dirty="0">
-                <a:effectLst/>
-                <a:latin typeface="Calibri" panose="020F0502020204030204" pitchFamily="34" charset="0"/>
-                <a:ea typeface="Calibri" panose="020F0502020204030204" pitchFamily="34" charset="0"/>
-                <a:cs typeface="Times New Roman" panose="02020603050405020304" pitchFamily="18" charset="0"/>
-              </a:rPr>
-              <a:t> </a:t>
-            </a:r>
-            <a:r>
-              <a:rPr lang="en-ID" sz="1800" dirty="0" err="1">
-                <a:effectLst/>
-                <a:latin typeface="Calibri" panose="020F0502020204030204" pitchFamily="34" charset="0"/>
-                <a:ea typeface="Calibri" panose="020F0502020204030204" pitchFamily="34" charset="0"/>
-                <a:cs typeface="Times New Roman" panose="02020603050405020304" pitchFamily="18" charset="0"/>
-              </a:rPr>
-              <a:t>suatu</a:t>
-            </a:r>
-            <a:r>
-              <a:rPr lang="en-ID" sz="1800" dirty="0">
-                <a:effectLst/>
-                <a:latin typeface="Calibri" panose="020F0502020204030204" pitchFamily="34" charset="0"/>
-                <a:ea typeface="Calibri" panose="020F0502020204030204" pitchFamily="34" charset="0"/>
-                <a:cs typeface="Times New Roman" panose="02020603050405020304" pitchFamily="18" charset="0"/>
-              </a:rPr>
-              <a:t> proses </a:t>
-            </a:r>
-            <a:r>
-              <a:rPr lang="en-ID" sz="1800" dirty="0" err="1">
-                <a:effectLst/>
-                <a:latin typeface="Calibri" panose="020F0502020204030204" pitchFamily="34" charset="0"/>
-                <a:ea typeface="Calibri" panose="020F0502020204030204" pitchFamily="34" charset="0"/>
-                <a:cs typeface="Times New Roman" panose="02020603050405020304" pitchFamily="18" charset="0"/>
-              </a:rPr>
-              <a:t>penting</a:t>
-            </a:r>
-            <a:r>
-              <a:rPr lang="en-ID" sz="1800" dirty="0">
-                <a:effectLst/>
-                <a:latin typeface="Calibri" panose="020F0502020204030204" pitchFamily="34" charset="0"/>
-                <a:ea typeface="Calibri" panose="020F0502020204030204" pitchFamily="34" charset="0"/>
-                <a:cs typeface="Times New Roman" panose="02020603050405020304" pitchFamily="18" charset="0"/>
-              </a:rPr>
-              <a:t> </a:t>
-            </a:r>
-            <a:r>
-              <a:rPr lang="en-ID" sz="1800" dirty="0" err="1">
-                <a:effectLst/>
-                <a:latin typeface="Calibri" panose="020F0502020204030204" pitchFamily="34" charset="0"/>
-                <a:ea typeface="Calibri" panose="020F0502020204030204" pitchFamily="34" charset="0"/>
-                <a:cs typeface="Times New Roman" panose="02020603050405020304" pitchFamily="18" charset="0"/>
-              </a:rPr>
-              <a:t>bagi</a:t>
-            </a:r>
-            <a:r>
-              <a:rPr lang="en-ID" sz="1800" dirty="0">
-                <a:effectLst/>
-                <a:latin typeface="Calibri" panose="020F0502020204030204" pitchFamily="34" charset="0"/>
-                <a:ea typeface="Calibri" panose="020F0502020204030204" pitchFamily="34" charset="0"/>
-                <a:cs typeface="Times New Roman" panose="02020603050405020304" pitchFamily="18" charset="0"/>
-              </a:rPr>
-              <a:t> </a:t>
-            </a:r>
-            <a:r>
-              <a:rPr lang="en-ID" sz="1800" dirty="0" err="1">
-                <a:effectLst/>
-                <a:latin typeface="Calibri" panose="020F0502020204030204" pitchFamily="34" charset="0"/>
-                <a:ea typeface="Calibri" panose="020F0502020204030204" pitchFamily="34" charset="0"/>
-                <a:cs typeface="Times New Roman" panose="02020603050405020304" pitchFamily="18" charset="0"/>
-              </a:rPr>
-              <a:t>sebuah</a:t>
-            </a:r>
-            <a:r>
-              <a:rPr lang="en-ID" sz="1800" dirty="0">
-                <a:effectLst/>
-                <a:latin typeface="Calibri" panose="020F0502020204030204" pitchFamily="34" charset="0"/>
-                <a:ea typeface="Calibri" panose="020F0502020204030204" pitchFamily="34" charset="0"/>
-                <a:cs typeface="Times New Roman" panose="02020603050405020304" pitchFamily="18" charset="0"/>
-              </a:rPr>
-              <a:t> </a:t>
-            </a:r>
-            <a:r>
-              <a:rPr lang="en-ID" sz="1800" dirty="0" err="1">
-                <a:effectLst/>
-                <a:latin typeface="Calibri" panose="020F0502020204030204" pitchFamily="34" charset="0"/>
-                <a:ea typeface="Calibri" panose="020F0502020204030204" pitchFamily="34" charset="0"/>
-                <a:cs typeface="Times New Roman" panose="02020603050405020304" pitchFamily="18" charset="0"/>
-              </a:rPr>
-              <a:t>perusahaan</a:t>
-            </a:r>
-            <a:r>
-              <a:rPr lang="en-ID" sz="1800" dirty="0">
-                <a:effectLst/>
-                <a:latin typeface="Calibri" panose="020F0502020204030204" pitchFamily="34" charset="0"/>
-                <a:ea typeface="Calibri" panose="020F0502020204030204" pitchFamily="34" charset="0"/>
-                <a:cs typeface="Times New Roman" panose="02020603050405020304" pitchFamily="18" charset="0"/>
-              </a:rPr>
-              <a:t> </a:t>
-            </a:r>
-            <a:r>
-              <a:rPr lang="en-ID" sz="1800" dirty="0" err="1">
-                <a:effectLst/>
-                <a:latin typeface="Calibri" panose="020F0502020204030204" pitchFamily="34" charset="0"/>
-                <a:ea typeface="Calibri" panose="020F0502020204030204" pitchFamily="34" charset="0"/>
-                <a:cs typeface="Times New Roman" panose="02020603050405020304" pitchFamily="18" charset="0"/>
-              </a:rPr>
-              <a:t>karena</a:t>
-            </a:r>
-            <a:r>
-              <a:rPr lang="en-ID" sz="1800" dirty="0">
-                <a:effectLst/>
-                <a:latin typeface="Calibri" panose="020F0502020204030204" pitchFamily="34" charset="0"/>
-                <a:ea typeface="Calibri" panose="020F0502020204030204" pitchFamily="34" charset="0"/>
-                <a:cs typeface="Times New Roman" panose="02020603050405020304" pitchFamily="18" charset="0"/>
-              </a:rPr>
-              <a:t> </a:t>
-            </a:r>
-            <a:r>
-              <a:rPr lang="en-ID" sz="1800" dirty="0" err="1">
-                <a:effectLst/>
-                <a:latin typeface="Calibri" panose="020F0502020204030204" pitchFamily="34" charset="0"/>
-                <a:ea typeface="Calibri" panose="020F0502020204030204" pitchFamily="34" charset="0"/>
-                <a:cs typeface="Times New Roman" panose="02020603050405020304" pitchFamily="18" charset="0"/>
-              </a:rPr>
-              <a:t>stok</a:t>
-            </a:r>
-            <a:r>
-              <a:rPr lang="en-ID" sz="1800" dirty="0">
-                <a:effectLst/>
-                <a:latin typeface="Calibri" panose="020F0502020204030204" pitchFamily="34" charset="0"/>
-                <a:ea typeface="Calibri" panose="020F0502020204030204" pitchFamily="34" charset="0"/>
-                <a:cs typeface="Times New Roman" panose="02020603050405020304" pitchFamily="18" charset="0"/>
-              </a:rPr>
-              <a:t> yang </a:t>
-            </a:r>
-            <a:r>
-              <a:rPr lang="en-ID" sz="1800" dirty="0" err="1">
-                <a:effectLst/>
-                <a:latin typeface="Calibri" panose="020F0502020204030204" pitchFamily="34" charset="0"/>
-                <a:ea typeface="Calibri" panose="020F0502020204030204" pitchFamily="34" charset="0"/>
-                <a:cs typeface="Times New Roman" panose="02020603050405020304" pitchFamily="18" charset="0"/>
-              </a:rPr>
-              <a:t>efisien</a:t>
-            </a:r>
-            <a:r>
-              <a:rPr lang="en-ID" sz="1800" dirty="0">
-                <a:effectLst/>
-                <a:latin typeface="Calibri" panose="020F0502020204030204" pitchFamily="34" charset="0"/>
-                <a:ea typeface="Calibri" panose="020F0502020204030204" pitchFamily="34" charset="0"/>
-                <a:cs typeface="Times New Roman" panose="02020603050405020304" pitchFamily="18" charset="0"/>
-              </a:rPr>
-              <a:t> dan </a:t>
-            </a:r>
-            <a:r>
-              <a:rPr lang="en-ID" sz="1800" dirty="0" err="1">
-                <a:effectLst/>
-                <a:latin typeface="Calibri" panose="020F0502020204030204" pitchFamily="34" charset="0"/>
-                <a:ea typeface="Calibri" panose="020F0502020204030204" pitchFamily="34" charset="0"/>
-                <a:cs typeface="Times New Roman" panose="02020603050405020304" pitchFamily="18" charset="0"/>
-              </a:rPr>
-              <a:t>terkelola</a:t>
-            </a:r>
-            <a:r>
-              <a:rPr lang="en-ID" sz="1800" dirty="0">
-                <a:effectLst/>
-                <a:latin typeface="Calibri" panose="020F0502020204030204" pitchFamily="34" charset="0"/>
-                <a:ea typeface="Calibri" panose="020F0502020204030204" pitchFamily="34" charset="0"/>
-                <a:cs typeface="Times New Roman" panose="02020603050405020304" pitchFamily="18" charset="0"/>
-              </a:rPr>
-              <a:t> </a:t>
-            </a:r>
-            <a:r>
-              <a:rPr lang="en-ID" sz="1800" dirty="0" err="1">
-                <a:effectLst/>
-                <a:latin typeface="Calibri" panose="020F0502020204030204" pitchFamily="34" charset="0"/>
-                <a:ea typeface="Calibri" panose="020F0502020204030204" pitchFamily="34" charset="0"/>
-                <a:cs typeface="Times New Roman" panose="02020603050405020304" pitchFamily="18" charset="0"/>
-              </a:rPr>
-              <a:t>dengan</a:t>
-            </a:r>
-            <a:r>
-              <a:rPr lang="en-ID" sz="1800" dirty="0">
-                <a:effectLst/>
-                <a:latin typeface="Calibri" panose="020F0502020204030204" pitchFamily="34" charset="0"/>
-                <a:ea typeface="Calibri" panose="020F0502020204030204" pitchFamily="34" charset="0"/>
-                <a:cs typeface="Times New Roman" panose="02020603050405020304" pitchFamily="18" charset="0"/>
-              </a:rPr>
-              <a:t> </a:t>
-            </a:r>
-            <a:r>
-              <a:rPr lang="en-ID" sz="1800" dirty="0" err="1">
-                <a:effectLst/>
-                <a:latin typeface="Calibri" panose="020F0502020204030204" pitchFamily="34" charset="0"/>
-                <a:ea typeface="Calibri" panose="020F0502020204030204" pitchFamily="34" charset="0"/>
-                <a:cs typeface="Times New Roman" panose="02020603050405020304" pitchFamily="18" charset="0"/>
-              </a:rPr>
-              <a:t>baik</a:t>
-            </a:r>
-            <a:r>
-              <a:rPr lang="en-ID" sz="1800" dirty="0">
-                <a:effectLst/>
-                <a:latin typeface="Calibri" panose="020F0502020204030204" pitchFamily="34" charset="0"/>
-                <a:ea typeface="Calibri" panose="020F0502020204030204" pitchFamily="34" charset="0"/>
-                <a:cs typeface="Times New Roman" panose="02020603050405020304" pitchFamily="18" charset="0"/>
-              </a:rPr>
-              <a:t> </a:t>
-            </a:r>
-            <a:r>
-              <a:rPr lang="en-ID" sz="1800" dirty="0" err="1">
-                <a:effectLst/>
-                <a:latin typeface="Calibri" panose="020F0502020204030204" pitchFamily="34" charset="0"/>
-                <a:ea typeface="Calibri" panose="020F0502020204030204" pitchFamily="34" charset="0"/>
-                <a:cs typeface="Times New Roman" panose="02020603050405020304" pitchFamily="18" charset="0"/>
-              </a:rPr>
-              <a:t>dapat</a:t>
-            </a:r>
-            <a:r>
-              <a:rPr lang="en-ID" sz="1800" dirty="0">
-                <a:effectLst/>
-                <a:latin typeface="Calibri" panose="020F0502020204030204" pitchFamily="34" charset="0"/>
-                <a:ea typeface="Calibri" panose="020F0502020204030204" pitchFamily="34" charset="0"/>
-                <a:cs typeface="Times New Roman" panose="02020603050405020304" pitchFamily="18" charset="0"/>
-              </a:rPr>
-              <a:t> </a:t>
-            </a:r>
-            <a:r>
-              <a:rPr lang="en-ID" sz="1800" dirty="0" err="1">
-                <a:effectLst/>
-                <a:latin typeface="Calibri" panose="020F0502020204030204" pitchFamily="34" charset="0"/>
-                <a:ea typeface="Calibri" panose="020F0502020204030204" pitchFamily="34" charset="0"/>
-                <a:cs typeface="Times New Roman" panose="02020603050405020304" pitchFamily="18" charset="0"/>
-              </a:rPr>
-              <a:t>memiliki</a:t>
-            </a:r>
-            <a:r>
-              <a:rPr lang="en-ID" sz="1800" dirty="0">
-                <a:effectLst/>
-                <a:latin typeface="Calibri" panose="020F0502020204030204" pitchFamily="34" charset="0"/>
-                <a:ea typeface="Calibri" panose="020F0502020204030204" pitchFamily="34" charset="0"/>
-                <a:cs typeface="Times New Roman" panose="02020603050405020304" pitchFamily="18" charset="0"/>
-              </a:rPr>
-              <a:t> </a:t>
-            </a:r>
-            <a:r>
-              <a:rPr lang="en-ID" sz="1800" dirty="0" err="1">
-                <a:effectLst/>
-                <a:latin typeface="Calibri" panose="020F0502020204030204" pitchFamily="34" charset="0"/>
-                <a:ea typeface="Calibri" panose="020F0502020204030204" pitchFamily="34" charset="0"/>
-                <a:cs typeface="Times New Roman" panose="02020603050405020304" pitchFamily="18" charset="0"/>
-              </a:rPr>
-              <a:t>dampak</a:t>
-            </a:r>
-            <a:r>
-              <a:rPr lang="en-ID" sz="1800" dirty="0">
-                <a:effectLst/>
-                <a:latin typeface="Calibri" panose="020F0502020204030204" pitchFamily="34" charset="0"/>
-                <a:ea typeface="Calibri" panose="020F0502020204030204" pitchFamily="34" charset="0"/>
-                <a:cs typeface="Times New Roman" panose="02020603050405020304" pitchFamily="18" charset="0"/>
-              </a:rPr>
-              <a:t> </a:t>
-            </a:r>
-            <a:r>
-              <a:rPr lang="en-ID" sz="1800" dirty="0" err="1">
-                <a:effectLst/>
-                <a:latin typeface="Calibri" panose="020F0502020204030204" pitchFamily="34" charset="0"/>
-                <a:ea typeface="Calibri" panose="020F0502020204030204" pitchFamily="34" charset="0"/>
-                <a:cs typeface="Times New Roman" panose="02020603050405020304" pitchFamily="18" charset="0"/>
-              </a:rPr>
-              <a:t>besar</a:t>
-            </a:r>
-            <a:r>
-              <a:rPr lang="en-ID" sz="1800" dirty="0">
-                <a:effectLst/>
-                <a:latin typeface="Calibri" panose="020F0502020204030204" pitchFamily="34" charset="0"/>
-                <a:ea typeface="Calibri" panose="020F0502020204030204" pitchFamily="34" charset="0"/>
-                <a:cs typeface="Times New Roman" panose="02020603050405020304" pitchFamily="18" charset="0"/>
-              </a:rPr>
-              <a:t> pada </a:t>
-            </a:r>
-            <a:r>
-              <a:rPr lang="en-ID" sz="1800" dirty="0" err="1">
-                <a:effectLst/>
-                <a:latin typeface="Calibri" panose="020F0502020204030204" pitchFamily="34" charset="0"/>
-                <a:ea typeface="Calibri" panose="020F0502020204030204" pitchFamily="34" charset="0"/>
-                <a:cs typeface="Times New Roman" panose="02020603050405020304" pitchFamily="18" charset="0"/>
-              </a:rPr>
-              <a:t>kinerja</a:t>
-            </a:r>
-            <a:r>
-              <a:rPr lang="en-ID" sz="1800" dirty="0">
-                <a:effectLst/>
-                <a:latin typeface="Calibri" panose="020F0502020204030204" pitchFamily="34" charset="0"/>
-                <a:ea typeface="Calibri" panose="020F0502020204030204" pitchFamily="34" charset="0"/>
-                <a:cs typeface="Times New Roman" panose="02020603050405020304" pitchFamily="18" charset="0"/>
-              </a:rPr>
-              <a:t> dan </a:t>
-            </a:r>
-            <a:r>
-              <a:rPr lang="en-ID" sz="1800" dirty="0" err="1">
-                <a:effectLst/>
-                <a:latin typeface="Calibri" panose="020F0502020204030204" pitchFamily="34" charset="0"/>
-                <a:ea typeface="Calibri" panose="020F0502020204030204" pitchFamily="34" charset="0"/>
-                <a:cs typeface="Times New Roman" panose="02020603050405020304" pitchFamily="18" charset="0"/>
-              </a:rPr>
-              <a:t>profitabilitas</a:t>
-            </a:r>
-            <a:r>
-              <a:rPr lang="en-ID" sz="1800" dirty="0">
-                <a:effectLst/>
-                <a:latin typeface="Calibri" panose="020F0502020204030204" pitchFamily="34" charset="0"/>
-                <a:ea typeface="Calibri" panose="020F0502020204030204" pitchFamily="34" charset="0"/>
-                <a:cs typeface="Times New Roman" panose="02020603050405020304" pitchFamily="18" charset="0"/>
-              </a:rPr>
-              <a:t> </a:t>
-            </a:r>
-            <a:r>
-              <a:rPr lang="en-ID" sz="1800" dirty="0" err="1">
-                <a:effectLst/>
-                <a:latin typeface="Calibri" panose="020F0502020204030204" pitchFamily="34" charset="0"/>
-                <a:ea typeface="Calibri" panose="020F0502020204030204" pitchFamily="34" charset="0"/>
-                <a:cs typeface="Times New Roman" panose="02020603050405020304" pitchFamily="18" charset="0"/>
-              </a:rPr>
-              <a:t>perusahaan</a:t>
-            </a:r>
-            <a:r>
-              <a:rPr lang="en-ID" sz="1800" dirty="0">
-                <a:effectLst/>
-                <a:latin typeface="Calibri" panose="020F0502020204030204" pitchFamily="34" charset="0"/>
-                <a:ea typeface="Calibri" panose="020F0502020204030204" pitchFamily="34" charset="0"/>
-                <a:cs typeface="Times New Roman" panose="02020603050405020304" pitchFamily="18" charset="0"/>
-              </a:rPr>
-              <a:t>. </a:t>
-            </a:r>
-            <a:r>
-              <a:rPr lang="en-ID" sz="1800" dirty="0" err="1">
-                <a:effectLst/>
-                <a:latin typeface="Calibri" panose="020F0502020204030204" pitchFamily="34" charset="0"/>
-                <a:ea typeface="Calibri" panose="020F0502020204030204" pitchFamily="34" charset="0"/>
-                <a:cs typeface="Times New Roman" panose="02020603050405020304" pitchFamily="18" charset="0"/>
-              </a:rPr>
-              <a:t>Berikut</a:t>
-            </a:r>
-            <a:r>
-              <a:rPr lang="en-ID" sz="1800" dirty="0">
-                <a:effectLst/>
-                <a:latin typeface="Calibri" panose="020F0502020204030204" pitchFamily="34" charset="0"/>
-                <a:ea typeface="Calibri" panose="020F0502020204030204" pitchFamily="34" charset="0"/>
-                <a:cs typeface="Times New Roman" panose="02020603050405020304" pitchFamily="18" charset="0"/>
-              </a:rPr>
-              <a:t> </a:t>
-            </a:r>
-            <a:r>
-              <a:rPr lang="en-ID" sz="1800" dirty="0" err="1">
-                <a:effectLst/>
-                <a:latin typeface="Calibri" panose="020F0502020204030204" pitchFamily="34" charset="0"/>
-                <a:ea typeface="Calibri" panose="020F0502020204030204" pitchFamily="34" charset="0"/>
-                <a:cs typeface="Times New Roman" panose="02020603050405020304" pitchFamily="18" charset="0"/>
-              </a:rPr>
-              <a:t>adalah</a:t>
-            </a:r>
-            <a:r>
-              <a:rPr lang="en-ID" sz="1800" dirty="0">
-                <a:effectLst/>
-                <a:latin typeface="Calibri" panose="020F0502020204030204" pitchFamily="34" charset="0"/>
-                <a:ea typeface="Calibri" panose="020F0502020204030204" pitchFamily="34" charset="0"/>
-                <a:cs typeface="Times New Roman" panose="02020603050405020304" pitchFamily="18" charset="0"/>
-              </a:rPr>
-              <a:t> </a:t>
-            </a:r>
-            <a:r>
-              <a:rPr lang="en-ID" sz="1800" dirty="0" err="1">
-                <a:effectLst/>
-                <a:latin typeface="Calibri" panose="020F0502020204030204" pitchFamily="34" charset="0"/>
-                <a:ea typeface="Calibri" panose="020F0502020204030204" pitchFamily="34" charset="0"/>
-                <a:cs typeface="Times New Roman" panose="02020603050405020304" pitchFamily="18" charset="0"/>
-              </a:rPr>
-              <a:t>beberapa</a:t>
-            </a:r>
-            <a:r>
-              <a:rPr lang="en-ID" sz="1800" dirty="0">
-                <a:effectLst/>
-                <a:latin typeface="Calibri" panose="020F0502020204030204" pitchFamily="34" charset="0"/>
-                <a:ea typeface="Calibri" panose="020F0502020204030204" pitchFamily="34" charset="0"/>
-                <a:cs typeface="Times New Roman" panose="02020603050405020304" pitchFamily="18" charset="0"/>
-              </a:rPr>
-              <a:t> </a:t>
-            </a:r>
-            <a:r>
-              <a:rPr lang="en-ID" sz="1800" dirty="0" err="1">
-                <a:effectLst/>
-                <a:latin typeface="Calibri" panose="020F0502020204030204" pitchFamily="34" charset="0"/>
-                <a:ea typeface="Calibri" panose="020F0502020204030204" pitchFamily="34" charset="0"/>
-                <a:cs typeface="Times New Roman" panose="02020603050405020304" pitchFamily="18" charset="0"/>
-              </a:rPr>
-              <a:t>alasan</a:t>
-            </a:r>
-            <a:r>
-              <a:rPr lang="en-ID" sz="1800" dirty="0">
-                <a:effectLst/>
-                <a:latin typeface="Calibri" panose="020F0502020204030204" pitchFamily="34" charset="0"/>
-                <a:ea typeface="Calibri" panose="020F0502020204030204" pitchFamily="34" charset="0"/>
-                <a:cs typeface="Times New Roman" panose="02020603050405020304" pitchFamily="18" charset="0"/>
-              </a:rPr>
-              <a:t> </a:t>
-            </a:r>
-            <a:r>
-              <a:rPr lang="en-ID" sz="1800" dirty="0" err="1">
-                <a:effectLst/>
-                <a:latin typeface="Calibri" panose="020F0502020204030204" pitchFamily="34" charset="0"/>
-                <a:ea typeface="Calibri" panose="020F0502020204030204" pitchFamily="34" charset="0"/>
-                <a:cs typeface="Times New Roman" panose="02020603050405020304" pitchFamily="18" charset="0"/>
-              </a:rPr>
-              <a:t>mengapa</a:t>
-            </a:r>
-            <a:r>
-              <a:rPr lang="en-ID" sz="1800" dirty="0">
-                <a:effectLst/>
-                <a:latin typeface="Calibri" panose="020F0502020204030204" pitchFamily="34" charset="0"/>
-                <a:ea typeface="Calibri" panose="020F0502020204030204" pitchFamily="34" charset="0"/>
-                <a:cs typeface="Times New Roman" panose="02020603050405020304" pitchFamily="18" charset="0"/>
-              </a:rPr>
-              <a:t> </a:t>
-            </a:r>
-            <a:r>
-              <a:rPr lang="en-ID" sz="1800" dirty="0" err="1">
-                <a:effectLst/>
-                <a:latin typeface="Calibri" panose="020F0502020204030204" pitchFamily="34" charset="0"/>
-                <a:ea typeface="Calibri" panose="020F0502020204030204" pitchFamily="34" charset="0"/>
-                <a:cs typeface="Times New Roman" panose="02020603050405020304" pitchFamily="18" charset="0"/>
-              </a:rPr>
-              <a:t>optimasi</a:t>
-            </a:r>
-            <a:r>
-              <a:rPr lang="en-ID" sz="1800" dirty="0">
-                <a:effectLst/>
-                <a:latin typeface="Calibri" panose="020F0502020204030204" pitchFamily="34" charset="0"/>
-                <a:ea typeface="Calibri" panose="020F0502020204030204" pitchFamily="34" charset="0"/>
-                <a:cs typeface="Times New Roman" panose="02020603050405020304" pitchFamily="18" charset="0"/>
-              </a:rPr>
-              <a:t> </a:t>
-            </a:r>
-            <a:r>
-              <a:rPr lang="en-ID" sz="1800" dirty="0" err="1">
-                <a:effectLst/>
-                <a:latin typeface="Calibri" panose="020F0502020204030204" pitchFamily="34" charset="0"/>
-                <a:ea typeface="Calibri" panose="020F0502020204030204" pitchFamily="34" charset="0"/>
-                <a:cs typeface="Times New Roman" panose="02020603050405020304" pitchFamily="18" charset="0"/>
-              </a:rPr>
-              <a:t>stok</a:t>
-            </a:r>
-            <a:r>
-              <a:rPr lang="en-ID" sz="1800" dirty="0">
-                <a:effectLst/>
-                <a:latin typeface="Calibri" panose="020F0502020204030204" pitchFamily="34" charset="0"/>
-                <a:ea typeface="Calibri" panose="020F0502020204030204" pitchFamily="34" charset="0"/>
-                <a:cs typeface="Times New Roman" panose="02020603050405020304" pitchFamily="18" charset="0"/>
-              </a:rPr>
-              <a:t> sangat </a:t>
-            </a:r>
-            <a:r>
-              <a:rPr lang="en-ID" sz="1800" dirty="0" err="1">
-                <a:effectLst/>
-                <a:latin typeface="Calibri" panose="020F0502020204030204" pitchFamily="34" charset="0"/>
-                <a:ea typeface="Calibri" panose="020F0502020204030204" pitchFamily="34" charset="0"/>
-                <a:cs typeface="Times New Roman" panose="02020603050405020304" pitchFamily="18" charset="0"/>
-              </a:rPr>
-              <a:t>penting</a:t>
-            </a:r>
-            <a:r>
-              <a:rPr lang="en-ID" sz="1800" dirty="0">
-                <a:effectLst/>
-                <a:latin typeface="Calibri" panose="020F0502020204030204" pitchFamily="34" charset="0"/>
-                <a:ea typeface="Calibri" panose="020F0502020204030204" pitchFamily="34" charset="0"/>
-                <a:cs typeface="Times New Roman" panose="02020603050405020304" pitchFamily="18" charset="0"/>
-              </a:rPr>
-              <a:t>:</a:t>
-            </a:r>
-          </a:p>
-          <a:p>
-            <a:pPr marL="342900" lvl="0" indent="-342900" algn="just">
+          </a:p>
+          <a:p>
+            <a:pPr marL="457200" indent="-457200" algn="l">
               <a:buFont typeface="+mj-lt"/>
               <a:buAutoNum type="arabicPeriod"/>
             </a:pPr>
             <a:r>
-              <a:rPr lang="en-US" sz="1800" dirty="0" err="1">
-                <a:solidFill>
-                  <a:srgbClr val="000000"/>
-                </a:solidFill>
-                <a:effectLst/>
-                <a:latin typeface="Calibri" panose="020F0502020204030204" pitchFamily="34" charset="0"/>
-                <a:ea typeface="Calibri" panose="020F0502020204030204" pitchFamily="34" charset="0"/>
-                <a:cs typeface="Times New Roman (Body CS)"/>
-              </a:rPr>
-              <a:t>Pemenuhan</a:t>
+              <a:rPr lang="en-US" sz="1600" dirty="0"/>
+              <a:t>Customer Demand Fulfillment: By having sufficient and appropriate stock, a company can ensure that customer demand is met in a timely manner. This avoids lost sales due to stock shortages or loss of customer trust due to delayed deliveries.</a:t>
             </a:r>
-            <a:r>
-              <a:rPr lang="en-US" sz="1800" dirty="0">
-                <a:solidFill>
-                  <a:srgbClr val="000000"/>
-                </a:solidFill>
-                <a:effectLst/>
-                <a:latin typeface="Calibri" panose="020F0502020204030204" pitchFamily="34" charset="0"/>
-                <a:ea typeface="Calibri" panose="020F0502020204030204" pitchFamily="34" charset="0"/>
-                <a:cs typeface="Times New Roman (Body CS)"/>
-              </a:rPr>
-              <a:t> </a:t>
-            </a:r>
-            <a:r>
-              <a:rPr lang="en-US" sz="1800" dirty="0" err="1">
-                <a:solidFill>
-                  <a:srgbClr val="000000"/>
-                </a:solidFill>
-                <a:effectLst/>
-                <a:latin typeface="Calibri" panose="020F0502020204030204" pitchFamily="34" charset="0"/>
-                <a:ea typeface="Calibri" panose="020F0502020204030204" pitchFamily="34" charset="0"/>
-                <a:cs typeface="Times New Roman (Body CS)"/>
-              </a:rPr>
-              <a:t>Permintaan</a:t>
-            </a:r>
-            <a:r>
-              <a:rPr lang="en-US" sz="1800" dirty="0">
-                <a:solidFill>
-                  <a:srgbClr val="000000"/>
-                </a:solidFill>
-                <a:effectLst/>
-                <a:latin typeface="Calibri" panose="020F0502020204030204" pitchFamily="34" charset="0"/>
-                <a:ea typeface="Calibri" panose="020F0502020204030204" pitchFamily="34" charset="0"/>
-                <a:cs typeface="Times New Roman (Body CS)"/>
-              </a:rPr>
-              <a:t> </a:t>
-            </a:r>
-            <a:r>
-              <a:rPr lang="en-US" sz="1800" dirty="0" err="1">
-                <a:solidFill>
-                  <a:srgbClr val="000000"/>
-                </a:solidFill>
-                <a:effectLst/>
-                <a:latin typeface="Calibri" panose="020F0502020204030204" pitchFamily="34" charset="0"/>
-                <a:ea typeface="Calibri" panose="020F0502020204030204" pitchFamily="34" charset="0"/>
-                <a:cs typeface="Times New Roman (Body CS)"/>
-              </a:rPr>
-              <a:t>Pelanggan</a:t>
-            </a:r>
-            <a:r>
-              <a:rPr lang="en-US" sz="1800" dirty="0">
-                <a:solidFill>
-                  <a:srgbClr val="000000"/>
-                </a:solidFill>
-                <a:effectLst/>
-                <a:latin typeface="Calibri" panose="020F0502020204030204" pitchFamily="34" charset="0"/>
-                <a:ea typeface="Calibri" panose="020F0502020204030204" pitchFamily="34" charset="0"/>
-                <a:cs typeface="Times New Roman (Body CS)"/>
-              </a:rPr>
-              <a:t>: </a:t>
-            </a:r>
-            <a:r>
-              <a:rPr lang="en-US" sz="1800" dirty="0" err="1">
-                <a:solidFill>
-                  <a:srgbClr val="000000"/>
-                </a:solidFill>
-                <a:effectLst/>
-                <a:latin typeface="Calibri" panose="020F0502020204030204" pitchFamily="34" charset="0"/>
-                <a:ea typeface="Calibri" panose="020F0502020204030204" pitchFamily="34" charset="0"/>
-                <a:cs typeface="Times New Roman (Body CS)"/>
-              </a:rPr>
-              <a:t>Dengan</a:t>
-            </a:r>
-            <a:r>
-              <a:rPr lang="en-US" sz="1800" dirty="0">
-                <a:solidFill>
-                  <a:srgbClr val="000000"/>
-                </a:solidFill>
-                <a:effectLst/>
-                <a:latin typeface="Calibri" panose="020F0502020204030204" pitchFamily="34" charset="0"/>
-                <a:ea typeface="Calibri" panose="020F0502020204030204" pitchFamily="34" charset="0"/>
-                <a:cs typeface="Times New Roman (Body CS)"/>
-              </a:rPr>
-              <a:t> </a:t>
-            </a:r>
-            <a:r>
-              <a:rPr lang="en-US" sz="1800" dirty="0" err="1">
-                <a:solidFill>
-                  <a:srgbClr val="000000"/>
-                </a:solidFill>
-                <a:effectLst/>
-                <a:latin typeface="Calibri" panose="020F0502020204030204" pitchFamily="34" charset="0"/>
-                <a:ea typeface="Calibri" panose="020F0502020204030204" pitchFamily="34" charset="0"/>
-                <a:cs typeface="Times New Roman (Body CS)"/>
-              </a:rPr>
-              <a:t>memiliki</a:t>
-            </a:r>
-            <a:r>
-              <a:rPr lang="en-US" sz="1800" dirty="0">
-                <a:solidFill>
-                  <a:srgbClr val="000000"/>
-                </a:solidFill>
-                <a:effectLst/>
-                <a:latin typeface="Calibri" panose="020F0502020204030204" pitchFamily="34" charset="0"/>
-                <a:ea typeface="Calibri" panose="020F0502020204030204" pitchFamily="34" charset="0"/>
-                <a:cs typeface="Times New Roman (Body CS)"/>
-              </a:rPr>
-              <a:t> </a:t>
-            </a:r>
-            <a:r>
-              <a:rPr lang="en-US" sz="1800" dirty="0" err="1">
-                <a:solidFill>
-                  <a:srgbClr val="000000"/>
-                </a:solidFill>
-                <a:effectLst/>
-                <a:latin typeface="Calibri" panose="020F0502020204030204" pitchFamily="34" charset="0"/>
-                <a:ea typeface="Calibri" panose="020F0502020204030204" pitchFamily="34" charset="0"/>
-                <a:cs typeface="Times New Roman (Body CS)"/>
-              </a:rPr>
-              <a:t>stok</a:t>
-            </a:r>
-            <a:r>
-              <a:rPr lang="en-US" sz="1800" dirty="0">
-                <a:solidFill>
-                  <a:srgbClr val="000000"/>
-                </a:solidFill>
-                <a:effectLst/>
-                <a:latin typeface="Calibri" panose="020F0502020204030204" pitchFamily="34" charset="0"/>
-                <a:ea typeface="Calibri" panose="020F0502020204030204" pitchFamily="34" charset="0"/>
-                <a:cs typeface="Times New Roman (Body CS)"/>
-              </a:rPr>
-              <a:t> yang </a:t>
-            </a:r>
-            <a:r>
-              <a:rPr lang="en-US" sz="1800" dirty="0" err="1">
-                <a:solidFill>
-                  <a:srgbClr val="000000"/>
-                </a:solidFill>
-                <a:effectLst/>
-                <a:latin typeface="Calibri" panose="020F0502020204030204" pitchFamily="34" charset="0"/>
-                <a:ea typeface="Calibri" panose="020F0502020204030204" pitchFamily="34" charset="0"/>
-                <a:cs typeface="Times New Roman (Body CS)"/>
-              </a:rPr>
-              <a:t>cukup</a:t>
-            </a:r>
-            <a:r>
-              <a:rPr lang="en-US" sz="1800" dirty="0">
-                <a:solidFill>
-                  <a:srgbClr val="000000"/>
-                </a:solidFill>
-                <a:effectLst/>
-                <a:latin typeface="Calibri" panose="020F0502020204030204" pitchFamily="34" charset="0"/>
-                <a:ea typeface="Calibri" panose="020F0502020204030204" pitchFamily="34" charset="0"/>
-                <a:cs typeface="Times New Roman (Body CS)"/>
-              </a:rPr>
-              <a:t> dan </a:t>
-            </a:r>
-            <a:r>
-              <a:rPr lang="en-US" sz="1800" dirty="0" err="1">
-                <a:solidFill>
-                  <a:srgbClr val="000000"/>
-                </a:solidFill>
-                <a:effectLst/>
-                <a:latin typeface="Calibri" panose="020F0502020204030204" pitchFamily="34" charset="0"/>
-                <a:ea typeface="Calibri" panose="020F0502020204030204" pitchFamily="34" charset="0"/>
-                <a:cs typeface="Times New Roman (Body CS)"/>
-              </a:rPr>
-              <a:t>tepat</a:t>
-            </a:r>
-            <a:r>
-              <a:rPr lang="en-US" sz="1800" dirty="0">
-                <a:solidFill>
-                  <a:srgbClr val="000000"/>
-                </a:solidFill>
-                <a:effectLst/>
-                <a:latin typeface="Calibri" panose="020F0502020204030204" pitchFamily="34" charset="0"/>
-                <a:ea typeface="Calibri" panose="020F0502020204030204" pitchFamily="34" charset="0"/>
-                <a:cs typeface="Times New Roman (Body CS)"/>
-              </a:rPr>
-              <a:t>, </a:t>
-            </a:r>
-            <a:r>
-              <a:rPr lang="en-US" sz="1800" dirty="0" err="1">
-                <a:solidFill>
-                  <a:srgbClr val="000000"/>
-                </a:solidFill>
-                <a:effectLst/>
-                <a:latin typeface="Calibri" panose="020F0502020204030204" pitchFamily="34" charset="0"/>
-                <a:ea typeface="Calibri" panose="020F0502020204030204" pitchFamily="34" charset="0"/>
-                <a:cs typeface="Times New Roman (Body CS)"/>
-              </a:rPr>
-              <a:t>perusahaan</a:t>
-            </a:r>
-            <a:r>
-              <a:rPr lang="en-US" sz="1800" dirty="0">
-                <a:solidFill>
-                  <a:srgbClr val="000000"/>
-                </a:solidFill>
-                <a:effectLst/>
-                <a:latin typeface="Calibri" panose="020F0502020204030204" pitchFamily="34" charset="0"/>
-                <a:ea typeface="Calibri" panose="020F0502020204030204" pitchFamily="34" charset="0"/>
-                <a:cs typeface="Times New Roman (Body CS)"/>
-              </a:rPr>
-              <a:t> </a:t>
-            </a:r>
-            <a:r>
-              <a:rPr lang="en-US" sz="1800" dirty="0" err="1">
-                <a:solidFill>
-                  <a:srgbClr val="000000"/>
-                </a:solidFill>
-                <a:effectLst/>
-                <a:latin typeface="Calibri" panose="020F0502020204030204" pitchFamily="34" charset="0"/>
-                <a:ea typeface="Calibri" panose="020F0502020204030204" pitchFamily="34" charset="0"/>
-                <a:cs typeface="Times New Roman (Body CS)"/>
-              </a:rPr>
-              <a:t>dapat</a:t>
-            </a:r>
-            <a:r>
-              <a:rPr lang="en-US" sz="1800" dirty="0">
-                <a:solidFill>
-                  <a:srgbClr val="000000"/>
-                </a:solidFill>
-                <a:effectLst/>
-                <a:latin typeface="Calibri" panose="020F0502020204030204" pitchFamily="34" charset="0"/>
-                <a:ea typeface="Calibri" panose="020F0502020204030204" pitchFamily="34" charset="0"/>
-                <a:cs typeface="Times New Roman (Body CS)"/>
-              </a:rPr>
-              <a:t> </a:t>
-            </a:r>
-            <a:r>
-              <a:rPr lang="en-US" sz="1800" dirty="0" err="1">
-                <a:solidFill>
-                  <a:srgbClr val="000000"/>
-                </a:solidFill>
-                <a:effectLst/>
-                <a:latin typeface="Calibri" panose="020F0502020204030204" pitchFamily="34" charset="0"/>
-                <a:ea typeface="Calibri" panose="020F0502020204030204" pitchFamily="34" charset="0"/>
-                <a:cs typeface="Times New Roman (Body CS)"/>
-              </a:rPr>
-              <a:t>memastikan</a:t>
-            </a:r>
-            <a:r>
-              <a:rPr lang="en-US" sz="1800" dirty="0">
-                <a:solidFill>
-                  <a:srgbClr val="000000"/>
-                </a:solidFill>
-                <a:effectLst/>
-                <a:latin typeface="Calibri" panose="020F0502020204030204" pitchFamily="34" charset="0"/>
-                <a:ea typeface="Calibri" panose="020F0502020204030204" pitchFamily="34" charset="0"/>
-                <a:cs typeface="Times New Roman (Body CS)"/>
-              </a:rPr>
-              <a:t> </a:t>
-            </a:r>
-            <a:r>
-              <a:rPr lang="en-US" sz="1800" dirty="0" err="1">
-                <a:solidFill>
-                  <a:srgbClr val="000000"/>
-                </a:solidFill>
-                <a:effectLst/>
-                <a:latin typeface="Calibri" panose="020F0502020204030204" pitchFamily="34" charset="0"/>
-                <a:ea typeface="Calibri" panose="020F0502020204030204" pitchFamily="34" charset="0"/>
-                <a:cs typeface="Times New Roman (Body CS)"/>
-              </a:rPr>
-              <a:t>bahwa</a:t>
-            </a:r>
-            <a:r>
-              <a:rPr lang="en-US" sz="1800" dirty="0">
-                <a:solidFill>
-                  <a:srgbClr val="000000"/>
-                </a:solidFill>
-                <a:effectLst/>
-                <a:latin typeface="Calibri" panose="020F0502020204030204" pitchFamily="34" charset="0"/>
-                <a:ea typeface="Calibri" panose="020F0502020204030204" pitchFamily="34" charset="0"/>
-                <a:cs typeface="Times New Roman (Body CS)"/>
-              </a:rPr>
-              <a:t> </a:t>
-            </a:r>
-            <a:r>
-              <a:rPr lang="en-US" sz="1800" dirty="0" err="1">
-                <a:solidFill>
-                  <a:srgbClr val="000000"/>
-                </a:solidFill>
-                <a:effectLst/>
-                <a:latin typeface="Calibri" panose="020F0502020204030204" pitchFamily="34" charset="0"/>
-                <a:ea typeface="Calibri" panose="020F0502020204030204" pitchFamily="34" charset="0"/>
-                <a:cs typeface="Times New Roman (Body CS)"/>
-              </a:rPr>
-              <a:t>permintaan</a:t>
-            </a:r>
-            <a:r>
-              <a:rPr lang="en-US" sz="1800" dirty="0">
-                <a:solidFill>
-                  <a:srgbClr val="000000"/>
-                </a:solidFill>
-                <a:effectLst/>
-                <a:latin typeface="Calibri" panose="020F0502020204030204" pitchFamily="34" charset="0"/>
-                <a:ea typeface="Calibri" panose="020F0502020204030204" pitchFamily="34" charset="0"/>
-                <a:cs typeface="Times New Roman (Body CS)"/>
-              </a:rPr>
-              <a:t> </a:t>
-            </a:r>
-            <a:r>
-              <a:rPr lang="en-US" sz="1800" dirty="0" err="1">
-                <a:solidFill>
-                  <a:srgbClr val="000000"/>
-                </a:solidFill>
-                <a:effectLst/>
-                <a:latin typeface="Calibri" panose="020F0502020204030204" pitchFamily="34" charset="0"/>
-                <a:ea typeface="Calibri" panose="020F0502020204030204" pitchFamily="34" charset="0"/>
-                <a:cs typeface="Times New Roman (Body CS)"/>
-              </a:rPr>
-              <a:t>pelanggan</a:t>
-            </a:r>
-            <a:r>
-              <a:rPr lang="en-US" sz="1800" dirty="0">
-                <a:solidFill>
-                  <a:srgbClr val="000000"/>
-                </a:solidFill>
-                <a:effectLst/>
-                <a:latin typeface="Calibri" panose="020F0502020204030204" pitchFamily="34" charset="0"/>
-                <a:ea typeface="Calibri" panose="020F0502020204030204" pitchFamily="34" charset="0"/>
-                <a:cs typeface="Times New Roman (Body CS)"/>
-              </a:rPr>
-              <a:t> </a:t>
-            </a:r>
-            <a:r>
-              <a:rPr lang="en-US" sz="1800" dirty="0" err="1">
-                <a:solidFill>
-                  <a:srgbClr val="000000"/>
-                </a:solidFill>
-                <a:effectLst/>
-                <a:latin typeface="Calibri" panose="020F0502020204030204" pitchFamily="34" charset="0"/>
-                <a:ea typeface="Calibri" panose="020F0502020204030204" pitchFamily="34" charset="0"/>
-                <a:cs typeface="Times New Roman (Body CS)"/>
-              </a:rPr>
-              <a:t>dapat</a:t>
-            </a:r>
-            <a:r>
-              <a:rPr lang="en-US" sz="1800" dirty="0">
-                <a:solidFill>
-                  <a:srgbClr val="000000"/>
-                </a:solidFill>
-                <a:effectLst/>
-                <a:latin typeface="Calibri" panose="020F0502020204030204" pitchFamily="34" charset="0"/>
-                <a:ea typeface="Calibri" panose="020F0502020204030204" pitchFamily="34" charset="0"/>
-                <a:cs typeface="Times New Roman (Body CS)"/>
-              </a:rPr>
-              <a:t> </a:t>
-            </a:r>
-            <a:r>
-              <a:rPr lang="en-US" sz="1800" dirty="0" err="1">
-                <a:solidFill>
-                  <a:srgbClr val="000000"/>
-                </a:solidFill>
-                <a:effectLst/>
-                <a:latin typeface="Calibri" panose="020F0502020204030204" pitchFamily="34" charset="0"/>
-                <a:ea typeface="Calibri" panose="020F0502020204030204" pitchFamily="34" charset="0"/>
-                <a:cs typeface="Times New Roman (Body CS)"/>
-              </a:rPr>
-              <a:t>dipenuhi</a:t>
-            </a:r>
-            <a:r>
-              <a:rPr lang="en-US" sz="1800" dirty="0">
-                <a:solidFill>
-                  <a:srgbClr val="000000"/>
-                </a:solidFill>
-                <a:effectLst/>
-                <a:latin typeface="Calibri" panose="020F0502020204030204" pitchFamily="34" charset="0"/>
-                <a:ea typeface="Calibri" panose="020F0502020204030204" pitchFamily="34" charset="0"/>
-                <a:cs typeface="Times New Roman (Body CS)"/>
-              </a:rPr>
-              <a:t> </a:t>
-            </a:r>
-            <a:r>
-              <a:rPr lang="en-US" sz="1800" dirty="0" err="1">
-                <a:solidFill>
-                  <a:srgbClr val="000000"/>
-                </a:solidFill>
-                <a:effectLst/>
-                <a:latin typeface="Calibri" panose="020F0502020204030204" pitchFamily="34" charset="0"/>
-                <a:ea typeface="Calibri" panose="020F0502020204030204" pitchFamily="34" charset="0"/>
-                <a:cs typeface="Times New Roman (Body CS)"/>
-              </a:rPr>
-              <a:t>secara</a:t>
-            </a:r>
-            <a:r>
-              <a:rPr lang="en-US" sz="1800" dirty="0">
-                <a:solidFill>
-                  <a:srgbClr val="000000"/>
-                </a:solidFill>
-                <a:effectLst/>
-                <a:latin typeface="Calibri" panose="020F0502020204030204" pitchFamily="34" charset="0"/>
-                <a:ea typeface="Calibri" panose="020F0502020204030204" pitchFamily="34" charset="0"/>
-                <a:cs typeface="Times New Roman (Body CS)"/>
-              </a:rPr>
-              <a:t> </a:t>
-            </a:r>
-            <a:r>
-              <a:rPr lang="en-US" sz="1800" dirty="0" err="1">
-                <a:solidFill>
-                  <a:srgbClr val="000000"/>
-                </a:solidFill>
-                <a:effectLst/>
-                <a:latin typeface="Calibri" panose="020F0502020204030204" pitchFamily="34" charset="0"/>
-                <a:ea typeface="Calibri" panose="020F0502020204030204" pitchFamily="34" charset="0"/>
-                <a:cs typeface="Times New Roman (Body CS)"/>
-              </a:rPr>
-              <a:t>tepat</a:t>
-            </a:r>
-            <a:r>
-              <a:rPr lang="en-US" sz="1800" dirty="0">
-                <a:solidFill>
-                  <a:srgbClr val="000000"/>
-                </a:solidFill>
-                <a:effectLst/>
-                <a:latin typeface="Calibri" panose="020F0502020204030204" pitchFamily="34" charset="0"/>
-                <a:ea typeface="Calibri" panose="020F0502020204030204" pitchFamily="34" charset="0"/>
-                <a:cs typeface="Times New Roman (Body CS)"/>
-              </a:rPr>
-              <a:t> </a:t>
-            </a:r>
-            <a:r>
-              <a:rPr lang="en-US" sz="1800" dirty="0" err="1">
-                <a:solidFill>
-                  <a:srgbClr val="000000"/>
-                </a:solidFill>
-                <a:effectLst/>
-                <a:latin typeface="Calibri" panose="020F0502020204030204" pitchFamily="34" charset="0"/>
-                <a:ea typeface="Calibri" panose="020F0502020204030204" pitchFamily="34" charset="0"/>
-                <a:cs typeface="Times New Roman (Body CS)"/>
-              </a:rPr>
-              <a:t>waktu</a:t>
-            </a:r>
-            <a:r>
-              <a:rPr lang="en-US" sz="1800" dirty="0">
-                <a:solidFill>
-                  <a:srgbClr val="000000"/>
-                </a:solidFill>
-                <a:effectLst/>
-                <a:latin typeface="Calibri" panose="020F0502020204030204" pitchFamily="34" charset="0"/>
-                <a:ea typeface="Calibri" panose="020F0502020204030204" pitchFamily="34" charset="0"/>
-                <a:cs typeface="Times New Roman (Body CS)"/>
-              </a:rPr>
-              <a:t>. Hal </a:t>
-            </a:r>
-            <a:r>
-              <a:rPr lang="en-US" sz="1800" dirty="0" err="1">
-                <a:solidFill>
-                  <a:srgbClr val="000000"/>
-                </a:solidFill>
-                <a:effectLst/>
-                <a:latin typeface="Calibri" panose="020F0502020204030204" pitchFamily="34" charset="0"/>
-                <a:ea typeface="Calibri" panose="020F0502020204030204" pitchFamily="34" charset="0"/>
-                <a:cs typeface="Times New Roman (Body CS)"/>
-              </a:rPr>
-              <a:t>ini</a:t>
-            </a:r>
-            <a:r>
-              <a:rPr lang="en-US" sz="1800" dirty="0">
-                <a:solidFill>
-                  <a:srgbClr val="000000"/>
-                </a:solidFill>
-                <a:effectLst/>
-                <a:latin typeface="Calibri" panose="020F0502020204030204" pitchFamily="34" charset="0"/>
-                <a:ea typeface="Calibri" panose="020F0502020204030204" pitchFamily="34" charset="0"/>
-                <a:cs typeface="Times New Roman (Body CS)"/>
-              </a:rPr>
-              <a:t> </a:t>
-            </a:r>
-            <a:r>
-              <a:rPr lang="en-US" sz="1800" dirty="0" err="1">
-                <a:solidFill>
-                  <a:srgbClr val="000000"/>
-                </a:solidFill>
-                <a:effectLst/>
-                <a:latin typeface="Calibri" panose="020F0502020204030204" pitchFamily="34" charset="0"/>
-                <a:ea typeface="Calibri" panose="020F0502020204030204" pitchFamily="34" charset="0"/>
-                <a:cs typeface="Times New Roman (Body CS)"/>
-              </a:rPr>
-              <a:t>menghindari</a:t>
-            </a:r>
-            <a:r>
-              <a:rPr lang="en-US" sz="1800" dirty="0">
-                <a:solidFill>
-                  <a:srgbClr val="000000"/>
-                </a:solidFill>
-                <a:effectLst/>
-                <a:latin typeface="Calibri" panose="020F0502020204030204" pitchFamily="34" charset="0"/>
-                <a:ea typeface="Calibri" panose="020F0502020204030204" pitchFamily="34" charset="0"/>
-                <a:cs typeface="Times New Roman (Body CS)"/>
-              </a:rPr>
-              <a:t> </a:t>
-            </a:r>
-            <a:r>
-              <a:rPr lang="en-US" sz="1800" dirty="0" err="1">
-                <a:solidFill>
-                  <a:srgbClr val="000000"/>
-                </a:solidFill>
-                <a:effectLst/>
-                <a:latin typeface="Calibri" panose="020F0502020204030204" pitchFamily="34" charset="0"/>
-                <a:ea typeface="Calibri" panose="020F0502020204030204" pitchFamily="34" charset="0"/>
-                <a:cs typeface="Times New Roman (Body CS)"/>
-              </a:rPr>
-              <a:t>kehilangan</a:t>
-            </a:r>
-            <a:r>
-              <a:rPr lang="en-US" sz="1800" dirty="0">
-                <a:solidFill>
-                  <a:srgbClr val="000000"/>
-                </a:solidFill>
-                <a:effectLst/>
-                <a:latin typeface="Calibri" panose="020F0502020204030204" pitchFamily="34" charset="0"/>
-                <a:ea typeface="Calibri" panose="020F0502020204030204" pitchFamily="34" charset="0"/>
-                <a:cs typeface="Times New Roman (Body CS)"/>
-              </a:rPr>
-              <a:t> </a:t>
-            </a:r>
-            <a:r>
-              <a:rPr lang="en-US" sz="1800" dirty="0" err="1">
-                <a:solidFill>
-                  <a:srgbClr val="000000"/>
-                </a:solidFill>
-                <a:effectLst/>
-                <a:latin typeface="Calibri" panose="020F0502020204030204" pitchFamily="34" charset="0"/>
-                <a:ea typeface="Calibri" panose="020F0502020204030204" pitchFamily="34" charset="0"/>
-                <a:cs typeface="Times New Roman (Body CS)"/>
-              </a:rPr>
-              <a:t>penjualan</a:t>
-            </a:r>
-            <a:r>
-              <a:rPr lang="en-US" sz="1800" dirty="0">
-                <a:solidFill>
-                  <a:srgbClr val="000000"/>
-                </a:solidFill>
-                <a:effectLst/>
-                <a:latin typeface="Calibri" panose="020F0502020204030204" pitchFamily="34" charset="0"/>
-                <a:ea typeface="Calibri" panose="020F0502020204030204" pitchFamily="34" charset="0"/>
-                <a:cs typeface="Times New Roman (Body CS)"/>
-              </a:rPr>
-              <a:t> </a:t>
-            </a:r>
-            <a:r>
-              <a:rPr lang="en-US" sz="1800" dirty="0" err="1">
-                <a:solidFill>
-                  <a:srgbClr val="000000"/>
-                </a:solidFill>
-                <a:effectLst/>
-                <a:latin typeface="Calibri" panose="020F0502020204030204" pitchFamily="34" charset="0"/>
-                <a:ea typeface="Calibri" panose="020F0502020204030204" pitchFamily="34" charset="0"/>
-                <a:cs typeface="Times New Roman (Body CS)"/>
-              </a:rPr>
-              <a:t>karena</a:t>
-            </a:r>
-            <a:r>
-              <a:rPr lang="en-US" sz="1800" dirty="0">
-                <a:solidFill>
-                  <a:srgbClr val="000000"/>
-                </a:solidFill>
-                <a:effectLst/>
-                <a:latin typeface="Calibri" panose="020F0502020204030204" pitchFamily="34" charset="0"/>
-                <a:ea typeface="Calibri" panose="020F0502020204030204" pitchFamily="34" charset="0"/>
-                <a:cs typeface="Times New Roman (Body CS)"/>
-              </a:rPr>
-              <a:t> </a:t>
-            </a:r>
-            <a:r>
-              <a:rPr lang="en-US" sz="1800" dirty="0" err="1">
-                <a:solidFill>
-                  <a:srgbClr val="000000"/>
-                </a:solidFill>
-                <a:effectLst/>
-                <a:latin typeface="Calibri" panose="020F0502020204030204" pitchFamily="34" charset="0"/>
-                <a:ea typeface="Calibri" panose="020F0502020204030204" pitchFamily="34" charset="0"/>
-                <a:cs typeface="Times New Roman (Body CS)"/>
-              </a:rPr>
-              <a:t>kekurangan</a:t>
-            </a:r>
-            <a:r>
-              <a:rPr lang="en-US" sz="1800" dirty="0">
-                <a:solidFill>
-                  <a:srgbClr val="000000"/>
-                </a:solidFill>
-                <a:effectLst/>
-                <a:latin typeface="Calibri" panose="020F0502020204030204" pitchFamily="34" charset="0"/>
-                <a:ea typeface="Calibri" panose="020F0502020204030204" pitchFamily="34" charset="0"/>
-                <a:cs typeface="Times New Roman (Body CS)"/>
-              </a:rPr>
-              <a:t> </a:t>
-            </a:r>
-            <a:r>
-              <a:rPr lang="en-US" sz="1800" dirty="0" err="1">
-                <a:solidFill>
-                  <a:srgbClr val="000000"/>
-                </a:solidFill>
-                <a:effectLst/>
-                <a:latin typeface="Calibri" panose="020F0502020204030204" pitchFamily="34" charset="0"/>
-                <a:ea typeface="Calibri" panose="020F0502020204030204" pitchFamily="34" charset="0"/>
-                <a:cs typeface="Times New Roman (Body CS)"/>
-              </a:rPr>
-              <a:t>stok</a:t>
-            </a:r>
-            <a:r>
-              <a:rPr lang="en-US" sz="1800" dirty="0">
-                <a:solidFill>
-                  <a:srgbClr val="000000"/>
-                </a:solidFill>
-                <a:effectLst/>
-                <a:latin typeface="Calibri" panose="020F0502020204030204" pitchFamily="34" charset="0"/>
-                <a:ea typeface="Calibri" panose="020F0502020204030204" pitchFamily="34" charset="0"/>
-                <a:cs typeface="Times New Roman (Body CS)"/>
-              </a:rPr>
-              <a:t> </a:t>
-            </a:r>
-            <a:r>
-              <a:rPr lang="en-US" sz="1800" dirty="0" err="1">
-                <a:solidFill>
-                  <a:srgbClr val="000000"/>
-                </a:solidFill>
-                <a:effectLst/>
-                <a:latin typeface="Calibri" panose="020F0502020204030204" pitchFamily="34" charset="0"/>
-                <a:ea typeface="Calibri" panose="020F0502020204030204" pitchFamily="34" charset="0"/>
-                <a:cs typeface="Times New Roman (Body CS)"/>
-              </a:rPr>
-              <a:t>atau</a:t>
-            </a:r>
-            <a:r>
-              <a:rPr lang="en-US" sz="1800" dirty="0">
-                <a:solidFill>
-                  <a:srgbClr val="000000"/>
-                </a:solidFill>
-                <a:effectLst/>
-                <a:latin typeface="Calibri" panose="020F0502020204030204" pitchFamily="34" charset="0"/>
-                <a:ea typeface="Calibri" panose="020F0502020204030204" pitchFamily="34" charset="0"/>
-                <a:cs typeface="Times New Roman (Body CS)"/>
-              </a:rPr>
-              <a:t> </a:t>
-            </a:r>
-            <a:r>
-              <a:rPr lang="en-US" sz="1800" dirty="0" err="1">
-                <a:solidFill>
-                  <a:srgbClr val="000000"/>
-                </a:solidFill>
-                <a:effectLst/>
-                <a:latin typeface="Calibri" panose="020F0502020204030204" pitchFamily="34" charset="0"/>
-                <a:ea typeface="Calibri" panose="020F0502020204030204" pitchFamily="34" charset="0"/>
-                <a:cs typeface="Times New Roman (Body CS)"/>
-              </a:rPr>
-              <a:t>kehilangan</a:t>
-            </a:r>
-            <a:r>
-              <a:rPr lang="en-US" sz="1800" dirty="0">
-                <a:solidFill>
-                  <a:srgbClr val="000000"/>
-                </a:solidFill>
-                <a:effectLst/>
-                <a:latin typeface="Calibri" panose="020F0502020204030204" pitchFamily="34" charset="0"/>
-                <a:ea typeface="Calibri" panose="020F0502020204030204" pitchFamily="34" charset="0"/>
-                <a:cs typeface="Times New Roman (Body CS)"/>
-              </a:rPr>
-              <a:t> </a:t>
-            </a:r>
-            <a:r>
-              <a:rPr lang="en-US" sz="1800" dirty="0" err="1">
-                <a:solidFill>
-                  <a:srgbClr val="000000"/>
-                </a:solidFill>
-                <a:effectLst/>
-                <a:latin typeface="Calibri" panose="020F0502020204030204" pitchFamily="34" charset="0"/>
-                <a:ea typeface="Calibri" panose="020F0502020204030204" pitchFamily="34" charset="0"/>
-                <a:cs typeface="Times New Roman (Body CS)"/>
-              </a:rPr>
-              <a:t>kepercayaan</a:t>
-            </a:r>
-            <a:r>
-              <a:rPr lang="en-US" sz="1800" dirty="0">
-                <a:solidFill>
-                  <a:srgbClr val="000000"/>
-                </a:solidFill>
-                <a:effectLst/>
-                <a:latin typeface="Calibri" panose="020F0502020204030204" pitchFamily="34" charset="0"/>
-                <a:ea typeface="Calibri" panose="020F0502020204030204" pitchFamily="34" charset="0"/>
-                <a:cs typeface="Times New Roman (Body CS)"/>
-              </a:rPr>
-              <a:t> </a:t>
-            </a:r>
-            <a:r>
-              <a:rPr lang="en-US" sz="1800" dirty="0" err="1">
-                <a:solidFill>
-                  <a:srgbClr val="000000"/>
-                </a:solidFill>
-                <a:effectLst/>
-                <a:latin typeface="Calibri" panose="020F0502020204030204" pitchFamily="34" charset="0"/>
-                <a:ea typeface="Calibri" panose="020F0502020204030204" pitchFamily="34" charset="0"/>
-                <a:cs typeface="Times New Roman (Body CS)"/>
-              </a:rPr>
-              <a:t>pelanggan</a:t>
-            </a:r>
-            <a:r>
-              <a:rPr lang="en-US" sz="1800" dirty="0">
-                <a:solidFill>
-                  <a:srgbClr val="000000"/>
-                </a:solidFill>
-                <a:effectLst/>
-                <a:latin typeface="Calibri" panose="020F0502020204030204" pitchFamily="34" charset="0"/>
-                <a:ea typeface="Calibri" panose="020F0502020204030204" pitchFamily="34" charset="0"/>
-                <a:cs typeface="Times New Roman (Body CS)"/>
-              </a:rPr>
-              <a:t> </a:t>
-            </a:r>
-            <a:r>
-              <a:rPr lang="en-US" sz="1800" dirty="0" err="1">
-                <a:solidFill>
-                  <a:srgbClr val="000000"/>
-                </a:solidFill>
-                <a:effectLst/>
-                <a:latin typeface="Calibri" panose="020F0502020204030204" pitchFamily="34" charset="0"/>
-                <a:ea typeface="Calibri" panose="020F0502020204030204" pitchFamily="34" charset="0"/>
-                <a:cs typeface="Times New Roman (Body CS)"/>
-              </a:rPr>
-              <a:t>karena</a:t>
-            </a:r>
-            <a:r>
-              <a:rPr lang="en-US" sz="1800" dirty="0">
-                <a:solidFill>
-                  <a:srgbClr val="000000"/>
-                </a:solidFill>
-                <a:effectLst/>
-                <a:latin typeface="Calibri" panose="020F0502020204030204" pitchFamily="34" charset="0"/>
-                <a:ea typeface="Calibri" panose="020F0502020204030204" pitchFamily="34" charset="0"/>
-                <a:cs typeface="Times New Roman (Body CS)"/>
-              </a:rPr>
-              <a:t> </a:t>
-            </a:r>
-            <a:r>
-              <a:rPr lang="en-US" sz="1800" dirty="0" err="1">
-                <a:solidFill>
-                  <a:srgbClr val="000000"/>
-                </a:solidFill>
-                <a:effectLst/>
-                <a:latin typeface="Calibri" panose="020F0502020204030204" pitchFamily="34" charset="0"/>
-                <a:ea typeface="Calibri" panose="020F0502020204030204" pitchFamily="34" charset="0"/>
-                <a:cs typeface="Times New Roman (Body CS)"/>
-              </a:rPr>
-              <a:t>keterlambatan</a:t>
-            </a:r>
-            <a:r>
-              <a:rPr lang="en-US" sz="1800" dirty="0">
-                <a:solidFill>
-                  <a:srgbClr val="000000"/>
-                </a:solidFill>
-                <a:effectLst/>
-                <a:latin typeface="Calibri" panose="020F0502020204030204" pitchFamily="34" charset="0"/>
-                <a:ea typeface="Calibri" panose="020F0502020204030204" pitchFamily="34" charset="0"/>
-                <a:cs typeface="Times New Roman (Body CS)"/>
-              </a:rPr>
-              <a:t> </a:t>
-            </a:r>
-            <a:r>
-              <a:rPr lang="en-US" sz="1800" dirty="0" err="1">
-                <a:solidFill>
-                  <a:srgbClr val="000000"/>
-                </a:solidFill>
-                <a:effectLst/>
-                <a:latin typeface="Calibri" panose="020F0502020204030204" pitchFamily="34" charset="0"/>
-                <a:ea typeface="Calibri" panose="020F0502020204030204" pitchFamily="34" charset="0"/>
-                <a:cs typeface="Times New Roman (Body CS)"/>
-              </a:rPr>
-              <a:t>pengiriman</a:t>
-            </a:r>
-            <a:r>
-              <a:rPr lang="en-US" sz="1800" dirty="0">
-                <a:solidFill>
-                  <a:srgbClr val="000000"/>
-                </a:solidFill>
-                <a:effectLst/>
-                <a:latin typeface="Calibri" panose="020F0502020204030204" pitchFamily="34" charset="0"/>
-                <a:ea typeface="Calibri" panose="020F0502020204030204" pitchFamily="34" charset="0"/>
-                <a:cs typeface="Times New Roman (Body CS)"/>
-              </a:rPr>
-              <a:t>.</a:t>
-            </a:r>
-            <a:endParaRPr lang="en-ID" sz="1800" dirty="0">
-              <a:solidFill>
-                <a:srgbClr val="000000"/>
-              </a:solidFill>
-              <a:effectLst/>
-              <a:latin typeface="Calibri" panose="020F0502020204030204" pitchFamily="34" charset="0"/>
-              <a:ea typeface="Calibri" panose="020F0502020204030204" pitchFamily="34" charset="0"/>
-              <a:cs typeface="Times New Roman (Body CS)"/>
-            </a:endParaRPr>
-          </a:p>
-          <a:p>
-            <a:pPr marL="342900" lvl="0" indent="-342900" algn="just">
+          </a:p>
+          <a:p>
+            <a:pPr marL="457200" indent="-457200" algn="l">
               <a:buFont typeface="+mj-lt"/>
               <a:buAutoNum type="arabicPeriod"/>
             </a:pPr>
             <a:r>
-              <a:rPr lang="en-US" sz="1800" dirty="0" err="1">
-                <a:solidFill>
-                  <a:srgbClr val="000000"/>
-                </a:solidFill>
-                <a:effectLst/>
-                <a:latin typeface="Calibri" panose="020F0502020204030204" pitchFamily="34" charset="0"/>
-                <a:ea typeface="Calibri" panose="020F0502020204030204" pitchFamily="34" charset="0"/>
-                <a:cs typeface="Times New Roman (Body CS)"/>
-              </a:rPr>
-              <a:t>Efisiensi</a:t>
+              <a:rPr lang="en-US" sz="1600" dirty="0"/>
+              <a:t>Operational Efficiency: By optimizing stock, a company can reduce the time spent monitoring, organizing, and managing stock. This allows the company to focus on more productive operational activities.</a:t>
             </a:r>
-            <a:r>
-              <a:rPr lang="en-US" sz="1800" dirty="0">
-                <a:solidFill>
-                  <a:srgbClr val="000000"/>
-                </a:solidFill>
-                <a:effectLst/>
-                <a:latin typeface="Calibri" panose="020F0502020204030204" pitchFamily="34" charset="0"/>
-                <a:ea typeface="Calibri" panose="020F0502020204030204" pitchFamily="34" charset="0"/>
-                <a:cs typeface="Times New Roman (Body CS)"/>
-              </a:rPr>
-              <a:t> </a:t>
-            </a:r>
-            <a:r>
-              <a:rPr lang="en-US" sz="1800" dirty="0" err="1">
-                <a:solidFill>
-                  <a:srgbClr val="000000"/>
-                </a:solidFill>
-                <a:effectLst/>
-                <a:latin typeface="Calibri" panose="020F0502020204030204" pitchFamily="34" charset="0"/>
-                <a:ea typeface="Calibri" panose="020F0502020204030204" pitchFamily="34" charset="0"/>
-                <a:cs typeface="Times New Roman (Body CS)"/>
-              </a:rPr>
-              <a:t>Operasional</a:t>
-            </a:r>
-            <a:r>
-              <a:rPr lang="en-US" sz="1800" dirty="0">
-                <a:solidFill>
-                  <a:srgbClr val="000000"/>
-                </a:solidFill>
-                <a:effectLst/>
-                <a:latin typeface="Calibri" panose="020F0502020204030204" pitchFamily="34" charset="0"/>
-                <a:ea typeface="Calibri" panose="020F0502020204030204" pitchFamily="34" charset="0"/>
-                <a:cs typeface="Times New Roman (Body CS)"/>
-              </a:rPr>
-              <a:t>: </a:t>
-            </a:r>
-            <a:r>
-              <a:rPr lang="en-US" sz="1800" dirty="0" err="1">
-                <a:solidFill>
-                  <a:srgbClr val="000000"/>
-                </a:solidFill>
-                <a:effectLst/>
-                <a:latin typeface="Calibri" panose="020F0502020204030204" pitchFamily="34" charset="0"/>
-                <a:ea typeface="Calibri" panose="020F0502020204030204" pitchFamily="34" charset="0"/>
-                <a:cs typeface="Times New Roman (Body CS)"/>
-              </a:rPr>
-              <a:t>Dengan</a:t>
-            </a:r>
-            <a:r>
-              <a:rPr lang="en-US" sz="1800" dirty="0">
-                <a:solidFill>
-                  <a:srgbClr val="000000"/>
-                </a:solidFill>
-                <a:effectLst/>
-                <a:latin typeface="Calibri" panose="020F0502020204030204" pitchFamily="34" charset="0"/>
-                <a:ea typeface="Calibri" panose="020F0502020204030204" pitchFamily="34" charset="0"/>
-                <a:cs typeface="Times New Roman (Body CS)"/>
-              </a:rPr>
-              <a:t> </a:t>
-            </a:r>
-            <a:r>
-              <a:rPr lang="en-US" sz="1800" dirty="0" err="1">
-                <a:solidFill>
-                  <a:srgbClr val="000000"/>
-                </a:solidFill>
-                <a:effectLst/>
-                <a:latin typeface="Calibri" panose="020F0502020204030204" pitchFamily="34" charset="0"/>
-                <a:ea typeface="Calibri" panose="020F0502020204030204" pitchFamily="34" charset="0"/>
-                <a:cs typeface="Times New Roman (Body CS)"/>
-              </a:rPr>
-              <a:t>mengoptimalkan</a:t>
-            </a:r>
-            <a:r>
-              <a:rPr lang="en-US" sz="1800" dirty="0">
-                <a:solidFill>
-                  <a:srgbClr val="000000"/>
-                </a:solidFill>
-                <a:effectLst/>
-                <a:latin typeface="Calibri" panose="020F0502020204030204" pitchFamily="34" charset="0"/>
-                <a:ea typeface="Calibri" panose="020F0502020204030204" pitchFamily="34" charset="0"/>
-                <a:cs typeface="Times New Roman (Body CS)"/>
-              </a:rPr>
-              <a:t> </a:t>
-            </a:r>
-            <a:r>
-              <a:rPr lang="en-US" sz="1800" dirty="0" err="1">
-                <a:solidFill>
-                  <a:srgbClr val="000000"/>
-                </a:solidFill>
-                <a:effectLst/>
-                <a:latin typeface="Calibri" panose="020F0502020204030204" pitchFamily="34" charset="0"/>
-                <a:ea typeface="Calibri" panose="020F0502020204030204" pitchFamily="34" charset="0"/>
-                <a:cs typeface="Times New Roman (Body CS)"/>
-              </a:rPr>
-              <a:t>stok</a:t>
-            </a:r>
-            <a:r>
-              <a:rPr lang="en-US" sz="1800" dirty="0">
-                <a:solidFill>
-                  <a:srgbClr val="000000"/>
-                </a:solidFill>
-                <a:effectLst/>
-                <a:latin typeface="Calibri" panose="020F0502020204030204" pitchFamily="34" charset="0"/>
-                <a:ea typeface="Calibri" panose="020F0502020204030204" pitchFamily="34" charset="0"/>
-                <a:cs typeface="Times New Roman (Body CS)"/>
-              </a:rPr>
-              <a:t>, </a:t>
-            </a:r>
-            <a:r>
-              <a:rPr lang="en-US" sz="1800" dirty="0" err="1">
-                <a:solidFill>
-                  <a:srgbClr val="000000"/>
-                </a:solidFill>
-                <a:effectLst/>
-                <a:latin typeface="Calibri" panose="020F0502020204030204" pitchFamily="34" charset="0"/>
-                <a:ea typeface="Calibri" panose="020F0502020204030204" pitchFamily="34" charset="0"/>
-                <a:cs typeface="Times New Roman (Body CS)"/>
-              </a:rPr>
-              <a:t>perusahaan</a:t>
-            </a:r>
-            <a:r>
-              <a:rPr lang="en-US" sz="1800" dirty="0">
-                <a:solidFill>
-                  <a:srgbClr val="000000"/>
-                </a:solidFill>
-                <a:effectLst/>
-                <a:latin typeface="Calibri" panose="020F0502020204030204" pitchFamily="34" charset="0"/>
-                <a:ea typeface="Calibri" panose="020F0502020204030204" pitchFamily="34" charset="0"/>
-                <a:cs typeface="Times New Roman (Body CS)"/>
-              </a:rPr>
-              <a:t> </a:t>
-            </a:r>
-            <a:r>
-              <a:rPr lang="en-US" sz="1800" dirty="0" err="1">
-                <a:solidFill>
-                  <a:srgbClr val="000000"/>
-                </a:solidFill>
-                <a:effectLst/>
-                <a:latin typeface="Calibri" panose="020F0502020204030204" pitchFamily="34" charset="0"/>
-                <a:ea typeface="Calibri" panose="020F0502020204030204" pitchFamily="34" charset="0"/>
-                <a:cs typeface="Times New Roman (Body CS)"/>
-              </a:rPr>
-              <a:t>dapat</a:t>
-            </a:r>
-            <a:r>
-              <a:rPr lang="en-US" sz="1800" dirty="0">
-                <a:solidFill>
-                  <a:srgbClr val="000000"/>
-                </a:solidFill>
-                <a:effectLst/>
-                <a:latin typeface="Calibri" panose="020F0502020204030204" pitchFamily="34" charset="0"/>
-                <a:ea typeface="Calibri" panose="020F0502020204030204" pitchFamily="34" charset="0"/>
-                <a:cs typeface="Times New Roman (Body CS)"/>
-              </a:rPr>
-              <a:t> </a:t>
-            </a:r>
-            <a:r>
-              <a:rPr lang="en-US" sz="1800" dirty="0" err="1">
-                <a:solidFill>
-                  <a:srgbClr val="000000"/>
-                </a:solidFill>
-                <a:effectLst/>
-                <a:latin typeface="Calibri" panose="020F0502020204030204" pitchFamily="34" charset="0"/>
-                <a:ea typeface="Calibri" panose="020F0502020204030204" pitchFamily="34" charset="0"/>
-                <a:cs typeface="Times New Roman (Body CS)"/>
-              </a:rPr>
-              <a:t>mengurangi</a:t>
-            </a:r>
-            <a:r>
-              <a:rPr lang="en-US" sz="1800" dirty="0">
-                <a:solidFill>
-                  <a:srgbClr val="000000"/>
-                </a:solidFill>
-                <a:effectLst/>
-                <a:latin typeface="Calibri" panose="020F0502020204030204" pitchFamily="34" charset="0"/>
-                <a:ea typeface="Calibri" panose="020F0502020204030204" pitchFamily="34" charset="0"/>
-                <a:cs typeface="Times New Roman (Body CS)"/>
-              </a:rPr>
-              <a:t> </a:t>
-            </a:r>
-            <a:r>
-              <a:rPr lang="en-US" sz="1800" dirty="0" err="1">
-                <a:solidFill>
-                  <a:srgbClr val="000000"/>
-                </a:solidFill>
-                <a:effectLst/>
-                <a:latin typeface="Calibri" panose="020F0502020204030204" pitchFamily="34" charset="0"/>
-                <a:ea typeface="Calibri" panose="020F0502020204030204" pitchFamily="34" charset="0"/>
-                <a:cs typeface="Times New Roman (Body CS)"/>
-              </a:rPr>
-              <a:t>waktu</a:t>
-            </a:r>
-            <a:r>
-              <a:rPr lang="en-US" sz="1800" dirty="0">
-                <a:solidFill>
-                  <a:srgbClr val="000000"/>
-                </a:solidFill>
-                <a:effectLst/>
-                <a:latin typeface="Calibri" panose="020F0502020204030204" pitchFamily="34" charset="0"/>
-                <a:ea typeface="Calibri" panose="020F0502020204030204" pitchFamily="34" charset="0"/>
-                <a:cs typeface="Times New Roman (Body CS)"/>
-              </a:rPr>
-              <a:t> yang </a:t>
-            </a:r>
-            <a:r>
-              <a:rPr lang="en-US" sz="1800" dirty="0" err="1">
-                <a:solidFill>
-                  <a:srgbClr val="000000"/>
-                </a:solidFill>
-                <a:effectLst/>
-                <a:latin typeface="Calibri" panose="020F0502020204030204" pitchFamily="34" charset="0"/>
-                <a:ea typeface="Calibri" panose="020F0502020204030204" pitchFamily="34" charset="0"/>
-                <a:cs typeface="Times New Roman (Body CS)"/>
-              </a:rPr>
-              <a:t>dihabiskan</a:t>
-            </a:r>
-            <a:r>
-              <a:rPr lang="en-US" sz="1800" dirty="0">
-                <a:solidFill>
-                  <a:srgbClr val="000000"/>
-                </a:solidFill>
-                <a:effectLst/>
-                <a:latin typeface="Calibri" panose="020F0502020204030204" pitchFamily="34" charset="0"/>
-                <a:ea typeface="Calibri" panose="020F0502020204030204" pitchFamily="34" charset="0"/>
-                <a:cs typeface="Times New Roman (Body CS)"/>
-              </a:rPr>
-              <a:t> </a:t>
-            </a:r>
-            <a:r>
-              <a:rPr lang="en-US" sz="1800" dirty="0" err="1">
-                <a:solidFill>
-                  <a:srgbClr val="000000"/>
-                </a:solidFill>
-                <a:effectLst/>
-                <a:latin typeface="Calibri" panose="020F0502020204030204" pitchFamily="34" charset="0"/>
-                <a:ea typeface="Calibri" panose="020F0502020204030204" pitchFamily="34" charset="0"/>
-                <a:cs typeface="Times New Roman (Body CS)"/>
-              </a:rPr>
-              <a:t>untuk</a:t>
-            </a:r>
-            <a:r>
-              <a:rPr lang="en-US" sz="1800" dirty="0">
-                <a:solidFill>
-                  <a:srgbClr val="000000"/>
-                </a:solidFill>
-                <a:effectLst/>
-                <a:latin typeface="Calibri" panose="020F0502020204030204" pitchFamily="34" charset="0"/>
-                <a:ea typeface="Calibri" panose="020F0502020204030204" pitchFamily="34" charset="0"/>
-                <a:cs typeface="Times New Roman (Body CS)"/>
-              </a:rPr>
-              <a:t> </a:t>
-            </a:r>
-            <a:r>
-              <a:rPr lang="en-US" sz="1800" dirty="0" err="1">
-                <a:solidFill>
-                  <a:srgbClr val="000000"/>
-                </a:solidFill>
-                <a:effectLst/>
-                <a:latin typeface="Calibri" panose="020F0502020204030204" pitchFamily="34" charset="0"/>
-                <a:ea typeface="Calibri" panose="020F0502020204030204" pitchFamily="34" charset="0"/>
-                <a:cs typeface="Times New Roman (Body CS)"/>
-              </a:rPr>
-              <a:t>memantau</a:t>
-            </a:r>
-            <a:r>
-              <a:rPr lang="en-US" sz="1800" dirty="0">
-                <a:solidFill>
-                  <a:srgbClr val="000000"/>
-                </a:solidFill>
-                <a:effectLst/>
-                <a:latin typeface="Calibri" panose="020F0502020204030204" pitchFamily="34" charset="0"/>
-                <a:ea typeface="Calibri" panose="020F0502020204030204" pitchFamily="34" charset="0"/>
-                <a:cs typeface="Times New Roman (Body CS)"/>
-              </a:rPr>
-              <a:t>, </a:t>
-            </a:r>
-            <a:r>
-              <a:rPr lang="en-US" sz="1800" dirty="0" err="1">
-                <a:solidFill>
-                  <a:srgbClr val="000000"/>
-                </a:solidFill>
-                <a:effectLst/>
-                <a:latin typeface="Calibri" panose="020F0502020204030204" pitchFamily="34" charset="0"/>
-                <a:ea typeface="Calibri" panose="020F0502020204030204" pitchFamily="34" charset="0"/>
-                <a:cs typeface="Times New Roman (Body CS)"/>
-              </a:rPr>
-              <a:t>mengatur</a:t>
-            </a:r>
-            <a:r>
-              <a:rPr lang="en-US" sz="1800" dirty="0">
-                <a:solidFill>
-                  <a:srgbClr val="000000"/>
-                </a:solidFill>
-                <a:effectLst/>
-                <a:latin typeface="Calibri" panose="020F0502020204030204" pitchFamily="34" charset="0"/>
-                <a:ea typeface="Calibri" panose="020F0502020204030204" pitchFamily="34" charset="0"/>
-                <a:cs typeface="Times New Roman (Body CS)"/>
-              </a:rPr>
-              <a:t>, dan </a:t>
-            </a:r>
-            <a:r>
-              <a:rPr lang="en-US" sz="1800" dirty="0" err="1">
-                <a:solidFill>
-                  <a:srgbClr val="000000"/>
-                </a:solidFill>
-                <a:effectLst/>
-                <a:latin typeface="Calibri" panose="020F0502020204030204" pitchFamily="34" charset="0"/>
-                <a:ea typeface="Calibri" panose="020F0502020204030204" pitchFamily="34" charset="0"/>
-                <a:cs typeface="Times New Roman (Body CS)"/>
-              </a:rPr>
-              <a:t>mengelola</a:t>
-            </a:r>
-            <a:r>
-              <a:rPr lang="en-US" sz="1800" dirty="0">
-                <a:solidFill>
-                  <a:srgbClr val="000000"/>
-                </a:solidFill>
-                <a:effectLst/>
-                <a:latin typeface="Calibri" panose="020F0502020204030204" pitchFamily="34" charset="0"/>
-                <a:ea typeface="Calibri" panose="020F0502020204030204" pitchFamily="34" charset="0"/>
-                <a:cs typeface="Times New Roman (Body CS)"/>
-              </a:rPr>
-              <a:t> </a:t>
-            </a:r>
-            <a:r>
-              <a:rPr lang="en-US" sz="1800" dirty="0" err="1">
-                <a:solidFill>
-                  <a:srgbClr val="000000"/>
-                </a:solidFill>
-                <a:effectLst/>
-                <a:latin typeface="Calibri" panose="020F0502020204030204" pitchFamily="34" charset="0"/>
-                <a:ea typeface="Calibri" panose="020F0502020204030204" pitchFamily="34" charset="0"/>
-                <a:cs typeface="Times New Roman (Body CS)"/>
-              </a:rPr>
-              <a:t>stok</a:t>
-            </a:r>
-            <a:r>
-              <a:rPr lang="en-US" sz="1800" dirty="0">
-                <a:solidFill>
-                  <a:srgbClr val="000000"/>
-                </a:solidFill>
-                <a:effectLst/>
-                <a:latin typeface="Calibri" panose="020F0502020204030204" pitchFamily="34" charset="0"/>
-                <a:ea typeface="Calibri" panose="020F0502020204030204" pitchFamily="34" charset="0"/>
-                <a:cs typeface="Times New Roman (Body CS)"/>
-              </a:rPr>
-              <a:t>. Hal </a:t>
-            </a:r>
-            <a:r>
-              <a:rPr lang="en-US" sz="1800" dirty="0" err="1">
-                <a:solidFill>
-                  <a:srgbClr val="000000"/>
-                </a:solidFill>
-                <a:effectLst/>
-                <a:latin typeface="Calibri" panose="020F0502020204030204" pitchFamily="34" charset="0"/>
-                <a:ea typeface="Calibri" panose="020F0502020204030204" pitchFamily="34" charset="0"/>
-                <a:cs typeface="Times New Roman (Body CS)"/>
-              </a:rPr>
-              <a:t>ini</a:t>
-            </a:r>
-            <a:r>
-              <a:rPr lang="en-US" sz="1800" dirty="0">
-                <a:solidFill>
-                  <a:srgbClr val="000000"/>
-                </a:solidFill>
-                <a:effectLst/>
-                <a:latin typeface="Calibri" panose="020F0502020204030204" pitchFamily="34" charset="0"/>
-                <a:ea typeface="Calibri" panose="020F0502020204030204" pitchFamily="34" charset="0"/>
-                <a:cs typeface="Times New Roman (Body CS)"/>
-              </a:rPr>
-              <a:t> </a:t>
-            </a:r>
-            <a:r>
-              <a:rPr lang="en-US" sz="1800" dirty="0" err="1">
-                <a:solidFill>
-                  <a:srgbClr val="000000"/>
-                </a:solidFill>
-                <a:effectLst/>
-                <a:latin typeface="Calibri" panose="020F0502020204030204" pitchFamily="34" charset="0"/>
-                <a:ea typeface="Calibri" panose="020F0502020204030204" pitchFamily="34" charset="0"/>
-                <a:cs typeface="Times New Roman (Body CS)"/>
-              </a:rPr>
-              <a:t>memungkinkan</a:t>
-            </a:r>
-            <a:r>
-              <a:rPr lang="en-US" sz="1800" dirty="0">
-                <a:solidFill>
-                  <a:srgbClr val="000000"/>
-                </a:solidFill>
-                <a:effectLst/>
-                <a:latin typeface="Calibri" panose="020F0502020204030204" pitchFamily="34" charset="0"/>
-                <a:ea typeface="Calibri" panose="020F0502020204030204" pitchFamily="34" charset="0"/>
-                <a:cs typeface="Times New Roman (Body CS)"/>
-              </a:rPr>
-              <a:t> </a:t>
-            </a:r>
-            <a:r>
-              <a:rPr lang="en-US" sz="1800" dirty="0" err="1">
-                <a:solidFill>
-                  <a:srgbClr val="000000"/>
-                </a:solidFill>
-                <a:effectLst/>
-                <a:latin typeface="Calibri" panose="020F0502020204030204" pitchFamily="34" charset="0"/>
-                <a:ea typeface="Calibri" panose="020F0502020204030204" pitchFamily="34" charset="0"/>
-                <a:cs typeface="Times New Roman (Body CS)"/>
-              </a:rPr>
-              <a:t>perusahaan</a:t>
-            </a:r>
-            <a:r>
-              <a:rPr lang="en-US" sz="1800" dirty="0">
-                <a:solidFill>
-                  <a:srgbClr val="000000"/>
-                </a:solidFill>
-                <a:effectLst/>
-                <a:latin typeface="Calibri" panose="020F0502020204030204" pitchFamily="34" charset="0"/>
-                <a:ea typeface="Calibri" panose="020F0502020204030204" pitchFamily="34" charset="0"/>
-                <a:cs typeface="Times New Roman (Body CS)"/>
-              </a:rPr>
-              <a:t> </a:t>
-            </a:r>
-            <a:r>
-              <a:rPr lang="en-US" sz="1800" dirty="0" err="1">
-                <a:solidFill>
-                  <a:srgbClr val="000000"/>
-                </a:solidFill>
-                <a:effectLst/>
-                <a:latin typeface="Calibri" panose="020F0502020204030204" pitchFamily="34" charset="0"/>
-                <a:ea typeface="Calibri" panose="020F0502020204030204" pitchFamily="34" charset="0"/>
-                <a:cs typeface="Times New Roman (Body CS)"/>
-              </a:rPr>
-              <a:t>untuk</a:t>
-            </a:r>
-            <a:r>
-              <a:rPr lang="en-US" sz="1800" dirty="0">
-                <a:solidFill>
-                  <a:srgbClr val="000000"/>
-                </a:solidFill>
-                <a:effectLst/>
-                <a:latin typeface="Calibri" panose="020F0502020204030204" pitchFamily="34" charset="0"/>
-                <a:ea typeface="Calibri" panose="020F0502020204030204" pitchFamily="34" charset="0"/>
-                <a:cs typeface="Times New Roman (Body CS)"/>
-              </a:rPr>
-              <a:t> </a:t>
-            </a:r>
-            <a:r>
-              <a:rPr lang="en-US" sz="1800" dirty="0" err="1">
-                <a:solidFill>
-                  <a:srgbClr val="000000"/>
-                </a:solidFill>
-                <a:effectLst/>
-                <a:latin typeface="Calibri" panose="020F0502020204030204" pitchFamily="34" charset="0"/>
-                <a:ea typeface="Calibri" panose="020F0502020204030204" pitchFamily="34" charset="0"/>
-                <a:cs typeface="Times New Roman (Body CS)"/>
-              </a:rPr>
-              <a:t>fokus</a:t>
-            </a:r>
-            <a:r>
-              <a:rPr lang="en-US" sz="1800" dirty="0">
-                <a:solidFill>
-                  <a:srgbClr val="000000"/>
-                </a:solidFill>
-                <a:effectLst/>
-                <a:latin typeface="Calibri" panose="020F0502020204030204" pitchFamily="34" charset="0"/>
-                <a:ea typeface="Calibri" panose="020F0502020204030204" pitchFamily="34" charset="0"/>
-                <a:cs typeface="Times New Roman (Body CS)"/>
-              </a:rPr>
-              <a:t> pada </a:t>
-            </a:r>
-            <a:r>
-              <a:rPr lang="en-US" sz="1800" dirty="0" err="1">
-                <a:solidFill>
-                  <a:srgbClr val="000000"/>
-                </a:solidFill>
-                <a:effectLst/>
-                <a:latin typeface="Calibri" panose="020F0502020204030204" pitchFamily="34" charset="0"/>
-                <a:ea typeface="Calibri" panose="020F0502020204030204" pitchFamily="34" charset="0"/>
-                <a:cs typeface="Times New Roman (Body CS)"/>
-              </a:rPr>
-              <a:t>kegiatan</a:t>
-            </a:r>
-            <a:r>
-              <a:rPr lang="en-US" sz="1800" dirty="0">
-                <a:solidFill>
-                  <a:srgbClr val="000000"/>
-                </a:solidFill>
-                <a:effectLst/>
-                <a:latin typeface="Calibri" panose="020F0502020204030204" pitchFamily="34" charset="0"/>
-                <a:ea typeface="Calibri" panose="020F0502020204030204" pitchFamily="34" charset="0"/>
-                <a:cs typeface="Times New Roman (Body CS)"/>
-              </a:rPr>
-              <a:t> </a:t>
-            </a:r>
-            <a:r>
-              <a:rPr lang="en-US" sz="1800" dirty="0" err="1">
-                <a:solidFill>
-                  <a:srgbClr val="000000"/>
-                </a:solidFill>
-                <a:effectLst/>
-                <a:latin typeface="Calibri" panose="020F0502020204030204" pitchFamily="34" charset="0"/>
-                <a:ea typeface="Calibri" panose="020F0502020204030204" pitchFamily="34" charset="0"/>
-                <a:cs typeface="Times New Roman (Body CS)"/>
-              </a:rPr>
-              <a:t>operasional</a:t>
-            </a:r>
-            <a:r>
-              <a:rPr lang="en-US" sz="1800" dirty="0">
-                <a:solidFill>
-                  <a:srgbClr val="000000"/>
-                </a:solidFill>
-                <a:effectLst/>
-                <a:latin typeface="Calibri" panose="020F0502020204030204" pitchFamily="34" charset="0"/>
-                <a:ea typeface="Calibri" panose="020F0502020204030204" pitchFamily="34" charset="0"/>
-                <a:cs typeface="Times New Roman (Body CS)"/>
-              </a:rPr>
-              <a:t> yang </a:t>
-            </a:r>
-            <a:r>
-              <a:rPr lang="en-US" sz="1800" dirty="0" err="1">
-                <a:solidFill>
-                  <a:srgbClr val="000000"/>
-                </a:solidFill>
-                <a:effectLst/>
-                <a:latin typeface="Calibri" panose="020F0502020204030204" pitchFamily="34" charset="0"/>
-                <a:ea typeface="Calibri" panose="020F0502020204030204" pitchFamily="34" charset="0"/>
-                <a:cs typeface="Times New Roman (Body CS)"/>
-              </a:rPr>
-              <a:t>lebih</a:t>
-            </a:r>
-            <a:r>
-              <a:rPr lang="en-US" sz="1800" dirty="0">
-                <a:solidFill>
-                  <a:srgbClr val="000000"/>
-                </a:solidFill>
-                <a:effectLst/>
-                <a:latin typeface="Calibri" panose="020F0502020204030204" pitchFamily="34" charset="0"/>
-                <a:ea typeface="Calibri" panose="020F0502020204030204" pitchFamily="34" charset="0"/>
-                <a:cs typeface="Times New Roman (Body CS)"/>
-              </a:rPr>
-              <a:t> </a:t>
-            </a:r>
-            <a:r>
-              <a:rPr lang="en-US" sz="1800" dirty="0" err="1">
-                <a:solidFill>
-                  <a:srgbClr val="000000"/>
-                </a:solidFill>
-                <a:effectLst/>
-                <a:latin typeface="Calibri" panose="020F0502020204030204" pitchFamily="34" charset="0"/>
-                <a:ea typeface="Calibri" panose="020F0502020204030204" pitchFamily="34" charset="0"/>
-                <a:cs typeface="Times New Roman (Body CS)"/>
-              </a:rPr>
-              <a:t>produktif</a:t>
-            </a:r>
-            <a:r>
-              <a:rPr lang="en-US" sz="1800" dirty="0">
-                <a:solidFill>
-                  <a:srgbClr val="000000"/>
-                </a:solidFill>
-                <a:effectLst/>
-                <a:latin typeface="Calibri" panose="020F0502020204030204" pitchFamily="34" charset="0"/>
-                <a:ea typeface="Calibri" panose="020F0502020204030204" pitchFamily="34" charset="0"/>
-                <a:cs typeface="Times New Roman (Body CS)"/>
-              </a:rPr>
-              <a:t>.</a:t>
-            </a:r>
-            <a:endParaRPr lang="en-ID" sz="1800" dirty="0">
-              <a:solidFill>
-                <a:srgbClr val="000000"/>
-              </a:solidFill>
-              <a:effectLst/>
-              <a:latin typeface="Calibri" panose="020F0502020204030204" pitchFamily="34" charset="0"/>
-              <a:ea typeface="Calibri" panose="020F0502020204030204" pitchFamily="34" charset="0"/>
-              <a:cs typeface="Times New Roman (Body CS)"/>
-            </a:endParaRPr>
-          </a:p>
-          <a:p>
-            <a:pPr marL="342900" lvl="0" indent="-342900" algn="just">
+          </a:p>
+          <a:p>
+            <a:pPr marL="457200" indent="-457200" algn="l">
               <a:buFont typeface="+mj-lt"/>
               <a:buAutoNum type="arabicPeriod"/>
             </a:pPr>
             <a:r>
-              <a:rPr lang="en-US" sz="1800" dirty="0" err="1">
-                <a:solidFill>
-                  <a:srgbClr val="000000"/>
-                </a:solidFill>
-                <a:effectLst/>
-                <a:latin typeface="Calibri" panose="020F0502020204030204" pitchFamily="34" charset="0"/>
-                <a:ea typeface="Calibri" panose="020F0502020204030204" pitchFamily="34" charset="0"/>
-                <a:cs typeface="Times New Roman (Body CS)"/>
-              </a:rPr>
-              <a:t>Mengurangi</a:t>
+              <a:rPr lang="en-US" sz="1600" dirty="0"/>
+              <a:t>Reducing Storage Costs: Storing stock incurs costs for storage, including warehouse rental, electricity, insurance, and others. By optimizing stock, a company can reduce these costs by reducing the amount of unnecessary stock stored.</a:t>
             </a:r>
-            <a:r>
-              <a:rPr lang="en-US" sz="1800" dirty="0">
-                <a:solidFill>
-                  <a:srgbClr val="000000"/>
-                </a:solidFill>
-                <a:effectLst/>
-                <a:latin typeface="Calibri" panose="020F0502020204030204" pitchFamily="34" charset="0"/>
-                <a:ea typeface="Calibri" panose="020F0502020204030204" pitchFamily="34" charset="0"/>
-                <a:cs typeface="Times New Roman (Body CS)"/>
-              </a:rPr>
-              <a:t> </a:t>
-            </a:r>
-            <a:r>
-              <a:rPr lang="en-US" sz="1800" dirty="0" err="1">
-                <a:solidFill>
-                  <a:srgbClr val="000000"/>
-                </a:solidFill>
-                <a:effectLst/>
-                <a:latin typeface="Calibri" panose="020F0502020204030204" pitchFamily="34" charset="0"/>
-                <a:ea typeface="Calibri" panose="020F0502020204030204" pitchFamily="34" charset="0"/>
-                <a:cs typeface="Times New Roman (Body CS)"/>
-              </a:rPr>
-              <a:t>Biaya</a:t>
-            </a:r>
-            <a:r>
-              <a:rPr lang="en-US" sz="1800" dirty="0">
-                <a:solidFill>
-                  <a:srgbClr val="000000"/>
-                </a:solidFill>
-                <a:effectLst/>
-                <a:latin typeface="Calibri" panose="020F0502020204030204" pitchFamily="34" charset="0"/>
-                <a:ea typeface="Calibri" panose="020F0502020204030204" pitchFamily="34" charset="0"/>
-                <a:cs typeface="Times New Roman (Body CS)"/>
-              </a:rPr>
-              <a:t> </a:t>
-            </a:r>
-            <a:r>
-              <a:rPr lang="en-US" sz="1800" dirty="0" err="1">
-                <a:solidFill>
-                  <a:srgbClr val="000000"/>
-                </a:solidFill>
-                <a:effectLst/>
-                <a:latin typeface="Calibri" panose="020F0502020204030204" pitchFamily="34" charset="0"/>
-                <a:ea typeface="Calibri" panose="020F0502020204030204" pitchFamily="34" charset="0"/>
-                <a:cs typeface="Times New Roman (Body CS)"/>
-              </a:rPr>
-              <a:t>Penyimpanan</a:t>
-            </a:r>
-            <a:r>
-              <a:rPr lang="en-US" sz="1800" dirty="0">
-                <a:solidFill>
-                  <a:srgbClr val="000000"/>
-                </a:solidFill>
-                <a:effectLst/>
-                <a:latin typeface="Calibri" panose="020F0502020204030204" pitchFamily="34" charset="0"/>
-                <a:ea typeface="Calibri" panose="020F0502020204030204" pitchFamily="34" charset="0"/>
-                <a:cs typeface="Times New Roman (Body CS)"/>
-              </a:rPr>
-              <a:t>: </a:t>
-            </a:r>
-            <a:r>
-              <a:rPr lang="en-US" sz="1800" dirty="0" err="1">
-                <a:solidFill>
-                  <a:srgbClr val="000000"/>
-                </a:solidFill>
-                <a:effectLst/>
-                <a:latin typeface="Calibri" panose="020F0502020204030204" pitchFamily="34" charset="0"/>
-                <a:ea typeface="Calibri" panose="020F0502020204030204" pitchFamily="34" charset="0"/>
-                <a:cs typeface="Times New Roman (Body CS)"/>
-              </a:rPr>
-              <a:t>Menyimpan</a:t>
-            </a:r>
-            <a:r>
-              <a:rPr lang="en-US" sz="1800" dirty="0">
-                <a:solidFill>
-                  <a:srgbClr val="000000"/>
-                </a:solidFill>
-                <a:effectLst/>
-                <a:latin typeface="Calibri" panose="020F0502020204030204" pitchFamily="34" charset="0"/>
-                <a:ea typeface="Calibri" panose="020F0502020204030204" pitchFamily="34" charset="0"/>
-                <a:cs typeface="Times New Roman (Body CS)"/>
-              </a:rPr>
-              <a:t> </a:t>
-            </a:r>
-            <a:r>
-              <a:rPr lang="en-US" sz="1800" dirty="0" err="1">
-                <a:solidFill>
-                  <a:srgbClr val="000000"/>
-                </a:solidFill>
-                <a:effectLst/>
-                <a:latin typeface="Calibri" panose="020F0502020204030204" pitchFamily="34" charset="0"/>
-                <a:ea typeface="Calibri" panose="020F0502020204030204" pitchFamily="34" charset="0"/>
-                <a:cs typeface="Times New Roman (Body CS)"/>
-              </a:rPr>
-              <a:t>stok</a:t>
-            </a:r>
-            <a:r>
-              <a:rPr lang="en-US" sz="1800" dirty="0">
-                <a:solidFill>
-                  <a:srgbClr val="000000"/>
-                </a:solidFill>
-                <a:effectLst/>
-                <a:latin typeface="Calibri" panose="020F0502020204030204" pitchFamily="34" charset="0"/>
-                <a:ea typeface="Calibri" panose="020F0502020204030204" pitchFamily="34" charset="0"/>
-                <a:cs typeface="Times New Roman (Body CS)"/>
-              </a:rPr>
-              <a:t> </a:t>
-            </a:r>
-            <a:r>
-              <a:rPr lang="en-US" sz="1800" dirty="0" err="1">
-                <a:solidFill>
-                  <a:srgbClr val="000000"/>
-                </a:solidFill>
-                <a:effectLst/>
-                <a:latin typeface="Calibri" panose="020F0502020204030204" pitchFamily="34" charset="0"/>
-                <a:ea typeface="Calibri" panose="020F0502020204030204" pitchFamily="34" charset="0"/>
-                <a:cs typeface="Times New Roman (Body CS)"/>
-              </a:rPr>
-              <a:t>berarti</a:t>
-            </a:r>
-            <a:r>
-              <a:rPr lang="en-US" sz="1800" dirty="0">
-                <a:solidFill>
-                  <a:srgbClr val="000000"/>
-                </a:solidFill>
-                <a:effectLst/>
-                <a:latin typeface="Calibri" panose="020F0502020204030204" pitchFamily="34" charset="0"/>
-                <a:ea typeface="Calibri" panose="020F0502020204030204" pitchFamily="34" charset="0"/>
-                <a:cs typeface="Times New Roman (Body CS)"/>
-              </a:rPr>
-              <a:t> </a:t>
-            </a:r>
-            <a:r>
-              <a:rPr lang="en-US" sz="1800" dirty="0" err="1">
-                <a:solidFill>
-                  <a:srgbClr val="000000"/>
-                </a:solidFill>
-                <a:effectLst/>
-                <a:latin typeface="Calibri" panose="020F0502020204030204" pitchFamily="34" charset="0"/>
-                <a:ea typeface="Calibri" panose="020F0502020204030204" pitchFamily="34" charset="0"/>
-                <a:cs typeface="Times New Roman (Body CS)"/>
-              </a:rPr>
-              <a:t>mengeluarkan</a:t>
-            </a:r>
-            <a:r>
-              <a:rPr lang="en-US" sz="1800" dirty="0">
-                <a:solidFill>
-                  <a:srgbClr val="000000"/>
-                </a:solidFill>
-                <a:effectLst/>
-                <a:latin typeface="Calibri" panose="020F0502020204030204" pitchFamily="34" charset="0"/>
-                <a:ea typeface="Calibri" panose="020F0502020204030204" pitchFamily="34" charset="0"/>
-                <a:cs typeface="Times New Roman (Body CS)"/>
-              </a:rPr>
-              <a:t> </a:t>
-            </a:r>
-            <a:r>
-              <a:rPr lang="en-US" sz="1800" dirty="0" err="1">
-                <a:solidFill>
-                  <a:srgbClr val="000000"/>
-                </a:solidFill>
-                <a:effectLst/>
-                <a:latin typeface="Calibri" panose="020F0502020204030204" pitchFamily="34" charset="0"/>
-                <a:ea typeface="Calibri" panose="020F0502020204030204" pitchFamily="34" charset="0"/>
-                <a:cs typeface="Times New Roman (Body CS)"/>
-              </a:rPr>
-              <a:t>biaya</a:t>
-            </a:r>
-            <a:r>
-              <a:rPr lang="en-US" sz="1800" dirty="0">
-                <a:solidFill>
-                  <a:srgbClr val="000000"/>
-                </a:solidFill>
-                <a:effectLst/>
-                <a:latin typeface="Calibri" panose="020F0502020204030204" pitchFamily="34" charset="0"/>
-                <a:ea typeface="Calibri" panose="020F0502020204030204" pitchFamily="34" charset="0"/>
-                <a:cs typeface="Times New Roman (Body CS)"/>
-              </a:rPr>
-              <a:t> </a:t>
-            </a:r>
-            <a:r>
-              <a:rPr lang="en-US" sz="1800" dirty="0" err="1">
-                <a:solidFill>
-                  <a:srgbClr val="000000"/>
-                </a:solidFill>
-                <a:effectLst/>
-                <a:latin typeface="Calibri" panose="020F0502020204030204" pitchFamily="34" charset="0"/>
-                <a:ea typeface="Calibri" panose="020F0502020204030204" pitchFamily="34" charset="0"/>
-                <a:cs typeface="Times New Roman (Body CS)"/>
-              </a:rPr>
-              <a:t>untuk</a:t>
-            </a:r>
-            <a:r>
-              <a:rPr lang="en-US" sz="1800" dirty="0">
-                <a:solidFill>
-                  <a:srgbClr val="000000"/>
-                </a:solidFill>
-                <a:effectLst/>
-                <a:latin typeface="Calibri" panose="020F0502020204030204" pitchFamily="34" charset="0"/>
-                <a:ea typeface="Calibri" panose="020F0502020204030204" pitchFamily="34" charset="0"/>
-                <a:cs typeface="Times New Roman (Body CS)"/>
-              </a:rPr>
-              <a:t> </a:t>
-            </a:r>
-            <a:r>
-              <a:rPr lang="en-US" sz="1800" dirty="0" err="1">
-                <a:solidFill>
-                  <a:srgbClr val="000000"/>
-                </a:solidFill>
-                <a:effectLst/>
-                <a:latin typeface="Calibri" panose="020F0502020204030204" pitchFamily="34" charset="0"/>
-                <a:ea typeface="Calibri" panose="020F0502020204030204" pitchFamily="34" charset="0"/>
-                <a:cs typeface="Times New Roman (Body CS)"/>
-              </a:rPr>
-              <a:t>penyimpanan</a:t>
-            </a:r>
-            <a:r>
-              <a:rPr lang="en-US" sz="1800" dirty="0">
-                <a:solidFill>
-                  <a:srgbClr val="000000"/>
-                </a:solidFill>
-                <a:effectLst/>
-                <a:latin typeface="Calibri" panose="020F0502020204030204" pitchFamily="34" charset="0"/>
-                <a:ea typeface="Calibri" panose="020F0502020204030204" pitchFamily="34" charset="0"/>
-                <a:cs typeface="Times New Roman (Body CS)"/>
-              </a:rPr>
-              <a:t>, </a:t>
-            </a:r>
-            <a:r>
-              <a:rPr lang="en-US" sz="1800" dirty="0" err="1">
-                <a:solidFill>
-                  <a:srgbClr val="000000"/>
-                </a:solidFill>
-                <a:effectLst/>
-                <a:latin typeface="Calibri" panose="020F0502020204030204" pitchFamily="34" charset="0"/>
-                <a:ea typeface="Calibri" panose="020F0502020204030204" pitchFamily="34" charset="0"/>
-                <a:cs typeface="Times New Roman (Body CS)"/>
-              </a:rPr>
-              <a:t>termasuk</a:t>
-            </a:r>
-            <a:r>
-              <a:rPr lang="en-US" sz="1800" dirty="0">
-                <a:solidFill>
-                  <a:srgbClr val="000000"/>
-                </a:solidFill>
-                <a:effectLst/>
-                <a:latin typeface="Calibri" panose="020F0502020204030204" pitchFamily="34" charset="0"/>
-                <a:ea typeface="Calibri" panose="020F0502020204030204" pitchFamily="34" charset="0"/>
-                <a:cs typeface="Times New Roman (Body CS)"/>
-              </a:rPr>
-              <a:t> </a:t>
-            </a:r>
-            <a:r>
-              <a:rPr lang="en-US" sz="1800" dirty="0" err="1">
-                <a:solidFill>
-                  <a:srgbClr val="000000"/>
-                </a:solidFill>
-                <a:effectLst/>
-                <a:latin typeface="Calibri" panose="020F0502020204030204" pitchFamily="34" charset="0"/>
-                <a:ea typeface="Calibri" panose="020F0502020204030204" pitchFamily="34" charset="0"/>
-                <a:cs typeface="Times New Roman (Body CS)"/>
-              </a:rPr>
-              <a:t>penyewaan</a:t>
-            </a:r>
-            <a:r>
-              <a:rPr lang="en-US" sz="1800" dirty="0">
-                <a:solidFill>
-                  <a:srgbClr val="000000"/>
-                </a:solidFill>
-                <a:effectLst/>
-                <a:latin typeface="Calibri" panose="020F0502020204030204" pitchFamily="34" charset="0"/>
-                <a:ea typeface="Calibri" panose="020F0502020204030204" pitchFamily="34" charset="0"/>
-                <a:cs typeface="Times New Roman (Body CS)"/>
-              </a:rPr>
-              <a:t> </a:t>
-            </a:r>
-            <a:r>
-              <a:rPr lang="en-US" sz="1800" dirty="0" err="1">
-                <a:solidFill>
-                  <a:srgbClr val="000000"/>
-                </a:solidFill>
-                <a:effectLst/>
-                <a:latin typeface="Calibri" panose="020F0502020204030204" pitchFamily="34" charset="0"/>
-                <a:ea typeface="Calibri" panose="020F0502020204030204" pitchFamily="34" charset="0"/>
-                <a:cs typeface="Times New Roman (Body CS)"/>
-              </a:rPr>
-              <a:t>gudang</a:t>
-            </a:r>
-            <a:r>
-              <a:rPr lang="en-US" sz="1800" dirty="0">
-                <a:solidFill>
-                  <a:srgbClr val="000000"/>
-                </a:solidFill>
-                <a:effectLst/>
-                <a:latin typeface="Calibri" panose="020F0502020204030204" pitchFamily="34" charset="0"/>
-                <a:ea typeface="Calibri" panose="020F0502020204030204" pitchFamily="34" charset="0"/>
-                <a:cs typeface="Times New Roman (Body CS)"/>
-              </a:rPr>
-              <a:t>, </a:t>
-            </a:r>
-            <a:r>
-              <a:rPr lang="en-US" sz="1800" dirty="0" err="1">
-                <a:solidFill>
-                  <a:srgbClr val="000000"/>
-                </a:solidFill>
-                <a:effectLst/>
-                <a:latin typeface="Calibri" panose="020F0502020204030204" pitchFamily="34" charset="0"/>
-                <a:ea typeface="Calibri" panose="020F0502020204030204" pitchFamily="34" charset="0"/>
-                <a:cs typeface="Times New Roman (Body CS)"/>
-              </a:rPr>
-              <a:t>biaya</a:t>
-            </a:r>
-            <a:r>
-              <a:rPr lang="en-US" sz="1800" dirty="0">
-                <a:solidFill>
-                  <a:srgbClr val="000000"/>
-                </a:solidFill>
-                <a:effectLst/>
-                <a:latin typeface="Calibri" panose="020F0502020204030204" pitchFamily="34" charset="0"/>
-                <a:ea typeface="Calibri" panose="020F0502020204030204" pitchFamily="34" charset="0"/>
-                <a:cs typeface="Times New Roman (Body CS)"/>
-              </a:rPr>
-              <a:t> </a:t>
-            </a:r>
-            <a:r>
-              <a:rPr lang="en-US" sz="1800" dirty="0" err="1">
-                <a:solidFill>
-                  <a:srgbClr val="000000"/>
-                </a:solidFill>
-                <a:effectLst/>
-                <a:latin typeface="Calibri" panose="020F0502020204030204" pitchFamily="34" charset="0"/>
-                <a:ea typeface="Calibri" panose="020F0502020204030204" pitchFamily="34" charset="0"/>
-                <a:cs typeface="Times New Roman (Body CS)"/>
-              </a:rPr>
-              <a:t>listrik</a:t>
-            </a:r>
-            <a:r>
-              <a:rPr lang="en-US" sz="1800" dirty="0">
-                <a:solidFill>
-                  <a:srgbClr val="000000"/>
-                </a:solidFill>
-                <a:effectLst/>
-                <a:latin typeface="Calibri" panose="020F0502020204030204" pitchFamily="34" charset="0"/>
-                <a:ea typeface="Calibri" panose="020F0502020204030204" pitchFamily="34" charset="0"/>
-                <a:cs typeface="Times New Roman (Body CS)"/>
-              </a:rPr>
-              <a:t>, </a:t>
-            </a:r>
-            <a:r>
-              <a:rPr lang="en-US" sz="1800" dirty="0" err="1">
-                <a:solidFill>
-                  <a:srgbClr val="000000"/>
-                </a:solidFill>
-                <a:effectLst/>
-                <a:latin typeface="Calibri" panose="020F0502020204030204" pitchFamily="34" charset="0"/>
-                <a:ea typeface="Calibri" panose="020F0502020204030204" pitchFamily="34" charset="0"/>
-                <a:cs typeface="Times New Roman (Body CS)"/>
-              </a:rPr>
-              <a:t>asuransi</a:t>
-            </a:r>
-            <a:r>
-              <a:rPr lang="en-US" sz="1800" dirty="0">
-                <a:solidFill>
-                  <a:srgbClr val="000000"/>
-                </a:solidFill>
-                <a:effectLst/>
-                <a:latin typeface="Calibri" panose="020F0502020204030204" pitchFamily="34" charset="0"/>
-                <a:ea typeface="Calibri" panose="020F0502020204030204" pitchFamily="34" charset="0"/>
-                <a:cs typeface="Times New Roman (Body CS)"/>
-              </a:rPr>
-              <a:t>, dan </a:t>
-            </a:r>
-            <a:r>
-              <a:rPr lang="en-US" sz="1800" dirty="0" err="1">
-                <a:solidFill>
-                  <a:srgbClr val="000000"/>
-                </a:solidFill>
-                <a:effectLst/>
-                <a:latin typeface="Calibri" panose="020F0502020204030204" pitchFamily="34" charset="0"/>
-                <a:ea typeface="Calibri" panose="020F0502020204030204" pitchFamily="34" charset="0"/>
-                <a:cs typeface="Times New Roman (Body CS)"/>
-              </a:rPr>
-              <a:t>lainnya</a:t>
-            </a:r>
-            <a:r>
-              <a:rPr lang="en-US" sz="1800" dirty="0">
-                <a:solidFill>
-                  <a:srgbClr val="000000"/>
-                </a:solidFill>
-                <a:effectLst/>
-                <a:latin typeface="Calibri" panose="020F0502020204030204" pitchFamily="34" charset="0"/>
-                <a:ea typeface="Calibri" panose="020F0502020204030204" pitchFamily="34" charset="0"/>
-                <a:cs typeface="Times New Roman (Body CS)"/>
-              </a:rPr>
-              <a:t>. </a:t>
-            </a:r>
-            <a:r>
-              <a:rPr lang="en-US" sz="1800" dirty="0" err="1">
-                <a:solidFill>
-                  <a:srgbClr val="000000"/>
-                </a:solidFill>
-                <a:effectLst/>
-                <a:latin typeface="Calibri" panose="020F0502020204030204" pitchFamily="34" charset="0"/>
-                <a:ea typeface="Calibri" panose="020F0502020204030204" pitchFamily="34" charset="0"/>
-                <a:cs typeface="Times New Roman (Body CS)"/>
-              </a:rPr>
-              <a:t>Dengan</a:t>
-            </a:r>
-            <a:r>
-              <a:rPr lang="en-US" sz="1800" dirty="0">
-                <a:solidFill>
-                  <a:srgbClr val="000000"/>
-                </a:solidFill>
-                <a:effectLst/>
-                <a:latin typeface="Calibri" panose="020F0502020204030204" pitchFamily="34" charset="0"/>
-                <a:ea typeface="Calibri" panose="020F0502020204030204" pitchFamily="34" charset="0"/>
-                <a:cs typeface="Times New Roman (Body CS)"/>
-              </a:rPr>
-              <a:t> </a:t>
-            </a:r>
-            <a:r>
-              <a:rPr lang="en-US" sz="1800" dirty="0" err="1">
-                <a:solidFill>
-                  <a:srgbClr val="000000"/>
-                </a:solidFill>
-                <a:effectLst/>
-                <a:latin typeface="Calibri" panose="020F0502020204030204" pitchFamily="34" charset="0"/>
-                <a:ea typeface="Calibri" panose="020F0502020204030204" pitchFamily="34" charset="0"/>
-                <a:cs typeface="Times New Roman (Body CS)"/>
-              </a:rPr>
-              <a:t>mengoptimalkan</a:t>
-            </a:r>
-            <a:r>
-              <a:rPr lang="en-US" sz="1800" dirty="0">
-                <a:solidFill>
-                  <a:srgbClr val="000000"/>
-                </a:solidFill>
-                <a:effectLst/>
-                <a:latin typeface="Calibri" panose="020F0502020204030204" pitchFamily="34" charset="0"/>
-                <a:ea typeface="Calibri" panose="020F0502020204030204" pitchFamily="34" charset="0"/>
-                <a:cs typeface="Times New Roman (Body CS)"/>
-              </a:rPr>
-              <a:t> </a:t>
-            </a:r>
-            <a:r>
-              <a:rPr lang="en-US" sz="1800" dirty="0" err="1">
-                <a:solidFill>
-                  <a:srgbClr val="000000"/>
-                </a:solidFill>
-                <a:effectLst/>
-                <a:latin typeface="Calibri" panose="020F0502020204030204" pitchFamily="34" charset="0"/>
-                <a:ea typeface="Calibri" panose="020F0502020204030204" pitchFamily="34" charset="0"/>
-                <a:cs typeface="Times New Roman (Body CS)"/>
-              </a:rPr>
-              <a:t>stok</a:t>
-            </a:r>
-            <a:r>
-              <a:rPr lang="en-US" sz="1800" dirty="0">
-                <a:solidFill>
-                  <a:srgbClr val="000000"/>
-                </a:solidFill>
-                <a:effectLst/>
-                <a:latin typeface="Calibri" panose="020F0502020204030204" pitchFamily="34" charset="0"/>
-                <a:ea typeface="Calibri" panose="020F0502020204030204" pitchFamily="34" charset="0"/>
-                <a:cs typeface="Times New Roman (Body CS)"/>
-              </a:rPr>
-              <a:t>, </a:t>
-            </a:r>
-            <a:r>
-              <a:rPr lang="en-US" sz="1800" dirty="0" err="1">
-                <a:solidFill>
-                  <a:srgbClr val="000000"/>
-                </a:solidFill>
-                <a:effectLst/>
-                <a:latin typeface="Calibri" panose="020F0502020204030204" pitchFamily="34" charset="0"/>
-                <a:ea typeface="Calibri" panose="020F0502020204030204" pitchFamily="34" charset="0"/>
-                <a:cs typeface="Times New Roman (Body CS)"/>
-              </a:rPr>
-              <a:t>perusahaan</a:t>
-            </a:r>
-            <a:r>
-              <a:rPr lang="en-US" sz="1800" dirty="0">
-                <a:solidFill>
-                  <a:srgbClr val="000000"/>
-                </a:solidFill>
-                <a:effectLst/>
-                <a:latin typeface="Calibri" panose="020F0502020204030204" pitchFamily="34" charset="0"/>
-                <a:ea typeface="Calibri" panose="020F0502020204030204" pitchFamily="34" charset="0"/>
-                <a:cs typeface="Times New Roman (Body CS)"/>
-              </a:rPr>
-              <a:t> </a:t>
-            </a:r>
-            <a:r>
-              <a:rPr lang="en-US" sz="1800" dirty="0" err="1">
-                <a:solidFill>
-                  <a:srgbClr val="000000"/>
-                </a:solidFill>
-                <a:effectLst/>
-                <a:latin typeface="Calibri" panose="020F0502020204030204" pitchFamily="34" charset="0"/>
-                <a:ea typeface="Calibri" panose="020F0502020204030204" pitchFamily="34" charset="0"/>
-                <a:cs typeface="Times New Roman (Body CS)"/>
-              </a:rPr>
-              <a:t>dapat</a:t>
-            </a:r>
-            <a:r>
-              <a:rPr lang="en-US" sz="1800" dirty="0">
-                <a:solidFill>
-                  <a:srgbClr val="000000"/>
-                </a:solidFill>
-                <a:effectLst/>
-                <a:latin typeface="Calibri" panose="020F0502020204030204" pitchFamily="34" charset="0"/>
-                <a:ea typeface="Calibri" panose="020F0502020204030204" pitchFamily="34" charset="0"/>
-                <a:cs typeface="Times New Roman (Body CS)"/>
-              </a:rPr>
-              <a:t> </a:t>
-            </a:r>
-            <a:r>
-              <a:rPr lang="en-US" sz="1800" dirty="0" err="1">
-                <a:solidFill>
-                  <a:srgbClr val="000000"/>
-                </a:solidFill>
-                <a:effectLst/>
-                <a:latin typeface="Calibri" panose="020F0502020204030204" pitchFamily="34" charset="0"/>
-                <a:ea typeface="Calibri" panose="020F0502020204030204" pitchFamily="34" charset="0"/>
-                <a:cs typeface="Times New Roman (Body CS)"/>
-              </a:rPr>
-              <a:t>mengurangi</a:t>
-            </a:r>
-            <a:r>
-              <a:rPr lang="en-US" sz="1800" dirty="0">
-                <a:solidFill>
-                  <a:srgbClr val="000000"/>
-                </a:solidFill>
-                <a:effectLst/>
-                <a:latin typeface="Calibri" panose="020F0502020204030204" pitchFamily="34" charset="0"/>
-                <a:ea typeface="Calibri" panose="020F0502020204030204" pitchFamily="34" charset="0"/>
-                <a:cs typeface="Times New Roman (Body CS)"/>
-              </a:rPr>
-              <a:t> </a:t>
-            </a:r>
-            <a:r>
-              <a:rPr lang="en-US" sz="1800" dirty="0" err="1">
-                <a:solidFill>
-                  <a:srgbClr val="000000"/>
-                </a:solidFill>
-                <a:effectLst/>
-                <a:latin typeface="Calibri" panose="020F0502020204030204" pitchFamily="34" charset="0"/>
-                <a:ea typeface="Calibri" panose="020F0502020204030204" pitchFamily="34" charset="0"/>
-                <a:cs typeface="Times New Roman (Body CS)"/>
-              </a:rPr>
-              <a:t>biaya</a:t>
-            </a:r>
-            <a:r>
-              <a:rPr lang="en-US" sz="1800" dirty="0">
-                <a:solidFill>
-                  <a:srgbClr val="000000"/>
-                </a:solidFill>
-                <a:effectLst/>
-                <a:latin typeface="Calibri" panose="020F0502020204030204" pitchFamily="34" charset="0"/>
-                <a:ea typeface="Calibri" panose="020F0502020204030204" pitchFamily="34" charset="0"/>
-                <a:cs typeface="Times New Roman (Body CS)"/>
-              </a:rPr>
-              <a:t> </a:t>
-            </a:r>
-            <a:r>
-              <a:rPr lang="en-US" sz="1800" dirty="0" err="1">
-                <a:solidFill>
-                  <a:srgbClr val="000000"/>
-                </a:solidFill>
-                <a:effectLst/>
-                <a:latin typeface="Calibri" panose="020F0502020204030204" pitchFamily="34" charset="0"/>
-                <a:ea typeface="Calibri" panose="020F0502020204030204" pitchFamily="34" charset="0"/>
-                <a:cs typeface="Times New Roman (Body CS)"/>
-              </a:rPr>
-              <a:t>ini</a:t>
-            </a:r>
-            <a:r>
-              <a:rPr lang="en-US" sz="1800" dirty="0">
-                <a:solidFill>
-                  <a:srgbClr val="000000"/>
-                </a:solidFill>
-                <a:effectLst/>
-                <a:latin typeface="Calibri" panose="020F0502020204030204" pitchFamily="34" charset="0"/>
-                <a:ea typeface="Calibri" panose="020F0502020204030204" pitchFamily="34" charset="0"/>
-                <a:cs typeface="Times New Roman (Body CS)"/>
-              </a:rPr>
-              <a:t> </a:t>
-            </a:r>
-            <a:r>
-              <a:rPr lang="en-US" sz="1800" dirty="0" err="1">
-                <a:solidFill>
-                  <a:srgbClr val="000000"/>
-                </a:solidFill>
-                <a:effectLst/>
-                <a:latin typeface="Calibri" panose="020F0502020204030204" pitchFamily="34" charset="0"/>
-                <a:ea typeface="Calibri" panose="020F0502020204030204" pitchFamily="34" charset="0"/>
-                <a:cs typeface="Times New Roman (Body CS)"/>
-              </a:rPr>
-              <a:t>dengan</a:t>
-            </a:r>
-            <a:r>
-              <a:rPr lang="en-US" sz="1800" dirty="0">
-                <a:solidFill>
-                  <a:srgbClr val="000000"/>
-                </a:solidFill>
-                <a:effectLst/>
-                <a:latin typeface="Calibri" panose="020F0502020204030204" pitchFamily="34" charset="0"/>
-                <a:ea typeface="Calibri" panose="020F0502020204030204" pitchFamily="34" charset="0"/>
-                <a:cs typeface="Times New Roman (Body CS)"/>
-              </a:rPr>
-              <a:t> </a:t>
-            </a:r>
-            <a:r>
-              <a:rPr lang="en-US" sz="1800" dirty="0" err="1">
-                <a:solidFill>
-                  <a:srgbClr val="000000"/>
-                </a:solidFill>
-                <a:effectLst/>
-                <a:latin typeface="Calibri" panose="020F0502020204030204" pitchFamily="34" charset="0"/>
-                <a:ea typeface="Calibri" panose="020F0502020204030204" pitchFamily="34" charset="0"/>
-                <a:cs typeface="Times New Roman (Body CS)"/>
-              </a:rPr>
-              <a:t>mengurangi</a:t>
-            </a:r>
-            <a:r>
-              <a:rPr lang="en-US" sz="1800" dirty="0">
-                <a:solidFill>
-                  <a:srgbClr val="000000"/>
-                </a:solidFill>
-                <a:effectLst/>
-                <a:latin typeface="Calibri" panose="020F0502020204030204" pitchFamily="34" charset="0"/>
-                <a:ea typeface="Calibri" panose="020F0502020204030204" pitchFamily="34" charset="0"/>
-                <a:cs typeface="Times New Roman (Body CS)"/>
-              </a:rPr>
-              <a:t> </a:t>
-            </a:r>
-            <a:r>
-              <a:rPr lang="en-US" sz="1800" dirty="0" err="1">
-                <a:solidFill>
-                  <a:srgbClr val="000000"/>
-                </a:solidFill>
-                <a:effectLst/>
-                <a:latin typeface="Calibri" panose="020F0502020204030204" pitchFamily="34" charset="0"/>
-                <a:ea typeface="Calibri" panose="020F0502020204030204" pitchFamily="34" charset="0"/>
-                <a:cs typeface="Times New Roman (Body CS)"/>
-              </a:rPr>
-              <a:t>jumlah</a:t>
-            </a:r>
-            <a:r>
-              <a:rPr lang="en-US" sz="1800" dirty="0">
-                <a:solidFill>
-                  <a:srgbClr val="000000"/>
-                </a:solidFill>
-                <a:effectLst/>
-                <a:latin typeface="Calibri" panose="020F0502020204030204" pitchFamily="34" charset="0"/>
-                <a:ea typeface="Calibri" panose="020F0502020204030204" pitchFamily="34" charset="0"/>
-                <a:cs typeface="Times New Roman (Body CS)"/>
-              </a:rPr>
-              <a:t> </a:t>
-            </a:r>
-            <a:r>
-              <a:rPr lang="en-US" sz="1800" dirty="0" err="1">
-                <a:solidFill>
-                  <a:srgbClr val="000000"/>
-                </a:solidFill>
-                <a:effectLst/>
-                <a:latin typeface="Calibri" panose="020F0502020204030204" pitchFamily="34" charset="0"/>
-                <a:ea typeface="Calibri" panose="020F0502020204030204" pitchFamily="34" charset="0"/>
-                <a:cs typeface="Times New Roman (Body CS)"/>
-              </a:rPr>
-              <a:t>stok</a:t>
-            </a:r>
-            <a:r>
-              <a:rPr lang="en-US" sz="1800" dirty="0">
-                <a:solidFill>
-                  <a:srgbClr val="000000"/>
-                </a:solidFill>
-                <a:effectLst/>
-                <a:latin typeface="Calibri" panose="020F0502020204030204" pitchFamily="34" charset="0"/>
-                <a:ea typeface="Calibri" panose="020F0502020204030204" pitchFamily="34" charset="0"/>
-                <a:cs typeface="Times New Roman (Body CS)"/>
-              </a:rPr>
-              <a:t> yang </a:t>
-            </a:r>
-            <a:r>
-              <a:rPr lang="en-US" sz="1800" dirty="0" err="1">
-                <a:solidFill>
-                  <a:srgbClr val="000000"/>
-                </a:solidFill>
-                <a:effectLst/>
-                <a:latin typeface="Calibri" panose="020F0502020204030204" pitchFamily="34" charset="0"/>
-                <a:ea typeface="Calibri" panose="020F0502020204030204" pitchFamily="34" charset="0"/>
-                <a:cs typeface="Times New Roman (Body CS)"/>
-              </a:rPr>
-              <a:t>tidak</a:t>
-            </a:r>
-            <a:r>
-              <a:rPr lang="en-US" sz="1800" dirty="0">
-                <a:solidFill>
-                  <a:srgbClr val="000000"/>
-                </a:solidFill>
-                <a:effectLst/>
-                <a:latin typeface="Calibri" panose="020F0502020204030204" pitchFamily="34" charset="0"/>
-                <a:ea typeface="Calibri" panose="020F0502020204030204" pitchFamily="34" charset="0"/>
-                <a:cs typeface="Times New Roman (Body CS)"/>
-              </a:rPr>
-              <a:t> </a:t>
-            </a:r>
-            <a:r>
-              <a:rPr lang="en-US" sz="1800" dirty="0" err="1">
-                <a:solidFill>
-                  <a:srgbClr val="000000"/>
-                </a:solidFill>
-                <a:effectLst/>
-                <a:latin typeface="Calibri" panose="020F0502020204030204" pitchFamily="34" charset="0"/>
-                <a:ea typeface="Calibri" panose="020F0502020204030204" pitchFamily="34" charset="0"/>
-                <a:cs typeface="Times New Roman (Body CS)"/>
-              </a:rPr>
-              <a:t>perlu</a:t>
-            </a:r>
-            <a:r>
-              <a:rPr lang="en-US" sz="1800" dirty="0">
-                <a:solidFill>
-                  <a:srgbClr val="000000"/>
-                </a:solidFill>
-                <a:effectLst/>
-                <a:latin typeface="Calibri" panose="020F0502020204030204" pitchFamily="34" charset="0"/>
-                <a:ea typeface="Calibri" panose="020F0502020204030204" pitchFamily="34" charset="0"/>
-                <a:cs typeface="Times New Roman (Body CS)"/>
-              </a:rPr>
-              <a:t> </a:t>
-            </a:r>
-            <a:r>
-              <a:rPr lang="en-US" sz="1800" dirty="0" err="1">
-                <a:solidFill>
-                  <a:srgbClr val="000000"/>
-                </a:solidFill>
-                <a:effectLst/>
-                <a:latin typeface="Calibri" panose="020F0502020204030204" pitchFamily="34" charset="0"/>
-                <a:ea typeface="Calibri" panose="020F0502020204030204" pitchFamily="34" charset="0"/>
-                <a:cs typeface="Times New Roman (Body CS)"/>
-              </a:rPr>
-              <a:t>disimpan</a:t>
-            </a:r>
-            <a:r>
-              <a:rPr lang="en-US" sz="1800" dirty="0">
-                <a:solidFill>
-                  <a:srgbClr val="000000"/>
-                </a:solidFill>
-                <a:effectLst/>
-                <a:latin typeface="Calibri" panose="020F0502020204030204" pitchFamily="34" charset="0"/>
-                <a:ea typeface="Calibri" panose="020F0502020204030204" pitchFamily="34" charset="0"/>
-                <a:cs typeface="Times New Roman (Body CS)"/>
-              </a:rPr>
-              <a:t>.</a:t>
-            </a:r>
-            <a:endParaRPr lang="en-ID" sz="1800" dirty="0">
-              <a:solidFill>
-                <a:srgbClr val="000000"/>
-              </a:solidFill>
-              <a:effectLst/>
-              <a:latin typeface="Calibri" panose="020F0502020204030204" pitchFamily="34" charset="0"/>
-              <a:ea typeface="Calibri" panose="020F0502020204030204" pitchFamily="34" charset="0"/>
-              <a:cs typeface="Times New Roman (Body CS)"/>
-            </a:endParaRPr>
-          </a:p>
-          <a:p>
-            <a:pPr marL="342900" lvl="0" indent="-342900" algn="just">
+          </a:p>
+          <a:p>
+            <a:pPr marL="457200" indent="-457200" algn="l">
               <a:buFont typeface="+mj-lt"/>
               <a:buAutoNum type="arabicPeriod"/>
             </a:pPr>
             <a:r>
-              <a:rPr lang="en-US" sz="1800" dirty="0" err="1">
-                <a:solidFill>
-                  <a:srgbClr val="000000"/>
-                </a:solidFill>
-                <a:effectLst/>
-                <a:latin typeface="Calibri" panose="020F0502020204030204" pitchFamily="34" charset="0"/>
-                <a:ea typeface="Calibri" panose="020F0502020204030204" pitchFamily="34" charset="0"/>
-                <a:cs typeface="Times New Roman (Body CS)"/>
-              </a:rPr>
-              <a:t>Mengurangi</a:t>
+              <a:rPr lang="en-US" sz="1600" dirty="0"/>
+              <a:t>Reducing Ordering Costs: Ordering stock in large quantities or too frequently can increase shipping costs, administrative costs, and processing costs. By using appropriate stock optimization techniques, a company can reduce the frequency of orders and optimize order sizes, thus reducing overall costs.</a:t>
             </a:r>
-            <a:r>
-              <a:rPr lang="en-US" sz="1800" dirty="0">
-                <a:solidFill>
-                  <a:srgbClr val="000000"/>
-                </a:solidFill>
-                <a:effectLst/>
-                <a:latin typeface="Calibri" panose="020F0502020204030204" pitchFamily="34" charset="0"/>
-                <a:ea typeface="Calibri" panose="020F0502020204030204" pitchFamily="34" charset="0"/>
-                <a:cs typeface="Times New Roman (Body CS)"/>
-              </a:rPr>
-              <a:t> </a:t>
-            </a:r>
-            <a:r>
-              <a:rPr lang="en-US" sz="1800" dirty="0" err="1">
-                <a:solidFill>
-                  <a:srgbClr val="000000"/>
-                </a:solidFill>
-                <a:effectLst/>
-                <a:latin typeface="Calibri" panose="020F0502020204030204" pitchFamily="34" charset="0"/>
-                <a:ea typeface="Calibri" panose="020F0502020204030204" pitchFamily="34" charset="0"/>
-                <a:cs typeface="Times New Roman (Body CS)"/>
-              </a:rPr>
-              <a:t>Biaya</a:t>
-            </a:r>
-            <a:r>
-              <a:rPr lang="en-US" sz="1800" dirty="0">
-                <a:solidFill>
-                  <a:srgbClr val="000000"/>
-                </a:solidFill>
-                <a:effectLst/>
-                <a:latin typeface="Calibri" panose="020F0502020204030204" pitchFamily="34" charset="0"/>
-                <a:ea typeface="Calibri" panose="020F0502020204030204" pitchFamily="34" charset="0"/>
-                <a:cs typeface="Times New Roman (Body CS)"/>
-              </a:rPr>
-              <a:t> </a:t>
-            </a:r>
-            <a:r>
-              <a:rPr lang="en-US" sz="1800" dirty="0" err="1">
-                <a:solidFill>
-                  <a:srgbClr val="000000"/>
-                </a:solidFill>
-                <a:effectLst/>
-                <a:latin typeface="Calibri" panose="020F0502020204030204" pitchFamily="34" charset="0"/>
-                <a:ea typeface="Calibri" panose="020F0502020204030204" pitchFamily="34" charset="0"/>
-                <a:cs typeface="Times New Roman (Body CS)"/>
-              </a:rPr>
-              <a:t>Pemesanan</a:t>
-            </a:r>
-            <a:r>
-              <a:rPr lang="en-US" sz="1800" dirty="0">
-                <a:solidFill>
-                  <a:srgbClr val="000000"/>
-                </a:solidFill>
-                <a:effectLst/>
-                <a:latin typeface="Calibri" panose="020F0502020204030204" pitchFamily="34" charset="0"/>
-                <a:ea typeface="Calibri" panose="020F0502020204030204" pitchFamily="34" charset="0"/>
-                <a:cs typeface="Times New Roman (Body CS)"/>
-              </a:rPr>
-              <a:t>: </a:t>
-            </a:r>
-            <a:r>
-              <a:rPr lang="en-US" sz="1800" dirty="0" err="1">
-                <a:solidFill>
-                  <a:srgbClr val="000000"/>
-                </a:solidFill>
-                <a:effectLst/>
-                <a:latin typeface="Calibri" panose="020F0502020204030204" pitchFamily="34" charset="0"/>
-                <a:ea typeface="Calibri" panose="020F0502020204030204" pitchFamily="34" charset="0"/>
-                <a:cs typeface="Times New Roman (Body CS)"/>
-              </a:rPr>
-              <a:t>Memesan</a:t>
-            </a:r>
-            <a:r>
-              <a:rPr lang="en-US" sz="1800" dirty="0">
-                <a:solidFill>
-                  <a:srgbClr val="000000"/>
-                </a:solidFill>
-                <a:effectLst/>
-                <a:latin typeface="Calibri" panose="020F0502020204030204" pitchFamily="34" charset="0"/>
-                <a:ea typeface="Calibri" panose="020F0502020204030204" pitchFamily="34" charset="0"/>
-                <a:cs typeface="Times New Roman (Body CS)"/>
-              </a:rPr>
-              <a:t> </a:t>
-            </a:r>
-            <a:r>
-              <a:rPr lang="en-US" sz="1800" dirty="0" err="1">
-                <a:solidFill>
-                  <a:srgbClr val="000000"/>
-                </a:solidFill>
-                <a:effectLst/>
-                <a:latin typeface="Calibri" panose="020F0502020204030204" pitchFamily="34" charset="0"/>
-                <a:ea typeface="Calibri" panose="020F0502020204030204" pitchFamily="34" charset="0"/>
-                <a:cs typeface="Times New Roman (Body CS)"/>
-              </a:rPr>
-              <a:t>stok</a:t>
-            </a:r>
-            <a:r>
-              <a:rPr lang="en-US" sz="1800" dirty="0">
-                <a:solidFill>
-                  <a:srgbClr val="000000"/>
-                </a:solidFill>
-                <a:effectLst/>
-                <a:latin typeface="Calibri" panose="020F0502020204030204" pitchFamily="34" charset="0"/>
-                <a:ea typeface="Calibri" panose="020F0502020204030204" pitchFamily="34" charset="0"/>
-                <a:cs typeface="Times New Roman (Body CS)"/>
-              </a:rPr>
-              <a:t> </a:t>
-            </a:r>
-            <a:r>
-              <a:rPr lang="en-US" sz="1800" dirty="0" err="1">
-                <a:solidFill>
-                  <a:srgbClr val="000000"/>
-                </a:solidFill>
-                <a:effectLst/>
-                <a:latin typeface="Calibri" panose="020F0502020204030204" pitchFamily="34" charset="0"/>
-                <a:ea typeface="Calibri" panose="020F0502020204030204" pitchFamily="34" charset="0"/>
-                <a:cs typeface="Times New Roman (Body CS)"/>
-              </a:rPr>
-              <a:t>dalam</a:t>
-            </a:r>
-            <a:r>
-              <a:rPr lang="en-US" sz="1800" dirty="0">
-                <a:solidFill>
-                  <a:srgbClr val="000000"/>
-                </a:solidFill>
-                <a:effectLst/>
-                <a:latin typeface="Calibri" panose="020F0502020204030204" pitchFamily="34" charset="0"/>
-                <a:ea typeface="Calibri" panose="020F0502020204030204" pitchFamily="34" charset="0"/>
-                <a:cs typeface="Times New Roman (Body CS)"/>
-              </a:rPr>
-              <a:t> </a:t>
-            </a:r>
-            <a:r>
-              <a:rPr lang="en-US" sz="1800" dirty="0" err="1">
-                <a:solidFill>
-                  <a:srgbClr val="000000"/>
-                </a:solidFill>
-                <a:effectLst/>
-                <a:latin typeface="Calibri" panose="020F0502020204030204" pitchFamily="34" charset="0"/>
-                <a:ea typeface="Calibri" panose="020F0502020204030204" pitchFamily="34" charset="0"/>
-                <a:cs typeface="Times New Roman (Body CS)"/>
-              </a:rPr>
-              <a:t>jumlah</a:t>
-            </a:r>
-            <a:r>
-              <a:rPr lang="en-US" sz="1800" dirty="0">
-                <a:solidFill>
-                  <a:srgbClr val="000000"/>
-                </a:solidFill>
-                <a:effectLst/>
-                <a:latin typeface="Calibri" panose="020F0502020204030204" pitchFamily="34" charset="0"/>
-                <a:ea typeface="Calibri" panose="020F0502020204030204" pitchFamily="34" charset="0"/>
-                <a:cs typeface="Times New Roman (Body CS)"/>
-              </a:rPr>
-              <a:t> </a:t>
-            </a:r>
-            <a:r>
-              <a:rPr lang="en-US" sz="1800" dirty="0" err="1">
-                <a:solidFill>
-                  <a:srgbClr val="000000"/>
-                </a:solidFill>
-                <a:effectLst/>
-                <a:latin typeface="Calibri" panose="020F0502020204030204" pitchFamily="34" charset="0"/>
-                <a:ea typeface="Calibri" panose="020F0502020204030204" pitchFamily="34" charset="0"/>
-                <a:cs typeface="Times New Roman (Body CS)"/>
-              </a:rPr>
-              <a:t>besar</a:t>
-            </a:r>
-            <a:r>
-              <a:rPr lang="en-US" sz="1800" dirty="0">
-                <a:solidFill>
-                  <a:srgbClr val="000000"/>
-                </a:solidFill>
-                <a:effectLst/>
-                <a:latin typeface="Calibri" panose="020F0502020204030204" pitchFamily="34" charset="0"/>
-                <a:ea typeface="Calibri" panose="020F0502020204030204" pitchFamily="34" charset="0"/>
-                <a:cs typeface="Times New Roman (Body CS)"/>
-              </a:rPr>
-              <a:t> </a:t>
-            </a:r>
-            <a:r>
-              <a:rPr lang="en-US" sz="1800" dirty="0" err="1">
-                <a:solidFill>
-                  <a:srgbClr val="000000"/>
-                </a:solidFill>
-                <a:effectLst/>
-                <a:latin typeface="Calibri" panose="020F0502020204030204" pitchFamily="34" charset="0"/>
-                <a:ea typeface="Calibri" panose="020F0502020204030204" pitchFamily="34" charset="0"/>
-                <a:cs typeface="Times New Roman (Body CS)"/>
-              </a:rPr>
-              <a:t>atau</a:t>
-            </a:r>
-            <a:r>
-              <a:rPr lang="en-US" sz="1800" dirty="0">
-                <a:solidFill>
-                  <a:srgbClr val="000000"/>
-                </a:solidFill>
-                <a:effectLst/>
-                <a:latin typeface="Calibri" panose="020F0502020204030204" pitchFamily="34" charset="0"/>
-                <a:ea typeface="Calibri" panose="020F0502020204030204" pitchFamily="34" charset="0"/>
-                <a:cs typeface="Times New Roman (Body CS)"/>
-              </a:rPr>
-              <a:t> </a:t>
-            </a:r>
-            <a:r>
-              <a:rPr lang="en-US" sz="1800" dirty="0" err="1">
-                <a:solidFill>
-                  <a:srgbClr val="000000"/>
-                </a:solidFill>
-                <a:effectLst/>
-                <a:latin typeface="Calibri" panose="020F0502020204030204" pitchFamily="34" charset="0"/>
-                <a:ea typeface="Calibri" panose="020F0502020204030204" pitchFamily="34" charset="0"/>
-                <a:cs typeface="Times New Roman (Body CS)"/>
-              </a:rPr>
-              <a:t>terlalu</a:t>
-            </a:r>
-            <a:r>
-              <a:rPr lang="en-US" sz="1800" dirty="0">
-                <a:solidFill>
-                  <a:srgbClr val="000000"/>
-                </a:solidFill>
-                <a:effectLst/>
-                <a:latin typeface="Calibri" panose="020F0502020204030204" pitchFamily="34" charset="0"/>
-                <a:ea typeface="Calibri" panose="020F0502020204030204" pitchFamily="34" charset="0"/>
-                <a:cs typeface="Times New Roman (Body CS)"/>
-              </a:rPr>
-              <a:t> </a:t>
-            </a:r>
-            <a:r>
-              <a:rPr lang="en-US" sz="1800" dirty="0" err="1">
-                <a:solidFill>
-                  <a:srgbClr val="000000"/>
-                </a:solidFill>
-                <a:effectLst/>
-                <a:latin typeface="Calibri" panose="020F0502020204030204" pitchFamily="34" charset="0"/>
-                <a:ea typeface="Calibri" panose="020F0502020204030204" pitchFamily="34" charset="0"/>
-                <a:cs typeface="Times New Roman (Body CS)"/>
-              </a:rPr>
-              <a:t>sering</a:t>
-            </a:r>
-            <a:r>
-              <a:rPr lang="en-US" sz="1800" dirty="0">
-                <a:solidFill>
-                  <a:srgbClr val="000000"/>
-                </a:solidFill>
-                <a:effectLst/>
-                <a:latin typeface="Calibri" panose="020F0502020204030204" pitchFamily="34" charset="0"/>
-                <a:ea typeface="Calibri" panose="020F0502020204030204" pitchFamily="34" charset="0"/>
-                <a:cs typeface="Times New Roman (Body CS)"/>
-              </a:rPr>
-              <a:t> </a:t>
-            </a:r>
-            <a:r>
-              <a:rPr lang="en-US" sz="1800" dirty="0" err="1">
-                <a:solidFill>
-                  <a:srgbClr val="000000"/>
-                </a:solidFill>
-                <a:effectLst/>
-                <a:latin typeface="Calibri" panose="020F0502020204030204" pitchFamily="34" charset="0"/>
-                <a:ea typeface="Calibri" panose="020F0502020204030204" pitchFamily="34" charset="0"/>
-                <a:cs typeface="Times New Roman (Body CS)"/>
-              </a:rPr>
-              <a:t>dapat</a:t>
-            </a:r>
-            <a:r>
-              <a:rPr lang="en-US" sz="1800" dirty="0">
-                <a:solidFill>
-                  <a:srgbClr val="000000"/>
-                </a:solidFill>
-                <a:effectLst/>
-                <a:latin typeface="Calibri" panose="020F0502020204030204" pitchFamily="34" charset="0"/>
-                <a:ea typeface="Calibri" panose="020F0502020204030204" pitchFamily="34" charset="0"/>
-                <a:cs typeface="Times New Roman (Body CS)"/>
-              </a:rPr>
-              <a:t> </a:t>
-            </a:r>
-            <a:r>
-              <a:rPr lang="en-US" sz="1800" dirty="0" err="1">
-                <a:solidFill>
-                  <a:srgbClr val="000000"/>
-                </a:solidFill>
-                <a:effectLst/>
-                <a:latin typeface="Calibri" panose="020F0502020204030204" pitchFamily="34" charset="0"/>
-                <a:ea typeface="Calibri" panose="020F0502020204030204" pitchFamily="34" charset="0"/>
-                <a:cs typeface="Times New Roman (Body CS)"/>
-              </a:rPr>
-              <a:t>meningkatkan</a:t>
-            </a:r>
-            <a:r>
-              <a:rPr lang="en-US" sz="1800" dirty="0">
-                <a:solidFill>
-                  <a:srgbClr val="000000"/>
-                </a:solidFill>
-                <a:effectLst/>
-                <a:latin typeface="Calibri" panose="020F0502020204030204" pitchFamily="34" charset="0"/>
-                <a:ea typeface="Calibri" panose="020F0502020204030204" pitchFamily="34" charset="0"/>
-                <a:cs typeface="Times New Roman (Body CS)"/>
-              </a:rPr>
-              <a:t> </a:t>
-            </a:r>
-            <a:r>
-              <a:rPr lang="en-US" sz="1800" dirty="0" err="1">
-                <a:solidFill>
-                  <a:srgbClr val="000000"/>
-                </a:solidFill>
-                <a:effectLst/>
-                <a:latin typeface="Calibri" panose="020F0502020204030204" pitchFamily="34" charset="0"/>
-                <a:ea typeface="Calibri" panose="020F0502020204030204" pitchFamily="34" charset="0"/>
-                <a:cs typeface="Times New Roman (Body CS)"/>
-              </a:rPr>
-              <a:t>biaya</a:t>
-            </a:r>
-            <a:r>
-              <a:rPr lang="en-US" sz="1800" dirty="0">
-                <a:solidFill>
-                  <a:srgbClr val="000000"/>
-                </a:solidFill>
-                <a:effectLst/>
-                <a:latin typeface="Calibri" panose="020F0502020204030204" pitchFamily="34" charset="0"/>
-                <a:ea typeface="Calibri" panose="020F0502020204030204" pitchFamily="34" charset="0"/>
-                <a:cs typeface="Times New Roman (Body CS)"/>
-              </a:rPr>
-              <a:t> </a:t>
-            </a:r>
-            <a:r>
-              <a:rPr lang="en-US" sz="1800" dirty="0" err="1">
-                <a:solidFill>
-                  <a:srgbClr val="000000"/>
-                </a:solidFill>
-                <a:effectLst/>
-                <a:latin typeface="Calibri" panose="020F0502020204030204" pitchFamily="34" charset="0"/>
-                <a:ea typeface="Calibri" panose="020F0502020204030204" pitchFamily="34" charset="0"/>
-                <a:cs typeface="Times New Roman (Body CS)"/>
-              </a:rPr>
-              <a:t>pengiriman</a:t>
-            </a:r>
-            <a:r>
-              <a:rPr lang="en-US" sz="1800" dirty="0">
-                <a:solidFill>
-                  <a:srgbClr val="000000"/>
-                </a:solidFill>
-                <a:effectLst/>
-                <a:latin typeface="Calibri" panose="020F0502020204030204" pitchFamily="34" charset="0"/>
-                <a:ea typeface="Calibri" panose="020F0502020204030204" pitchFamily="34" charset="0"/>
-                <a:cs typeface="Times New Roman (Body CS)"/>
-              </a:rPr>
-              <a:t>, </a:t>
-            </a:r>
-            <a:r>
-              <a:rPr lang="en-US" sz="1800" dirty="0" err="1">
-                <a:solidFill>
-                  <a:srgbClr val="000000"/>
-                </a:solidFill>
-                <a:effectLst/>
-                <a:latin typeface="Calibri" panose="020F0502020204030204" pitchFamily="34" charset="0"/>
-                <a:ea typeface="Calibri" panose="020F0502020204030204" pitchFamily="34" charset="0"/>
-                <a:cs typeface="Times New Roman (Body CS)"/>
-              </a:rPr>
-              <a:t>biaya</a:t>
-            </a:r>
-            <a:r>
-              <a:rPr lang="en-US" sz="1800" dirty="0">
-                <a:solidFill>
-                  <a:srgbClr val="000000"/>
-                </a:solidFill>
-                <a:effectLst/>
-                <a:latin typeface="Calibri" panose="020F0502020204030204" pitchFamily="34" charset="0"/>
-                <a:ea typeface="Calibri" panose="020F0502020204030204" pitchFamily="34" charset="0"/>
-                <a:cs typeface="Times New Roman (Body CS)"/>
-              </a:rPr>
-              <a:t> </a:t>
-            </a:r>
-            <a:r>
-              <a:rPr lang="en-US" sz="1800" dirty="0" err="1">
-                <a:solidFill>
-                  <a:srgbClr val="000000"/>
-                </a:solidFill>
-                <a:effectLst/>
-                <a:latin typeface="Calibri" panose="020F0502020204030204" pitchFamily="34" charset="0"/>
-                <a:ea typeface="Calibri" panose="020F0502020204030204" pitchFamily="34" charset="0"/>
-                <a:cs typeface="Times New Roman (Body CS)"/>
-              </a:rPr>
-              <a:t>administrasi</a:t>
-            </a:r>
-            <a:r>
-              <a:rPr lang="en-US" sz="1800" dirty="0">
-                <a:solidFill>
-                  <a:srgbClr val="000000"/>
-                </a:solidFill>
-                <a:effectLst/>
-                <a:latin typeface="Calibri" panose="020F0502020204030204" pitchFamily="34" charset="0"/>
-                <a:ea typeface="Calibri" panose="020F0502020204030204" pitchFamily="34" charset="0"/>
-                <a:cs typeface="Times New Roman (Body CS)"/>
-              </a:rPr>
-              <a:t>, dan </a:t>
-            </a:r>
-            <a:r>
-              <a:rPr lang="en-US" sz="1800" dirty="0" err="1">
-                <a:solidFill>
-                  <a:srgbClr val="000000"/>
-                </a:solidFill>
-                <a:effectLst/>
-                <a:latin typeface="Calibri" panose="020F0502020204030204" pitchFamily="34" charset="0"/>
-                <a:ea typeface="Calibri" panose="020F0502020204030204" pitchFamily="34" charset="0"/>
-                <a:cs typeface="Times New Roman (Body CS)"/>
-              </a:rPr>
-              <a:t>biaya</a:t>
-            </a:r>
-            <a:r>
-              <a:rPr lang="en-US" sz="1800" dirty="0">
-                <a:solidFill>
-                  <a:srgbClr val="000000"/>
-                </a:solidFill>
-                <a:effectLst/>
-                <a:latin typeface="Calibri" panose="020F0502020204030204" pitchFamily="34" charset="0"/>
-                <a:ea typeface="Calibri" panose="020F0502020204030204" pitchFamily="34" charset="0"/>
-                <a:cs typeface="Times New Roman (Body CS)"/>
-              </a:rPr>
-              <a:t> </a:t>
-            </a:r>
-            <a:r>
-              <a:rPr lang="en-US" sz="1800" dirty="0" err="1">
-                <a:solidFill>
-                  <a:srgbClr val="000000"/>
-                </a:solidFill>
-                <a:effectLst/>
-                <a:latin typeface="Calibri" panose="020F0502020204030204" pitchFamily="34" charset="0"/>
-                <a:ea typeface="Calibri" panose="020F0502020204030204" pitchFamily="34" charset="0"/>
-                <a:cs typeface="Times New Roman (Body CS)"/>
-              </a:rPr>
-              <a:t>pemrosesan</a:t>
-            </a:r>
-            <a:r>
-              <a:rPr lang="en-US" sz="1800" dirty="0">
-                <a:solidFill>
-                  <a:srgbClr val="000000"/>
-                </a:solidFill>
-                <a:effectLst/>
-                <a:latin typeface="Calibri" panose="020F0502020204030204" pitchFamily="34" charset="0"/>
-                <a:ea typeface="Calibri" panose="020F0502020204030204" pitchFamily="34" charset="0"/>
-                <a:cs typeface="Times New Roman (Body CS)"/>
-              </a:rPr>
-              <a:t>. </a:t>
-            </a:r>
-            <a:r>
-              <a:rPr lang="en-US" sz="1800" dirty="0" err="1">
-                <a:solidFill>
-                  <a:srgbClr val="000000"/>
-                </a:solidFill>
-                <a:effectLst/>
-                <a:latin typeface="Calibri" panose="020F0502020204030204" pitchFamily="34" charset="0"/>
-                <a:ea typeface="Calibri" panose="020F0502020204030204" pitchFamily="34" charset="0"/>
-                <a:cs typeface="Times New Roman (Body CS)"/>
-              </a:rPr>
-              <a:t>Dengan</a:t>
-            </a:r>
-            <a:r>
-              <a:rPr lang="en-US" sz="1800" dirty="0">
-                <a:solidFill>
-                  <a:srgbClr val="000000"/>
-                </a:solidFill>
-                <a:effectLst/>
-                <a:latin typeface="Calibri" panose="020F0502020204030204" pitchFamily="34" charset="0"/>
-                <a:ea typeface="Calibri" panose="020F0502020204030204" pitchFamily="34" charset="0"/>
-                <a:cs typeface="Times New Roman (Body CS)"/>
-              </a:rPr>
-              <a:t> </a:t>
-            </a:r>
-            <a:r>
-              <a:rPr lang="en-US" sz="1800" dirty="0" err="1">
-                <a:solidFill>
-                  <a:srgbClr val="000000"/>
-                </a:solidFill>
-                <a:effectLst/>
-                <a:latin typeface="Calibri" panose="020F0502020204030204" pitchFamily="34" charset="0"/>
-                <a:ea typeface="Calibri" panose="020F0502020204030204" pitchFamily="34" charset="0"/>
-                <a:cs typeface="Times New Roman (Body CS)"/>
-              </a:rPr>
-              <a:t>menggunakan</a:t>
-            </a:r>
-            <a:r>
-              <a:rPr lang="en-US" sz="1800" dirty="0">
-                <a:solidFill>
-                  <a:srgbClr val="000000"/>
-                </a:solidFill>
-                <a:effectLst/>
-                <a:latin typeface="Calibri" panose="020F0502020204030204" pitchFamily="34" charset="0"/>
-                <a:ea typeface="Calibri" panose="020F0502020204030204" pitchFamily="34" charset="0"/>
-                <a:cs typeface="Times New Roman (Body CS)"/>
-              </a:rPr>
-              <a:t> </a:t>
-            </a:r>
-            <a:r>
-              <a:rPr lang="en-US" sz="1800" dirty="0" err="1">
-                <a:solidFill>
-                  <a:srgbClr val="000000"/>
-                </a:solidFill>
-                <a:effectLst/>
-                <a:latin typeface="Calibri" panose="020F0502020204030204" pitchFamily="34" charset="0"/>
-                <a:ea typeface="Calibri" panose="020F0502020204030204" pitchFamily="34" charset="0"/>
-                <a:cs typeface="Times New Roman (Body CS)"/>
-              </a:rPr>
-              <a:t>teknik</a:t>
-            </a:r>
-            <a:r>
-              <a:rPr lang="en-US" sz="1800" dirty="0">
-                <a:solidFill>
-                  <a:srgbClr val="000000"/>
-                </a:solidFill>
-                <a:effectLst/>
-                <a:latin typeface="Calibri" panose="020F0502020204030204" pitchFamily="34" charset="0"/>
-                <a:ea typeface="Calibri" panose="020F0502020204030204" pitchFamily="34" charset="0"/>
-                <a:cs typeface="Times New Roman (Body CS)"/>
-              </a:rPr>
-              <a:t> </a:t>
-            </a:r>
-            <a:r>
-              <a:rPr lang="en-US" sz="1800" dirty="0" err="1">
-                <a:solidFill>
-                  <a:srgbClr val="000000"/>
-                </a:solidFill>
-                <a:effectLst/>
-                <a:latin typeface="Calibri" panose="020F0502020204030204" pitchFamily="34" charset="0"/>
-                <a:ea typeface="Calibri" panose="020F0502020204030204" pitchFamily="34" charset="0"/>
-                <a:cs typeface="Times New Roman (Body CS)"/>
-              </a:rPr>
-              <a:t>optimasi</a:t>
-            </a:r>
-            <a:r>
-              <a:rPr lang="en-US" sz="1800" dirty="0">
-                <a:solidFill>
-                  <a:srgbClr val="000000"/>
-                </a:solidFill>
-                <a:effectLst/>
-                <a:latin typeface="Calibri" panose="020F0502020204030204" pitchFamily="34" charset="0"/>
-                <a:ea typeface="Calibri" panose="020F0502020204030204" pitchFamily="34" charset="0"/>
-                <a:cs typeface="Times New Roman (Body CS)"/>
-              </a:rPr>
-              <a:t> </a:t>
-            </a:r>
-            <a:r>
-              <a:rPr lang="en-US" sz="1800" dirty="0" err="1">
-                <a:solidFill>
-                  <a:srgbClr val="000000"/>
-                </a:solidFill>
-                <a:effectLst/>
-                <a:latin typeface="Calibri" panose="020F0502020204030204" pitchFamily="34" charset="0"/>
-                <a:ea typeface="Calibri" panose="020F0502020204030204" pitchFamily="34" charset="0"/>
-                <a:cs typeface="Times New Roman (Body CS)"/>
-              </a:rPr>
-              <a:t>stok</a:t>
-            </a:r>
-            <a:r>
-              <a:rPr lang="en-US" sz="1800" dirty="0">
-                <a:solidFill>
-                  <a:srgbClr val="000000"/>
-                </a:solidFill>
-                <a:effectLst/>
-                <a:latin typeface="Calibri" panose="020F0502020204030204" pitchFamily="34" charset="0"/>
-                <a:ea typeface="Calibri" panose="020F0502020204030204" pitchFamily="34" charset="0"/>
-                <a:cs typeface="Times New Roman (Body CS)"/>
-              </a:rPr>
-              <a:t> yang </a:t>
-            </a:r>
-            <a:r>
-              <a:rPr lang="en-US" sz="1800" dirty="0" err="1">
-                <a:solidFill>
-                  <a:srgbClr val="000000"/>
-                </a:solidFill>
-                <a:effectLst/>
-                <a:latin typeface="Calibri" panose="020F0502020204030204" pitchFamily="34" charset="0"/>
-                <a:ea typeface="Calibri" panose="020F0502020204030204" pitchFamily="34" charset="0"/>
-                <a:cs typeface="Times New Roman (Body CS)"/>
-              </a:rPr>
-              <a:t>tepat</a:t>
-            </a:r>
-            <a:r>
-              <a:rPr lang="en-US" sz="1800" dirty="0">
-                <a:solidFill>
-                  <a:srgbClr val="000000"/>
-                </a:solidFill>
-                <a:effectLst/>
-                <a:latin typeface="Calibri" panose="020F0502020204030204" pitchFamily="34" charset="0"/>
-                <a:ea typeface="Calibri" panose="020F0502020204030204" pitchFamily="34" charset="0"/>
-                <a:cs typeface="Times New Roman (Body CS)"/>
-              </a:rPr>
-              <a:t>, </a:t>
-            </a:r>
-            <a:r>
-              <a:rPr lang="en-US" sz="1800" dirty="0" err="1">
-                <a:solidFill>
-                  <a:srgbClr val="000000"/>
-                </a:solidFill>
-                <a:effectLst/>
-                <a:latin typeface="Calibri" panose="020F0502020204030204" pitchFamily="34" charset="0"/>
-                <a:ea typeface="Calibri" panose="020F0502020204030204" pitchFamily="34" charset="0"/>
-                <a:cs typeface="Times New Roman (Body CS)"/>
-              </a:rPr>
-              <a:t>perusahaan</a:t>
-            </a:r>
-            <a:r>
-              <a:rPr lang="en-US" sz="1800" dirty="0">
-                <a:solidFill>
-                  <a:srgbClr val="000000"/>
-                </a:solidFill>
-                <a:effectLst/>
-                <a:latin typeface="Calibri" panose="020F0502020204030204" pitchFamily="34" charset="0"/>
-                <a:ea typeface="Calibri" panose="020F0502020204030204" pitchFamily="34" charset="0"/>
-                <a:cs typeface="Times New Roman (Body CS)"/>
-              </a:rPr>
-              <a:t> </a:t>
-            </a:r>
-            <a:r>
-              <a:rPr lang="en-US" sz="1800" dirty="0" err="1">
-                <a:solidFill>
-                  <a:srgbClr val="000000"/>
-                </a:solidFill>
-                <a:effectLst/>
-                <a:latin typeface="Calibri" panose="020F0502020204030204" pitchFamily="34" charset="0"/>
-                <a:ea typeface="Calibri" panose="020F0502020204030204" pitchFamily="34" charset="0"/>
-                <a:cs typeface="Times New Roman (Body CS)"/>
-              </a:rPr>
-              <a:t>dapat</a:t>
-            </a:r>
-            <a:r>
-              <a:rPr lang="en-US" sz="1800" dirty="0">
-                <a:solidFill>
-                  <a:srgbClr val="000000"/>
-                </a:solidFill>
-                <a:effectLst/>
-                <a:latin typeface="Calibri" panose="020F0502020204030204" pitchFamily="34" charset="0"/>
-                <a:ea typeface="Calibri" panose="020F0502020204030204" pitchFamily="34" charset="0"/>
-                <a:cs typeface="Times New Roman (Body CS)"/>
-              </a:rPr>
-              <a:t> </a:t>
-            </a:r>
-            <a:r>
-              <a:rPr lang="en-US" sz="1800" dirty="0" err="1">
-                <a:solidFill>
-                  <a:srgbClr val="000000"/>
-                </a:solidFill>
-                <a:effectLst/>
-                <a:latin typeface="Calibri" panose="020F0502020204030204" pitchFamily="34" charset="0"/>
-                <a:ea typeface="Calibri" panose="020F0502020204030204" pitchFamily="34" charset="0"/>
-                <a:cs typeface="Times New Roman (Body CS)"/>
-              </a:rPr>
-              <a:t>mengurangi</a:t>
-            </a:r>
-            <a:r>
-              <a:rPr lang="en-US" sz="1800" dirty="0">
-                <a:solidFill>
-                  <a:srgbClr val="000000"/>
-                </a:solidFill>
-                <a:effectLst/>
-                <a:latin typeface="Calibri" panose="020F0502020204030204" pitchFamily="34" charset="0"/>
-                <a:ea typeface="Calibri" panose="020F0502020204030204" pitchFamily="34" charset="0"/>
-                <a:cs typeface="Times New Roman (Body CS)"/>
-              </a:rPr>
-              <a:t> </a:t>
-            </a:r>
-            <a:r>
-              <a:rPr lang="en-US" sz="1800" dirty="0" err="1">
-                <a:solidFill>
-                  <a:srgbClr val="000000"/>
-                </a:solidFill>
-                <a:effectLst/>
-                <a:latin typeface="Calibri" panose="020F0502020204030204" pitchFamily="34" charset="0"/>
-                <a:ea typeface="Calibri" panose="020F0502020204030204" pitchFamily="34" charset="0"/>
-                <a:cs typeface="Times New Roman (Body CS)"/>
-              </a:rPr>
-              <a:t>frekuensi</a:t>
-            </a:r>
-            <a:r>
-              <a:rPr lang="en-US" sz="1800" dirty="0">
-                <a:solidFill>
-                  <a:srgbClr val="000000"/>
-                </a:solidFill>
-                <a:effectLst/>
-                <a:latin typeface="Calibri" panose="020F0502020204030204" pitchFamily="34" charset="0"/>
-                <a:ea typeface="Calibri" panose="020F0502020204030204" pitchFamily="34" charset="0"/>
-                <a:cs typeface="Times New Roman (Body CS)"/>
-              </a:rPr>
-              <a:t> </a:t>
-            </a:r>
-            <a:r>
-              <a:rPr lang="en-US" sz="1800" dirty="0" err="1">
-                <a:solidFill>
-                  <a:srgbClr val="000000"/>
-                </a:solidFill>
-                <a:effectLst/>
-                <a:latin typeface="Calibri" panose="020F0502020204030204" pitchFamily="34" charset="0"/>
-                <a:ea typeface="Calibri" panose="020F0502020204030204" pitchFamily="34" charset="0"/>
-                <a:cs typeface="Times New Roman (Body CS)"/>
-              </a:rPr>
-              <a:t>pemesanan</a:t>
-            </a:r>
-            <a:r>
-              <a:rPr lang="en-US" sz="1800" dirty="0">
-                <a:solidFill>
-                  <a:srgbClr val="000000"/>
-                </a:solidFill>
-                <a:effectLst/>
-                <a:latin typeface="Calibri" panose="020F0502020204030204" pitchFamily="34" charset="0"/>
-                <a:ea typeface="Calibri" panose="020F0502020204030204" pitchFamily="34" charset="0"/>
-                <a:cs typeface="Times New Roman (Body CS)"/>
-              </a:rPr>
-              <a:t> dan </a:t>
-            </a:r>
-            <a:r>
-              <a:rPr lang="en-US" sz="1800" dirty="0" err="1">
-                <a:solidFill>
-                  <a:srgbClr val="000000"/>
-                </a:solidFill>
-                <a:effectLst/>
-                <a:latin typeface="Calibri" panose="020F0502020204030204" pitchFamily="34" charset="0"/>
-                <a:ea typeface="Calibri" panose="020F0502020204030204" pitchFamily="34" charset="0"/>
-                <a:cs typeface="Times New Roman (Body CS)"/>
-              </a:rPr>
-              <a:t>mengoptimalkan</a:t>
-            </a:r>
-            <a:r>
-              <a:rPr lang="en-US" sz="1800" dirty="0">
-                <a:solidFill>
-                  <a:srgbClr val="000000"/>
-                </a:solidFill>
-                <a:effectLst/>
-                <a:latin typeface="Calibri" panose="020F0502020204030204" pitchFamily="34" charset="0"/>
-                <a:ea typeface="Calibri" panose="020F0502020204030204" pitchFamily="34" charset="0"/>
-                <a:cs typeface="Times New Roman (Body CS)"/>
-              </a:rPr>
-              <a:t> </a:t>
-            </a:r>
-            <a:r>
-              <a:rPr lang="en-US" sz="1800" dirty="0" err="1">
-                <a:solidFill>
-                  <a:srgbClr val="000000"/>
-                </a:solidFill>
-                <a:effectLst/>
-                <a:latin typeface="Calibri" panose="020F0502020204030204" pitchFamily="34" charset="0"/>
-                <a:ea typeface="Calibri" panose="020F0502020204030204" pitchFamily="34" charset="0"/>
-                <a:cs typeface="Times New Roman (Body CS)"/>
-              </a:rPr>
-              <a:t>ukuran</a:t>
-            </a:r>
-            <a:r>
-              <a:rPr lang="en-US" sz="1800" dirty="0">
-                <a:solidFill>
-                  <a:srgbClr val="000000"/>
-                </a:solidFill>
-                <a:effectLst/>
-                <a:latin typeface="Calibri" panose="020F0502020204030204" pitchFamily="34" charset="0"/>
-                <a:ea typeface="Calibri" panose="020F0502020204030204" pitchFamily="34" charset="0"/>
-                <a:cs typeface="Times New Roman (Body CS)"/>
-              </a:rPr>
-              <a:t> </a:t>
-            </a:r>
-            <a:r>
-              <a:rPr lang="en-US" sz="1800" dirty="0" err="1">
-                <a:solidFill>
-                  <a:srgbClr val="000000"/>
-                </a:solidFill>
-                <a:effectLst/>
-                <a:latin typeface="Calibri" panose="020F0502020204030204" pitchFamily="34" charset="0"/>
-                <a:ea typeface="Calibri" panose="020F0502020204030204" pitchFamily="34" charset="0"/>
-                <a:cs typeface="Times New Roman (Body CS)"/>
-              </a:rPr>
-              <a:t>pesanan</a:t>
-            </a:r>
-            <a:r>
-              <a:rPr lang="en-US" sz="1800" dirty="0">
-                <a:solidFill>
-                  <a:srgbClr val="000000"/>
-                </a:solidFill>
-                <a:effectLst/>
-                <a:latin typeface="Calibri" panose="020F0502020204030204" pitchFamily="34" charset="0"/>
-                <a:ea typeface="Calibri" panose="020F0502020204030204" pitchFamily="34" charset="0"/>
-                <a:cs typeface="Times New Roman (Body CS)"/>
-              </a:rPr>
-              <a:t>, </a:t>
-            </a:r>
-            <a:r>
-              <a:rPr lang="en-US" sz="1800" dirty="0" err="1">
-                <a:solidFill>
-                  <a:srgbClr val="000000"/>
-                </a:solidFill>
-                <a:effectLst/>
-                <a:latin typeface="Calibri" panose="020F0502020204030204" pitchFamily="34" charset="0"/>
-                <a:ea typeface="Calibri" panose="020F0502020204030204" pitchFamily="34" charset="0"/>
-                <a:cs typeface="Times New Roman (Body CS)"/>
-              </a:rPr>
-              <a:t>sehingga</a:t>
-            </a:r>
-            <a:r>
-              <a:rPr lang="en-US" sz="1800" dirty="0">
-                <a:solidFill>
-                  <a:srgbClr val="000000"/>
-                </a:solidFill>
-                <a:effectLst/>
-                <a:latin typeface="Calibri" panose="020F0502020204030204" pitchFamily="34" charset="0"/>
-                <a:ea typeface="Calibri" panose="020F0502020204030204" pitchFamily="34" charset="0"/>
-                <a:cs typeface="Times New Roman (Body CS)"/>
-              </a:rPr>
-              <a:t> </a:t>
-            </a:r>
-            <a:r>
-              <a:rPr lang="en-US" sz="1800" dirty="0" err="1">
-                <a:solidFill>
-                  <a:srgbClr val="000000"/>
-                </a:solidFill>
-                <a:effectLst/>
-                <a:latin typeface="Calibri" panose="020F0502020204030204" pitchFamily="34" charset="0"/>
-                <a:ea typeface="Calibri" panose="020F0502020204030204" pitchFamily="34" charset="0"/>
-                <a:cs typeface="Times New Roman (Body CS)"/>
-              </a:rPr>
-              <a:t>mengurangi</a:t>
-            </a:r>
-            <a:r>
-              <a:rPr lang="en-US" sz="1800" dirty="0">
-                <a:solidFill>
-                  <a:srgbClr val="000000"/>
-                </a:solidFill>
-                <a:effectLst/>
-                <a:latin typeface="Calibri" panose="020F0502020204030204" pitchFamily="34" charset="0"/>
-                <a:ea typeface="Calibri" panose="020F0502020204030204" pitchFamily="34" charset="0"/>
-                <a:cs typeface="Times New Roman (Body CS)"/>
-              </a:rPr>
-              <a:t> </a:t>
-            </a:r>
-            <a:r>
-              <a:rPr lang="en-US" sz="1800" dirty="0" err="1">
-                <a:solidFill>
-                  <a:srgbClr val="000000"/>
-                </a:solidFill>
-                <a:effectLst/>
-                <a:latin typeface="Calibri" panose="020F0502020204030204" pitchFamily="34" charset="0"/>
-                <a:ea typeface="Calibri" panose="020F0502020204030204" pitchFamily="34" charset="0"/>
-                <a:cs typeface="Times New Roman (Body CS)"/>
-              </a:rPr>
-              <a:t>biaya</a:t>
-            </a:r>
-            <a:r>
-              <a:rPr lang="en-US" sz="1800" dirty="0">
-                <a:solidFill>
-                  <a:srgbClr val="000000"/>
-                </a:solidFill>
-                <a:effectLst/>
-                <a:latin typeface="Calibri" panose="020F0502020204030204" pitchFamily="34" charset="0"/>
-                <a:ea typeface="Calibri" panose="020F0502020204030204" pitchFamily="34" charset="0"/>
-                <a:cs typeface="Times New Roman (Body CS)"/>
-              </a:rPr>
-              <a:t> </a:t>
-            </a:r>
-            <a:r>
-              <a:rPr lang="en-US" sz="1800" dirty="0" err="1">
-                <a:solidFill>
-                  <a:srgbClr val="000000"/>
-                </a:solidFill>
-                <a:effectLst/>
-                <a:latin typeface="Calibri" panose="020F0502020204030204" pitchFamily="34" charset="0"/>
-                <a:ea typeface="Calibri" panose="020F0502020204030204" pitchFamily="34" charset="0"/>
-                <a:cs typeface="Times New Roman (Body CS)"/>
-              </a:rPr>
-              <a:t>keseluruhan</a:t>
-            </a:r>
-            <a:r>
-              <a:rPr lang="en-US" sz="1800" dirty="0">
-                <a:solidFill>
-                  <a:srgbClr val="000000"/>
-                </a:solidFill>
-                <a:effectLst/>
-                <a:latin typeface="Calibri" panose="020F0502020204030204" pitchFamily="34" charset="0"/>
-                <a:ea typeface="Calibri" panose="020F0502020204030204" pitchFamily="34" charset="0"/>
-                <a:cs typeface="Times New Roman (Body CS)"/>
-              </a:rPr>
-              <a:t>.</a:t>
-            </a:r>
-            <a:endParaRPr lang="en-ID" sz="1800" dirty="0">
-              <a:solidFill>
-                <a:srgbClr val="000000"/>
-              </a:solidFill>
-              <a:effectLst/>
-              <a:latin typeface="Calibri" panose="020F0502020204030204" pitchFamily="34" charset="0"/>
-              <a:ea typeface="Calibri" panose="020F0502020204030204" pitchFamily="34" charset="0"/>
-              <a:cs typeface="Times New Roman (Body CS)"/>
-            </a:endParaRPr>
-          </a:p>
-          <a:p>
-            <a:pPr marL="342900" lvl="0" indent="-342900" algn="just">
+          </a:p>
+          <a:p>
+            <a:pPr marL="457200" indent="-457200" algn="l">
               <a:buFont typeface="+mj-lt"/>
               <a:buAutoNum type="arabicPeriod"/>
             </a:pPr>
             <a:r>
-              <a:rPr lang="en-US" sz="1800" dirty="0" err="1">
-                <a:solidFill>
-                  <a:srgbClr val="000000"/>
-                </a:solidFill>
-                <a:effectLst/>
-                <a:latin typeface="Calibri" panose="020F0502020204030204" pitchFamily="34" charset="0"/>
-                <a:ea typeface="Calibri" panose="020F0502020204030204" pitchFamily="34" charset="0"/>
-                <a:cs typeface="Times New Roman (Body CS)"/>
-              </a:rPr>
-              <a:t>Mengurangi</a:t>
+              <a:rPr lang="en-US" sz="1600" dirty="0"/>
+              <a:t>Reducing Stock Loss Risks: Excessive or insufficient stock can pose risks to the company. Excessive stock can lead to losses due to expiration, damage, or depreciation, while insufficient stock can lead to lost sales and customer trust.</a:t>
             </a:r>
-            <a:r>
-              <a:rPr lang="en-US" sz="1800" dirty="0">
-                <a:solidFill>
-                  <a:srgbClr val="000000"/>
-                </a:solidFill>
-                <a:effectLst/>
-                <a:latin typeface="Calibri" panose="020F0502020204030204" pitchFamily="34" charset="0"/>
-                <a:ea typeface="Calibri" panose="020F0502020204030204" pitchFamily="34" charset="0"/>
-                <a:cs typeface="Times New Roman (Body CS)"/>
-              </a:rPr>
-              <a:t> </a:t>
-            </a:r>
-            <a:r>
-              <a:rPr lang="en-US" sz="1800" dirty="0" err="1">
-                <a:solidFill>
-                  <a:srgbClr val="000000"/>
-                </a:solidFill>
-                <a:effectLst/>
-                <a:latin typeface="Calibri" panose="020F0502020204030204" pitchFamily="34" charset="0"/>
-                <a:ea typeface="Calibri" panose="020F0502020204030204" pitchFamily="34" charset="0"/>
-                <a:cs typeface="Times New Roman (Body CS)"/>
-              </a:rPr>
-              <a:t>Risiko</a:t>
-            </a:r>
-            <a:r>
-              <a:rPr lang="en-US" sz="1800" dirty="0">
-                <a:solidFill>
-                  <a:srgbClr val="000000"/>
-                </a:solidFill>
-                <a:effectLst/>
-                <a:latin typeface="Calibri" panose="020F0502020204030204" pitchFamily="34" charset="0"/>
-                <a:ea typeface="Calibri" panose="020F0502020204030204" pitchFamily="34" charset="0"/>
-                <a:cs typeface="Times New Roman (Body CS)"/>
-              </a:rPr>
-              <a:t> </a:t>
-            </a:r>
-            <a:r>
-              <a:rPr lang="en-US" sz="1800" dirty="0" err="1">
-                <a:solidFill>
-                  <a:srgbClr val="000000"/>
-                </a:solidFill>
-                <a:effectLst/>
-                <a:latin typeface="Calibri" panose="020F0502020204030204" pitchFamily="34" charset="0"/>
-                <a:ea typeface="Calibri" panose="020F0502020204030204" pitchFamily="34" charset="0"/>
-                <a:cs typeface="Times New Roman (Body CS)"/>
-              </a:rPr>
-              <a:t>Kehilangan</a:t>
-            </a:r>
-            <a:r>
-              <a:rPr lang="en-US" sz="1800" dirty="0">
-                <a:solidFill>
-                  <a:srgbClr val="000000"/>
-                </a:solidFill>
-                <a:effectLst/>
-                <a:latin typeface="Calibri" panose="020F0502020204030204" pitchFamily="34" charset="0"/>
-                <a:ea typeface="Calibri" panose="020F0502020204030204" pitchFamily="34" charset="0"/>
-                <a:cs typeface="Times New Roman (Body CS)"/>
-              </a:rPr>
-              <a:t> Stok: Stok yang </a:t>
-            </a:r>
-            <a:r>
-              <a:rPr lang="en-US" sz="1800" dirty="0" err="1">
-                <a:solidFill>
-                  <a:srgbClr val="000000"/>
-                </a:solidFill>
-                <a:effectLst/>
-                <a:latin typeface="Calibri" panose="020F0502020204030204" pitchFamily="34" charset="0"/>
-                <a:ea typeface="Calibri" panose="020F0502020204030204" pitchFamily="34" charset="0"/>
-                <a:cs typeface="Times New Roman (Body CS)"/>
-              </a:rPr>
-              <a:t>terlalu</a:t>
-            </a:r>
-            <a:r>
-              <a:rPr lang="en-US" sz="1800" dirty="0">
-                <a:solidFill>
-                  <a:srgbClr val="000000"/>
-                </a:solidFill>
-                <a:effectLst/>
-                <a:latin typeface="Calibri" panose="020F0502020204030204" pitchFamily="34" charset="0"/>
-                <a:ea typeface="Calibri" panose="020F0502020204030204" pitchFamily="34" charset="0"/>
-                <a:cs typeface="Times New Roman (Body CS)"/>
-              </a:rPr>
-              <a:t> </a:t>
-            </a:r>
-            <a:r>
-              <a:rPr lang="en-US" sz="1800" dirty="0" err="1">
-                <a:solidFill>
-                  <a:srgbClr val="000000"/>
-                </a:solidFill>
-                <a:effectLst/>
-                <a:latin typeface="Calibri" panose="020F0502020204030204" pitchFamily="34" charset="0"/>
-                <a:ea typeface="Calibri" panose="020F0502020204030204" pitchFamily="34" charset="0"/>
-                <a:cs typeface="Times New Roman (Body CS)"/>
-              </a:rPr>
-              <a:t>banyak</a:t>
-            </a:r>
-            <a:r>
-              <a:rPr lang="en-US" sz="1800" dirty="0">
-                <a:solidFill>
-                  <a:srgbClr val="000000"/>
-                </a:solidFill>
-                <a:effectLst/>
-                <a:latin typeface="Calibri" panose="020F0502020204030204" pitchFamily="34" charset="0"/>
-                <a:ea typeface="Calibri" panose="020F0502020204030204" pitchFamily="34" charset="0"/>
-                <a:cs typeface="Times New Roman (Body CS)"/>
-              </a:rPr>
-              <a:t> </a:t>
-            </a:r>
-            <a:r>
-              <a:rPr lang="en-US" sz="1800" dirty="0" err="1">
-                <a:solidFill>
-                  <a:srgbClr val="000000"/>
-                </a:solidFill>
-                <a:effectLst/>
-                <a:latin typeface="Calibri" panose="020F0502020204030204" pitchFamily="34" charset="0"/>
-                <a:ea typeface="Calibri" panose="020F0502020204030204" pitchFamily="34" charset="0"/>
-                <a:cs typeface="Times New Roman (Body CS)"/>
-              </a:rPr>
-              <a:t>atau</a:t>
-            </a:r>
-            <a:r>
-              <a:rPr lang="en-US" sz="1800" dirty="0">
-                <a:solidFill>
-                  <a:srgbClr val="000000"/>
-                </a:solidFill>
-                <a:effectLst/>
-                <a:latin typeface="Calibri" panose="020F0502020204030204" pitchFamily="34" charset="0"/>
-                <a:ea typeface="Calibri" panose="020F0502020204030204" pitchFamily="34" charset="0"/>
-                <a:cs typeface="Times New Roman (Body CS)"/>
-              </a:rPr>
-              <a:t> </a:t>
-            </a:r>
-            <a:r>
-              <a:rPr lang="en-US" sz="1800" dirty="0" err="1">
-                <a:solidFill>
-                  <a:srgbClr val="000000"/>
-                </a:solidFill>
-                <a:effectLst/>
-                <a:latin typeface="Calibri" panose="020F0502020204030204" pitchFamily="34" charset="0"/>
-                <a:ea typeface="Calibri" panose="020F0502020204030204" pitchFamily="34" charset="0"/>
-                <a:cs typeface="Times New Roman (Body CS)"/>
-              </a:rPr>
-              <a:t>terlalu</a:t>
-            </a:r>
-            <a:r>
-              <a:rPr lang="en-US" sz="1800" dirty="0">
-                <a:solidFill>
-                  <a:srgbClr val="000000"/>
-                </a:solidFill>
-                <a:effectLst/>
-                <a:latin typeface="Calibri" panose="020F0502020204030204" pitchFamily="34" charset="0"/>
-                <a:ea typeface="Calibri" panose="020F0502020204030204" pitchFamily="34" charset="0"/>
-                <a:cs typeface="Times New Roman (Body CS)"/>
-              </a:rPr>
-              <a:t> </a:t>
-            </a:r>
-            <a:r>
-              <a:rPr lang="en-US" sz="1800" dirty="0" err="1">
-                <a:solidFill>
-                  <a:srgbClr val="000000"/>
-                </a:solidFill>
-                <a:effectLst/>
-                <a:latin typeface="Calibri" panose="020F0502020204030204" pitchFamily="34" charset="0"/>
-                <a:ea typeface="Calibri" panose="020F0502020204030204" pitchFamily="34" charset="0"/>
-                <a:cs typeface="Times New Roman (Body CS)"/>
-              </a:rPr>
-              <a:t>sedikit</a:t>
-            </a:r>
-            <a:r>
-              <a:rPr lang="en-US" sz="1800" dirty="0">
-                <a:solidFill>
-                  <a:srgbClr val="000000"/>
-                </a:solidFill>
-                <a:effectLst/>
-                <a:latin typeface="Calibri" panose="020F0502020204030204" pitchFamily="34" charset="0"/>
-                <a:ea typeface="Calibri" panose="020F0502020204030204" pitchFamily="34" charset="0"/>
-                <a:cs typeface="Times New Roman (Body CS)"/>
-              </a:rPr>
-              <a:t> </a:t>
-            </a:r>
-            <a:r>
-              <a:rPr lang="en-US" sz="1800" dirty="0" err="1">
-                <a:solidFill>
-                  <a:srgbClr val="000000"/>
-                </a:solidFill>
-                <a:effectLst/>
-                <a:latin typeface="Calibri" panose="020F0502020204030204" pitchFamily="34" charset="0"/>
-                <a:ea typeface="Calibri" panose="020F0502020204030204" pitchFamily="34" charset="0"/>
-                <a:cs typeface="Times New Roman (Body CS)"/>
-              </a:rPr>
-              <a:t>dapat</a:t>
-            </a:r>
-            <a:r>
-              <a:rPr lang="en-US" sz="1800" dirty="0">
-                <a:solidFill>
-                  <a:srgbClr val="000000"/>
-                </a:solidFill>
-                <a:effectLst/>
-                <a:latin typeface="Calibri" panose="020F0502020204030204" pitchFamily="34" charset="0"/>
-                <a:ea typeface="Calibri" panose="020F0502020204030204" pitchFamily="34" charset="0"/>
-                <a:cs typeface="Times New Roman (Body CS)"/>
-              </a:rPr>
-              <a:t> </a:t>
-            </a:r>
-            <a:r>
-              <a:rPr lang="en-US" sz="1800" dirty="0" err="1">
-                <a:solidFill>
-                  <a:srgbClr val="000000"/>
-                </a:solidFill>
-                <a:effectLst/>
-                <a:latin typeface="Calibri" panose="020F0502020204030204" pitchFamily="34" charset="0"/>
-                <a:ea typeface="Calibri" panose="020F0502020204030204" pitchFamily="34" charset="0"/>
-                <a:cs typeface="Times New Roman (Body CS)"/>
-              </a:rPr>
-              <a:t>menimbulkan</a:t>
-            </a:r>
-            <a:r>
-              <a:rPr lang="en-US" sz="1800" dirty="0">
-                <a:solidFill>
-                  <a:srgbClr val="000000"/>
-                </a:solidFill>
-                <a:effectLst/>
-                <a:latin typeface="Calibri" panose="020F0502020204030204" pitchFamily="34" charset="0"/>
-                <a:ea typeface="Calibri" panose="020F0502020204030204" pitchFamily="34" charset="0"/>
-                <a:cs typeface="Times New Roman (Body CS)"/>
-              </a:rPr>
-              <a:t> </a:t>
-            </a:r>
-            <a:r>
-              <a:rPr lang="en-US" sz="1800" dirty="0" err="1">
-                <a:solidFill>
-                  <a:srgbClr val="000000"/>
-                </a:solidFill>
-                <a:effectLst/>
-                <a:latin typeface="Calibri" panose="020F0502020204030204" pitchFamily="34" charset="0"/>
-                <a:ea typeface="Calibri" panose="020F0502020204030204" pitchFamily="34" charset="0"/>
-                <a:cs typeface="Times New Roman (Body CS)"/>
-              </a:rPr>
-              <a:t>risiko</a:t>
-            </a:r>
-            <a:r>
-              <a:rPr lang="en-US" sz="1800" dirty="0">
-                <a:solidFill>
-                  <a:srgbClr val="000000"/>
-                </a:solidFill>
-                <a:effectLst/>
-                <a:latin typeface="Calibri" panose="020F0502020204030204" pitchFamily="34" charset="0"/>
-                <a:ea typeface="Calibri" panose="020F0502020204030204" pitchFamily="34" charset="0"/>
-                <a:cs typeface="Times New Roman (Body CS)"/>
-              </a:rPr>
-              <a:t> </a:t>
-            </a:r>
-            <a:r>
-              <a:rPr lang="en-US" sz="1800" dirty="0" err="1">
-                <a:solidFill>
-                  <a:srgbClr val="000000"/>
-                </a:solidFill>
-                <a:effectLst/>
-                <a:latin typeface="Calibri" panose="020F0502020204030204" pitchFamily="34" charset="0"/>
-                <a:ea typeface="Calibri" panose="020F0502020204030204" pitchFamily="34" charset="0"/>
-                <a:cs typeface="Times New Roman (Body CS)"/>
-              </a:rPr>
-              <a:t>bagi</a:t>
-            </a:r>
-            <a:r>
-              <a:rPr lang="en-US" sz="1800" dirty="0">
-                <a:solidFill>
-                  <a:srgbClr val="000000"/>
-                </a:solidFill>
-                <a:effectLst/>
-                <a:latin typeface="Calibri" panose="020F0502020204030204" pitchFamily="34" charset="0"/>
-                <a:ea typeface="Calibri" panose="020F0502020204030204" pitchFamily="34" charset="0"/>
-                <a:cs typeface="Times New Roman (Body CS)"/>
-              </a:rPr>
-              <a:t> </a:t>
-            </a:r>
-            <a:r>
-              <a:rPr lang="en-US" sz="1800" dirty="0" err="1">
-                <a:solidFill>
-                  <a:srgbClr val="000000"/>
-                </a:solidFill>
-                <a:effectLst/>
-                <a:latin typeface="Calibri" panose="020F0502020204030204" pitchFamily="34" charset="0"/>
-                <a:ea typeface="Calibri" panose="020F0502020204030204" pitchFamily="34" charset="0"/>
-                <a:cs typeface="Times New Roman (Body CS)"/>
-              </a:rPr>
-              <a:t>perusahaan</a:t>
-            </a:r>
-            <a:r>
-              <a:rPr lang="en-US" sz="1800" dirty="0">
-                <a:solidFill>
-                  <a:srgbClr val="000000"/>
-                </a:solidFill>
-                <a:effectLst/>
-                <a:latin typeface="Calibri" panose="020F0502020204030204" pitchFamily="34" charset="0"/>
-                <a:ea typeface="Calibri" panose="020F0502020204030204" pitchFamily="34" charset="0"/>
-                <a:cs typeface="Times New Roman (Body CS)"/>
-              </a:rPr>
-              <a:t>. Stok </a:t>
-            </a:r>
-            <a:r>
-              <a:rPr lang="en-US" sz="1800" dirty="0" err="1">
-                <a:solidFill>
-                  <a:srgbClr val="000000"/>
-                </a:solidFill>
-                <a:effectLst/>
-                <a:latin typeface="Calibri" panose="020F0502020204030204" pitchFamily="34" charset="0"/>
-                <a:ea typeface="Calibri" panose="020F0502020204030204" pitchFamily="34" charset="0"/>
-                <a:cs typeface="Times New Roman (Body CS)"/>
-              </a:rPr>
-              <a:t>berlebihan</a:t>
-            </a:r>
-            <a:r>
-              <a:rPr lang="en-US" sz="1800" dirty="0">
-                <a:solidFill>
-                  <a:srgbClr val="000000"/>
-                </a:solidFill>
-                <a:effectLst/>
-                <a:latin typeface="Calibri" panose="020F0502020204030204" pitchFamily="34" charset="0"/>
-                <a:ea typeface="Calibri" panose="020F0502020204030204" pitchFamily="34" charset="0"/>
-                <a:cs typeface="Times New Roman (Body CS)"/>
-              </a:rPr>
-              <a:t> </a:t>
-            </a:r>
-            <a:r>
-              <a:rPr lang="en-US" sz="1800" dirty="0" err="1">
-                <a:solidFill>
-                  <a:srgbClr val="000000"/>
-                </a:solidFill>
-                <a:effectLst/>
-                <a:latin typeface="Calibri" panose="020F0502020204030204" pitchFamily="34" charset="0"/>
-                <a:ea typeface="Calibri" panose="020F0502020204030204" pitchFamily="34" charset="0"/>
-                <a:cs typeface="Times New Roman (Body CS)"/>
-              </a:rPr>
-              <a:t>dapat</a:t>
-            </a:r>
-            <a:r>
-              <a:rPr lang="en-US" sz="1800" dirty="0">
-                <a:solidFill>
-                  <a:srgbClr val="000000"/>
-                </a:solidFill>
-                <a:effectLst/>
-                <a:latin typeface="Calibri" panose="020F0502020204030204" pitchFamily="34" charset="0"/>
-                <a:ea typeface="Calibri" panose="020F0502020204030204" pitchFamily="34" charset="0"/>
-                <a:cs typeface="Times New Roman (Body CS)"/>
-              </a:rPr>
-              <a:t> </a:t>
-            </a:r>
-            <a:r>
-              <a:rPr lang="en-US" sz="1800" dirty="0" err="1">
-                <a:solidFill>
-                  <a:srgbClr val="000000"/>
-                </a:solidFill>
-                <a:effectLst/>
-                <a:latin typeface="Calibri" panose="020F0502020204030204" pitchFamily="34" charset="0"/>
-                <a:ea typeface="Calibri" panose="020F0502020204030204" pitchFamily="34" charset="0"/>
-                <a:cs typeface="Times New Roman (Body CS)"/>
-              </a:rPr>
-              <a:t>menyebabkan</a:t>
-            </a:r>
-            <a:r>
-              <a:rPr lang="en-US" sz="1800" dirty="0">
-                <a:solidFill>
-                  <a:srgbClr val="000000"/>
-                </a:solidFill>
-                <a:effectLst/>
-                <a:latin typeface="Calibri" panose="020F0502020204030204" pitchFamily="34" charset="0"/>
-                <a:ea typeface="Calibri" panose="020F0502020204030204" pitchFamily="34" charset="0"/>
-                <a:cs typeface="Times New Roman (Body CS)"/>
-              </a:rPr>
-              <a:t> </a:t>
-            </a:r>
-            <a:r>
-              <a:rPr lang="en-US" sz="1800" dirty="0" err="1">
-                <a:solidFill>
-                  <a:srgbClr val="000000"/>
-                </a:solidFill>
-                <a:effectLst/>
-                <a:latin typeface="Calibri" panose="020F0502020204030204" pitchFamily="34" charset="0"/>
-                <a:ea typeface="Calibri" panose="020F0502020204030204" pitchFamily="34" charset="0"/>
-                <a:cs typeface="Times New Roman (Body CS)"/>
-              </a:rPr>
-              <a:t>kerugian</a:t>
-            </a:r>
-            <a:r>
-              <a:rPr lang="en-US" sz="1800" dirty="0">
-                <a:solidFill>
-                  <a:srgbClr val="000000"/>
-                </a:solidFill>
-                <a:effectLst/>
-                <a:latin typeface="Calibri" panose="020F0502020204030204" pitchFamily="34" charset="0"/>
-                <a:ea typeface="Calibri" panose="020F0502020204030204" pitchFamily="34" charset="0"/>
-                <a:cs typeface="Times New Roman (Body CS)"/>
-              </a:rPr>
-              <a:t> </a:t>
-            </a:r>
-            <a:r>
-              <a:rPr lang="en-US" sz="1800" dirty="0" err="1">
-                <a:solidFill>
-                  <a:srgbClr val="000000"/>
-                </a:solidFill>
-                <a:effectLst/>
-                <a:latin typeface="Calibri" panose="020F0502020204030204" pitchFamily="34" charset="0"/>
-                <a:ea typeface="Calibri" panose="020F0502020204030204" pitchFamily="34" charset="0"/>
-                <a:cs typeface="Times New Roman (Body CS)"/>
-              </a:rPr>
-              <a:t>karena</a:t>
-            </a:r>
-            <a:r>
-              <a:rPr lang="en-US" sz="1800" dirty="0">
-                <a:solidFill>
-                  <a:srgbClr val="000000"/>
-                </a:solidFill>
-                <a:effectLst/>
-                <a:latin typeface="Calibri" panose="020F0502020204030204" pitchFamily="34" charset="0"/>
-                <a:ea typeface="Calibri" panose="020F0502020204030204" pitchFamily="34" charset="0"/>
-                <a:cs typeface="Times New Roman (Body CS)"/>
-              </a:rPr>
-              <a:t> </a:t>
-            </a:r>
-            <a:r>
-              <a:rPr lang="en-US" sz="1800" dirty="0" err="1">
-                <a:solidFill>
-                  <a:srgbClr val="000000"/>
-                </a:solidFill>
-                <a:effectLst/>
-                <a:latin typeface="Calibri" panose="020F0502020204030204" pitchFamily="34" charset="0"/>
-                <a:ea typeface="Calibri" panose="020F0502020204030204" pitchFamily="34" charset="0"/>
-                <a:cs typeface="Times New Roman (Body CS)"/>
-              </a:rPr>
-              <a:t>kadaluarsa</a:t>
-            </a:r>
-            <a:r>
-              <a:rPr lang="en-US" sz="1800" dirty="0">
-                <a:solidFill>
-                  <a:srgbClr val="000000"/>
-                </a:solidFill>
-                <a:effectLst/>
-                <a:latin typeface="Calibri" panose="020F0502020204030204" pitchFamily="34" charset="0"/>
-                <a:ea typeface="Calibri" panose="020F0502020204030204" pitchFamily="34" charset="0"/>
-                <a:cs typeface="Times New Roman (Body CS)"/>
-              </a:rPr>
-              <a:t>, </a:t>
-            </a:r>
-            <a:r>
-              <a:rPr lang="en-US" sz="1800" dirty="0" err="1">
-                <a:solidFill>
-                  <a:srgbClr val="000000"/>
-                </a:solidFill>
-                <a:effectLst/>
-                <a:latin typeface="Calibri" panose="020F0502020204030204" pitchFamily="34" charset="0"/>
-                <a:ea typeface="Calibri" panose="020F0502020204030204" pitchFamily="34" charset="0"/>
-                <a:cs typeface="Times New Roman (Body CS)"/>
-              </a:rPr>
-              <a:t>kerusakan</a:t>
-            </a:r>
-            <a:r>
-              <a:rPr lang="en-US" sz="1800" dirty="0">
-                <a:solidFill>
-                  <a:srgbClr val="000000"/>
-                </a:solidFill>
-                <a:effectLst/>
-                <a:latin typeface="Calibri" panose="020F0502020204030204" pitchFamily="34" charset="0"/>
-                <a:ea typeface="Calibri" panose="020F0502020204030204" pitchFamily="34" charset="0"/>
-                <a:cs typeface="Times New Roman (Body CS)"/>
-              </a:rPr>
-              <a:t>, </a:t>
-            </a:r>
-            <a:r>
-              <a:rPr lang="en-US" sz="1800" dirty="0" err="1">
-                <a:solidFill>
-                  <a:srgbClr val="000000"/>
-                </a:solidFill>
-                <a:effectLst/>
-                <a:latin typeface="Calibri" panose="020F0502020204030204" pitchFamily="34" charset="0"/>
-                <a:ea typeface="Calibri" panose="020F0502020204030204" pitchFamily="34" charset="0"/>
-                <a:cs typeface="Times New Roman (Body CS)"/>
-              </a:rPr>
-              <a:t>atau</a:t>
-            </a:r>
-            <a:r>
-              <a:rPr lang="en-US" sz="1800" dirty="0">
-                <a:solidFill>
-                  <a:srgbClr val="000000"/>
-                </a:solidFill>
-                <a:effectLst/>
-                <a:latin typeface="Calibri" panose="020F0502020204030204" pitchFamily="34" charset="0"/>
-                <a:ea typeface="Calibri" panose="020F0502020204030204" pitchFamily="34" charset="0"/>
-                <a:cs typeface="Times New Roman (Body CS)"/>
-              </a:rPr>
-              <a:t> </a:t>
-            </a:r>
-            <a:r>
-              <a:rPr lang="en-US" sz="1800" dirty="0" err="1">
-                <a:solidFill>
-                  <a:srgbClr val="000000"/>
-                </a:solidFill>
-                <a:effectLst/>
-                <a:latin typeface="Calibri" panose="020F0502020204030204" pitchFamily="34" charset="0"/>
-                <a:ea typeface="Calibri" panose="020F0502020204030204" pitchFamily="34" charset="0"/>
-                <a:cs typeface="Times New Roman (Body CS)"/>
-              </a:rPr>
-              <a:t>penurunan</a:t>
-            </a:r>
-            <a:r>
-              <a:rPr lang="en-US" sz="1800" dirty="0">
-                <a:solidFill>
-                  <a:srgbClr val="000000"/>
-                </a:solidFill>
-                <a:effectLst/>
-                <a:latin typeface="Calibri" panose="020F0502020204030204" pitchFamily="34" charset="0"/>
-                <a:ea typeface="Calibri" panose="020F0502020204030204" pitchFamily="34" charset="0"/>
-                <a:cs typeface="Times New Roman (Body CS)"/>
-              </a:rPr>
-              <a:t> </a:t>
-            </a:r>
-            <a:r>
-              <a:rPr lang="en-US" sz="1800" dirty="0" err="1">
-                <a:solidFill>
-                  <a:srgbClr val="000000"/>
-                </a:solidFill>
-                <a:effectLst/>
-                <a:latin typeface="Calibri" panose="020F0502020204030204" pitchFamily="34" charset="0"/>
-                <a:ea typeface="Calibri" panose="020F0502020204030204" pitchFamily="34" charset="0"/>
-                <a:cs typeface="Times New Roman (Body CS)"/>
-              </a:rPr>
-              <a:t>nilai</a:t>
-            </a:r>
-            <a:r>
-              <a:rPr lang="en-US" sz="1800" dirty="0">
-                <a:solidFill>
-                  <a:srgbClr val="000000"/>
-                </a:solidFill>
-                <a:effectLst/>
-                <a:latin typeface="Calibri" panose="020F0502020204030204" pitchFamily="34" charset="0"/>
-                <a:ea typeface="Calibri" panose="020F0502020204030204" pitchFamily="34" charset="0"/>
-                <a:cs typeface="Times New Roman (Body CS)"/>
-              </a:rPr>
-              <a:t>, </a:t>
-            </a:r>
-            <a:r>
-              <a:rPr lang="en-US" sz="1800" dirty="0" err="1">
-                <a:solidFill>
-                  <a:srgbClr val="000000"/>
-                </a:solidFill>
-                <a:effectLst/>
-                <a:latin typeface="Calibri" panose="020F0502020204030204" pitchFamily="34" charset="0"/>
-                <a:ea typeface="Calibri" panose="020F0502020204030204" pitchFamily="34" charset="0"/>
-                <a:cs typeface="Times New Roman (Body CS)"/>
-              </a:rPr>
-              <a:t>sementara</a:t>
-            </a:r>
-            <a:r>
-              <a:rPr lang="en-US" sz="1800" dirty="0">
-                <a:solidFill>
-                  <a:srgbClr val="000000"/>
-                </a:solidFill>
-                <a:effectLst/>
-                <a:latin typeface="Calibri" panose="020F0502020204030204" pitchFamily="34" charset="0"/>
-                <a:ea typeface="Calibri" panose="020F0502020204030204" pitchFamily="34" charset="0"/>
-                <a:cs typeface="Times New Roman (Body CS)"/>
-              </a:rPr>
-              <a:t> </a:t>
-            </a:r>
-            <a:r>
-              <a:rPr lang="en-US" sz="1800" dirty="0" err="1">
-                <a:solidFill>
-                  <a:srgbClr val="000000"/>
-                </a:solidFill>
-                <a:effectLst/>
-                <a:latin typeface="Calibri" panose="020F0502020204030204" pitchFamily="34" charset="0"/>
-                <a:ea typeface="Calibri" panose="020F0502020204030204" pitchFamily="34" charset="0"/>
-                <a:cs typeface="Times New Roman (Body CS)"/>
-              </a:rPr>
-              <a:t>stok</a:t>
-            </a:r>
-            <a:r>
-              <a:rPr lang="en-US" sz="1800" dirty="0">
-                <a:solidFill>
-                  <a:srgbClr val="000000"/>
-                </a:solidFill>
-                <a:effectLst/>
-                <a:latin typeface="Calibri" panose="020F0502020204030204" pitchFamily="34" charset="0"/>
-                <a:ea typeface="Calibri" panose="020F0502020204030204" pitchFamily="34" charset="0"/>
-                <a:cs typeface="Times New Roman (Body CS)"/>
-              </a:rPr>
-              <a:t> yang </a:t>
-            </a:r>
-            <a:r>
-              <a:rPr lang="en-US" sz="1800" dirty="0" err="1">
-                <a:solidFill>
-                  <a:srgbClr val="000000"/>
-                </a:solidFill>
-                <a:effectLst/>
-                <a:latin typeface="Calibri" panose="020F0502020204030204" pitchFamily="34" charset="0"/>
-                <a:ea typeface="Calibri" panose="020F0502020204030204" pitchFamily="34" charset="0"/>
-                <a:cs typeface="Times New Roman (Body CS)"/>
-              </a:rPr>
-              <a:t>terlalu</a:t>
-            </a:r>
-            <a:r>
-              <a:rPr lang="en-US" sz="1800" dirty="0">
-                <a:solidFill>
-                  <a:srgbClr val="000000"/>
-                </a:solidFill>
-                <a:effectLst/>
-                <a:latin typeface="Calibri" panose="020F0502020204030204" pitchFamily="34" charset="0"/>
-                <a:ea typeface="Calibri" panose="020F0502020204030204" pitchFamily="34" charset="0"/>
-                <a:cs typeface="Times New Roman (Body CS)"/>
-              </a:rPr>
-              <a:t> </a:t>
-            </a:r>
-            <a:r>
-              <a:rPr lang="en-US" sz="1800" dirty="0" err="1">
-                <a:solidFill>
-                  <a:srgbClr val="000000"/>
-                </a:solidFill>
-                <a:effectLst/>
-                <a:latin typeface="Calibri" panose="020F0502020204030204" pitchFamily="34" charset="0"/>
-                <a:ea typeface="Calibri" panose="020F0502020204030204" pitchFamily="34" charset="0"/>
-                <a:cs typeface="Times New Roman (Body CS)"/>
-              </a:rPr>
-              <a:t>sedikit</a:t>
-            </a:r>
-            <a:r>
-              <a:rPr lang="en-US" sz="1800" dirty="0">
-                <a:solidFill>
-                  <a:srgbClr val="000000"/>
-                </a:solidFill>
-                <a:effectLst/>
-                <a:latin typeface="Calibri" panose="020F0502020204030204" pitchFamily="34" charset="0"/>
-                <a:ea typeface="Calibri" panose="020F0502020204030204" pitchFamily="34" charset="0"/>
-                <a:cs typeface="Times New Roman (Body CS)"/>
-              </a:rPr>
-              <a:t> </a:t>
-            </a:r>
-            <a:r>
-              <a:rPr lang="en-US" sz="1800" dirty="0" err="1">
-                <a:solidFill>
-                  <a:srgbClr val="000000"/>
-                </a:solidFill>
-                <a:effectLst/>
-                <a:latin typeface="Calibri" panose="020F0502020204030204" pitchFamily="34" charset="0"/>
-                <a:ea typeface="Calibri" panose="020F0502020204030204" pitchFamily="34" charset="0"/>
-                <a:cs typeface="Times New Roman (Body CS)"/>
-              </a:rPr>
-              <a:t>dapat</a:t>
-            </a:r>
-            <a:r>
-              <a:rPr lang="en-US" sz="1800" dirty="0">
-                <a:solidFill>
-                  <a:srgbClr val="000000"/>
-                </a:solidFill>
-                <a:effectLst/>
-                <a:latin typeface="Calibri" panose="020F0502020204030204" pitchFamily="34" charset="0"/>
-                <a:ea typeface="Calibri" panose="020F0502020204030204" pitchFamily="34" charset="0"/>
-                <a:cs typeface="Times New Roman (Body CS)"/>
-              </a:rPr>
-              <a:t> </a:t>
-            </a:r>
-            <a:r>
-              <a:rPr lang="en-US" sz="1800" dirty="0" err="1">
-                <a:solidFill>
-                  <a:srgbClr val="000000"/>
-                </a:solidFill>
-                <a:effectLst/>
-                <a:latin typeface="Calibri" panose="020F0502020204030204" pitchFamily="34" charset="0"/>
-                <a:ea typeface="Calibri" panose="020F0502020204030204" pitchFamily="34" charset="0"/>
-                <a:cs typeface="Times New Roman (Body CS)"/>
-              </a:rPr>
-              <a:t>menyebabkan</a:t>
-            </a:r>
-            <a:r>
-              <a:rPr lang="en-US" sz="1800" dirty="0">
-                <a:solidFill>
-                  <a:srgbClr val="000000"/>
-                </a:solidFill>
-                <a:effectLst/>
-                <a:latin typeface="Calibri" panose="020F0502020204030204" pitchFamily="34" charset="0"/>
-                <a:ea typeface="Calibri" panose="020F0502020204030204" pitchFamily="34" charset="0"/>
-                <a:cs typeface="Times New Roman (Body CS)"/>
-              </a:rPr>
-              <a:t> </a:t>
-            </a:r>
-            <a:r>
-              <a:rPr lang="en-US" sz="1800" dirty="0" err="1">
-                <a:solidFill>
-                  <a:srgbClr val="000000"/>
-                </a:solidFill>
-                <a:effectLst/>
-                <a:latin typeface="Calibri" panose="020F0502020204030204" pitchFamily="34" charset="0"/>
-                <a:ea typeface="Calibri" panose="020F0502020204030204" pitchFamily="34" charset="0"/>
-                <a:cs typeface="Times New Roman (Body CS)"/>
-              </a:rPr>
-              <a:t>kehilangan</a:t>
-            </a:r>
-            <a:r>
-              <a:rPr lang="en-US" sz="1800" dirty="0">
-                <a:solidFill>
-                  <a:srgbClr val="000000"/>
-                </a:solidFill>
-                <a:effectLst/>
-                <a:latin typeface="Calibri" panose="020F0502020204030204" pitchFamily="34" charset="0"/>
-                <a:ea typeface="Calibri" panose="020F0502020204030204" pitchFamily="34" charset="0"/>
-                <a:cs typeface="Times New Roman (Body CS)"/>
-              </a:rPr>
-              <a:t> </a:t>
-            </a:r>
-            <a:r>
-              <a:rPr lang="en-US" sz="1800" dirty="0" err="1">
-                <a:solidFill>
-                  <a:srgbClr val="000000"/>
-                </a:solidFill>
-                <a:effectLst/>
-                <a:latin typeface="Calibri" panose="020F0502020204030204" pitchFamily="34" charset="0"/>
-                <a:ea typeface="Calibri" panose="020F0502020204030204" pitchFamily="34" charset="0"/>
-                <a:cs typeface="Times New Roman (Body CS)"/>
-              </a:rPr>
-              <a:t>penjualan</a:t>
-            </a:r>
-            <a:r>
-              <a:rPr lang="en-US" sz="1800" dirty="0">
-                <a:solidFill>
-                  <a:srgbClr val="000000"/>
-                </a:solidFill>
-                <a:effectLst/>
-                <a:latin typeface="Calibri" panose="020F0502020204030204" pitchFamily="34" charset="0"/>
-                <a:ea typeface="Calibri" panose="020F0502020204030204" pitchFamily="34" charset="0"/>
-                <a:cs typeface="Times New Roman (Body CS)"/>
-              </a:rPr>
-              <a:t> dan </a:t>
-            </a:r>
-            <a:r>
-              <a:rPr lang="en-US" sz="1800" dirty="0" err="1">
-                <a:solidFill>
-                  <a:srgbClr val="000000"/>
-                </a:solidFill>
-                <a:effectLst/>
-                <a:latin typeface="Calibri" panose="020F0502020204030204" pitchFamily="34" charset="0"/>
-                <a:ea typeface="Calibri" panose="020F0502020204030204" pitchFamily="34" charset="0"/>
-                <a:cs typeface="Times New Roman (Body CS)"/>
-              </a:rPr>
-              <a:t>kepercayaan</a:t>
-            </a:r>
-            <a:r>
-              <a:rPr lang="en-US" sz="1800" dirty="0">
-                <a:solidFill>
-                  <a:srgbClr val="000000"/>
-                </a:solidFill>
-                <a:effectLst/>
-                <a:latin typeface="Calibri" panose="020F0502020204030204" pitchFamily="34" charset="0"/>
-                <a:ea typeface="Calibri" panose="020F0502020204030204" pitchFamily="34" charset="0"/>
-                <a:cs typeface="Times New Roman (Body CS)"/>
-              </a:rPr>
-              <a:t> </a:t>
-            </a:r>
-            <a:r>
-              <a:rPr lang="en-US" sz="1800" dirty="0" err="1">
-                <a:solidFill>
-                  <a:srgbClr val="000000"/>
-                </a:solidFill>
-                <a:effectLst/>
-                <a:latin typeface="Calibri" panose="020F0502020204030204" pitchFamily="34" charset="0"/>
-                <a:ea typeface="Calibri" panose="020F0502020204030204" pitchFamily="34" charset="0"/>
-                <a:cs typeface="Times New Roman (Body CS)"/>
-              </a:rPr>
-              <a:t>pelanggan</a:t>
-            </a:r>
-            <a:r>
-              <a:rPr lang="en-US" sz="1800" dirty="0">
-                <a:solidFill>
-                  <a:srgbClr val="000000"/>
-                </a:solidFill>
-                <a:effectLst/>
-                <a:latin typeface="Calibri" panose="020F0502020204030204" pitchFamily="34" charset="0"/>
-                <a:ea typeface="Calibri" panose="020F0502020204030204" pitchFamily="34" charset="0"/>
-                <a:cs typeface="Times New Roman (Body CS)"/>
-              </a:rPr>
-              <a:t>.</a:t>
-            </a:r>
-            <a:endParaRPr lang="en-ID" sz="1800" dirty="0">
-              <a:solidFill>
-                <a:srgbClr val="000000"/>
-              </a:solidFill>
-              <a:effectLst/>
-              <a:latin typeface="Calibri" panose="020F0502020204030204" pitchFamily="34" charset="0"/>
-              <a:ea typeface="Calibri" panose="020F0502020204030204" pitchFamily="34" charset="0"/>
-              <a:cs typeface="Times New Roman (Body CS)"/>
-            </a:endParaRPr>
-          </a:p>
-          <a:p>
-            <a:pPr marL="342900" lvl="0" indent="-342900" algn="just">
-              <a:spcAft>
-                <a:spcPts val="300"/>
-              </a:spcAft>
+          </a:p>
+          <a:p>
+            <a:pPr marL="457200" indent="-457200" algn="l">
               <a:buFont typeface="+mj-lt"/>
               <a:buAutoNum type="arabicPeriod"/>
             </a:pPr>
             <a:r>
-              <a:rPr lang="en-US" sz="1800" dirty="0" err="1">
-                <a:solidFill>
-                  <a:srgbClr val="000000"/>
-                </a:solidFill>
-                <a:effectLst/>
-                <a:latin typeface="Calibri" panose="020F0502020204030204" pitchFamily="34" charset="0"/>
-                <a:ea typeface="Calibri" panose="020F0502020204030204" pitchFamily="34" charset="0"/>
-                <a:cs typeface="Times New Roman (Body CS)"/>
-              </a:rPr>
-              <a:t>Meningkatkan</a:t>
+              <a:rPr lang="en-US" sz="1600" dirty="0"/>
+              <a:t>Improving Cash Flow: By optimizing stock, a company can reduce capital investment in excess stock. This allows the company to have more cash available for other investments or to reduce debt.</a:t>
             </a:r>
+          </a:p>
+          <a:p>
+            <a:pPr algn="l"/>
             <a:r>
-              <a:rPr lang="en-US" sz="1800" dirty="0">
-                <a:solidFill>
-                  <a:srgbClr val="000000"/>
-                </a:solidFill>
-                <a:effectLst/>
-                <a:latin typeface="Calibri" panose="020F0502020204030204" pitchFamily="34" charset="0"/>
-                <a:ea typeface="Calibri" panose="020F0502020204030204" pitchFamily="34" charset="0"/>
-                <a:cs typeface="Times New Roman (Body CS)"/>
-              </a:rPr>
-              <a:t> Cash Flow: </a:t>
+              <a:rPr lang="en-US" sz="1600" dirty="0"/>
+              <a:t>Overall, stock optimization helps companies improve operational efficiency, reduce costs, enhance customer service, and manage risks better. By continuously optimizing stock, companies can create a more sustainable and competitive environment in the market.</a:t>
             </a:r>
-            <a:r>
-              <a:rPr lang="en-US" sz="1800" dirty="0" err="1">
-                <a:solidFill>
-                  <a:srgbClr val="000000"/>
-                </a:solidFill>
-                <a:effectLst/>
-                <a:latin typeface="Calibri" panose="020F0502020204030204" pitchFamily="34" charset="0"/>
-                <a:ea typeface="Calibri" panose="020F0502020204030204" pitchFamily="34" charset="0"/>
-                <a:cs typeface="Times New Roman (Body CS)"/>
-              </a:rPr>
-              <a:t>Dengan</a:t>
-            </a:r>
-            <a:r>
-              <a:rPr lang="en-US" sz="1800" dirty="0">
-                <a:solidFill>
-                  <a:srgbClr val="000000"/>
-                </a:solidFill>
-                <a:effectLst/>
-                <a:latin typeface="Calibri" panose="020F0502020204030204" pitchFamily="34" charset="0"/>
-                <a:ea typeface="Calibri" panose="020F0502020204030204" pitchFamily="34" charset="0"/>
-                <a:cs typeface="Times New Roman (Body CS)"/>
-              </a:rPr>
-              <a:t> </a:t>
-            </a:r>
-            <a:r>
-              <a:rPr lang="en-US" sz="1800" dirty="0" err="1">
-                <a:solidFill>
-                  <a:srgbClr val="000000"/>
-                </a:solidFill>
-                <a:effectLst/>
-                <a:latin typeface="Calibri" panose="020F0502020204030204" pitchFamily="34" charset="0"/>
-                <a:ea typeface="Calibri" panose="020F0502020204030204" pitchFamily="34" charset="0"/>
-                <a:cs typeface="Times New Roman (Body CS)"/>
-              </a:rPr>
-              <a:t>mengoptimalkan</a:t>
-            </a:r>
-            <a:r>
-              <a:rPr lang="en-US" sz="1800" dirty="0">
-                <a:solidFill>
-                  <a:srgbClr val="000000"/>
-                </a:solidFill>
-                <a:effectLst/>
-                <a:latin typeface="Calibri" panose="020F0502020204030204" pitchFamily="34" charset="0"/>
-                <a:ea typeface="Calibri" panose="020F0502020204030204" pitchFamily="34" charset="0"/>
-                <a:cs typeface="Times New Roman (Body CS)"/>
-              </a:rPr>
-              <a:t> </a:t>
-            </a:r>
-            <a:r>
-              <a:rPr lang="en-US" sz="1800" dirty="0" err="1">
-                <a:solidFill>
-                  <a:srgbClr val="000000"/>
-                </a:solidFill>
-                <a:effectLst/>
-                <a:latin typeface="Calibri" panose="020F0502020204030204" pitchFamily="34" charset="0"/>
-                <a:ea typeface="Calibri" panose="020F0502020204030204" pitchFamily="34" charset="0"/>
-                <a:cs typeface="Times New Roman (Body CS)"/>
-              </a:rPr>
-              <a:t>stok</a:t>
-            </a:r>
-            <a:r>
-              <a:rPr lang="en-US" sz="1800" dirty="0">
-                <a:solidFill>
-                  <a:srgbClr val="000000"/>
-                </a:solidFill>
-                <a:effectLst/>
-                <a:latin typeface="Calibri" panose="020F0502020204030204" pitchFamily="34" charset="0"/>
-                <a:ea typeface="Calibri" panose="020F0502020204030204" pitchFamily="34" charset="0"/>
-                <a:cs typeface="Times New Roman (Body CS)"/>
-              </a:rPr>
-              <a:t>, </a:t>
-            </a:r>
-            <a:r>
-              <a:rPr lang="en-US" sz="1800" dirty="0" err="1">
-                <a:solidFill>
-                  <a:srgbClr val="000000"/>
-                </a:solidFill>
-                <a:effectLst/>
-                <a:latin typeface="Calibri" panose="020F0502020204030204" pitchFamily="34" charset="0"/>
-                <a:ea typeface="Calibri" panose="020F0502020204030204" pitchFamily="34" charset="0"/>
-                <a:cs typeface="Times New Roman (Body CS)"/>
-              </a:rPr>
-              <a:t>perusahaan</a:t>
-            </a:r>
-            <a:r>
-              <a:rPr lang="en-US" sz="1800" dirty="0">
-                <a:solidFill>
-                  <a:srgbClr val="000000"/>
-                </a:solidFill>
-                <a:effectLst/>
-                <a:latin typeface="Calibri" panose="020F0502020204030204" pitchFamily="34" charset="0"/>
-                <a:ea typeface="Calibri" panose="020F0502020204030204" pitchFamily="34" charset="0"/>
-                <a:cs typeface="Times New Roman (Body CS)"/>
-              </a:rPr>
-              <a:t> </a:t>
-            </a:r>
-            <a:r>
-              <a:rPr lang="en-US" sz="1800" dirty="0" err="1">
-                <a:solidFill>
-                  <a:srgbClr val="000000"/>
-                </a:solidFill>
-                <a:effectLst/>
-                <a:latin typeface="Calibri" panose="020F0502020204030204" pitchFamily="34" charset="0"/>
-                <a:ea typeface="Calibri" panose="020F0502020204030204" pitchFamily="34" charset="0"/>
-                <a:cs typeface="Times New Roman (Body CS)"/>
-              </a:rPr>
-              <a:t>dapat</a:t>
-            </a:r>
-            <a:r>
-              <a:rPr lang="en-US" sz="1800" dirty="0">
-                <a:solidFill>
-                  <a:srgbClr val="000000"/>
-                </a:solidFill>
-                <a:effectLst/>
-                <a:latin typeface="Calibri" panose="020F0502020204030204" pitchFamily="34" charset="0"/>
-                <a:ea typeface="Calibri" panose="020F0502020204030204" pitchFamily="34" charset="0"/>
-                <a:cs typeface="Times New Roman (Body CS)"/>
-              </a:rPr>
-              <a:t> </a:t>
-            </a:r>
-            <a:r>
-              <a:rPr lang="en-US" sz="1800" dirty="0" err="1">
-                <a:solidFill>
-                  <a:srgbClr val="000000"/>
-                </a:solidFill>
-                <a:effectLst/>
-                <a:latin typeface="Calibri" panose="020F0502020204030204" pitchFamily="34" charset="0"/>
-                <a:ea typeface="Calibri" panose="020F0502020204030204" pitchFamily="34" charset="0"/>
-                <a:cs typeface="Times New Roman (Body CS)"/>
-              </a:rPr>
-              <a:t>mengurangi</a:t>
-            </a:r>
-            <a:r>
-              <a:rPr lang="en-US" sz="1800" dirty="0">
-                <a:solidFill>
-                  <a:srgbClr val="000000"/>
-                </a:solidFill>
-                <a:effectLst/>
-                <a:latin typeface="Calibri" panose="020F0502020204030204" pitchFamily="34" charset="0"/>
-                <a:ea typeface="Calibri" panose="020F0502020204030204" pitchFamily="34" charset="0"/>
-                <a:cs typeface="Times New Roman (Body CS)"/>
-              </a:rPr>
-              <a:t> </a:t>
-            </a:r>
-            <a:r>
-              <a:rPr lang="en-US" sz="1800" dirty="0" err="1">
-                <a:solidFill>
-                  <a:srgbClr val="000000"/>
-                </a:solidFill>
-                <a:effectLst/>
-                <a:latin typeface="Calibri" panose="020F0502020204030204" pitchFamily="34" charset="0"/>
-                <a:ea typeface="Calibri" panose="020F0502020204030204" pitchFamily="34" charset="0"/>
-                <a:cs typeface="Times New Roman (Body CS)"/>
-              </a:rPr>
-              <a:t>investasi</a:t>
-            </a:r>
-            <a:r>
-              <a:rPr lang="en-US" sz="1800" dirty="0">
-                <a:solidFill>
-                  <a:srgbClr val="000000"/>
-                </a:solidFill>
-                <a:effectLst/>
-                <a:latin typeface="Calibri" panose="020F0502020204030204" pitchFamily="34" charset="0"/>
-                <a:ea typeface="Calibri" panose="020F0502020204030204" pitchFamily="34" charset="0"/>
-                <a:cs typeface="Times New Roman (Body CS)"/>
-              </a:rPr>
-              <a:t> modal </a:t>
-            </a:r>
-            <a:r>
-              <a:rPr lang="en-US" sz="1800" dirty="0" err="1">
-                <a:solidFill>
-                  <a:srgbClr val="000000"/>
-                </a:solidFill>
-                <a:effectLst/>
-                <a:latin typeface="Calibri" panose="020F0502020204030204" pitchFamily="34" charset="0"/>
-                <a:ea typeface="Calibri" panose="020F0502020204030204" pitchFamily="34" charset="0"/>
-                <a:cs typeface="Times New Roman (Body CS)"/>
-              </a:rPr>
-              <a:t>dalam</a:t>
-            </a:r>
-            <a:r>
-              <a:rPr lang="en-US" sz="1800" dirty="0">
-                <a:solidFill>
-                  <a:srgbClr val="000000"/>
-                </a:solidFill>
-                <a:effectLst/>
-                <a:latin typeface="Calibri" panose="020F0502020204030204" pitchFamily="34" charset="0"/>
-                <a:ea typeface="Calibri" panose="020F0502020204030204" pitchFamily="34" charset="0"/>
-                <a:cs typeface="Times New Roman (Body CS)"/>
-              </a:rPr>
-              <a:t> </a:t>
-            </a:r>
-            <a:r>
-              <a:rPr lang="en-US" sz="1800" dirty="0" err="1">
-                <a:solidFill>
-                  <a:srgbClr val="000000"/>
-                </a:solidFill>
-                <a:effectLst/>
-                <a:latin typeface="Calibri" panose="020F0502020204030204" pitchFamily="34" charset="0"/>
-                <a:ea typeface="Calibri" panose="020F0502020204030204" pitchFamily="34" charset="0"/>
-                <a:cs typeface="Times New Roman (Body CS)"/>
-              </a:rPr>
-              <a:t>stok</a:t>
-            </a:r>
-            <a:r>
-              <a:rPr lang="en-US" sz="1800" dirty="0">
-                <a:solidFill>
-                  <a:srgbClr val="000000"/>
-                </a:solidFill>
-                <a:effectLst/>
-                <a:latin typeface="Calibri" panose="020F0502020204030204" pitchFamily="34" charset="0"/>
-                <a:ea typeface="Calibri" panose="020F0502020204030204" pitchFamily="34" charset="0"/>
-                <a:cs typeface="Times New Roman (Body CS)"/>
-              </a:rPr>
-              <a:t> yang </a:t>
-            </a:r>
-            <a:r>
-              <a:rPr lang="en-US" sz="1800" dirty="0" err="1">
-                <a:solidFill>
-                  <a:srgbClr val="000000"/>
-                </a:solidFill>
-                <a:effectLst/>
-                <a:latin typeface="Calibri" panose="020F0502020204030204" pitchFamily="34" charset="0"/>
-                <a:ea typeface="Calibri" panose="020F0502020204030204" pitchFamily="34" charset="0"/>
-                <a:cs typeface="Times New Roman (Body CS)"/>
-              </a:rPr>
-              <a:t>berlebihan</a:t>
-            </a:r>
-            <a:r>
-              <a:rPr lang="en-US" sz="1800" dirty="0">
-                <a:solidFill>
-                  <a:srgbClr val="000000"/>
-                </a:solidFill>
-                <a:effectLst/>
-                <a:latin typeface="Calibri" panose="020F0502020204030204" pitchFamily="34" charset="0"/>
-                <a:ea typeface="Calibri" panose="020F0502020204030204" pitchFamily="34" charset="0"/>
-                <a:cs typeface="Times New Roman (Body CS)"/>
-              </a:rPr>
-              <a:t>. Hal </a:t>
-            </a:r>
-            <a:r>
-              <a:rPr lang="en-US" sz="1800" dirty="0" err="1">
-                <a:solidFill>
-                  <a:srgbClr val="000000"/>
-                </a:solidFill>
-                <a:effectLst/>
-                <a:latin typeface="Calibri" panose="020F0502020204030204" pitchFamily="34" charset="0"/>
-                <a:ea typeface="Calibri" panose="020F0502020204030204" pitchFamily="34" charset="0"/>
-                <a:cs typeface="Times New Roman (Body CS)"/>
-              </a:rPr>
-              <a:t>ini</a:t>
-            </a:r>
-            <a:r>
-              <a:rPr lang="en-US" sz="1800" dirty="0">
-                <a:solidFill>
-                  <a:srgbClr val="000000"/>
-                </a:solidFill>
-                <a:effectLst/>
-                <a:latin typeface="Calibri" panose="020F0502020204030204" pitchFamily="34" charset="0"/>
-                <a:ea typeface="Calibri" panose="020F0502020204030204" pitchFamily="34" charset="0"/>
-                <a:cs typeface="Times New Roman (Body CS)"/>
-              </a:rPr>
-              <a:t> </a:t>
-            </a:r>
-            <a:r>
-              <a:rPr lang="en-US" sz="1800" dirty="0" err="1">
-                <a:solidFill>
-                  <a:srgbClr val="000000"/>
-                </a:solidFill>
-                <a:effectLst/>
-                <a:latin typeface="Calibri" panose="020F0502020204030204" pitchFamily="34" charset="0"/>
-                <a:ea typeface="Calibri" panose="020F0502020204030204" pitchFamily="34" charset="0"/>
-                <a:cs typeface="Times New Roman (Body CS)"/>
-              </a:rPr>
-              <a:t>memungkinkan</a:t>
-            </a:r>
-            <a:r>
-              <a:rPr lang="en-US" sz="1800" dirty="0">
-                <a:solidFill>
-                  <a:srgbClr val="000000"/>
-                </a:solidFill>
-                <a:effectLst/>
-                <a:latin typeface="Calibri" panose="020F0502020204030204" pitchFamily="34" charset="0"/>
-                <a:ea typeface="Calibri" panose="020F0502020204030204" pitchFamily="34" charset="0"/>
-                <a:cs typeface="Times New Roman (Body CS)"/>
-              </a:rPr>
-              <a:t> </a:t>
-            </a:r>
-            <a:r>
-              <a:rPr lang="en-US" sz="1800" dirty="0" err="1">
-                <a:solidFill>
-                  <a:srgbClr val="000000"/>
-                </a:solidFill>
-                <a:effectLst/>
-                <a:latin typeface="Calibri" panose="020F0502020204030204" pitchFamily="34" charset="0"/>
-                <a:ea typeface="Calibri" panose="020F0502020204030204" pitchFamily="34" charset="0"/>
-                <a:cs typeface="Times New Roman (Body CS)"/>
-              </a:rPr>
-              <a:t>perusahaan</a:t>
-            </a:r>
-            <a:r>
-              <a:rPr lang="en-US" sz="1800" dirty="0">
-                <a:solidFill>
-                  <a:srgbClr val="000000"/>
-                </a:solidFill>
-                <a:effectLst/>
-                <a:latin typeface="Calibri" panose="020F0502020204030204" pitchFamily="34" charset="0"/>
-                <a:ea typeface="Calibri" panose="020F0502020204030204" pitchFamily="34" charset="0"/>
-                <a:cs typeface="Times New Roman (Body CS)"/>
-              </a:rPr>
-              <a:t> </a:t>
-            </a:r>
-            <a:r>
-              <a:rPr lang="en-US" sz="1800" dirty="0" err="1">
-                <a:solidFill>
-                  <a:srgbClr val="000000"/>
-                </a:solidFill>
-                <a:effectLst/>
-                <a:latin typeface="Calibri" panose="020F0502020204030204" pitchFamily="34" charset="0"/>
-                <a:ea typeface="Calibri" panose="020F0502020204030204" pitchFamily="34" charset="0"/>
-                <a:cs typeface="Times New Roman (Body CS)"/>
-              </a:rPr>
-              <a:t>untuk</a:t>
-            </a:r>
-            <a:r>
-              <a:rPr lang="en-US" sz="1800" dirty="0">
-                <a:solidFill>
-                  <a:srgbClr val="000000"/>
-                </a:solidFill>
-                <a:effectLst/>
-                <a:latin typeface="Calibri" panose="020F0502020204030204" pitchFamily="34" charset="0"/>
-                <a:ea typeface="Calibri" panose="020F0502020204030204" pitchFamily="34" charset="0"/>
-                <a:cs typeface="Times New Roman (Body CS)"/>
-              </a:rPr>
-              <a:t> </a:t>
-            </a:r>
-            <a:r>
-              <a:rPr lang="en-US" sz="1800" dirty="0" err="1">
-                <a:solidFill>
-                  <a:srgbClr val="000000"/>
-                </a:solidFill>
-                <a:effectLst/>
-                <a:latin typeface="Calibri" panose="020F0502020204030204" pitchFamily="34" charset="0"/>
-                <a:ea typeface="Calibri" panose="020F0502020204030204" pitchFamily="34" charset="0"/>
-                <a:cs typeface="Times New Roman (Body CS)"/>
-              </a:rPr>
-              <a:t>memiliki</a:t>
-            </a:r>
-            <a:r>
-              <a:rPr lang="en-US" sz="1800" dirty="0">
-                <a:solidFill>
-                  <a:srgbClr val="000000"/>
-                </a:solidFill>
-                <a:effectLst/>
-                <a:latin typeface="Calibri" panose="020F0502020204030204" pitchFamily="34" charset="0"/>
-                <a:ea typeface="Calibri" panose="020F0502020204030204" pitchFamily="34" charset="0"/>
-                <a:cs typeface="Times New Roman (Body CS)"/>
-              </a:rPr>
-              <a:t> </a:t>
-            </a:r>
-            <a:r>
-              <a:rPr lang="en-US" sz="1800" dirty="0" err="1">
-                <a:solidFill>
-                  <a:srgbClr val="000000"/>
-                </a:solidFill>
-                <a:effectLst/>
-                <a:latin typeface="Calibri" panose="020F0502020204030204" pitchFamily="34" charset="0"/>
-                <a:ea typeface="Calibri" panose="020F0502020204030204" pitchFamily="34" charset="0"/>
-                <a:cs typeface="Times New Roman (Body CS)"/>
-              </a:rPr>
-              <a:t>lebih</a:t>
-            </a:r>
-            <a:r>
-              <a:rPr lang="en-US" sz="1800" dirty="0">
-                <a:solidFill>
-                  <a:srgbClr val="000000"/>
-                </a:solidFill>
-                <a:effectLst/>
-                <a:latin typeface="Calibri" panose="020F0502020204030204" pitchFamily="34" charset="0"/>
-                <a:ea typeface="Calibri" panose="020F0502020204030204" pitchFamily="34" charset="0"/>
-                <a:cs typeface="Times New Roman (Body CS)"/>
-              </a:rPr>
-              <a:t> </a:t>
-            </a:r>
-            <a:r>
-              <a:rPr lang="en-US" sz="1800" dirty="0" err="1">
-                <a:solidFill>
-                  <a:srgbClr val="000000"/>
-                </a:solidFill>
-                <a:effectLst/>
-                <a:latin typeface="Calibri" panose="020F0502020204030204" pitchFamily="34" charset="0"/>
-                <a:ea typeface="Calibri" panose="020F0502020204030204" pitchFamily="34" charset="0"/>
-                <a:cs typeface="Times New Roman (Body CS)"/>
-              </a:rPr>
-              <a:t>banyak</a:t>
-            </a:r>
-            <a:r>
-              <a:rPr lang="en-US" sz="1800" dirty="0">
-                <a:solidFill>
-                  <a:srgbClr val="000000"/>
-                </a:solidFill>
-                <a:effectLst/>
-                <a:latin typeface="Calibri" panose="020F0502020204030204" pitchFamily="34" charset="0"/>
-                <a:ea typeface="Calibri" panose="020F0502020204030204" pitchFamily="34" charset="0"/>
-                <a:cs typeface="Times New Roman (Body CS)"/>
-              </a:rPr>
-              <a:t> uang </a:t>
-            </a:r>
-            <a:r>
-              <a:rPr lang="en-US" sz="1800" dirty="0" err="1">
-                <a:solidFill>
-                  <a:srgbClr val="000000"/>
-                </a:solidFill>
-                <a:effectLst/>
-                <a:latin typeface="Calibri" panose="020F0502020204030204" pitchFamily="34" charset="0"/>
-                <a:ea typeface="Calibri" panose="020F0502020204030204" pitchFamily="34" charset="0"/>
-                <a:cs typeface="Times New Roman (Body CS)"/>
-              </a:rPr>
-              <a:t>tunai</a:t>
-            </a:r>
-            <a:r>
-              <a:rPr lang="en-US" sz="1800" dirty="0">
-                <a:solidFill>
-                  <a:srgbClr val="000000"/>
-                </a:solidFill>
-                <a:effectLst/>
-                <a:latin typeface="Calibri" panose="020F0502020204030204" pitchFamily="34" charset="0"/>
-                <a:ea typeface="Calibri" panose="020F0502020204030204" pitchFamily="34" charset="0"/>
-                <a:cs typeface="Times New Roman (Body CS)"/>
-              </a:rPr>
-              <a:t> yang </a:t>
-            </a:r>
-            <a:r>
-              <a:rPr lang="en-US" sz="1800" dirty="0" err="1">
-                <a:solidFill>
-                  <a:srgbClr val="000000"/>
-                </a:solidFill>
-                <a:effectLst/>
-                <a:latin typeface="Calibri" panose="020F0502020204030204" pitchFamily="34" charset="0"/>
-                <a:ea typeface="Calibri" panose="020F0502020204030204" pitchFamily="34" charset="0"/>
-                <a:cs typeface="Times New Roman (Body CS)"/>
-              </a:rPr>
-              <a:t>tersedia</a:t>
-            </a:r>
-            <a:r>
-              <a:rPr lang="en-US" sz="1800" dirty="0">
-                <a:solidFill>
-                  <a:srgbClr val="000000"/>
-                </a:solidFill>
-                <a:effectLst/>
-                <a:latin typeface="Calibri" panose="020F0502020204030204" pitchFamily="34" charset="0"/>
-                <a:ea typeface="Calibri" panose="020F0502020204030204" pitchFamily="34" charset="0"/>
-                <a:cs typeface="Times New Roman (Body CS)"/>
-              </a:rPr>
-              <a:t> </a:t>
-            </a:r>
-            <a:r>
-              <a:rPr lang="en-US" sz="1800" dirty="0" err="1">
-                <a:solidFill>
-                  <a:srgbClr val="000000"/>
-                </a:solidFill>
-                <a:effectLst/>
-                <a:latin typeface="Calibri" panose="020F0502020204030204" pitchFamily="34" charset="0"/>
-                <a:ea typeface="Calibri" panose="020F0502020204030204" pitchFamily="34" charset="0"/>
-                <a:cs typeface="Times New Roman (Body CS)"/>
-              </a:rPr>
-              <a:t>untuk</a:t>
-            </a:r>
-            <a:r>
-              <a:rPr lang="en-US" sz="1800" dirty="0">
-                <a:solidFill>
-                  <a:srgbClr val="000000"/>
-                </a:solidFill>
-                <a:effectLst/>
-                <a:latin typeface="Calibri" panose="020F0502020204030204" pitchFamily="34" charset="0"/>
-                <a:ea typeface="Calibri" panose="020F0502020204030204" pitchFamily="34" charset="0"/>
-                <a:cs typeface="Times New Roman (Body CS)"/>
-              </a:rPr>
-              <a:t> </a:t>
-            </a:r>
-            <a:r>
-              <a:rPr lang="en-US" sz="1800" dirty="0" err="1">
-                <a:solidFill>
-                  <a:srgbClr val="000000"/>
-                </a:solidFill>
-                <a:effectLst/>
-                <a:latin typeface="Calibri" panose="020F0502020204030204" pitchFamily="34" charset="0"/>
-                <a:ea typeface="Calibri" panose="020F0502020204030204" pitchFamily="34" charset="0"/>
-                <a:cs typeface="Times New Roman (Body CS)"/>
-              </a:rPr>
-              <a:t>investasi</a:t>
-            </a:r>
-            <a:r>
-              <a:rPr lang="en-US" sz="1800" dirty="0">
-                <a:solidFill>
-                  <a:srgbClr val="000000"/>
-                </a:solidFill>
-                <a:effectLst/>
-                <a:latin typeface="Calibri" panose="020F0502020204030204" pitchFamily="34" charset="0"/>
-                <a:ea typeface="Calibri" panose="020F0502020204030204" pitchFamily="34" charset="0"/>
-                <a:cs typeface="Times New Roman (Body CS)"/>
-              </a:rPr>
-              <a:t> lain </a:t>
-            </a:r>
-            <a:r>
-              <a:rPr lang="en-US" sz="1800" dirty="0" err="1">
-                <a:solidFill>
-                  <a:srgbClr val="000000"/>
-                </a:solidFill>
-                <a:effectLst/>
-                <a:latin typeface="Calibri" panose="020F0502020204030204" pitchFamily="34" charset="0"/>
-                <a:ea typeface="Calibri" panose="020F0502020204030204" pitchFamily="34" charset="0"/>
-                <a:cs typeface="Times New Roman (Body CS)"/>
-              </a:rPr>
-              <a:t>atau</a:t>
-            </a:r>
-            <a:r>
-              <a:rPr lang="en-US" sz="1800" dirty="0">
-                <a:solidFill>
-                  <a:srgbClr val="000000"/>
-                </a:solidFill>
-                <a:effectLst/>
-                <a:latin typeface="Calibri" panose="020F0502020204030204" pitchFamily="34" charset="0"/>
-                <a:ea typeface="Calibri" panose="020F0502020204030204" pitchFamily="34" charset="0"/>
-                <a:cs typeface="Times New Roman (Body CS)"/>
-              </a:rPr>
-              <a:t> </a:t>
-            </a:r>
-            <a:r>
-              <a:rPr lang="en-US" sz="1800" dirty="0" err="1">
-                <a:solidFill>
-                  <a:srgbClr val="000000"/>
-                </a:solidFill>
-                <a:effectLst/>
-                <a:latin typeface="Calibri" panose="020F0502020204030204" pitchFamily="34" charset="0"/>
-                <a:ea typeface="Calibri" panose="020F0502020204030204" pitchFamily="34" charset="0"/>
-                <a:cs typeface="Times New Roman (Body CS)"/>
-              </a:rPr>
-              <a:t>untuk</a:t>
-            </a:r>
-            <a:r>
-              <a:rPr lang="en-US" sz="1800" dirty="0">
-                <a:solidFill>
-                  <a:srgbClr val="000000"/>
-                </a:solidFill>
-                <a:effectLst/>
-                <a:latin typeface="Calibri" panose="020F0502020204030204" pitchFamily="34" charset="0"/>
-                <a:ea typeface="Calibri" panose="020F0502020204030204" pitchFamily="34" charset="0"/>
-                <a:cs typeface="Times New Roman (Body CS)"/>
-              </a:rPr>
-              <a:t> </a:t>
-            </a:r>
-            <a:r>
-              <a:rPr lang="en-US" sz="1800" dirty="0" err="1">
-                <a:solidFill>
-                  <a:srgbClr val="000000"/>
-                </a:solidFill>
-                <a:effectLst/>
-                <a:latin typeface="Calibri" panose="020F0502020204030204" pitchFamily="34" charset="0"/>
-                <a:ea typeface="Calibri" panose="020F0502020204030204" pitchFamily="34" charset="0"/>
-                <a:cs typeface="Times New Roman (Body CS)"/>
-              </a:rPr>
-              <a:t>mengurangi</a:t>
-            </a:r>
-            <a:r>
-              <a:rPr lang="en-US" sz="1800" dirty="0">
-                <a:solidFill>
-                  <a:srgbClr val="000000"/>
-                </a:solidFill>
-                <a:effectLst/>
-                <a:latin typeface="Calibri" panose="020F0502020204030204" pitchFamily="34" charset="0"/>
-                <a:ea typeface="Calibri" panose="020F0502020204030204" pitchFamily="34" charset="0"/>
-                <a:cs typeface="Times New Roman (Body CS)"/>
-              </a:rPr>
-              <a:t> </a:t>
-            </a:r>
-            <a:r>
-              <a:rPr lang="en-US" sz="1800" dirty="0" err="1">
-                <a:solidFill>
-                  <a:srgbClr val="000000"/>
-                </a:solidFill>
-                <a:effectLst/>
-                <a:latin typeface="Calibri" panose="020F0502020204030204" pitchFamily="34" charset="0"/>
-                <a:ea typeface="Calibri" panose="020F0502020204030204" pitchFamily="34" charset="0"/>
-                <a:cs typeface="Times New Roman (Body CS)"/>
-              </a:rPr>
-              <a:t>hutang</a:t>
-            </a:r>
-            <a:r>
-              <a:rPr lang="en-US" sz="1800" dirty="0">
-                <a:solidFill>
-                  <a:srgbClr val="000000"/>
-                </a:solidFill>
-                <a:effectLst/>
-                <a:latin typeface="Calibri" panose="020F0502020204030204" pitchFamily="34" charset="0"/>
-                <a:ea typeface="Calibri" panose="020F0502020204030204" pitchFamily="34" charset="0"/>
-                <a:cs typeface="Times New Roman (Body CS)"/>
-              </a:rPr>
-              <a:t>.</a:t>
-            </a:r>
-            <a:endParaRPr lang="en-ID" sz="1800" dirty="0">
-              <a:solidFill>
-                <a:srgbClr val="000000"/>
-              </a:solidFill>
-              <a:effectLst/>
-              <a:latin typeface="Calibri" panose="020F0502020204030204" pitchFamily="34" charset="0"/>
-              <a:ea typeface="Calibri" panose="020F0502020204030204" pitchFamily="34" charset="0"/>
-              <a:cs typeface="Times New Roman (Body CS)"/>
-            </a:endParaRPr>
-          </a:p>
-          <a:p>
-            <a:pPr algn="just">
-              <a:lnSpc>
-                <a:spcPct val="107000"/>
-              </a:lnSpc>
-              <a:spcAft>
-                <a:spcPts val="800"/>
-              </a:spcAft>
-            </a:pPr>
-            <a:r>
-              <a:rPr lang="en-ID" sz="1800" dirty="0">
-                <a:effectLst/>
-                <a:latin typeface="Calibri" panose="020F0502020204030204" pitchFamily="34" charset="0"/>
-                <a:ea typeface="Calibri" panose="020F0502020204030204" pitchFamily="34" charset="0"/>
-                <a:cs typeface="Times New Roman" panose="02020603050405020304" pitchFamily="18" charset="0"/>
-              </a:rPr>
-              <a:t>	</a:t>
-            </a:r>
-            <a:r>
-              <a:rPr lang="en-ID" sz="1800" dirty="0" err="1">
-                <a:effectLst/>
-                <a:latin typeface="Calibri" panose="020F0502020204030204" pitchFamily="34" charset="0"/>
-                <a:ea typeface="Calibri" panose="020F0502020204030204" pitchFamily="34" charset="0"/>
-                <a:cs typeface="Times New Roman" panose="02020603050405020304" pitchFamily="18" charset="0"/>
-              </a:rPr>
-              <a:t>Secara</a:t>
-            </a:r>
-            <a:r>
-              <a:rPr lang="en-ID" sz="1800" dirty="0">
-                <a:effectLst/>
-                <a:latin typeface="Calibri" panose="020F0502020204030204" pitchFamily="34" charset="0"/>
-                <a:ea typeface="Calibri" panose="020F0502020204030204" pitchFamily="34" charset="0"/>
-                <a:cs typeface="Times New Roman" panose="02020603050405020304" pitchFamily="18" charset="0"/>
-              </a:rPr>
-              <a:t> </a:t>
-            </a:r>
-            <a:r>
-              <a:rPr lang="en-ID" sz="1800" dirty="0" err="1">
-                <a:effectLst/>
-                <a:latin typeface="Calibri" panose="020F0502020204030204" pitchFamily="34" charset="0"/>
-                <a:ea typeface="Calibri" panose="020F0502020204030204" pitchFamily="34" charset="0"/>
-                <a:cs typeface="Times New Roman" panose="02020603050405020304" pitchFamily="18" charset="0"/>
-              </a:rPr>
-              <a:t>keseluruhan</a:t>
-            </a:r>
-            <a:r>
-              <a:rPr lang="en-ID" sz="1800" dirty="0">
-                <a:effectLst/>
-                <a:latin typeface="Calibri" panose="020F0502020204030204" pitchFamily="34" charset="0"/>
-                <a:ea typeface="Calibri" panose="020F0502020204030204" pitchFamily="34" charset="0"/>
-                <a:cs typeface="Times New Roman" panose="02020603050405020304" pitchFamily="18" charset="0"/>
-              </a:rPr>
-              <a:t>, </a:t>
-            </a:r>
-            <a:r>
-              <a:rPr lang="en-ID" sz="1800" dirty="0" err="1">
-                <a:effectLst/>
-                <a:latin typeface="Calibri" panose="020F0502020204030204" pitchFamily="34" charset="0"/>
-                <a:ea typeface="Calibri" panose="020F0502020204030204" pitchFamily="34" charset="0"/>
-                <a:cs typeface="Times New Roman" panose="02020603050405020304" pitchFamily="18" charset="0"/>
-              </a:rPr>
-              <a:t>optimasi</a:t>
-            </a:r>
-            <a:r>
-              <a:rPr lang="en-ID" sz="1800" dirty="0">
-                <a:effectLst/>
-                <a:latin typeface="Calibri" panose="020F0502020204030204" pitchFamily="34" charset="0"/>
-                <a:ea typeface="Calibri" panose="020F0502020204030204" pitchFamily="34" charset="0"/>
-                <a:cs typeface="Times New Roman" panose="02020603050405020304" pitchFamily="18" charset="0"/>
-              </a:rPr>
-              <a:t> </a:t>
-            </a:r>
-            <a:r>
-              <a:rPr lang="en-ID" sz="1800" dirty="0" err="1">
-                <a:effectLst/>
-                <a:latin typeface="Calibri" panose="020F0502020204030204" pitchFamily="34" charset="0"/>
-                <a:ea typeface="Calibri" panose="020F0502020204030204" pitchFamily="34" charset="0"/>
-                <a:cs typeface="Times New Roman" panose="02020603050405020304" pitchFamily="18" charset="0"/>
-              </a:rPr>
-              <a:t>stok</a:t>
-            </a:r>
-            <a:r>
-              <a:rPr lang="en-ID" sz="1800" dirty="0">
-                <a:effectLst/>
-                <a:latin typeface="Calibri" panose="020F0502020204030204" pitchFamily="34" charset="0"/>
-                <a:ea typeface="Calibri" panose="020F0502020204030204" pitchFamily="34" charset="0"/>
-                <a:cs typeface="Times New Roman" panose="02020603050405020304" pitchFamily="18" charset="0"/>
-              </a:rPr>
-              <a:t> </a:t>
-            </a:r>
-            <a:r>
-              <a:rPr lang="en-ID" sz="1800" dirty="0" err="1">
-                <a:effectLst/>
-                <a:latin typeface="Calibri" panose="020F0502020204030204" pitchFamily="34" charset="0"/>
-                <a:ea typeface="Calibri" panose="020F0502020204030204" pitchFamily="34" charset="0"/>
-                <a:cs typeface="Times New Roman" panose="02020603050405020304" pitchFamily="18" charset="0"/>
-              </a:rPr>
-              <a:t>membantu</a:t>
-            </a:r>
-            <a:r>
-              <a:rPr lang="en-ID" sz="1800" dirty="0">
-                <a:effectLst/>
-                <a:latin typeface="Calibri" panose="020F0502020204030204" pitchFamily="34" charset="0"/>
-                <a:ea typeface="Calibri" panose="020F0502020204030204" pitchFamily="34" charset="0"/>
-                <a:cs typeface="Times New Roman" panose="02020603050405020304" pitchFamily="18" charset="0"/>
-              </a:rPr>
-              <a:t> </a:t>
-            </a:r>
-            <a:r>
-              <a:rPr lang="en-ID" sz="1800" dirty="0" err="1">
-                <a:effectLst/>
-                <a:latin typeface="Calibri" panose="020F0502020204030204" pitchFamily="34" charset="0"/>
-                <a:ea typeface="Calibri" panose="020F0502020204030204" pitchFamily="34" charset="0"/>
-                <a:cs typeface="Times New Roman" panose="02020603050405020304" pitchFamily="18" charset="0"/>
-              </a:rPr>
-              <a:t>perusahaan</a:t>
-            </a:r>
-            <a:r>
-              <a:rPr lang="en-ID" sz="1800" dirty="0">
-                <a:effectLst/>
-                <a:latin typeface="Calibri" panose="020F0502020204030204" pitchFamily="34" charset="0"/>
-                <a:ea typeface="Calibri" panose="020F0502020204030204" pitchFamily="34" charset="0"/>
-                <a:cs typeface="Times New Roman" panose="02020603050405020304" pitchFamily="18" charset="0"/>
-              </a:rPr>
-              <a:t> </a:t>
-            </a:r>
-            <a:r>
-              <a:rPr lang="en-ID" sz="1800" dirty="0" err="1">
-                <a:effectLst/>
-                <a:latin typeface="Calibri" panose="020F0502020204030204" pitchFamily="34" charset="0"/>
-                <a:ea typeface="Calibri" panose="020F0502020204030204" pitchFamily="34" charset="0"/>
-                <a:cs typeface="Times New Roman" panose="02020603050405020304" pitchFamily="18" charset="0"/>
-              </a:rPr>
-              <a:t>meningkatkan</a:t>
-            </a:r>
-            <a:r>
-              <a:rPr lang="en-ID" sz="1800" dirty="0">
-                <a:effectLst/>
-                <a:latin typeface="Calibri" panose="020F0502020204030204" pitchFamily="34" charset="0"/>
-                <a:ea typeface="Calibri" panose="020F0502020204030204" pitchFamily="34" charset="0"/>
-                <a:cs typeface="Times New Roman" panose="02020603050405020304" pitchFamily="18" charset="0"/>
-              </a:rPr>
-              <a:t> </a:t>
-            </a:r>
-            <a:r>
-              <a:rPr lang="en-ID" sz="1800" dirty="0" err="1">
-                <a:effectLst/>
-                <a:latin typeface="Calibri" panose="020F0502020204030204" pitchFamily="34" charset="0"/>
-                <a:ea typeface="Calibri" panose="020F0502020204030204" pitchFamily="34" charset="0"/>
-                <a:cs typeface="Times New Roman" panose="02020603050405020304" pitchFamily="18" charset="0"/>
-              </a:rPr>
-              <a:t>efisiensi</a:t>
-            </a:r>
-            <a:r>
-              <a:rPr lang="en-ID" sz="1800" dirty="0">
-                <a:effectLst/>
-                <a:latin typeface="Calibri" panose="020F0502020204030204" pitchFamily="34" charset="0"/>
-                <a:ea typeface="Calibri" panose="020F0502020204030204" pitchFamily="34" charset="0"/>
-                <a:cs typeface="Times New Roman" panose="02020603050405020304" pitchFamily="18" charset="0"/>
-              </a:rPr>
-              <a:t> </a:t>
-            </a:r>
-            <a:r>
-              <a:rPr lang="en-ID" sz="1800" dirty="0" err="1">
-                <a:effectLst/>
-                <a:latin typeface="Calibri" panose="020F0502020204030204" pitchFamily="34" charset="0"/>
-                <a:ea typeface="Calibri" panose="020F0502020204030204" pitchFamily="34" charset="0"/>
-                <a:cs typeface="Times New Roman" panose="02020603050405020304" pitchFamily="18" charset="0"/>
-              </a:rPr>
-              <a:t>operasional</a:t>
-            </a:r>
-            <a:r>
-              <a:rPr lang="en-ID" sz="1800" dirty="0">
-                <a:effectLst/>
-                <a:latin typeface="Calibri" panose="020F0502020204030204" pitchFamily="34" charset="0"/>
-                <a:ea typeface="Calibri" panose="020F0502020204030204" pitchFamily="34" charset="0"/>
-                <a:cs typeface="Times New Roman" panose="02020603050405020304" pitchFamily="18" charset="0"/>
-              </a:rPr>
-              <a:t>, </a:t>
-            </a:r>
-            <a:r>
-              <a:rPr lang="en-ID" sz="1800" dirty="0" err="1">
-                <a:effectLst/>
-                <a:latin typeface="Calibri" panose="020F0502020204030204" pitchFamily="34" charset="0"/>
-                <a:ea typeface="Calibri" panose="020F0502020204030204" pitchFamily="34" charset="0"/>
-                <a:cs typeface="Times New Roman" panose="02020603050405020304" pitchFamily="18" charset="0"/>
-              </a:rPr>
-              <a:t>mengurangi</a:t>
-            </a:r>
-            <a:r>
-              <a:rPr lang="en-ID" sz="1800" dirty="0">
-                <a:effectLst/>
-                <a:latin typeface="Calibri" panose="020F0502020204030204" pitchFamily="34" charset="0"/>
-                <a:ea typeface="Calibri" panose="020F0502020204030204" pitchFamily="34" charset="0"/>
-                <a:cs typeface="Times New Roman" panose="02020603050405020304" pitchFamily="18" charset="0"/>
-              </a:rPr>
-              <a:t> </a:t>
-            </a:r>
-            <a:r>
-              <a:rPr lang="en-ID" sz="1800" dirty="0" err="1">
-                <a:effectLst/>
-                <a:latin typeface="Calibri" panose="020F0502020204030204" pitchFamily="34" charset="0"/>
-                <a:ea typeface="Calibri" panose="020F0502020204030204" pitchFamily="34" charset="0"/>
-                <a:cs typeface="Times New Roman" panose="02020603050405020304" pitchFamily="18" charset="0"/>
-              </a:rPr>
-              <a:t>biaya</a:t>
-            </a:r>
-            <a:r>
-              <a:rPr lang="en-ID" sz="1800" dirty="0">
-                <a:effectLst/>
-                <a:latin typeface="Calibri" panose="020F0502020204030204" pitchFamily="34" charset="0"/>
-                <a:ea typeface="Calibri" panose="020F0502020204030204" pitchFamily="34" charset="0"/>
-                <a:cs typeface="Times New Roman" panose="02020603050405020304" pitchFamily="18" charset="0"/>
-              </a:rPr>
-              <a:t>, </a:t>
-            </a:r>
-            <a:r>
-              <a:rPr lang="en-ID" sz="1800" dirty="0" err="1">
-                <a:effectLst/>
-                <a:latin typeface="Calibri" panose="020F0502020204030204" pitchFamily="34" charset="0"/>
-                <a:ea typeface="Calibri" panose="020F0502020204030204" pitchFamily="34" charset="0"/>
-                <a:cs typeface="Times New Roman" panose="02020603050405020304" pitchFamily="18" charset="0"/>
-              </a:rPr>
-              <a:t>meningkatkan</a:t>
-            </a:r>
-            <a:r>
-              <a:rPr lang="en-ID" sz="1800" dirty="0">
-                <a:effectLst/>
-                <a:latin typeface="Calibri" panose="020F0502020204030204" pitchFamily="34" charset="0"/>
-                <a:ea typeface="Calibri" panose="020F0502020204030204" pitchFamily="34" charset="0"/>
-                <a:cs typeface="Times New Roman" panose="02020603050405020304" pitchFamily="18" charset="0"/>
-              </a:rPr>
-              <a:t> </a:t>
-            </a:r>
-            <a:r>
-              <a:rPr lang="en-ID" sz="1800" dirty="0" err="1">
-                <a:effectLst/>
-                <a:latin typeface="Calibri" panose="020F0502020204030204" pitchFamily="34" charset="0"/>
-                <a:ea typeface="Calibri" panose="020F0502020204030204" pitchFamily="34" charset="0"/>
-                <a:cs typeface="Times New Roman" panose="02020603050405020304" pitchFamily="18" charset="0"/>
-              </a:rPr>
-              <a:t>pelayanan</a:t>
-            </a:r>
-            <a:r>
-              <a:rPr lang="en-ID" sz="1800" dirty="0">
-                <a:effectLst/>
-                <a:latin typeface="Calibri" panose="020F0502020204030204" pitchFamily="34" charset="0"/>
-                <a:ea typeface="Calibri" panose="020F0502020204030204" pitchFamily="34" charset="0"/>
-                <a:cs typeface="Times New Roman" panose="02020603050405020304" pitchFamily="18" charset="0"/>
-              </a:rPr>
-              <a:t> </a:t>
-            </a:r>
-            <a:r>
-              <a:rPr lang="en-ID" sz="1800" dirty="0" err="1">
-                <a:effectLst/>
-                <a:latin typeface="Calibri" panose="020F0502020204030204" pitchFamily="34" charset="0"/>
-                <a:ea typeface="Calibri" panose="020F0502020204030204" pitchFamily="34" charset="0"/>
-                <a:cs typeface="Times New Roman" panose="02020603050405020304" pitchFamily="18" charset="0"/>
-              </a:rPr>
-              <a:t>pelanggan</a:t>
-            </a:r>
-            <a:r>
-              <a:rPr lang="en-ID" sz="1800" dirty="0">
-                <a:effectLst/>
-                <a:latin typeface="Calibri" panose="020F0502020204030204" pitchFamily="34" charset="0"/>
-                <a:ea typeface="Calibri" panose="020F0502020204030204" pitchFamily="34" charset="0"/>
-                <a:cs typeface="Times New Roman" panose="02020603050405020304" pitchFamily="18" charset="0"/>
-              </a:rPr>
-              <a:t>, dan </a:t>
-            </a:r>
-            <a:r>
-              <a:rPr lang="en-ID" sz="1800" dirty="0" err="1">
-                <a:effectLst/>
-                <a:latin typeface="Calibri" panose="020F0502020204030204" pitchFamily="34" charset="0"/>
-                <a:ea typeface="Calibri" panose="020F0502020204030204" pitchFamily="34" charset="0"/>
-                <a:cs typeface="Times New Roman" panose="02020603050405020304" pitchFamily="18" charset="0"/>
-              </a:rPr>
-              <a:t>mengelola</a:t>
-            </a:r>
-            <a:r>
-              <a:rPr lang="en-ID" sz="1800" dirty="0">
-                <a:effectLst/>
-                <a:latin typeface="Calibri" panose="020F0502020204030204" pitchFamily="34" charset="0"/>
-                <a:ea typeface="Calibri" panose="020F0502020204030204" pitchFamily="34" charset="0"/>
-                <a:cs typeface="Times New Roman" panose="02020603050405020304" pitchFamily="18" charset="0"/>
-              </a:rPr>
-              <a:t> </a:t>
-            </a:r>
-            <a:r>
-              <a:rPr lang="en-ID" sz="1800" dirty="0" err="1">
-                <a:effectLst/>
-                <a:latin typeface="Calibri" panose="020F0502020204030204" pitchFamily="34" charset="0"/>
-                <a:ea typeface="Calibri" panose="020F0502020204030204" pitchFamily="34" charset="0"/>
-                <a:cs typeface="Times New Roman" panose="02020603050405020304" pitchFamily="18" charset="0"/>
-              </a:rPr>
-              <a:t>risiko</a:t>
-            </a:r>
-            <a:r>
-              <a:rPr lang="en-ID" sz="1800" dirty="0">
-                <a:effectLst/>
-                <a:latin typeface="Calibri" panose="020F0502020204030204" pitchFamily="34" charset="0"/>
-                <a:ea typeface="Calibri" panose="020F0502020204030204" pitchFamily="34" charset="0"/>
-                <a:cs typeface="Times New Roman" panose="02020603050405020304" pitchFamily="18" charset="0"/>
-              </a:rPr>
-              <a:t> </a:t>
-            </a:r>
-            <a:r>
-              <a:rPr lang="en-ID" sz="1800" dirty="0" err="1">
-                <a:effectLst/>
-                <a:latin typeface="Calibri" panose="020F0502020204030204" pitchFamily="34" charset="0"/>
-                <a:ea typeface="Calibri" panose="020F0502020204030204" pitchFamily="34" charset="0"/>
-                <a:cs typeface="Times New Roman" panose="02020603050405020304" pitchFamily="18" charset="0"/>
-              </a:rPr>
-              <a:t>dengan</a:t>
-            </a:r>
-            <a:r>
-              <a:rPr lang="en-ID" sz="1800" dirty="0">
-                <a:effectLst/>
-                <a:latin typeface="Calibri" panose="020F0502020204030204" pitchFamily="34" charset="0"/>
-                <a:ea typeface="Calibri" panose="020F0502020204030204" pitchFamily="34" charset="0"/>
-                <a:cs typeface="Times New Roman" panose="02020603050405020304" pitchFamily="18" charset="0"/>
-              </a:rPr>
-              <a:t> </a:t>
-            </a:r>
-            <a:r>
-              <a:rPr lang="en-ID" sz="1800" dirty="0" err="1">
-                <a:effectLst/>
-                <a:latin typeface="Calibri" panose="020F0502020204030204" pitchFamily="34" charset="0"/>
-                <a:ea typeface="Calibri" panose="020F0502020204030204" pitchFamily="34" charset="0"/>
-                <a:cs typeface="Times New Roman" panose="02020603050405020304" pitchFamily="18" charset="0"/>
-              </a:rPr>
-              <a:t>lebih</a:t>
-            </a:r>
-            <a:r>
-              <a:rPr lang="en-ID" sz="1800" dirty="0">
-                <a:effectLst/>
-                <a:latin typeface="Calibri" panose="020F0502020204030204" pitchFamily="34" charset="0"/>
-                <a:ea typeface="Calibri" panose="020F0502020204030204" pitchFamily="34" charset="0"/>
-                <a:cs typeface="Times New Roman" panose="02020603050405020304" pitchFamily="18" charset="0"/>
-              </a:rPr>
-              <a:t> </a:t>
-            </a:r>
-            <a:r>
-              <a:rPr lang="en-ID" sz="1800" dirty="0" err="1">
-                <a:effectLst/>
-                <a:latin typeface="Calibri" panose="020F0502020204030204" pitchFamily="34" charset="0"/>
-                <a:ea typeface="Calibri" panose="020F0502020204030204" pitchFamily="34" charset="0"/>
-                <a:cs typeface="Times New Roman" panose="02020603050405020304" pitchFamily="18" charset="0"/>
-              </a:rPr>
-              <a:t>baik</a:t>
-            </a:r>
-            <a:r>
-              <a:rPr lang="en-ID" sz="1800" dirty="0">
-                <a:effectLst/>
-                <a:latin typeface="Calibri" panose="020F0502020204030204" pitchFamily="34" charset="0"/>
-                <a:ea typeface="Calibri" panose="020F0502020204030204" pitchFamily="34" charset="0"/>
-                <a:cs typeface="Times New Roman" panose="02020603050405020304" pitchFamily="18" charset="0"/>
-              </a:rPr>
-              <a:t>. </a:t>
-            </a:r>
-            <a:r>
-              <a:rPr lang="en-ID" sz="1800" dirty="0" err="1">
-                <a:effectLst/>
-                <a:latin typeface="Calibri" panose="020F0502020204030204" pitchFamily="34" charset="0"/>
-                <a:ea typeface="Calibri" panose="020F0502020204030204" pitchFamily="34" charset="0"/>
-                <a:cs typeface="Times New Roman" panose="02020603050405020304" pitchFamily="18" charset="0"/>
-              </a:rPr>
-              <a:t>Dengan</a:t>
-            </a:r>
-            <a:r>
-              <a:rPr lang="en-ID" sz="1800" dirty="0">
-                <a:effectLst/>
-                <a:latin typeface="Calibri" panose="020F0502020204030204" pitchFamily="34" charset="0"/>
-                <a:ea typeface="Calibri" panose="020F0502020204030204" pitchFamily="34" charset="0"/>
-                <a:cs typeface="Times New Roman" panose="02020603050405020304" pitchFamily="18" charset="0"/>
-              </a:rPr>
-              <a:t> </a:t>
-            </a:r>
-            <a:r>
-              <a:rPr lang="en-ID" sz="1800" dirty="0" err="1">
-                <a:effectLst/>
-                <a:latin typeface="Calibri" panose="020F0502020204030204" pitchFamily="34" charset="0"/>
-                <a:ea typeface="Calibri" panose="020F0502020204030204" pitchFamily="34" charset="0"/>
-                <a:cs typeface="Times New Roman" panose="02020603050405020304" pitchFamily="18" charset="0"/>
-              </a:rPr>
-              <a:t>melakukan</a:t>
-            </a:r>
-            <a:r>
-              <a:rPr lang="en-ID" sz="1800" dirty="0">
-                <a:effectLst/>
-                <a:latin typeface="Calibri" panose="020F0502020204030204" pitchFamily="34" charset="0"/>
-                <a:ea typeface="Calibri" panose="020F0502020204030204" pitchFamily="34" charset="0"/>
-                <a:cs typeface="Times New Roman" panose="02020603050405020304" pitchFamily="18" charset="0"/>
-              </a:rPr>
-              <a:t> </a:t>
-            </a:r>
-            <a:r>
-              <a:rPr lang="en-ID" sz="1800" dirty="0" err="1">
-                <a:effectLst/>
-                <a:latin typeface="Calibri" panose="020F0502020204030204" pitchFamily="34" charset="0"/>
-                <a:ea typeface="Calibri" panose="020F0502020204030204" pitchFamily="34" charset="0"/>
-                <a:cs typeface="Times New Roman" panose="02020603050405020304" pitchFamily="18" charset="0"/>
-              </a:rPr>
-              <a:t>optimasi</a:t>
-            </a:r>
-            <a:r>
-              <a:rPr lang="en-ID" sz="1800" dirty="0">
-                <a:effectLst/>
-                <a:latin typeface="Calibri" panose="020F0502020204030204" pitchFamily="34" charset="0"/>
-                <a:ea typeface="Calibri" panose="020F0502020204030204" pitchFamily="34" charset="0"/>
-                <a:cs typeface="Times New Roman" panose="02020603050405020304" pitchFamily="18" charset="0"/>
-              </a:rPr>
-              <a:t> </a:t>
-            </a:r>
-            <a:r>
-              <a:rPr lang="en-ID" sz="1800" dirty="0" err="1">
-                <a:effectLst/>
-                <a:latin typeface="Calibri" panose="020F0502020204030204" pitchFamily="34" charset="0"/>
-                <a:ea typeface="Calibri" panose="020F0502020204030204" pitchFamily="34" charset="0"/>
-                <a:cs typeface="Times New Roman" panose="02020603050405020304" pitchFamily="18" charset="0"/>
-              </a:rPr>
-              <a:t>stok</a:t>
-            </a:r>
-            <a:r>
-              <a:rPr lang="en-ID" sz="1800" dirty="0">
-                <a:effectLst/>
-                <a:latin typeface="Calibri" panose="020F0502020204030204" pitchFamily="34" charset="0"/>
-                <a:ea typeface="Calibri" panose="020F0502020204030204" pitchFamily="34" charset="0"/>
-                <a:cs typeface="Times New Roman" panose="02020603050405020304" pitchFamily="18" charset="0"/>
-              </a:rPr>
-              <a:t> </a:t>
-            </a:r>
-            <a:r>
-              <a:rPr lang="en-ID" sz="1800" dirty="0" err="1">
-                <a:effectLst/>
-                <a:latin typeface="Calibri" panose="020F0502020204030204" pitchFamily="34" charset="0"/>
-                <a:ea typeface="Calibri" panose="020F0502020204030204" pitchFamily="34" charset="0"/>
-                <a:cs typeface="Times New Roman" panose="02020603050405020304" pitchFamily="18" charset="0"/>
-              </a:rPr>
-              <a:t>secara</a:t>
-            </a:r>
-            <a:r>
-              <a:rPr lang="en-ID" sz="1800" dirty="0">
-                <a:effectLst/>
-                <a:latin typeface="Calibri" panose="020F0502020204030204" pitchFamily="34" charset="0"/>
-                <a:ea typeface="Calibri" panose="020F0502020204030204" pitchFamily="34" charset="0"/>
-                <a:cs typeface="Times New Roman" panose="02020603050405020304" pitchFamily="18" charset="0"/>
-              </a:rPr>
-              <a:t> </a:t>
-            </a:r>
-            <a:r>
-              <a:rPr lang="en-ID" sz="1800" dirty="0" err="1">
-                <a:effectLst/>
-                <a:latin typeface="Calibri" panose="020F0502020204030204" pitchFamily="34" charset="0"/>
-                <a:ea typeface="Calibri" panose="020F0502020204030204" pitchFamily="34" charset="0"/>
-                <a:cs typeface="Times New Roman" panose="02020603050405020304" pitchFamily="18" charset="0"/>
-              </a:rPr>
-              <a:t>terus-menerus</a:t>
-            </a:r>
-            <a:r>
-              <a:rPr lang="en-ID" sz="1800" dirty="0">
-                <a:effectLst/>
-                <a:latin typeface="Calibri" panose="020F0502020204030204" pitchFamily="34" charset="0"/>
-                <a:ea typeface="Calibri" panose="020F0502020204030204" pitchFamily="34" charset="0"/>
-                <a:cs typeface="Times New Roman" panose="02020603050405020304" pitchFamily="18" charset="0"/>
-              </a:rPr>
-              <a:t>, </a:t>
-            </a:r>
-            <a:r>
-              <a:rPr lang="en-ID" sz="1800" dirty="0" err="1">
-                <a:effectLst/>
-                <a:latin typeface="Calibri" panose="020F0502020204030204" pitchFamily="34" charset="0"/>
-                <a:ea typeface="Calibri" panose="020F0502020204030204" pitchFamily="34" charset="0"/>
-                <a:cs typeface="Times New Roman" panose="02020603050405020304" pitchFamily="18" charset="0"/>
-              </a:rPr>
-              <a:t>perusahaan</a:t>
-            </a:r>
-            <a:r>
-              <a:rPr lang="en-ID" sz="1800" dirty="0">
-                <a:effectLst/>
-                <a:latin typeface="Calibri" panose="020F0502020204030204" pitchFamily="34" charset="0"/>
-                <a:ea typeface="Calibri" panose="020F0502020204030204" pitchFamily="34" charset="0"/>
-                <a:cs typeface="Times New Roman" panose="02020603050405020304" pitchFamily="18" charset="0"/>
-              </a:rPr>
-              <a:t> </a:t>
-            </a:r>
-            <a:r>
-              <a:rPr lang="en-ID" sz="1800" dirty="0" err="1">
-                <a:effectLst/>
-                <a:latin typeface="Calibri" panose="020F0502020204030204" pitchFamily="34" charset="0"/>
-                <a:ea typeface="Calibri" panose="020F0502020204030204" pitchFamily="34" charset="0"/>
-                <a:cs typeface="Times New Roman" panose="02020603050405020304" pitchFamily="18" charset="0"/>
-              </a:rPr>
-              <a:t>dapat</a:t>
-            </a:r>
-            <a:r>
-              <a:rPr lang="en-ID" sz="1800" dirty="0">
-                <a:effectLst/>
-                <a:latin typeface="Calibri" panose="020F0502020204030204" pitchFamily="34" charset="0"/>
-                <a:ea typeface="Calibri" panose="020F0502020204030204" pitchFamily="34" charset="0"/>
-                <a:cs typeface="Times New Roman" panose="02020603050405020304" pitchFamily="18" charset="0"/>
-              </a:rPr>
-              <a:t> </a:t>
-            </a:r>
-            <a:r>
-              <a:rPr lang="en-ID" sz="1800" dirty="0" err="1">
-                <a:effectLst/>
-                <a:latin typeface="Calibri" panose="020F0502020204030204" pitchFamily="34" charset="0"/>
-                <a:ea typeface="Calibri" panose="020F0502020204030204" pitchFamily="34" charset="0"/>
-                <a:cs typeface="Times New Roman" panose="02020603050405020304" pitchFamily="18" charset="0"/>
-              </a:rPr>
-              <a:t>menciptakan</a:t>
-            </a:r>
-            <a:r>
-              <a:rPr lang="en-ID" sz="1800" dirty="0">
-                <a:effectLst/>
-                <a:latin typeface="Calibri" panose="020F0502020204030204" pitchFamily="34" charset="0"/>
-                <a:ea typeface="Calibri" panose="020F0502020204030204" pitchFamily="34" charset="0"/>
-                <a:cs typeface="Times New Roman" panose="02020603050405020304" pitchFamily="18" charset="0"/>
-              </a:rPr>
-              <a:t> </a:t>
-            </a:r>
-            <a:r>
-              <a:rPr lang="en-ID" sz="1800" dirty="0" err="1">
-                <a:effectLst/>
-                <a:latin typeface="Calibri" panose="020F0502020204030204" pitchFamily="34" charset="0"/>
-                <a:ea typeface="Calibri" panose="020F0502020204030204" pitchFamily="34" charset="0"/>
-                <a:cs typeface="Times New Roman" panose="02020603050405020304" pitchFamily="18" charset="0"/>
-              </a:rPr>
-              <a:t>lingkungan</a:t>
-            </a:r>
-            <a:r>
-              <a:rPr lang="en-ID" sz="1800" dirty="0">
-                <a:effectLst/>
-                <a:latin typeface="Calibri" panose="020F0502020204030204" pitchFamily="34" charset="0"/>
-                <a:ea typeface="Calibri" panose="020F0502020204030204" pitchFamily="34" charset="0"/>
-                <a:cs typeface="Times New Roman" panose="02020603050405020304" pitchFamily="18" charset="0"/>
-              </a:rPr>
-              <a:t> yang </a:t>
-            </a:r>
-            <a:r>
-              <a:rPr lang="en-ID" sz="1800" dirty="0" err="1">
-                <a:effectLst/>
-                <a:latin typeface="Calibri" panose="020F0502020204030204" pitchFamily="34" charset="0"/>
-                <a:ea typeface="Calibri" panose="020F0502020204030204" pitchFamily="34" charset="0"/>
-                <a:cs typeface="Times New Roman" panose="02020603050405020304" pitchFamily="18" charset="0"/>
-              </a:rPr>
-              <a:t>lebih</a:t>
-            </a:r>
-            <a:r>
-              <a:rPr lang="en-ID" sz="1800" dirty="0">
-                <a:effectLst/>
-                <a:latin typeface="Calibri" panose="020F0502020204030204" pitchFamily="34" charset="0"/>
-                <a:ea typeface="Calibri" panose="020F0502020204030204" pitchFamily="34" charset="0"/>
-                <a:cs typeface="Times New Roman" panose="02020603050405020304" pitchFamily="18" charset="0"/>
-              </a:rPr>
-              <a:t> </a:t>
-            </a:r>
-            <a:r>
-              <a:rPr lang="en-ID" sz="1800" dirty="0" err="1">
-                <a:effectLst/>
-                <a:latin typeface="Calibri" panose="020F0502020204030204" pitchFamily="34" charset="0"/>
-                <a:ea typeface="Calibri" panose="020F0502020204030204" pitchFamily="34" charset="0"/>
-                <a:cs typeface="Times New Roman" panose="02020603050405020304" pitchFamily="18" charset="0"/>
-              </a:rPr>
-              <a:t>berkelanjutan</a:t>
-            </a:r>
-            <a:r>
-              <a:rPr lang="en-ID" sz="1800" dirty="0">
-                <a:effectLst/>
-                <a:latin typeface="Calibri" panose="020F0502020204030204" pitchFamily="34" charset="0"/>
-                <a:ea typeface="Calibri" panose="020F0502020204030204" pitchFamily="34" charset="0"/>
-                <a:cs typeface="Times New Roman" panose="02020603050405020304" pitchFamily="18" charset="0"/>
-              </a:rPr>
-              <a:t> dan </a:t>
-            </a:r>
-            <a:r>
-              <a:rPr lang="en-ID" sz="1800" dirty="0" err="1">
-                <a:effectLst/>
-                <a:latin typeface="Calibri" panose="020F0502020204030204" pitchFamily="34" charset="0"/>
-                <a:ea typeface="Calibri" panose="020F0502020204030204" pitchFamily="34" charset="0"/>
-                <a:cs typeface="Times New Roman" panose="02020603050405020304" pitchFamily="18" charset="0"/>
-              </a:rPr>
-              <a:t>kompetitif</a:t>
-            </a:r>
-            <a:r>
-              <a:rPr lang="en-ID" sz="1800" dirty="0">
-                <a:effectLst/>
-                <a:latin typeface="Calibri" panose="020F0502020204030204" pitchFamily="34" charset="0"/>
-                <a:ea typeface="Calibri" panose="020F0502020204030204" pitchFamily="34" charset="0"/>
-                <a:cs typeface="Times New Roman" panose="02020603050405020304" pitchFamily="18" charset="0"/>
-              </a:rPr>
-              <a:t> di pasar.</a:t>
-            </a:r>
           </a:p>
           <a:p>
             <a:pPr algn="just"/>
-            <a:endParaRPr lang="en-ID" dirty="0"/>
+            <a:endParaRPr lang="en-ID" sz="1600" dirty="0"/>
           </a:p>
         </p:txBody>
       </p:sp>
@@ -10276,18 +3877,20 @@
         </p:nvSpPr>
         <p:spPr/>
         <p:txBody>
-          <a:bodyPr/>
+          <a:bodyPr>
+            <a:normAutofit/>
+          </a:bodyPr>
           <a:lstStyle/>
           <a:p>
             <a:pPr algn="ctr"/>
             <a:r>
-              <a:rPr lang="en-US" dirty="0">
-                <a:latin typeface="Bell MT" panose="02020503060305020303" pitchFamily="18" charset="0"/>
+              <a:rPr lang="en-US" sz="4800" dirty="0">
+                <a:latin typeface="+mn-lt"/>
               </a:rPr>
-              <a:t>ANALISIS TERHADAP SALES</a:t>
+              <a:t>SALES ANALYSIS</a:t>
             </a:r>
-            <a:endParaRPr lang="en-ID" dirty="0">
-              <a:latin typeface="Bell MT" panose="02020503060305020303" pitchFamily="18" charset="0"/>
+            <a:endParaRPr lang="en-ID" sz="4800" dirty="0">
+              <a:latin typeface="+mn-lt"/>
             </a:endParaRPr>
           </a:p>
         </p:txBody>
@@ -10309,7 +3912,7 @@
         <p:spPr>
           <a:xfrm>
             <a:off x="7086600" y="1690688"/>
-            <a:ext cx="4927600" cy="4964112"/>
+            <a:ext cx="4927600" cy="3198812"/>
           </a:xfrm>
           <a:prstGeom prst="rect">
             <a:avLst/>
@@ -10317,7 +3920,7 @@
         </p:spPr>
         <p:txBody>
           <a:bodyPr vert="horz" lIns="91440" tIns="45720" rIns="91440" bIns="45720" rtlCol="0" anchor="ctr">
-            <a:normAutofit fontScale="70000" lnSpcReduction="20000"/>
+            <a:normAutofit/>
           </a:bodyPr>
           <a:lstStyle>
             <a:lvl1pPr algn="l" defTabSz="914400" rtl="0" eaLnBrk="1" latinLnBrk="0" hangingPunct="1">
@@ -10339,348 +3942,37 @@
             </a:lvl1pPr>
           </a:lstStyle>
           <a:p>
+            <a:pPr marL="0" marR="0" lvl="0" indent="0" algn="l" defTabSz="914400" rtl="0" eaLnBrk="0" fontAlgn="base" latinLnBrk="0" hangingPunct="0">
+              <a:lnSpc>
+                <a:spcPct val="100000"/>
+              </a:lnSpc>
+              <a:spcBef>
+                <a:spcPct val="0"/>
+              </a:spcBef>
+              <a:spcAft>
+                <a:spcPct val="0"/>
+              </a:spcAft>
+              <a:buClrTx/>
+              <a:buSzTx/>
+              <a:buFontTx/>
+              <a:buNone/>
+              <a:tabLst/>
+            </a:pPr>
             <a:r>
-              <a:rPr lang="en-US" dirty="0">
-                <a:latin typeface="Bell MT" panose="02020503060305020303" pitchFamily="18" charset="0"/>
+              <a:rPr lang="en-US" altLang="en-US" sz="1800" dirty="0">
+                <a:latin typeface="+mn-lt"/>
               </a:rPr>
-              <a:t>Pada </a:t>
+              <a:t>The donut chart on the left shows that the highest sales were in the pizza category with a figure of 80.19% with total sales of 1,822 of the total sales. which leads us to focus more on controlling the availability of stock of ingredients related to pizza production ingredients </a:t>
             </a:r>
-            <a:r>
-              <a:rPr lang="en-US" dirty="0" err="1">
-                <a:latin typeface="Bell MT" panose="02020503060305020303" pitchFamily="18" charset="0"/>
-              </a:rPr>
-              <a:t>donat</a:t>
-            </a:r>
-            <a:r>
-              <a:rPr lang="en-US" dirty="0">
-                <a:latin typeface="Bell MT" panose="02020503060305020303" pitchFamily="18" charset="0"/>
-              </a:rPr>
-              <a:t> chart yang </a:t>
-            </a:r>
-            <a:r>
-              <a:rPr lang="en-US" dirty="0" err="1">
-                <a:latin typeface="Bell MT" panose="02020503060305020303" pitchFamily="18" charset="0"/>
-              </a:rPr>
-              <a:t>berada</a:t>
-            </a:r>
-            <a:r>
-              <a:rPr lang="en-US" dirty="0">
-                <a:latin typeface="Bell MT" panose="02020503060305020303" pitchFamily="18" charset="0"/>
-              </a:rPr>
-              <a:t> di </a:t>
-            </a:r>
-            <a:r>
-              <a:rPr lang="en-US" dirty="0" err="1">
-                <a:latin typeface="Bell MT" panose="02020503060305020303" pitchFamily="18" charset="0"/>
-              </a:rPr>
-              <a:t>sebelah</a:t>
-            </a:r>
-            <a:r>
-              <a:rPr lang="en-US" dirty="0">
-                <a:latin typeface="Bell MT" panose="02020503060305020303" pitchFamily="18" charset="0"/>
-              </a:rPr>
-              <a:t> </a:t>
-            </a:r>
-            <a:r>
-              <a:rPr lang="en-US" dirty="0" err="1">
-                <a:latin typeface="Bell MT" panose="02020503060305020303" pitchFamily="18" charset="0"/>
-              </a:rPr>
-              <a:t>kiri</a:t>
-            </a:r>
-            <a:r>
-              <a:rPr lang="en-US" dirty="0">
-                <a:latin typeface="Bell MT" panose="02020503060305020303" pitchFamily="18" charset="0"/>
-              </a:rPr>
-              <a:t> </a:t>
-            </a:r>
-            <a:r>
-              <a:rPr lang="en-US" dirty="0" err="1">
-                <a:latin typeface="Bell MT" panose="02020503060305020303" pitchFamily="18" charset="0"/>
-              </a:rPr>
-              <a:t>menunjukan</a:t>
-            </a:r>
-            <a:r>
-              <a:rPr lang="en-US" dirty="0">
-                <a:latin typeface="Bell MT" panose="02020503060305020303" pitchFamily="18" charset="0"/>
-              </a:rPr>
-              <a:t> </a:t>
-            </a:r>
-            <a:r>
-              <a:rPr lang="en-US" dirty="0" err="1">
-                <a:latin typeface="Bell MT" panose="02020503060305020303" pitchFamily="18" charset="0"/>
-              </a:rPr>
-              <a:t>bahwa</a:t>
-            </a:r>
-            <a:r>
-              <a:rPr lang="en-US" dirty="0">
-                <a:latin typeface="Bell MT" panose="02020503060305020303" pitchFamily="18" charset="0"/>
-              </a:rPr>
-              <a:t> sales </a:t>
-            </a:r>
-            <a:r>
-              <a:rPr lang="en-US" dirty="0" err="1">
-                <a:latin typeface="Bell MT" panose="02020503060305020303" pitchFamily="18" charset="0"/>
-              </a:rPr>
-              <a:t>tertinggi</a:t>
-            </a:r>
-            <a:r>
-              <a:rPr lang="en-US" dirty="0">
-                <a:latin typeface="Bell MT" panose="02020503060305020303" pitchFamily="18" charset="0"/>
-              </a:rPr>
-              <a:t> </a:t>
-            </a:r>
-            <a:r>
-              <a:rPr lang="en-US" dirty="0" err="1">
-                <a:latin typeface="Bell MT" panose="02020503060305020303" pitchFamily="18" charset="0"/>
-              </a:rPr>
-              <a:t>ada</a:t>
-            </a:r>
-            <a:r>
-              <a:rPr lang="en-US" dirty="0">
-                <a:latin typeface="Bell MT" panose="02020503060305020303" pitchFamily="18" charset="0"/>
-              </a:rPr>
-              <a:t> pada category pizza </a:t>
-            </a:r>
-            <a:r>
-              <a:rPr lang="en-US" dirty="0" err="1">
-                <a:latin typeface="Bell MT" panose="02020503060305020303" pitchFamily="18" charset="0"/>
-              </a:rPr>
-              <a:t>dengan</a:t>
-            </a:r>
-            <a:r>
-              <a:rPr lang="en-US" dirty="0">
-                <a:latin typeface="Bell MT" panose="02020503060305020303" pitchFamily="18" charset="0"/>
-              </a:rPr>
-              <a:t> </a:t>
-            </a:r>
-            <a:r>
-              <a:rPr lang="en-US" dirty="0" err="1">
-                <a:latin typeface="Bell MT" panose="02020503060305020303" pitchFamily="18" charset="0"/>
-              </a:rPr>
-              <a:t>angka</a:t>
-            </a:r>
-            <a:r>
-              <a:rPr lang="en-US" dirty="0">
-                <a:latin typeface="Bell MT" panose="02020503060305020303" pitchFamily="18" charset="0"/>
-              </a:rPr>
-              <a:t> 80,19% </a:t>
-            </a:r>
-            <a:r>
-              <a:rPr lang="en-US" dirty="0" err="1">
-                <a:latin typeface="Bell MT" panose="02020503060305020303" pitchFamily="18" charset="0"/>
-              </a:rPr>
-              <a:t>dengan</a:t>
-            </a:r>
-            <a:r>
-              <a:rPr lang="en-US" dirty="0">
-                <a:latin typeface="Bell MT" panose="02020503060305020303" pitchFamily="18" charset="0"/>
-              </a:rPr>
-              <a:t> total sales 1,822 </a:t>
-            </a:r>
-            <a:r>
-              <a:rPr lang="en-US" dirty="0" err="1">
-                <a:latin typeface="Bell MT" panose="02020503060305020303" pitchFamily="18" charset="0"/>
-              </a:rPr>
-              <a:t>dari</a:t>
-            </a:r>
-            <a:r>
-              <a:rPr lang="en-US" dirty="0">
-                <a:latin typeface="Bell MT" panose="02020503060305020303" pitchFamily="18" charset="0"/>
-              </a:rPr>
-              <a:t> </a:t>
-            </a:r>
-            <a:r>
-              <a:rPr lang="en-US" dirty="0" err="1">
-                <a:latin typeface="Bell MT" panose="02020503060305020303" pitchFamily="18" charset="0"/>
-              </a:rPr>
-              <a:t>keseluruhan</a:t>
-            </a:r>
-            <a:r>
-              <a:rPr lang="en-US" dirty="0">
-                <a:latin typeface="Bell MT" panose="02020503060305020303" pitchFamily="18" charset="0"/>
-              </a:rPr>
-              <a:t> </a:t>
-            </a:r>
-            <a:r>
-              <a:rPr lang="en-US" dirty="0" err="1">
-                <a:latin typeface="Bell MT" panose="02020503060305020303" pitchFamily="18" charset="0"/>
-              </a:rPr>
-              <a:t>penjualan</a:t>
-            </a:r>
-            <a:r>
-              <a:rPr lang="en-US" dirty="0">
-                <a:latin typeface="Bell MT" panose="02020503060305020303" pitchFamily="18" charset="0"/>
-              </a:rPr>
-              <a:t>. yang mana </a:t>
-            </a:r>
-            <a:r>
-              <a:rPr lang="en-US" dirty="0" err="1">
-                <a:latin typeface="Bell MT" panose="02020503060305020303" pitchFamily="18" charset="0"/>
-              </a:rPr>
-              <a:t>menuntun</a:t>
-            </a:r>
-            <a:r>
-              <a:rPr lang="en-US" dirty="0">
-                <a:latin typeface="Bell MT" panose="02020503060305020303" pitchFamily="18" charset="0"/>
-              </a:rPr>
-              <a:t> </a:t>
-            </a:r>
-            <a:r>
-              <a:rPr lang="en-US" dirty="0" err="1">
-                <a:latin typeface="Bell MT" panose="02020503060305020303" pitchFamily="18" charset="0"/>
-              </a:rPr>
-              <a:t>kita</a:t>
-            </a:r>
-            <a:r>
-              <a:rPr lang="en-US" dirty="0">
-                <a:latin typeface="Bell MT" panose="02020503060305020303" pitchFamily="18" charset="0"/>
-              </a:rPr>
-              <a:t> </a:t>
-            </a:r>
-            <a:r>
-              <a:rPr lang="en-US" dirty="0" err="1">
-                <a:latin typeface="Bell MT" panose="02020503060305020303" pitchFamily="18" charset="0"/>
-              </a:rPr>
-              <a:t>untuk</a:t>
-            </a:r>
-            <a:r>
-              <a:rPr lang="en-US" dirty="0">
-                <a:latin typeface="Bell MT" panose="02020503060305020303" pitchFamily="18" charset="0"/>
-              </a:rPr>
-              <a:t> </a:t>
-            </a:r>
-            <a:r>
-              <a:rPr lang="en-US" dirty="0" err="1">
-                <a:latin typeface="Bell MT" panose="02020503060305020303" pitchFamily="18" charset="0"/>
-              </a:rPr>
-              <a:t>lebih</a:t>
-            </a:r>
-            <a:r>
-              <a:rPr lang="en-US" dirty="0">
-                <a:latin typeface="Bell MT" panose="02020503060305020303" pitchFamily="18" charset="0"/>
-              </a:rPr>
-              <a:t> </a:t>
-            </a:r>
-            <a:r>
-              <a:rPr lang="en-US" dirty="0" err="1">
-                <a:latin typeface="Bell MT" panose="02020503060305020303" pitchFamily="18" charset="0"/>
-              </a:rPr>
-              <a:t>memfokuskan</a:t>
-            </a:r>
-            <a:r>
-              <a:rPr lang="en-US" dirty="0">
-                <a:latin typeface="Bell MT" panose="02020503060305020303" pitchFamily="18" charset="0"/>
-              </a:rPr>
-              <a:t> </a:t>
-            </a:r>
-            <a:r>
-              <a:rPr lang="en-US" dirty="0" err="1">
-                <a:latin typeface="Bell MT" panose="02020503060305020303" pitchFamily="18" charset="0"/>
-              </a:rPr>
-              <a:t>untuk</a:t>
-            </a:r>
-            <a:r>
-              <a:rPr lang="en-US" dirty="0">
-                <a:latin typeface="Bell MT" panose="02020503060305020303" pitchFamily="18" charset="0"/>
-              </a:rPr>
-              <a:t> </a:t>
-            </a:r>
-            <a:r>
-              <a:rPr lang="en-US" dirty="0" err="1">
-                <a:latin typeface="Bell MT" panose="02020503060305020303" pitchFamily="18" charset="0"/>
-              </a:rPr>
-              <a:t>mengontrol</a:t>
-            </a:r>
-            <a:r>
-              <a:rPr lang="en-US" dirty="0">
-                <a:latin typeface="Bell MT" panose="02020503060305020303" pitchFamily="18" charset="0"/>
-              </a:rPr>
-              <a:t> </a:t>
-            </a:r>
-            <a:r>
-              <a:rPr lang="en-US" dirty="0" err="1">
-                <a:latin typeface="Bell MT" panose="02020503060305020303" pitchFamily="18" charset="0"/>
-              </a:rPr>
-              <a:t>ketersediaan</a:t>
-            </a:r>
-            <a:r>
-              <a:rPr lang="en-US" dirty="0">
-                <a:latin typeface="Bell MT" panose="02020503060305020303" pitchFamily="18" charset="0"/>
-              </a:rPr>
-              <a:t> stock </a:t>
-            </a:r>
-            <a:r>
-              <a:rPr lang="en-US" dirty="0" err="1">
-                <a:latin typeface="Bell MT" panose="02020503060305020303" pitchFamily="18" charset="0"/>
-              </a:rPr>
-              <a:t>bahan</a:t>
-            </a:r>
-            <a:r>
-              <a:rPr lang="en-US" dirty="0">
-                <a:latin typeface="Bell MT" panose="02020503060305020303" pitchFamily="18" charset="0"/>
-              </a:rPr>
-              <a:t> yang </a:t>
-            </a:r>
-            <a:r>
-              <a:rPr lang="en-US" dirty="0" err="1">
-                <a:latin typeface="Bell MT" panose="02020503060305020303" pitchFamily="18" charset="0"/>
-              </a:rPr>
-              <a:t>berhubungan</a:t>
-            </a:r>
-            <a:r>
-              <a:rPr lang="en-US" dirty="0">
-                <a:latin typeface="Bell MT" panose="02020503060305020303" pitchFamily="18" charset="0"/>
-              </a:rPr>
-              <a:t> </a:t>
-            </a:r>
-            <a:r>
-              <a:rPr lang="en-US" dirty="0" err="1">
-                <a:latin typeface="Bell MT" panose="02020503060305020303" pitchFamily="18" charset="0"/>
-              </a:rPr>
-              <a:t>dengan</a:t>
-            </a:r>
-            <a:r>
-              <a:rPr lang="en-US" dirty="0">
-                <a:latin typeface="Bell MT" panose="02020503060305020303" pitchFamily="18" charset="0"/>
-              </a:rPr>
-              <a:t> </a:t>
-            </a:r>
-            <a:r>
-              <a:rPr lang="en-US" dirty="0" err="1">
-                <a:latin typeface="Bell MT" panose="02020503060305020303" pitchFamily="18" charset="0"/>
-              </a:rPr>
-              <a:t>bahan</a:t>
-            </a:r>
-            <a:r>
-              <a:rPr lang="en-US" dirty="0">
-                <a:latin typeface="Bell MT" panose="02020503060305020303" pitchFamily="18" charset="0"/>
-              </a:rPr>
-              <a:t> </a:t>
-            </a:r>
-            <a:r>
-              <a:rPr lang="en-US" dirty="0" err="1">
-                <a:latin typeface="Bell MT" panose="02020503060305020303" pitchFamily="18" charset="0"/>
-              </a:rPr>
-              <a:t>produksi</a:t>
-            </a:r>
-            <a:r>
-              <a:rPr lang="en-US" dirty="0">
-                <a:latin typeface="Bell MT" panose="02020503060305020303" pitchFamily="18" charset="0"/>
-              </a:rPr>
-              <a:t> pizza</a:t>
-            </a:r>
-            <a:endParaRPr lang="en-ID" dirty="0">
-              <a:latin typeface="Bell MT" panose="02020503060305020303" pitchFamily="18" charset="0"/>
-            </a:endParaRPr>
           </a:p>
         </p:txBody>
       </p:sp>
       <p:pic>
         <p:nvPicPr>
-          <p:cNvPr id="9" name="Picture 8">
+          <p:cNvPr id="5" name="Picture 4">
             <a:extLst>
               <a:ext uri="{FF2B5EF4-FFF2-40B4-BE49-F238E27FC236}">
-                <a16:creationId xmlns:a16="http://schemas.microsoft.com/office/drawing/2014/main" id="{29727D6F-4041-4751-BEC8-8A2CD63C391C}"/>
+                <a16:creationId xmlns:a16="http://schemas.microsoft.com/office/drawing/2014/main" id="{A8951984-A8CD-49A4-BD91-5A634A6956C9}"/>
               </a:ext>
             </a:extLst>
           </p:cNvPr>
@@ -10691,13 +3983,13 @@
         </p:nvPicPr>
         <p:blipFill rotWithShape="1">
           <a:blip r:embed="rId2"/>
-          <a:srcRect l="58125" t="10504" r="26563" b="66919"/>
+          <a:srcRect l="65312" t="15625" r="19896" b="58728"/>
           <a:stretch/>
         </p:blipFill>
         <p:spPr>
           <a:xfrm>
-            <a:off x="317499" y="1714066"/>
-            <a:ext cx="6729465" cy="3848534"/>
+            <a:off x="177799" y="1470816"/>
+            <a:ext cx="6518435" cy="4383884"/>
           </a:xfrm>
           <a:prstGeom prst="rect">
             <a:avLst/>
@@ -10752,50 +4044,24 @@
         </p:nvSpPr>
         <p:spPr/>
         <p:txBody>
-          <a:bodyPr/>
+          <a:bodyPr>
+            <a:normAutofit/>
+          </a:bodyPr>
           <a:lstStyle/>
           <a:p>
+            <a:pPr algn="ctr"/>
             <a:r>
-              <a:rPr lang="en-US" dirty="0"/>
-              <a:t>Item Paling </a:t>
+              <a:rPr lang="en-US" sz="4800" dirty="0">
+                <a:latin typeface="+mn-lt"/>
+              </a:rPr>
+              <a:t>MOST SELING ITEM</a:t>
             </a:r>
-            <a:r>
-              <a:rPr lang="en-US" dirty="0" err="1"/>
-              <a:t>Laku</a:t>
-            </a:r>
-            <a:endParaRPr lang="en-ID" dirty="0"/>
+            <a:endParaRPr lang="en-ID" sz="4800" dirty="0">
+              <a:latin typeface="+mn-lt"/>
+            </a:endParaRPr>
           </a:p>
         </p:txBody>
       </p:sp>
-      <p:pic>
-        <p:nvPicPr>
-          <p:cNvPr id="7" name="Picture 6">
-            <a:extLst>
-              <a:ext uri="{FF2B5EF4-FFF2-40B4-BE49-F238E27FC236}">
-                <a16:creationId xmlns:a16="http://schemas.microsoft.com/office/drawing/2014/main" id="{CC8EE968-78E8-4DB2-ADE4-04079D6E15AA}"/>
-              </a:ext>
-            </a:extLst>
-          </p:cNvPr>
-          <p:cNvPicPr>
-            <a:picLocks noChangeAspect="1"/>
-          </p:cNvPicPr>
-          <p:nvPr/>
-        </p:nvPicPr>
-        <p:blipFill rotWithShape="1">
-          <a:blip r:embed="rId2"/>
-          <a:srcRect l="57604" t="10254" r="21146" b="54565"/>
-          <a:stretch/>
-        </p:blipFill>
-        <p:spPr>
-          <a:xfrm>
-            <a:off x="419100" y="1690688"/>
-            <a:ext cx="6088874" cy="3910012"/>
-          </a:xfrm>
-          <a:prstGeom prst="rect">
-            <a:avLst/>
-          </a:prstGeom>
-        </p:spPr>
-      </p:pic>
       <p:sp>
         <p:nvSpPr>
           <p:cNvPr id="9" name="Content Placeholder 8">
@@ -10814,477 +4080,73 @@
         </p:nvSpPr>
         <p:spPr>
           <a:xfrm>
-            <a:off x="6927074" y="1690688"/>
-            <a:ext cx="5010926" cy="5029168"/>
+            <a:off x="6927074" y="1891104"/>
+            <a:ext cx="5010926" cy="3758134"/>
           </a:xfrm>
         </p:spPr>
         <p:txBody>
           <a:bodyPr>
-            <a:normAutofit fontScale="77500" lnSpcReduction="20000"/>
+            <a:normAutofit lnSpcReduction="10000"/>
           </a:bodyPr>
           <a:lstStyle/>
           <a:p>
-            <a:pPr marL="0" indent="0">
+            <a:pPr marL="0" indent="0" algn="l">
               <a:buNone/>
             </a:pPr>
             <a:r>
-              <a:rPr lang="en-US" dirty="0"/>
-              <a:t>Dari </a:t>
+              <a:rPr lang="en-US" sz="1800" dirty="0"/>
+              <a:t>From the visualization beside, it can be observed that BBQ Chicken is the most popular pizza type, while Cheese is the least popular. Additionally, Chicken Wings are the most popular side, whereas Garlic Bread is the least popular. It's noted that the dessert category sees fewer orders overall.</a:t>
             </a:r>
-            <a:r>
-              <a:rPr lang="en-US" dirty="0" err="1"/>
-              <a:t>visualisasi</a:t>
-            </a:r>
-            <a:r>
-              <a:rPr lang="en-US" dirty="0"/>
-              <a:t> di </a:t>
-            </a:r>
-            <a:r>
-              <a:rPr lang="en-US" dirty="0" err="1"/>
-              <a:t>samping</a:t>
-            </a:r>
-            <a:r>
-              <a:rPr lang="en-US" dirty="0"/>
-              <a:t> </a:t>
-            </a:r>
-            <a:r>
-              <a:rPr lang="en-US" dirty="0" err="1"/>
-              <a:t>dapat</a:t>
-            </a:r>
-            <a:r>
-              <a:rPr lang="en-US" dirty="0"/>
-              <a:t> di </a:t>
-            </a:r>
-            <a:r>
-              <a:rPr lang="en-US" dirty="0" err="1"/>
-              <a:t>lihat</a:t>
-            </a:r>
-            <a:r>
-              <a:rPr lang="en-US" dirty="0"/>
-              <a:t> </a:t>
-            </a:r>
-            <a:r>
-              <a:rPr lang="en-US" dirty="0" err="1"/>
-              <a:t>bahwa</a:t>
-            </a:r>
-            <a:r>
-              <a:rPr lang="en-US" dirty="0"/>
-              <a:t> BBQ Chicken </a:t>
-            </a:r>
-            <a:r>
-              <a:rPr lang="en-US" dirty="0" err="1"/>
-              <a:t>merupakan</a:t>
-            </a:r>
-            <a:r>
-              <a:rPr lang="en-US" dirty="0"/>
-              <a:t> </a:t>
-            </a:r>
-            <a:r>
-              <a:rPr lang="en-US" dirty="0" err="1"/>
-              <a:t>jenis</a:t>
-            </a:r>
-            <a:r>
-              <a:rPr lang="en-US" dirty="0"/>
-              <a:t> pizza yang paling </a:t>
-            </a:r>
-            <a:r>
-              <a:rPr lang="en-US" dirty="0" err="1"/>
-              <a:t>laku</a:t>
-            </a:r>
-            <a:r>
-              <a:rPr lang="en-US" dirty="0"/>
-              <a:t>, dan cheese </a:t>
-            </a:r>
-            <a:r>
-              <a:rPr lang="en-US" dirty="0" err="1"/>
-              <a:t>merupaka</a:t>
-            </a:r>
-            <a:r>
-              <a:rPr lang="en-US" dirty="0"/>
-              <a:t> Pizza paling </a:t>
-            </a:r>
-            <a:r>
-              <a:rPr lang="en-US" dirty="0" err="1"/>
-              <a:t>tidak</a:t>
-            </a:r>
-            <a:r>
-              <a:rPr lang="en-US" dirty="0"/>
-              <a:t> </a:t>
-            </a:r>
-            <a:r>
-              <a:rPr lang="en-US" dirty="0" err="1"/>
-              <a:t>laku</a:t>
-            </a:r>
-            <a:r>
-              <a:rPr lang="en-US" dirty="0"/>
-              <a:t>. </a:t>
-            </a:r>
-            <a:r>
-              <a:rPr lang="en-US" dirty="0" err="1"/>
-              <a:t>Sedangkan</a:t>
-            </a:r>
-            <a:r>
-              <a:rPr lang="en-US" dirty="0"/>
-              <a:t> chicken wing </a:t>
-            </a:r>
-            <a:r>
-              <a:rPr lang="en-US" dirty="0" err="1"/>
-              <a:t>merupakan</a:t>
-            </a:r>
-            <a:r>
-              <a:rPr lang="en-US" dirty="0"/>
-              <a:t> side paling </a:t>
-            </a:r>
-            <a:r>
-              <a:rPr lang="en-US" dirty="0" err="1"/>
-              <a:t>laku</a:t>
-            </a:r>
-            <a:r>
-              <a:rPr lang="en-US" dirty="0"/>
-              <a:t> dan garlic bread </a:t>
-            </a:r>
-            <a:r>
-              <a:rPr lang="en-US" dirty="0" err="1"/>
-              <a:t>adalah</a:t>
-            </a:r>
-            <a:r>
-              <a:rPr lang="en-US" dirty="0"/>
-              <a:t> side paling </a:t>
-            </a:r>
-            <a:r>
-              <a:rPr lang="en-US" dirty="0" err="1"/>
-              <a:t>tidak</a:t>
-            </a:r>
-            <a:r>
-              <a:rPr lang="en-US" dirty="0"/>
-              <a:t> </a:t>
-            </a:r>
-            <a:r>
-              <a:rPr lang="en-US" dirty="0" err="1"/>
-              <a:t>laku</a:t>
-            </a:r>
-            <a:r>
-              <a:rPr lang="en-US" dirty="0"/>
-              <a:t>, </a:t>
-            </a:r>
-            <a:r>
-              <a:rPr lang="en-US" dirty="0" err="1"/>
-              <a:t>untuk</a:t>
-            </a:r>
-            <a:r>
-              <a:rPr lang="en-US" dirty="0"/>
-              <a:t> category desert </a:t>
-            </a:r>
-            <a:r>
-              <a:rPr lang="en-US" dirty="0" err="1"/>
-              <a:t>memang</a:t>
-            </a:r>
-            <a:r>
-              <a:rPr lang="en-US" dirty="0"/>
-              <a:t> </a:t>
-            </a:r>
-            <a:r>
-              <a:rPr lang="en-US" dirty="0" err="1"/>
-              <a:t>jarang</a:t>
-            </a:r>
-            <a:r>
-              <a:rPr lang="en-US" dirty="0"/>
-              <a:t> orang yang </a:t>
-            </a:r>
-            <a:r>
-              <a:rPr lang="en-US" dirty="0" err="1"/>
-              <a:t>memesan</a:t>
-            </a:r>
-            <a:r>
-              <a:rPr lang="en-US" dirty="0"/>
-              <a:t>.</a:t>
-            </a:r>
-          </a:p>
-          <a:p>
-            <a:pPr marL="0" indent="0">
+          </a:p>
+          <a:p>
+            <a:pPr marL="0" indent="0" algn="l">
               <a:buNone/>
             </a:pPr>
             <a:r>
-              <a:rPr lang="en-US" dirty="0" err="1"/>
-              <a:t>Dapat</a:t>
+              <a:rPr lang="en-US" sz="1800" dirty="0"/>
+              <a:t>From this analysis, it can be concluded that we should focus on maintaining inventory levels for BBQ Chicken and Donair pizza ingredients to ensure they are always available. Conversely, for Cheese pizza, the inventory levels should be reduced.</a:t>
             </a:r>
-            <a:r>
-              <a:rPr lang="en-US" dirty="0"/>
-              <a:t> di </a:t>
-            </a:r>
-            <a:r>
-              <a:rPr lang="en-US" dirty="0" err="1"/>
-              <a:t>ambil</a:t>
-            </a:r>
-            <a:r>
-              <a:rPr lang="en-US" dirty="0"/>
-              <a:t> </a:t>
-            </a:r>
-            <a:r>
-              <a:rPr lang="en-US" dirty="0" err="1"/>
-              <a:t>kesimpulan</a:t>
-            </a:r>
-            <a:r>
-              <a:rPr lang="en-US" dirty="0"/>
-              <a:t> </a:t>
-            </a:r>
-            <a:r>
-              <a:rPr lang="en-US" dirty="0" err="1"/>
-              <a:t>bahwa</a:t>
-            </a:r>
-            <a:r>
-              <a:rPr lang="en-US" dirty="0"/>
-              <a:t> </a:t>
-            </a:r>
-            <a:r>
-              <a:rPr lang="en-US" dirty="0" err="1"/>
-              <a:t>kita</a:t>
-            </a:r>
-            <a:r>
-              <a:rPr lang="en-US" dirty="0"/>
-              <a:t> </a:t>
-            </a:r>
-            <a:r>
-              <a:rPr lang="en-US" dirty="0" err="1"/>
-              <a:t>wajib</a:t>
-            </a:r>
-            <a:r>
-              <a:rPr lang="en-US" dirty="0"/>
-              <a:t> </a:t>
-            </a:r>
-            <a:r>
-              <a:rPr lang="en-US" dirty="0" err="1"/>
-              <a:t>berfokus</a:t>
-            </a:r>
-            <a:r>
-              <a:rPr lang="en-US" dirty="0"/>
-              <a:t> pada </a:t>
-            </a:r>
-            <a:r>
-              <a:rPr lang="en-US" dirty="0" err="1"/>
-              <a:t>persedian</a:t>
-            </a:r>
-            <a:r>
-              <a:rPr lang="en-US" dirty="0"/>
-              <a:t> </a:t>
-            </a:r>
-            <a:r>
-              <a:rPr lang="en-US" dirty="0" err="1"/>
-              <a:t>bahan</a:t>
-            </a:r>
-            <a:r>
-              <a:rPr lang="en-US" dirty="0"/>
-              <a:t> </a:t>
-            </a:r>
-            <a:r>
-              <a:rPr lang="en-US" dirty="0" err="1"/>
-              <a:t>baku</a:t>
-            </a:r>
-            <a:r>
-              <a:rPr lang="en-US" dirty="0"/>
-              <a:t> </a:t>
-            </a:r>
-            <a:r>
-              <a:rPr lang="en-US" dirty="0" err="1"/>
-              <a:t>untuk</a:t>
-            </a:r>
-            <a:r>
-              <a:rPr lang="en-US" dirty="0"/>
-              <a:t> pizza BBQ chicken dan </a:t>
-            </a:r>
-            <a:r>
-              <a:rPr lang="en-US" dirty="0" err="1"/>
-              <a:t>donair</a:t>
-            </a:r>
-            <a:r>
-              <a:rPr lang="en-US" dirty="0"/>
-              <a:t> agar </a:t>
-            </a:r>
-            <a:r>
-              <a:rPr lang="en-US" dirty="0" err="1"/>
-              <a:t>selalu</a:t>
-            </a:r>
-            <a:r>
-              <a:rPr lang="en-US" dirty="0"/>
-              <a:t> </a:t>
-            </a:r>
-            <a:r>
-              <a:rPr lang="en-US" dirty="0" err="1"/>
-              <a:t>tersedia</a:t>
-            </a:r>
-            <a:r>
-              <a:rPr lang="en-US" dirty="0"/>
-              <a:t> di inventory,</a:t>
-            </a:r>
-            <a:r>
-              <a:rPr lang="en-ID" dirty="0"/>
-              <a:t> </a:t>
-            </a:r>
-            <a:r>
-              <a:rPr lang="en-ID" dirty="0" err="1"/>
-              <a:t>sedangkan</a:t>
-            </a:r>
-            <a:r>
-              <a:rPr lang="en-ID" dirty="0"/>
-              <a:t> </a:t>
-            </a:r>
-            <a:r>
-              <a:rPr lang="en-ID" dirty="0" err="1"/>
-              <a:t>untuk</a:t>
-            </a:r>
-            <a:r>
-              <a:rPr lang="en-ID" dirty="0"/>
-              <a:t> pizza </a:t>
-            </a:r>
-            <a:r>
-              <a:rPr lang="en-ID" dirty="0" err="1"/>
-              <a:t>jenis</a:t>
-            </a:r>
-            <a:r>
-              <a:rPr lang="en-ID" dirty="0"/>
-              <a:t> cheese </a:t>
-            </a:r>
-            <a:r>
-              <a:rPr lang="en-ID" dirty="0" err="1"/>
-              <a:t>jumlah</a:t>
-            </a:r>
-            <a:r>
-              <a:rPr lang="en-ID" dirty="0"/>
-              <a:t> </a:t>
-            </a:r>
-            <a:r>
-              <a:rPr lang="en-ID" dirty="0" err="1"/>
-              <a:t>bahan</a:t>
-            </a:r>
-            <a:r>
-              <a:rPr lang="en-ID" dirty="0"/>
-              <a:t> </a:t>
-            </a:r>
-            <a:r>
-              <a:rPr lang="en-ID" dirty="0" err="1"/>
-              <a:t>baku</a:t>
-            </a:r>
-            <a:r>
-              <a:rPr lang="en-ID" dirty="0"/>
-              <a:t> yang </a:t>
-            </a:r>
-            <a:r>
-              <a:rPr lang="en-ID" dirty="0" err="1"/>
-              <a:t>tersedia</a:t>
-            </a:r>
-            <a:r>
-              <a:rPr lang="en-ID" dirty="0"/>
-              <a:t> di inventory </a:t>
-            </a:r>
-            <a:r>
-              <a:rPr lang="en-ID" dirty="0" err="1"/>
-              <a:t>harus</a:t>
-            </a:r>
-            <a:r>
-              <a:rPr lang="en-ID" dirty="0"/>
-              <a:t> di </a:t>
-            </a:r>
-            <a:r>
-              <a:rPr lang="en-ID" dirty="0" err="1"/>
-              <a:t>kurangi</a:t>
-            </a:r>
-            <a:r>
-              <a:rPr lang="en-ID" dirty="0"/>
-              <a:t>.</a:t>
-            </a:r>
-          </a:p>
-          <a:p>
-            <a:pPr marL="0" indent="0">
+          </a:p>
+          <a:p>
+            <a:pPr marL="0" indent="0" algn="l">
               <a:buNone/>
             </a:pPr>
             <a:r>
-              <a:rPr lang="en-ID" dirty="0" err="1"/>
-              <a:t>Kemudian</a:t>
+              <a:rPr lang="en-US" sz="1800" dirty="0"/>
+              <a:t>Furthermore, dessert ingredients should only be stocked in small quantities due to their low sales volume.</a:t>
             </a:r>
-            <a:r>
-              <a:rPr lang="en-ID" dirty="0"/>
-              <a:t> </a:t>
-            </a:r>
-            <a:r>
-              <a:rPr lang="en-ID" dirty="0" err="1"/>
-              <a:t>untuk</a:t>
-            </a:r>
-            <a:r>
-              <a:rPr lang="en-ID" dirty="0"/>
-              <a:t> </a:t>
-            </a:r>
-            <a:r>
-              <a:rPr lang="en-ID" dirty="0" err="1"/>
-              <a:t>bahan</a:t>
-            </a:r>
-            <a:r>
-              <a:rPr lang="en-ID" dirty="0"/>
-              <a:t> </a:t>
-            </a:r>
-            <a:r>
-              <a:rPr lang="en-ID" dirty="0" err="1"/>
-              <a:t>baku</a:t>
-            </a:r>
-            <a:r>
-              <a:rPr lang="en-ID" dirty="0"/>
-              <a:t> desert </a:t>
-            </a:r>
-            <a:r>
-              <a:rPr lang="en-ID" dirty="0" err="1"/>
-              <a:t>hanya</a:t>
-            </a:r>
-            <a:r>
-              <a:rPr lang="en-ID" dirty="0"/>
-              <a:t> </a:t>
-            </a:r>
-            <a:r>
-              <a:rPr lang="en-ID" dirty="0" err="1"/>
-              <a:t>perlu</a:t>
-            </a:r>
-            <a:r>
-              <a:rPr lang="en-ID" dirty="0"/>
-              <a:t> di stock </a:t>
-            </a:r>
-            <a:r>
-              <a:rPr lang="en-ID" dirty="0" err="1"/>
-              <a:t>sedikit</a:t>
-            </a:r>
-            <a:r>
-              <a:rPr lang="en-ID" dirty="0"/>
-              <a:t> </a:t>
-            </a:r>
-            <a:r>
-              <a:rPr lang="en-ID" dirty="0" err="1"/>
-              <a:t>saja</a:t>
-            </a:r>
-            <a:r>
-              <a:rPr lang="en-ID" dirty="0"/>
-              <a:t> </a:t>
-            </a:r>
-            <a:r>
-              <a:rPr lang="en-ID" dirty="0" err="1"/>
-              <a:t>karena</a:t>
-            </a:r>
-            <a:r>
-              <a:rPr lang="en-ID" dirty="0"/>
-              <a:t> </a:t>
-            </a:r>
-            <a:r>
-              <a:rPr lang="en-ID" dirty="0" err="1"/>
-              <a:t>penjualannya</a:t>
-            </a:r>
-            <a:r>
-              <a:rPr lang="en-ID" dirty="0"/>
-              <a:t> yang </a:t>
-            </a:r>
-            <a:r>
-              <a:rPr lang="en-ID" dirty="0" err="1"/>
-              <a:t>rendah</a:t>
-            </a:r>
-            <a:endParaRPr lang="en-US" dirty="0"/>
           </a:p>
         </p:txBody>
       </p:sp>
+      <p:pic>
+        <p:nvPicPr>
+          <p:cNvPr id="4" name="Picture 3">
+            <a:extLst>
+              <a:ext uri="{FF2B5EF4-FFF2-40B4-BE49-F238E27FC236}">
+                <a16:creationId xmlns:a16="http://schemas.microsoft.com/office/drawing/2014/main" id="{D367F0DB-9D45-4A94-9710-5E64A30A8535}"/>
+              </a:ext>
+            </a:extLst>
+          </p:cNvPr>
+          <p:cNvPicPr>
+            <a:picLocks noChangeAspect="1"/>
+          </p:cNvPicPr>
+          <p:nvPr/>
+        </p:nvPicPr>
+        <p:blipFill rotWithShape="1">
+          <a:blip r:embed="rId2"/>
+          <a:srcRect l="60625" t="10523" r="16250" b="51880"/>
+          <a:stretch/>
+        </p:blipFill>
+        <p:spPr>
+          <a:xfrm>
+            <a:off x="444499" y="1650999"/>
+            <a:ext cx="6101985" cy="4584701"/>
+          </a:xfrm>
+          <a:prstGeom prst="rect">
+            <a:avLst/>
+          </a:prstGeom>
+        </p:spPr>
+      </p:pic>
     </p:spTree>
     <p:extLst>
       <p:ext uri="{BB962C8B-B14F-4D97-AF65-F5344CB8AC3E}">
@@ -11339,70 +4201,19 @@
         </p:spPr>
         <p:txBody>
           <a:bodyPr>
-            <a:normAutofit/>
+            <a:noAutofit/>
           </a:bodyPr>
           <a:lstStyle/>
           <a:p>
+            <a:pPr algn="ctr"/>
             <a:r>
-              <a:rPr lang="en-US" dirty="0" err="1"/>
-              <a:t>Analisis</a:t>
+              <a:rPr lang="en-US" sz="4800" dirty="0"/>
+              <a:t>DAILY SALES ANALYSIS</a:t>
             </a:r>
-            <a:r>
-              <a:rPr lang="en-US" dirty="0"/>
-              <a:t> </a:t>
-            </a:r>
-            <a:r>
-              <a:rPr lang="en-US" dirty="0" err="1"/>
-              <a:t>terhadap</a:t>
-            </a:r>
-            <a:r>
-              <a:rPr lang="en-US" dirty="0"/>
-              <a:t> </a:t>
-            </a:r>
-            <a:r>
-              <a:rPr lang="en-US" dirty="0" err="1"/>
-              <a:t>penjualan</a:t>
-            </a:r>
-            <a:r>
-              <a:rPr lang="en-US" dirty="0"/>
-              <a:t> </a:t>
-            </a:r>
-            <a:r>
-              <a:rPr lang="en-US" dirty="0" err="1"/>
-              <a:t>harian</a:t>
-            </a:r>
-            <a:endParaRPr lang="en-ID" dirty="0"/>
+            <a:endParaRPr lang="en-ID" sz="4800" dirty="0"/>
           </a:p>
         </p:txBody>
       </p:sp>
-      <p:pic>
-        <p:nvPicPr>
-          <p:cNvPr id="5" name="Content Placeholder 4">
-            <a:extLst>
-              <a:ext uri="{FF2B5EF4-FFF2-40B4-BE49-F238E27FC236}">
-                <a16:creationId xmlns:a16="http://schemas.microsoft.com/office/drawing/2014/main" id="{6664B634-CD7E-4673-9CCF-281ACDE29311}"/>
-              </a:ext>
-            </a:extLst>
-          </p:cNvPr>
-          <p:cNvPicPr>
-            <a:picLocks noGrp="1" noChangeAspect="1"/>
-          </p:cNvPicPr>
-          <p:nvPr>
-            <p:ph idx="1"/>
-          </p:nvPr>
-        </p:nvPicPr>
-        <p:blipFill rotWithShape="1">
-          <a:blip r:embed="rId2"/>
-          <a:srcRect l="56964" t="10890" r="19526" b="34451"/>
-          <a:stretch/>
-        </p:blipFill>
-        <p:spPr>
-          <a:xfrm>
-            <a:off x="469900" y="365124"/>
-            <a:ext cx="6477000" cy="6378575"/>
-          </a:xfrm>
-        </p:spPr>
-      </p:pic>
       <p:sp>
         <p:nvSpPr>
           <p:cNvPr id="6" name="Title 1">
@@ -11419,8 +4230,8 @@
         </p:nvSpPr>
         <p:spPr>
           <a:xfrm>
-            <a:off x="7302500" y="1687513"/>
-            <a:ext cx="4673600" cy="4637087"/>
+            <a:off x="7302500" y="2351393"/>
+            <a:ext cx="4673600" cy="3147534"/>
           </a:xfrm>
           <a:prstGeom prst="rect">
             <a:avLst/>
@@ -11428,7 +4239,7 @@
         </p:spPr>
         <p:txBody>
           <a:bodyPr vert="horz" lIns="91440" tIns="45720" rIns="91440" bIns="45720" rtlCol="0" anchor="ctr">
-            <a:normAutofit fontScale="55000" lnSpcReduction="20000"/>
+            <a:normAutofit lnSpcReduction="10000"/>
           </a:bodyPr>
           <a:lstStyle>
             <a:lvl1pPr algn="l" defTabSz="914400" rtl="0" eaLnBrk="1" latinLnBrk="0" hangingPunct="1">
@@ -11450,432 +4261,58 @@
             </a:lvl1pPr>
           </a:lstStyle>
           <a:p>
+            <a:pPr algn="l"/>
+            <a:br>
+              <a:rPr lang="en-US" sz="1800" dirty="0">
+                <a:latin typeface="+mn-lt"/>
+              </a:rPr>
+            </a:br>
             <a:r>
-              <a:rPr lang="en-US" dirty="0"/>
-              <a:t>Dari </a:t>
+              <a:rPr lang="en-US" sz="1800" dirty="0">
+                <a:latin typeface="+mn-lt"/>
+              </a:rPr>
+              <a:t>From the visualization beside, it can be observed that sales typically increase from Tuesday to Saturday, while Mondays usually experience a decrease in sales, sometimes significantly.</a:t>
             </a:r>
+          </a:p>
+          <a:p>
+            <a:pPr algn="l"/>
             <a:r>
-              <a:rPr lang="en-US" dirty="0" err="1"/>
-              <a:t>visualisasi</a:t>
+              <a:rPr lang="en-US" sz="1800" dirty="0">
+                <a:latin typeface="+mn-lt"/>
+              </a:rPr>
+              <a:t>From this analysis, it can be concluded that it is advisable to place ingredient orders every Monday to anticipate the surge in orders on Tuesday. Additionally, it is important to conduct real-time inventory checks on Mondays to avoid discrepancies between the system and actual stock levels.</a:t>
             </a:r>
-            <a:r>
-              <a:rPr lang="en-US" dirty="0"/>
-              <a:t> di </a:t>
-            </a:r>
-            <a:r>
-              <a:rPr lang="en-US" dirty="0" err="1"/>
-              <a:t>samping</a:t>
-            </a:r>
-            <a:r>
-              <a:rPr lang="en-US" dirty="0"/>
-              <a:t> </a:t>
-            </a:r>
-            <a:r>
-              <a:rPr lang="en-US" dirty="0" err="1"/>
-              <a:t>dapat</a:t>
-            </a:r>
-            <a:r>
-              <a:rPr lang="en-US" dirty="0"/>
-              <a:t> di </a:t>
-            </a:r>
-            <a:r>
-              <a:rPr lang="en-US" dirty="0" err="1"/>
-              <a:t>lihat</a:t>
-            </a:r>
-            <a:r>
-              <a:rPr lang="en-US" dirty="0"/>
-              <a:t> </a:t>
-            </a:r>
-            <a:r>
-              <a:rPr lang="en-US" dirty="0" err="1"/>
-              <a:t>bahwa</a:t>
-            </a:r>
-            <a:r>
-              <a:rPr lang="en-US" dirty="0"/>
-              <a:t> </a:t>
-            </a:r>
-            <a:r>
-              <a:rPr lang="en-US" dirty="0" err="1"/>
-              <a:t>penjualan</a:t>
-            </a:r>
-            <a:r>
-              <a:rPr lang="en-US" dirty="0"/>
-              <a:t> </a:t>
-            </a:r>
-            <a:r>
-              <a:rPr lang="en-US" dirty="0" err="1"/>
-              <a:t>biasanya</a:t>
-            </a:r>
-            <a:r>
-              <a:rPr lang="en-US" dirty="0"/>
-              <a:t> </a:t>
-            </a:r>
-            <a:r>
-              <a:rPr lang="en-US" dirty="0" err="1"/>
-              <a:t>meninngkat</a:t>
-            </a:r>
-            <a:r>
-              <a:rPr lang="en-US" dirty="0"/>
-              <a:t> pada </a:t>
-            </a:r>
-            <a:r>
-              <a:rPr lang="en-US" dirty="0" err="1"/>
-              <a:t>hari</a:t>
-            </a:r>
-            <a:r>
-              <a:rPr lang="en-US" dirty="0"/>
-              <a:t> </a:t>
-            </a:r>
-            <a:r>
-              <a:rPr lang="en-US" dirty="0" err="1"/>
-              <a:t>selasa</a:t>
-            </a:r>
-            <a:r>
-              <a:rPr lang="en-US" dirty="0"/>
-              <a:t> </a:t>
-            </a:r>
-            <a:r>
-              <a:rPr lang="en-US" dirty="0" err="1"/>
-              <a:t>sampai</a:t>
-            </a:r>
-            <a:r>
-              <a:rPr lang="en-US" dirty="0"/>
-              <a:t> </a:t>
-            </a:r>
-            <a:r>
-              <a:rPr lang="en-US" dirty="0" err="1"/>
-              <a:t>hari</a:t>
-            </a:r>
-            <a:r>
-              <a:rPr lang="en-US" dirty="0"/>
-              <a:t> </a:t>
-            </a:r>
-            <a:r>
-              <a:rPr lang="en-US" dirty="0" err="1"/>
-              <a:t>sabtu</a:t>
-            </a:r>
-            <a:r>
-              <a:rPr lang="en-US" dirty="0"/>
-              <a:t>, dan </a:t>
-            </a:r>
-            <a:r>
-              <a:rPr lang="en-US" dirty="0" err="1"/>
-              <a:t>biasanya</a:t>
-            </a:r>
-            <a:r>
-              <a:rPr lang="en-US" dirty="0"/>
-              <a:t> pada </a:t>
-            </a:r>
-            <a:r>
-              <a:rPr lang="en-US" dirty="0" err="1"/>
-              <a:t>hari</a:t>
-            </a:r>
-            <a:r>
-              <a:rPr lang="en-US" dirty="0"/>
-              <a:t> </a:t>
-            </a:r>
-            <a:r>
-              <a:rPr lang="en-US" dirty="0" err="1"/>
-              <a:t>senin</a:t>
-            </a:r>
-            <a:r>
-              <a:rPr lang="en-US" dirty="0"/>
-              <a:t> </a:t>
-            </a:r>
-            <a:r>
-              <a:rPr lang="en-US" dirty="0" err="1"/>
-              <a:t>mengalami</a:t>
-            </a:r>
-            <a:r>
-              <a:rPr lang="en-US" dirty="0"/>
-              <a:t> </a:t>
-            </a:r>
-            <a:r>
-              <a:rPr lang="en-US" dirty="0" err="1"/>
-              <a:t>penurunan</a:t>
-            </a:r>
-            <a:r>
-              <a:rPr lang="en-US" dirty="0"/>
-              <a:t> </a:t>
-            </a:r>
-            <a:r>
-              <a:rPr lang="en-US" dirty="0" err="1"/>
-              <a:t>penjualan</a:t>
-            </a:r>
-            <a:r>
-              <a:rPr lang="en-US" dirty="0"/>
-              <a:t> yang </a:t>
-            </a:r>
-            <a:r>
-              <a:rPr lang="en-US" dirty="0" err="1"/>
-              <a:t>kadang</a:t>
-            </a:r>
-            <a:r>
-              <a:rPr lang="en-US" dirty="0"/>
-              <a:t> sangat </a:t>
-            </a:r>
-            <a:r>
-              <a:rPr lang="en-US" dirty="0" err="1"/>
-              <a:t>signifikan</a:t>
-            </a:r>
-            <a:r>
-              <a:rPr lang="en-US" dirty="0"/>
-              <a:t>.</a:t>
-            </a:r>
-          </a:p>
-          <a:p>
-            <a:r>
-              <a:rPr lang="en-US" dirty="0"/>
-              <a:t>Dari </a:t>
-            </a:r>
-            <a:r>
-              <a:rPr lang="en-US" dirty="0" err="1"/>
-              <a:t>sini</a:t>
-            </a:r>
-            <a:r>
-              <a:rPr lang="en-US" dirty="0"/>
-              <a:t> </a:t>
-            </a:r>
-            <a:r>
-              <a:rPr lang="en-US" dirty="0" err="1"/>
-              <a:t>dapat</a:t>
-            </a:r>
-            <a:r>
-              <a:rPr lang="en-US" dirty="0"/>
-              <a:t> di </a:t>
-            </a:r>
-            <a:r>
-              <a:rPr lang="en-US" dirty="0" err="1"/>
-              <a:t>ambil</a:t>
-            </a:r>
-            <a:r>
-              <a:rPr lang="en-US" dirty="0"/>
-              <a:t> </a:t>
-            </a:r>
-            <a:r>
-              <a:rPr lang="en-US" dirty="0" err="1"/>
-              <a:t>kesimpulan</a:t>
-            </a:r>
-            <a:r>
-              <a:rPr lang="en-US" dirty="0"/>
-              <a:t> </a:t>
-            </a:r>
-            <a:r>
-              <a:rPr lang="en-US" dirty="0" err="1"/>
-              <a:t>untuk</a:t>
-            </a:r>
-            <a:r>
-              <a:rPr lang="en-US" dirty="0"/>
-              <a:t> </a:t>
-            </a:r>
-            <a:r>
-              <a:rPr lang="en-US" dirty="0" err="1"/>
-              <a:t>melakukan</a:t>
-            </a:r>
-            <a:r>
-              <a:rPr lang="en-US" dirty="0"/>
-              <a:t> </a:t>
-            </a:r>
-            <a:r>
-              <a:rPr lang="en-US" dirty="0" err="1"/>
-              <a:t>pemesanan</a:t>
-            </a:r>
-            <a:r>
-              <a:rPr lang="en-US" dirty="0"/>
-              <a:t> </a:t>
-            </a:r>
-            <a:r>
-              <a:rPr lang="en-US" dirty="0" err="1"/>
-              <a:t>bahan</a:t>
-            </a:r>
-            <a:r>
-              <a:rPr lang="en-US" dirty="0"/>
-              <a:t> </a:t>
-            </a:r>
-            <a:r>
-              <a:rPr lang="en-US" dirty="0" err="1"/>
-              <a:t>baku</a:t>
-            </a:r>
-            <a:r>
-              <a:rPr lang="en-US" dirty="0"/>
-              <a:t> pada </a:t>
-            </a:r>
-            <a:r>
-              <a:rPr lang="en-US" dirty="0" err="1"/>
-              <a:t>setiap</a:t>
-            </a:r>
-            <a:r>
-              <a:rPr lang="en-US" dirty="0"/>
-              <a:t> </a:t>
-            </a:r>
-            <a:r>
-              <a:rPr lang="en-US" dirty="0" err="1"/>
-              <a:t>hari</a:t>
-            </a:r>
-            <a:r>
-              <a:rPr lang="en-US" dirty="0"/>
-              <a:t> </a:t>
-            </a:r>
-            <a:r>
-              <a:rPr lang="en-US" dirty="0" err="1"/>
-              <a:t>senin</a:t>
-            </a:r>
-            <a:r>
-              <a:rPr lang="en-US" dirty="0"/>
-              <a:t> </a:t>
-            </a:r>
-            <a:r>
-              <a:rPr lang="en-US" dirty="0" err="1"/>
-              <a:t>untuk</a:t>
-            </a:r>
-            <a:r>
-              <a:rPr lang="en-US" dirty="0"/>
-              <a:t> </a:t>
-            </a:r>
-            <a:r>
-              <a:rPr lang="en-US" dirty="0" err="1"/>
-              <a:t>mengantisipasi</a:t>
-            </a:r>
-            <a:r>
-              <a:rPr lang="en-US" dirty="0"/>
-              <a:t> </a:t>
-            </a:r>
-            <a:r>
-              <a:rPr lang="en-US" dirty="0" err="1"/>
-              <a:t>lonjakan</a:t>
-            </a:r>
-            <a:r>
-              <a:rPr lang="en-US" dirty="0"/>
-              <a:t> </a:t>
-            </a:r>
-            <a:r>
-              <a:rPr lang="en-US" dirty="0" err="1"/>
-              <a:t>pesanan</a:t>
-            </a:r>
-            <a:r>
-              <a:rPr lang="en-US" dirty="0"/>
-              <a:t> pada </a:t>
-            </a:r>
-            <a:r>
-              <a:rPr lang="en-US" dirty="0" err="1"/>
-              <a:t>hari</a:t>
-            </a:r>
-            <a:r>
-              <a:rPr lang="en-US" dirty="0"/>
-              <a:t> </a:t>
-            </a:r>
-            <a:r>
-              <a:rPr lang="en-US" dirty="0" err="1"/>
-              <a:t>selasa</a:t>
-            </a:r>
-            <a:r>
-              <a:rPr lang="en-US" dirty="0"/>
-              <a:t>, dan juga </a:t>
-            </a:r>
-            <a:r>
-              <a:rPr lang="en-US" dirty="0" err="1"/>
-              <a:t>penting</a:t>
-            </a:r>
-            <a:r>
-              <a:rPr lang="en-US" dirty="0"/>
-              <a:t> </a:t>
-            </a:r>
-            <a:r>
-              <a:rPr lang="en-US" dirty="0" err="1"/>
-              <a:t>dilakukan</a:t>
-            </a:r>
-            <a:r>
-              <a:rPr lang="en-US" dirty="0"/>
-              <a:t> </a:t>
-            </a:r>
-            <a:r>
-              <a:rPr lang="en-US" dirty="0" err="1"/>
-              <a:t>pengecekan</a:t>
-            </a:r>
-            <a:r>
-              <a:rPr lang="en-US" dirty="0"/>
-              <a:t> </a:t>
-            </a:r>
-            <a:r>
-              <a:rPr lang="en-US" dirty="0" err="1"/>
-              <a:t>barang</a:t>
-            </a:r>
-            <a:r>
-              <a:rPr lang="en-US" dirty="0"/>
-              <a:t> </a:t>
-            </a:r>
-            <a:r>
-              <a:rPr lang="en-US" dirty="0" err="1"/>
-              <a:t>secara</a:t>
-            </a:r>
-            <a:r>
-              <a:rPr lang="en-US" dirty="0"/>
-              <a:t> real pada </a:t>
-            </a:r>
-            <a:r>
-              <a:rPr lang="en-US" dirty="0" err="1"/>
-              <a:t>hari</a:t>
-            </a:r>
-            <a:r>
-              <a:rPr lang="en-US" dirty="0"/>
-              <a:t> </a:t>
-            </a:r>
-            <a:r>
-              <a:rPr lang="en-US" dirty="0" err="1"/>
-              <a:t>senin</a:t>
-            </a:r>
-            <a:r>
-              <a:rPr lang="en-US" dirty="0"/>
-              <a:t> agar </a:t>
-            </a:r>
-            <a:r>
-              <a:rPr lang="en-US" dirty="0" err="1"/>
-              <a:t>tidak</a:t>
-            </a:r>
-            <a:r>
-              <a:rPr lang="en-US" dirty="0"/>
-              <a:t> </a:t>
-            </a:r>
-            <a:r>
-              <a:rPr lang="en-US" dirty="0" err="1"/>
-              <a:t>terjadi</a:t>
-            </a:r>
-            <a:r>
-              <a:rPr lang="en-US" dirty="0"/>
-              <a:t> </a:t>
-            </a:r>
-            <a:r>
-              <a:rPr lang="en-US" dirty="0" err="1"/>
-              <a:t>selisih</a:t>
-            </a:r>
-            <a:r>
-              <a:rPr lang="en-US" dirty="0"/>
-              <a:t> </a:t>
-            </a:r>
-            <a:r>
-              <a:rPr lang="en-US" dirty="0" err="1"/>
-              <a:t>bahan</a:t>
-            </a:r>
-            <a:r>
-              <a:rPr lang="en-US" dirty="0"/>
-              <a:t> </a:t>
-            </a:r>
-            <a:r>
-              <a:rPr lang="en-US" dirty="0" err="1"/>
-              <a:t>baku</a:t>
-            </a:r>
-            <a:r>
-              <a:rPr lang="en-US" dirty="0"/>
-              <a:t> pada system dan juga pada stock </a:t>
-            </a:r>
-            <a:r>
-              <a:rPr lang="en-US" dirty="0" err="1"/>
-              <a:t>sebenarnya</a:t>
-            </a:r>
-            <a:endParaRPr lang="en-ID" dirty="0"/>
           </a:p>
         </p:txBody>
       </p:sp>
+      <p:pic>
+        <p:nvPicPr>
+          <p:cNvPr id="8" name="Content Placeholder 7">
+            <a:extLst>
+              <a:ext uri="{FF2B5EF4-FFF2-40B4-BE49-F238E27FC236}">
+                <a16:creationId xmlns:a16="http://schemas.microsoft.com/office/drawing/2014/main" id="{ACBD1A0D-2CDE-4AD1-BC64-78C7833F677E}"/>
+              </a:ext>
+            </a:extLst>
+          </p:cNvPr>
+          <p:cNvPicPr>
+            <a:picLocks noGrp="1" noChangeAspect="1"/>
+          </p:cNvPicPr>
+          <p:nvPr>
+            <p:ph idx="1"/>
+          </p:nvPr>
+        </p:nvPicPr>
+        <p:blipFill rotWithShape="1">
+          <a:blip r:embed="rId2"/>
+          <a:srcRect l="60629" t="9503" r="15579" b="28535"/>
+          <a:stretch/>
+        </p:blipFill>
+        <p:spPr>
+          <a:xfrm>
+            <a:off x="215900" y="266699"/>
+            <a:ext cx="6235700" cy="6299007"/>
+          </a:xfrm>
+        </p:spPr>
+      </p:pic>
     </p:spTree>
     <p:extLst>
       <p:ext uri="{BB962C8B-B14F-4D97-AF65-F5344CB8AC3E}">
@@ -11924,18 +4361,20 @@
         </p:nvSpPr>
         <p:spPr/>
         <p:txBody>
-          <a:bodyPr/>
+          <a:bodyPr>
+            <a:normAutofit/>
+          </a:bodyPr>
           <a:lstStyle/>
           <a:p>
             <a:pPr algn="ctr"/>
             <a:r>
-              <a:rPr lang="en-US" dirty="0">
-                <a:latin typeface="Bell MT" panose="02020503060305020303" pitchFamily="18" charset="0"/>
+              <a:rPr lang="en-US" sz="4800" dirty="0">
+                <a:latin typeface="+mn-lt"/>
               </a:rPr>
-              <a:t>Inventory data</a:t>
+              <a:t>Inventory Data</a:t>
             </a:r>
-            <a:endParaRPr lang="en-ID" dirty="0">
-              <a:latin typeface="Bell MT" panose="02020503060305020303" pitchFamily="18" charset="0"/>
+            <a:endParaRPr lang="en-ID" sz="4800" dirty="0">
+              <a:latin typeface="+mn-lt"/>
             </a:endParaRPr>
           </a:p>
         </p:txBody>
@@ -14497,82 +6936,27 @@
         </p:nvSpPr>
         <p:spPr>
           <a:xfrm>
-            <a:off x="5924810" y="1509814"/>
-            <a:ext cx="5428989" cy="5229199"/>
+            <a:off x="6417503" y="3429000"/>
+            <a:ext cx="5428989" cy="895183"/>
           </a:xfrm>
         </p:spPr>
         <p:txBody>
-          <a:bodyPr/>
+          <a:bodyPr>
+            <a:normAutofit/>
+          </a:bodyPr>
           <a:lstStyle/>
           <a:p>
             <a:pPr marL="0" indent="0">
               <a:buNone/>
             </a:pPr>
+            <a:br>
+              <a:rPr lang="en-US" sz="1800" dirty="0"/>
+            </a:br>
             <a:r>
-              <a:rPr lang="en-US" dirty="0" err="1"/>
-              <a:t>Tabel</a:t>
+              <a:rPr lang="en-US" sz="1800" dirty="0"/>
+              <a:t>The table on the side contains a list of all the raw materials in stock.</a:t>
             </a:r>
-            <a:r>
-              <a:rPr lang="en-US" dirty="0"/>
-              <a:t> di </a:t>
-            </a:r>
-            <a:r>
-              <a:rPr lang="en-US" dirty="0" err="1"/>
-              <a:t>samping</a:t>
-            </a:r>
-            <a:r>
-              <a:rPr lang="en-US" dirty="0"/>
-              <a:t> </a:t>
-            </a:r>
-            <a:r>
-              <a:rPr lang="en-US" dirty="0" err="1"/>
-              <a:t>addalah</a:t>
-            </a:r>
-            <a:r>
-              <a:rPr lang="en-US" dirty="0"/>
-              <a:t> </a:t>
-            </a:r>
-            <a:r>
-              <a:rPr lang="en-US" dirty="0" err="1"/>
-              <a:t>tabel</a:t>
-            </a:r>
-            <a:r>
-              <a:rPr lang="en-US" dirty="0"/>
-              <a:t> </a:t>
-            </a:r>
-            <a:r>
-              <a:rPr lang="en-US" dirty="0" err="1"/>
-              <a:t>seluruh</a:t>
-            </a:r>
-            <a:r>
-              <a:rPr lang="en-US" dirty="0"/>
-              <a:t> </a:t>
-            </a:r>
-            <a:r>
-              <a:rPr lang="en-US" dirty="0" err="1"/>
-              <a:t>bahan</a:t>
-            </a:r>
-            <a:r>
-              <a:rPr lang="en-US" dirty="0"/>
-              <a:t> </a:t>
-            </a:r>
-            <a:r>
-              <a:rPr lang="en-US" dirty="0" err="1"/>
-              <a:t>baku</a:t>
-            </a:r>
-            <a:r>
-              <a:rPr lang="en-US" dirty="0"/>
-              <a:t> yang </a:t>
-            </a:r>
-            <a:r>
-              <a:rPr lang="en-US" dirty="0" err="1"/>
-              <a:t>ada</a:t>
-            </a:r>
-            <a:r>
-              <a:rPr lang="en-US" dirty="0"/>
-              <a:t> di inventory</a:t>
-            </a:r>
-            <a:endParaRPr lang="en-ID" dirty="0"/>
+            <a:endParaRPr lang="en-ID" sz="1800" dirty="0"/>
           </a:p>
         </p:txBody>
       </p:sp>
@@ -14624,23 +7008,25 @@
         </p:nvSpPr>
         <p:spPr>
           <a:xfrm>
-            <a:off x="838200" y="215717"/>
-            <a:ext cx="10515600" cy="1325563"/>
+            <a:off x="838200" y="215718"/>
+            <a:ext cx="10515600" cy="1051508"/>
           </a:xfrm>
         </p:spPr>
         <p:txBody>
-          <a:bodyPr/>
+          <a:bodyPr>
+            <a:normAutofit/>
+          </a:bodyPr>
           <a:lstStyle/>
           <a:p>
             <a:pPr algn="ctr"/>
             <a:r>
-              <a:rPr lang="en-US" dirty="0">
-                <a:latin typeface="Bell MT" panose="02020503060305020303" pitchFamily="18" charset="0"/>
+              <a:rPr lang="en-US" sz="4800" dirty="0">
+                <a:latin typeface="+mn-lt"/>
               </a:rPr>
-              <a:t>Inventory out</a:t>
+              <a:t>Inventory Out</a:t>
             </a:r>
-            <a:endParaRPr lang="en-ID" dirty="0">
-              <a:latin typeface="Bell MT" panose="02020503060305020303" pitchFamily="18" charset="0"/>
+            <a:endParaRPr lang="en-ID" sz="4800" dirty="0">
+              <a:latin typeface="+mn-lt"/>
             </a:endParaRPr>
           </a:p>
         </p:txBody>
@@ -15191,7 +7577,7 @@
                     <a:p>
                       <a:pPr algn="l" fontAlgn="b"/>
                       <a:r>
-                        <a:rPr lang="en-ID" sz="1000"/>
+                        <a:rPr lang="en-ID" sz="1000" dirty="0"/>
                         <a:t>Chicken wings</a:t>
                       </a:r>
                     </a:p>
@@ -16666,7 +9052,7 @@
         </p:nvSpPr>
         <p:spPr>
           <a:xfrm>
-            <a:off x="7467600" y="1690688"/>
+            <a:off x="7467600" y="3291972"/>
             <a:ext cx="4466082" cy="1325563"/>
           </a:xfrm>
           <a:prstGeom prst="rect">
@@ -16675,7 +9061,7 @@
         </p:spPr>
         <p:txBody>
           <a:bodyPr vert="horz" lIns="91440" tIns="45720" rIns="91440" bIns="45720" rtlCol="0" anchor="ctr">
-            <a:normAutofit fontScale="70000" lnSpcReduction="20000"/>
+            <a:normAutofit/>
           </a:bodyPr>
           <a:lstStyle>
             <a:lvl1pPr algn="l" defTabSz="914400" rtl="0" eaLnBrk="1" latinLnBrk="0" hangingPunct="1">
@@ -16697,82 +9083,155 @@
             </a:lvl1pPr>
           </a:lstStyle>
           <a:p>
-            <a:pPr marL="0" indent="0">
+            <a:pPr marL="0" marR="0" lvl="0" indent="0" algn="l" defTabSz="914400" rtl="0" eaLnBrk="0" fontAlgn="base" latinLnBrk="0" hangingPunct="0">
+              <a:lnSpc>
+                <a:spcPct val="100000"/>
+              </a:lnSpc>
+              <a:spcBef>
+                <a:spcPct val="0"/>
+              </a:spcBef>
+              <a:spcAft>
+                <a:spcPct val="0"/>
+              </a:spcAft>
+              <a:buClrTx/>
+              <a:buSzTx/>
+              <a:buFontTx/>
               <a:buNone/>
+              <a:tabLst/>
             </a:pPr>
             <a:r>
-              <a:rPr lang="en-US" dirty="0" err="1"/>
-              <a:t>Tabel</a:t>
+              <a:rPr lang="en-US" altLang="en-US" sz="1800" dirty="0">
+                <a:latin typeface="+mn-lt"/>
+              </a:rPr>
+              <a:t>The table on the side is a table of all the raw materials that have been deducted from inventory.</a:t>
             </a:r>
-            <a:r>
-              <a:rPr lang="en-US" dirty="0"/>
-              <a:t> di </a:t>
-            </a:r>
-            <a:r>
-              <a:rPr lang="en-US" dirty="0" err="1"/>
-              <a:t>samping</a:t>
-            </a:r>
-            <a:r>
-              <a:rPr lang="en-US" dirty="0"/>
-              <a:t> </a:t>
-            </a:r>
-            <a:r>
-              <a:rPr lang="en-US" dirty="0" err="1"/>
-              <a:t>addalah</a:t>
-            </a:r>
-            <a:r>
-              <a:rPr lang="en-US" dirty="0"/>
-              <a:t> </a:t>
-            </a:r>
-            <a:r>
-              <a:rPr lang="en-US" dirty="0" err="1"/>
-              <a:t>tabel</a:t>
-            </a:r>
-            <a:r>
-              <a:rPr lang="en-US" dirty="0"/>
-              <a:t> </a:t>
-            </a:r>
-            <a:r>
-              <a:rPr lang="en-US" dirty="0" err="1"/>
-              <a:t>seluruh</a:t>
-            </a:r>
-            <a:r>
-              <a:rPr lang="en-US" dirty="0"/>
-              <a:t> </a:t>
-            </a:r>
-            <a:r>
-              <a:rPr lang="en-US" dirty="0" err="1"/>
-              <a:t>bahan</a:t>
-            </a:r>
-            <a:r>
-              <a:rPr lang="en-US" dirty="0"/>
-              <a:t> </a:t>
-            </a:r>
-            <a:r>
-              <a:rPr lang="en-US" dirty="0" err="1"/>
-              <a:t>baku</a:t>
-            </a:r>
-            <a:r>
-              <a:rPr lang="en-US" dirty="0"/>
-              <a:t> yang </a:t>
-            </a:r>
-            <a:r>
-              <a:rPr lang="en-US" dirty="0" err="1"/>
-              <a:t>keluar</a:t>
-            </a:r>
-            <a:r>
-              <a:rPr lang="en-US" dirty="0"/>
-              <a:t> </a:t>
-            </a:r>
-            <a:r>
-              <a:rPr lang="en-US" dirty="0" err="1"/>
-              <a:t>dari</a:t>
-            </a:r>
-            <a:r>
-              <a:rPr lang="en-US" dirty="0"/>
-              <a:t> inventory</a:t>
-            </a:r>
-            <a:endParaRPr lang="en-ID" dirty="0"/>
+          </a:p>
+          <a:p>
+            <a:pPr marL="0" marR="0" lvl="0" indent="0" algn="l" defTabSz="914400" rtl="0" eaLnBrk="0" fontAlgn="base" latinLnBrk="0" hangingPunct="0">
+              <a:lnSpc>
+                <a:spcPct val="100000"/>
+              </a:lnSpc>
+              <a:spcBef>
+                <a:spcPct val="0"/>
+              </a:spcBef>
+              <a:spcAft>
+                <a:spcPct val="0"/>
+              </a:spcAft>
+              <a:buClrTx/>
+              <a:buSzTx/>
+              <a:buFontTx/>
+              <a:buNone/>
+              <a:tabLst/>
+            </a:pPr>
+            <a:endParaRPr lang="en-US" altLang="en-US" sz="1800" dirty="0">
+              <a:latin typeface="+mn-lt"/>
+            </a:endParaRPr>
+          </a:p>
+        </p:txBody>
+      </p:sp>
+      <p:sp>
+        <p:nvSpPr>
+          <p:cNvPr id="3" name="Rectangle 2">
+            <a:extLst>
+              <a:ext uri="{FF2B5EF4-FFF2-40B4-BE49-F238E27FC236}">
+                <a16:creationId xmlns:a16="http://schemas.microsoft.com/office/drawing/2014/main" id="{498237C3-9C03-4686-93F7-7A7F87ABC375}"/>
+              </a:ext>
+            </a:extLst>
+          </p:cNvPr>
+          <p:cNvSpPr>
+            <a:spLocks noChangeArrowheads="1"/>
+          </p:cNvSpPr>
+          <p:nvPr/>
+        </p:nvSpPr>
+        <p:spPr bwMode="auto">
+          <a:xfrm>
+            <a:off x="0" y="0"/>
+            <a:ext cx="6324600" cy="0"/>
+          </a:xfrm>
+          <a:prstGeom prst="rect">
+            <a:avLst/>
+          </a:prstGeom>
+          <a:noFill/>
+          <a:ln>
+            <a:noFill/>
+          </a:ln>
+          <a:effectLst/>
+          <a:extLst>
+            <a:ext uri="{909E8E84-426E-40DD-AFC4-6F175D3DCCD1}">
+              <a14:hiddenFill xmlns:a14="http://schemas.microsoft.com/office/drawing/2010/main">
+                <a:solidFill>
+                  <a:schemeClr val="accent1"/>
+                </a:solidFill>
+              </a14:hiddenFill>
+            </a:ext>
+            <a:ext uri="{91240B29-F687-4F45-9708-019B960494DF}">
+              <a14:hiddenLine xmlns:a14="http://schemas.microsoft.com/office/drawing/2010/main" w="9525">
+                <a:solidFill>
+                  <a:schemeClr val="tx1"/>
+                </a:solidFill>
+                <a:miter lim="800000"/>
+                <a:headEnd/>
+                <a:tailEnd/>
+              </a14:hiddenLine>
+            </a:ext>
+            <a:ext uri="{AF507438-7753-43E0-B8FC-AC1667EBCBE1}">
+              <a14:hiddenEffects xmlns:a14="http://schemas.microsoft.com/office/drawing/2010/main">
+                <a:effectLst>
+                  <a:outerShdw dist="35921" dir="2700000" algn="ctr" rotWithShape="0">
+                    <a:schemeClr val="bg2"/>
+                  </a:outerShdw>
+                </a:effectLst>
+              </a14:hiddenEffects>
+            </a:ext>
+          </a:extLst>
+        </p:spPr>
+        <p:txBody>
+          <a:bodyPr vert="horz" wrap="none" lIns="91440" tIns="45720" rIns="91440" bIns="45720" numCol="1" anchor="ctr" anchorCtr="0" compatLnSpc="1">
+            <a:prstTxWarp prst="textNoShape">
+              <a:avLst/>
+            </a:prstTxWarp>
+            <a:spAutoFit/>
+          </a:bodyPr>
+          <a:lstStyle/>
+          <a:p>
+            <a:pPr marL="0" marR="0" lvl="0" indent="0" algn="l" defTabSz="914400" rtl="0" eaLnBrk="0" fontAlgn="base" latinLnBrk="0" hangingPunct="0">
+              <a:lnSpc>
+                <a:spcPct val="100000"/>
+              </a:lnSpc>
+              <a:spcBef>
+                <a:spcPct val="0"/>
+              </a:spcBef>
+              <a:spcAft>
+                <a:spcPct val="0"/>
+              </a:spcAft>
+              <a:buClrTx/>
+              <a:buSzTx/>
+              <a:buFontTx/>
+              <a:buNone/>
+              <a:tabLst/>
+            </a:pPr>
+            <a:br>
+              <a:rPr kumimoji="0" lang="en-US" altLang="en-US" sz="1800" b="0" i="0" u="none" strike="noStrike" cap="none" normalizeH="0" baseline="0">
+                <a:ln>
+                  <a:noFill/>
+                </a:ln>
+                <a:solidFill>
+                  <a:srgbClr val="FFFFFF"/>
+                </a:solidFill>
+                <a:effectLst/>
+                <a:latin typeface="Söhne"/>
+              </a:rPr>
+            </a:br>
+            <a:endParaRPr kumimoji="0" lang="en-US" altLang="en-US" sz="1800" b="0" i="0" u="none" strike="noStrike" cap="none" normalizeH="0" baseline="0">
+              <a:ln>
+                <a:noFill/>
+              </a:ln>
+              <a:solidFill>
+                <a:schemeClr val="tx1"/>
+              </a:solidFill>
+              <a:effectLst/>
+              <a:latin typeface="Arial" panose="020B0604020202020204" pitchFamily="34" charset="0"/>
+            </a:endParaRPr>
           </a:p>
         </p:txBody>
       </p:sp>
@@ -16806,34 +9265,6 @@
           <a:chExt cx="0" cy="0"/>
         </a:xfrm>
       </p:grpSpPr>
-      <p:pic>
-        <p:nvPicPr>
-          <p:cNvPr id="5" name="Content Placeholder 4">
-            <a:extLst>
-              <a:ext uri="{FF2B5EF4-FFF2-40B4-BE49-F238E27FC236}">
-                <a16:creationId xmlns:a16="http://schemas.microsoft.com/office/drawing/2014/main" id="{6CE6F1A4-4A09-4A7C-80CA-43F880B79F52}"/>
-              </a:ext>
-            </a:extLst>
-          </p:cNvPr>
-          <p:cNvPicPr>
-            <a:picLocks noGrp="1" noChangeAspect="1"/>
-          </p:cNvPicPr>
-          <p:nvPr>
-            <p:ph idx="1"/>
-          </p:nvPr>
-        </p:nvPicPr>
-        <p:blipFill rotWithShape="1">
-          <a:blip r:embed="rId2"/>
-          <a:srcRect l="56763" t="8258" r="19565" b="39122"/>
-          <a:stretch/>
-        </p:blipFill>
-        <p:spPr>
-          <a:xfrm>
-            <a:off x="404221" y="365125"/>
-            <a:ext cx="7268758" cy="6267450"/>
-          </a:xfrm>
-        </p:spPr>
-      </p:pic>
       <p:sp>
         <p:nvSpPr>
           <p:cNvPr id="6" name="Title 1">
@@ -16850,7 +9281,7 @@
         </p:nvSpPr>
         <p:spPr>
           <a:xfrm>
-            <a:off x="7823200" y="1041400"/>
+            <a:off x="7823200" y="2254750"/>
             <a:ext cx="4203700" cy="2235200"/>
           </a:xfrm>
           <a:prstGeom prst="rect">
@@ -16882,181 +9313,46 @@
           </a:lstStyle>
           <a:p>
             <a:r>
-              <a:rPr lang="en-US" sz="2000" dirty="0" err="1"/>
-              <a:t>Berdasarkan</a:t>
+              <a:rPr lang="en-US" sz="1800" dirty="0">
+                <a:latin typeface="+mn-lt"/>
+              </a:rPr>
+              <a:t>Based on the data of overall material usage, it can be seen that there are still many materials experiencing both surplus and shortage of stock. Therefore, a more thorough review of the data usage is necessary.</a:t>
             </a:r>
-            <a:r>
-              <a:rPr lang="en-US" sz="2000" dirty="0"/>
-              <a:t> data </a:t>
-            </a:r>
-            <a:r>
-              <a:rPr lang="en-US" sz="2000" dirty="0" err="1"/>
-              <a:t>penggunaan</a:t>
-            </a:r>
-            <a:r>
-              <a:rPr lang="en-US" sz="2000" dirty="0"/>
-              <a:t> </a:t>
-            </a:r>
-            <a:r>
-              <a:rPr lang="en-US" sz="2000" dirty="0" err="1"/>
-              <a:t>bahan</a:t>
-            </a:r>
-            <a:r>
-              <a:rPr lang="en-US" sz="2000" dirty="0"/>
-              <a:t> </a:t>
-            </a:r>
-            <a:r>
-              <a:rPr lang="en-US" sz="2000" dirty="0" err="1"/>
-              <a:t>keseluruhan</a:t>
-            </a:r>
-            <a:r>
-              <a:rPr lang="en-US" sz="2000" dirty="0"/>
-              <a:t> </a:t>
-            </a:r>
-            <a:r>
-              <a:rPr lang="en-US" sz="2000" dirty="0" err="1"/>
-              <a:t>dapat</a:t>
-            </a:r>
-            <a:r>
-              <a:rPr lang="en-US" sz="2000" dirty="0"/>
-              <a:t> di </a:t>
-            </a:r>
-            <a:r>
-              <a:rPr lang="en-US" sz="2000" dirty="0" err="1"/>
-              <a:t>lihat</a:t>
-            </a:r>
-            <a:r>
-              <a:rPr lang="en-US" sz="2000" dirty="0"/>
-              <a:t> </a:t>
-            </a:r>
-            <a:r>
-              <a:rPr lang="en-US" sz="2000" dirty="0" err="1"/>
-              <a:t>bahwa</a:t>
-            </a:r>
-            <a:r>
-              <a:rPr lang="en-US" sz="2000" dirty="0"/>
-              <a:t> </a:t>
-            </a:r>
-            <a:r>
-              <a:rPr lang="en-US" sz="2000" dirty="0" err="1"/>
-              <a:t>masih</a:t>
-            </a:r>
-            <a:r>
-              <a:rPr lang="en-US" sz="2000" dirty="0"/>
-              <a:t> </a:t>
-            </a:r>
-            <a:r>
-              <a:rPr lang="en-US" sz="2000" dirty="0" err="1"/>
-              <a:t>banyaknya</a:t>
-            </a:r>
-            <a:r>
-              <a:rPr lang="en-US" sz="2000" dirty="0"/>
-              <a:t> </a:t>
-            </a:r>
-            <a:r>
-              <a:rPr lang="en-US" sz="2000" dirty="0" err="1"/>
-              <a:t>bahan</a:t>
-            </a:r>
-            <a:r>
-              <a:rPr lang="en-US" sz="2000" dirty="0"/>
-              <a:t> yang </a:t>
-            </a:r>
-            <a:r>
-              <a:rPr lang="en-US" sz="2000" dirty="0" err="1"/>
-              <a:t>mengalami</a:t>
-            </a:r>
-            <a:r>
-              <a:rPr lang="en-US" sz="2000" dirty="0"/>
-              <a:t> </a:t>
-            </a:r>
-            <a:r>
-              <a:rPr lang="en-US" sz="2000" dirty="0" err="1"/>
-              <a:t>kelebihan</a:t>
-            </a:r>
-            <a:r>
-              <a:rPr lang="en-US" sz="2000" dirty="0"/>
-              <a:t> stock dan </a:t>
-            </a:r>
-            <a:r>
-              <a:rPr lang="en-US" sz="2000" dirty="0" err="1"/>
-              <a:t>kekurangan</a:t>
-            </a:r>
-            <a:r>
-              <a:rPr lang="en-US" sz="2000" dirty="0"/>
-              <a:t> stock. </a:t>
-            </a:r>
-            <a:r>
-              <a:rPr lang="en-US" sz="2000" dirty="0" err="1"/>
-              <a:t>maka</a:t>
-            </a:r>
-            <a:r>
-              <a:rPr lang="en-US" sz="2000" dirty="0"/>
-              <a:t> </a:t>
-            </a:r>
-            <a:r>
-              <a:rPr lang="en-US" sz="2000" dirty="0" err="1"/>
-              <a:t>perlunya</a:t>
-            </a:r>
-            <a:r>
-              <a:rPr lang="en-US" sz="2000" dirty="0"/>
-              <a:t> </a:t>
-            </a:r>
-            <a:r>
-              <a:rPr lang="en-US" sz="2000" dirty="0" err="1"/>
-              <a:t>untuk</a:t>
-            </a:r>
-            <a:r>
-              <a:rPr lang="en-US" sz="2000" dirty="0"/>
-              <a:t> di </a:t>
-            </a:r>
-            <a:r>
-              <a:rPr lang="en-US" sz="2000" dirty="0" err="1"/>
-              <a:t>lakukan</a:t>
-            </a:r>
-            <a:r>
-              <a:rPr lang="en-US" sz="2000" dirty="0"/>
-              <a:t> </a:t>
-            </a:r>
-            <a:r>
-              <a:rPr lang="en-US" sz="2000" dirty="0" err="1"/>
-              <a:t>peninjauan</a:t>
-            </a:r>
-            <a:r>
-              <a:rPr lang="en-US" sz="2000" dirty="0"/>
-              <a:t> </a:t>
-            </a:r>
-            <a:r>
-              <a:rPr lang="en-US" sz="2000" dirty="0" err="1"/>
-              <a:t>penggunaan</a:t>
-            </a:r>
-            <a:r>
-              <a:rPr lang="en-US" sz="2000" dirty="0"/>
-              <a:t> data </a:t>
-            </a:r>
-            <a:r>
-              <a:rPr lang="en-US" sz="2000" dirty="0" err="1"/>
-              <a:t>secara</a:t>
-            </a:r>
-            <a:r>
-              <a:rPr lang="en-US" sz="2000" dirty="0"/>
-              <a:t> </a:t>
-            </a:r>
-            <a:r>
-              <a:rPr lang="en-US" sz="2000" dirty="0" err="1"/>
-              <a:t>lebih</a:t>
-            </a:r>
-            <a:r>
-              <a:rPr lang="en-US" sz="2000" dirty="0"/>
-              <a:t> </a:t>
-            </a:r>
-            <a:r>
-              <a:rPr lang="en-US" sz="2000" dirty="0" err="1"/>
-              <a:t>lanjut</a:t>
-            </a:r>
-            <a:endParaRPr lang="en-ID" sz="2000" dirty="0"/>
+            <a:endParaRPr lang="en-ID" sz="1800" dirty="0">
+              <a:latin typeface="+mn-lt"/>
+            </a:endParaRPr>
           </a:p>
         </p:txBody>
       </p:sp>
+      <p:pic>
+        <p:nvPicPr>
+          <p:cNvPr id="7" name="Picture 6">
+            <a:extLst>
+              <a:ext uri="{FF2B5EF4-FFF2-40B4-BE49-F238E27FC236}">
+                <a16:creationId xmlns:a16="http://schemas.microsoft.com/office/drawing/2014/main" id="{2417A4E7-269B-4DB7-ADCF-50327FF49EE0}"/>
+              </a:ext>
+            </a:extLst>
+          </p:cNvPr>
+          <p:cNvPicPr>
+            <a:picLocks noChangeAspect="1"/>
+          </p:cNvPicPr>
+          <p:nvPr/>
+        </p:nvPicPr>
+        <p:blipFill rotWithShape="1">
+          <a:blip r:embed="rId2"/>
+          <a:srcRect l="60104" t="9180" r="16146" b="40064"/>
+          <a:stretch/>
+        </p:blipFill>
+        <p:spPr>
+          <a:xfrm>
+            <a:off x="165100" y="266699"/>
+            <a:ext cx="7493000" cy="6211303"/>
+          </a:xfrm>
+          <a:prstGeom prst="rect">
+            <a:avLst/>
+          </a:prstGeom>
+        </p:spPr>
+      </p:pic>
     </p:spTree>
     <p:extLst>
       <p:ext uri="{BB962C8B-B14F-4D97-AF65-F5344CB8AC3E}">
@@ -17105,8 +9401,8 @@
         </p:nvSpPr>
         <p:spPr>
           <a:xfrm>
-            <a:off x="6718300" y="365125"/>
-            <a:ext cx="4635500" cy="5807075"/>
+            <a:off x="6718300" y="2041742"/>
+            <a:ext cx="5372100" cy="3378896"/>
           </a:xfrm>
         </p:spPr>
         <p:txBody>
@@ -17116,475 +9412,23 @@
           <a:lstStyle/>
           <a:p>
             <a:r>
-              <a:rPr lang="en-US" sz="1800" dirty="0" err="1"/>
-              <a:t>Dapat</a:t>
+              <a:rPr lang="en-US" sz="1800" dirty="0">
+                <a:latin typeface="+mn-lt"/>
+              </a:rPr>
+              <a:t>From the weekly usage data in conjunction with the overall data, it can be observed how many raw materials are deficient in inventory and how many are in surplus. Based on the data provided, it can be inferred that it's preferable to procure raw materials on a weekly basis rather than monthly, as it can affect the quality of the materials. Additionally, this approach helps in reducing losses due to spoilage and other factors related to excess raw materials. To determine the quantity of raw materials to purchase weekly, it is necessary to conduct a moving average check on daily material usage on the next slide</a:t>
             </a:r>
-            <a:r>
-              <a:rPr lang="en-US" sz="1800" dirty="0"/>
-              <a:t> di </a:t>
-            </a:r>
-            <a:r>
-              <a:rPr lang="en-US" sz="1800" dirty="0" err="1"/>
-              <a:t>lihat</a:t>
-            </a:r>
-            <a:r>
-              <a:rPr lang="en-US" sz="1800" dirty="0"/>
-              <a:t> pada data </a:t>
-            </a:r>
-            <a:r>
-              <a:rPr lang="en-US" sz="1800" dirty="0" err="1"/>
-              <a:t>penggunaan</a:t>
-            </a:r>
-            <a:r>
-              <a:rPr lang="en-US" sz="1800" dirty="0"/>
-              <a:t> </a:t>
-            </a:r>
-            <a:r>
-              <a:rPr lang="en-US" sz="1800" dirty="0" err="1"/>
-              <a:t>mingguan</a:t>
-            </a:r>
-            <a:r>
-              <a:rPr lang="en-US" sz="1800" dirty="0"/>
-              <a:t> </a:t>
-            </a:r>
-            <a:r>
-              <a:rPr lang="en-US" sz="1800" dirty="0" err="1"/>
-              <a:t>dengan</a:t>
-            </a:r>
-            <a:r>
-              <a:rPr lang="en-US" sz="1800" dirty="0"/>
-              <a:t> </a:t>
-            </a:r>
-            <a:r>
-              <a:rPr lang="en-US" sz="1800" dirty="0" err="1"/>
-              <a:t>keseluruhan</a:t>
-            </a:r>
-            <a:r>
-              <a:rPr lang="en-US" sz="1800" dirty="0"/>
-              <a:t> data </a:t>
-            </a:r>
-            <a:r>
-              <a:rPr lang="en-US" sz="1800" dirty="0" err="1"/>
-              <a:t>maka</a:t>
-            </a:r>
-            <a:r>
-              <a:rPr lang="en-US" sz="1800" dirty="0"/>
-              <a:t> </a:t>
-            </a:r>
-            <a:r>
-              <a:rPr lang="en-US" sz="1800" dirty="0" err="1"/>
-              <a:t>dapat</a:t>
-            </a:r>
-            <a:r>
-              <a:rPr lang="en-US" sz="1800" dirty="0"/>
-              <a:t> di </a:t>
-            </a:r>
-            <a:r>
-              <a:rPr lang="en-US" sz="1800" dirty="0" err="1"/>
-              <a:t>lihat</a:t>
-            </a:r>
-            <a:r>
-              <a:rPr lang="en-US" sz="1800" dirty="0"/>
-              <a:t> </a:t>
-            </a:r>
-            <a:r>
-              <a:rPr lang="en-US" sz="1800" dirty="0" err="1"/>
-              <a:t>seberapa</a:t>
-            </a:r>
-            <a:r>
-              <a:rPr lang="en-US" sz="1800" dirty="0"/>
-              <a:t> </a:t>
-            </a:r>
-            <a:r>
-              <a:rPr lang="en-US" sz="1800" dirty="0" err="1"/>
-              <a:t>banyak</a:t>
-            </a:r>
-            <a:r>
-              <a:rPr lang="en-US" sz="1800" dirty="0"/>
-              <a:t> </a:t>
-            </a:r>
-            <a:r>
-              <a:rPr lang="en-US" sz="1800" dirty="0" err="1"/>
-              <a:t>bahan</a:t>
-            </a:r>
-            <a:r>
-              <a:rPr lang="en-US" sz="1800" dirty="0"/>
-              <a:t> </a:t>
-            </a:r>
-            <a:r>
-              <a:rPr lang="en-US" sz="1800" dirty="0" err="1"/>
-              <a:t>baku</a:t>
-            </a:r>
-            <a:r>
-              <a:rPr lang="en-US" sz="1800" dirty="0"/>
-              <a:t> yang </a:t>
-            </a:r>
-            <a:r>
-              <a:rPr lang="en-US" sz="1800" dirty="0" err="1"/>
-              <a:t>kurang</a:t>
-            </a:r>
-            <a:r>
-              <a:rPr lang="en-US" sz="1800" dirty="0"/>
-              <a:t> </a:t>
-            </a:r>
-            <a:r>
-              <a:rPr lang="en-US" sz="1800" dirty="0" err="1"/>
-              <a:t>dalam</a:t>
-            </a:r>
-            <a:r>
-              <a:rPr lang="en-US" sz="1800" dirty="0"/>
-              <a:t> inventory dan juga </a:t>
-            </a:r>
-            <a:r>
-              <a:rPr lang="en-US" sz="1800" dirty="0" err="1"/>
-              <a:t>kelibihan</a:t>
-            </a:r>
-            <a:r>
-              <a:rPr lang="en-US" sz="1800" dirty="0"/>
-              <a:t> </a:t>
-            </a:r>
-            <a:r>
-              <a:rPr lang="en-US" sz="1800" dirty="0" err="1"/>
-              <a:t>bahan</a:t>
-            </a:r>
-            <a:r>
-              <a:rPr lang="en-US" sz="1800" dirty="0"/>
-              <a:t> di </a:t>
-            </a:r>
-            <a:r>
-              <a:rPr lang="en-US" sz="1800" dirty="0" err="1"/>
-              <a:t>dalam</a:t>
-            </a:r>
-            <a:r>
-              <a:rPr lang="en-US" sz="1800" dirty="0"/>
-              <a:t> inventory. Dari data di </a:t>
-            </a:r>
-            <a:r>
-              <a:rPr lang="en-US" sz="1800" dirty="0" err="1"/>
-              <a:t>samping</a:t>
-            </a:r>
-            <a:r>
-              <a:rPr lang="en-US" sz="1800" dirty="0"/>
-              <a:t> </a:t>
-            </a:r>
-            <a:r>
-              <a:rPr lang="en-US" sz="1800" dirty="0" err="1"/>
-              <a:t>dapat</a:t>
-            </a:r>
-            <a:r>
-              <a:rPr lang="en-US" sz="1800" dirty="0"/>
-              <a:t> di </a:t>
-            </a:r>
-            <a:r>
-              <a:rPr lang="en-US" sz="1800" dirty="0" err="1"/>
-              <a:t>simpulkan</a:t>
-            </a:r>
-            <a:r>
-              <a:rPr lang="en-US" sz="1800" dirty="0"/>
-              <a:t> </a:t>
-            </a:r>
-            <a:r>
-              <a:rPr lang="en-US" sz="1800" dirty="0" err="1"/>
-              <a:t>bahwa</a:t>
-            </a:r>
-            <a:r>
-              <a:rPr lang="en-US" sz="1800" dirty="0"/>
-              <a:t> </a:t>
-            </a:r>
-            <a:r>
-              <a:rPr lang="en-US" sz="1800" dirty="0" err="1"/>
-              <a:t>sebainya</a:t>
-            </a:r>
-            <a:r>
-              <a:rPr lang="en-US" sz="1800" dirty="0"/>
-              <a:t> </a:t>
-            </a:r>
-            <a:r>
-              <a:rPr lang="en-US" sz="1800" dirty="0" err="1"/>
-              <a:t>melakukan</a:t>
-            </a:r>
-            <a:r>
-              <a:rPr lang="en-US" sz="1800" dirty="0"/>
-              <a:t> </a:t>
-            </a:r>
-            <a:r>
-              <a:rPr lang="en-US" sz="1800" dirty="0" err="1"/>
-              <a:t>pembelian</a:t>
-            </a:r>
-            <a:r>
-              <a:rPr lang="en-US" sz="1800" dirty="0"/>
-              <a:t> </a:t>
-            </a:r>
-            <a:r>
-              <a:rPr lang="en-US" sz="1800" dirty="0" err="1"/>
-              <a:t>bahan</a:t>
-            </a:r>
-            <a:r>
-              <a:rPr lang="en-US" sz="1800" dirty="0"/>
-              <a:t> </a:t>
-            </a:r>
-            <a:r>
-              <a:rPr lang="en-US" sz="1800" dirty="0" err="1"/>
-              <a:t>baku</a:t>
-            </a:r>
-            <a:r>
-              <a:rPr lang="en-US" sz="1800" dirty="0"/>
-              <a:t> </a:t>
-            </a:r>
-            <a:r>
-              <a:rPr lang="en-US" sz="1800" dirty="0" err="1"/>
-              <a:t>secara</a:t>
-            </a:r>
-            <a:r>
-              <a:rPr lang="en-US" sz="1800" dirty="0"/>
-              <a:t> </a:t>
-            </a:r>
-            <a:r>
-              <a:rPr lang="en-US" sz="1800" dirty="0" err="1"/>
-              <a:t>mingguan</a:t>
-            </a:r>
-            <a:r>
-              <a:rPr lang="en-US" sz="1800" dirty="0"/>
-              <a:t> </a:t>
-            </a:r>
-            <a:r>
-              <a:rPr lang="en-US" sz="1800" dirty="0" err="1"/>
-              <a:t>dari</a:t>
-            </a:r>
-            <a:r>
-              <a:rPr lang="en-US" sz="1800" dirty="0"/>
-              <a:t> pada </a:t>
-            </a:r>
-            <a:r>
-              <a:rPr lang="en-US" sz="1800" dirty="0" err="1"/>
-              <a:t>bulanan</a:t>
-            </a:r>
-            <a:r>
-              <a:rPr lang="en-US" sz="1800" dirty="0"/>
-              <a:t> </a:t>
-            </a:r>
-            <a:r>
-              <a:rPr lang="en-US" sz="1800" dirty="0" err="1"/>
-              <a:t>karena</a:t>
-            </a:r>
-            <a:r>
-              <a:rPr lang="en-US" sz="1800" dirty="0"/>
-              <a:t> </a:t>
-            </a:r>
-            <a:r>
-              <a:rPr lang="en-US" sz="1800" dirty="0" err="1"/>
-              <a:t>dapat</a:t>
-            </a:r>
-            <a:r>
-              <a:rPr lang="en-US" sz="1800" dirty="0"/>
-              <a:t> </a:t>
-            </a:r>
-            <a:r>
-              <a:rPr lang="en-US" sz="1800" dirty="0" err="1"/>
-              <a:t>memengaruhi</a:t>
-            </a:r>
-            <a:r>
-              <a:rPr lang="en-US" sz="1800" dirty="0"/>
-              <a:t> </a:t>
-            </a:r>
-            <a:r>
-              <a:rPr lang="en-US" sz="1800" dirty="0" err="1"/>
-              <a:t>kualitas</a:t>
-            </a:r>
-            <a:r>
-              <a:rPr lang="en-US" sz="1800" dirty="0"/>
-              <a:t> </a:t>
-            </a:r>
-            <a:r>
-              <a:rPr lang="en-US" sz="1800" dirty="0" err="1"/>
-              <a:t>bahan</a:t>
-            </a:r>
-            <a:r>
-              <a:rPr lang="en-US" sz="1800" dirty="0"/>
-              <a:t>. Juga </a:t>
-            </a:r>
-            <a:r>
-              <a:rPr lang="en-US" sz="1800" dirty="0" err="1"/>
-              <a:t>mengurangi</a:t>
-            </a:r>
-            <a:r>
-              <a:rPr lang="en-US" sz="1800" dirty="0"/>
-              <a:t> </a:t>
-            </a:r>
-            <a:r>
-              <a:rPr lang="en-US" sz="1800" dirty="0" err="1"/>
-              <a:t>kerugian</a:t>
-            </a:r>
-            <a:r>
-              <a:rPr lang="en-US" sz="1800" dirty="0"/>
-              <a:t> </a:t>
-            </a:r>
-            <a:r>
-              <a:rPr lang="en-US" sz="1800" dirty="0" err="1"/>
-              <a:t>akibat</a:t>
-            </a:r>
-            <a:r>
-              <a:rPr lang="en-US" sz="1800" dirty="0"/>
-              <a:t> </a:t>
-            </a:r>
-            <a:r>
-              <a:rPr lang="en-US" sz="1800" dirty="0" err="1"/>
-              <a:t>bahan</a:t>
-            </a:r>
-            <a:r>
-              <a:rPr lang="en-US" sz="1800" dirty="0"/>
-              <a:t> </a:t>
-            </a:r>
-            <a:r>
-              <a:rPr lang="en-US" sz="1800" dirty="0" err="1"/>
-              <a:t>baku</a:t>
-            </a:r>
-            <a:r>
-              <a:rPr lang="en-US" sz="1800" dirty="0"/>
-              <a:t> yang </a:t>
-            </a:r>
-            <a:r>
-              <a:rPr lang="en-US" sz="1800" dirty="0" err="1"/>
-              <a:t>sudah</a:t>
-            </a:r>
-            <a:r>
-              <a:rPr lang="en-US" sz="1800" dirty="0"/>
-              <a:t> </a:t>
-            </a:r>
-            <a:r>
-              <a:rPr lang="en-US" sz="1800" dirty="0" err="1"/>
-              <a:t>busuk</a:t>
-            </a:r>
-            <a:r>
-              <a:rPr lang="en-US" sz="1800" dirty="0"/>
-              <a:t> dan lain </a:t>
-            </a:r>
-            <a:r>
-              <a:rPr lang="en-US" sz="1800" dirty="0" err="1"/>
-              <a:t>sebagainya</a:t>
-            </a:r>
-            <a:r>
-              <a:rPr lang="en-US" sz="1800" dirty="0"/>
-              <a:t>, </a:t>
-            </a:r>
-            <a:r>
-              <a:rPr lang="en-US" sz="1800" dirty="0" err="1"/>
-              <a:t>untuk</a:t>
-            </a:r>
-            <a:r>
-              <a:rPr lang="en-US" sz="1800" dirty="0"/>
-              <a:t> </a:t>
-            </a:r>
-            <a:r>
-              <a:rPr lang="en-US" sz="1800" dirty="0" err="1"/>
-              <a:t>menentukan</a:t>
-            </a:r>
-            <a:r>
-              <a:rPr lang="en-US" sz="1800" dirty="0"/>
-              <a:t>  </a:t>
-            </a:r>
-            <a:r>
-              <a:rPr lang="en-US" sz="1800" dirty="0" err="1"/>
-              <a:t>jumlah</a:t>
-            </a:r>
-            <a:r>
-              <a:rPr lang="en-US" sz="1800" dirty="0"/>
-              <a:t> </a:t>
-            </a:r>
-            <a:r>
-              <a:rPr lang="en-US" sz="1800" dirty="0" err="1"/>
-              <a:t>pembelian</a:t>
-            </a:r>
-            <a:r>
-              <a:rPr lang="en-US" sz="1800" dirty="0"/>
-              <a:t> </a:t>
-            </a:r>
-            <a:r>
-              <a:rPr lang="en-US" sz="1800" dirty="0" err="1"/>
-              <a:t>bahan</a:t>
-            </a:r>
-            <a:r>
-              <a:rPr lang="en-US" sz="1800" dirty="0"/>
-              <a:t> </a:t>
-            </a:r>
-            <a:r>
-              <a:rPr lang="en-US" sz="1800" dirty="0" err="1"/>
-              <a:t>mingguan</a:t>
-            </a:r>
-            <a:r>
-              <a:rPr lang="en-US" sz="1800" dirty="0"/>
-              <a:t> </a:t>
-            </a:r>
-            <a:r>
-              <a:rPr lang="en-US" sz="1800" dirty="0" err="1"/>
-              <a:t>maka</a:t>
-            </a:r>
-            <a:r>
-              <a:rPr lang="en-US" sz="1800" dirty="0"/>
-              <a:t> </a:t>
-            </a:r>
-            <a:r>
-              <a:rPr lang="en-US" sz="1800" dirty="0" err="1"/>
-              <a:t>perlu</a:t>
-            </a:r>
-            <a:r>
-              <a:rPr lang="en-US" sz="1800" dirty="0"/>
-              <a:t> </a:t>
-            </a:r>
-            <a:r>
-              <a:rPr lang="en-US" sz="1800" dirty="0" err="1"/>
-              <a:t>dilakukan</a:t>
-            </a:r>
-            <a:r>
-              <a:rPr lang="en-US" sz="1800" dirty="0"/>
-              <a:t> </a:t>
-            </a:r>
-            <a:r>
-              <a:rPr lang="en-US" sz="1800" dirty="0" err="1"/>
-              <a:t>pengecekan</a:t>
-            </a:r>
-            <a:r>
-              <a:rPr lang="en-US" sz="1800" dirty="0"/>
-              <a:t> moving average pada </a:t>
-            </a:r>
-            <a:r>
-              <a:rPr lang="en-US" sz="1800" dirty="0" err="1"/>
-              <a:t>penggunaan</a:t>
-            </a:r>
-            <a:r>
-              <a:rPr lang="en-US" sz="1800" dirty="0"/>
-              <a:t> </a:t>
-            </a:r>
-            <a:r>
-              <a:rPr lang="en-US" sz="1800" dirty="0" err="1"/>
-              <a:t>bahan</a:t>
-            </a:r>
-            <a:r>
-              <a:rPr lang="en-US" sz="1800" dirty="0"/>
-              <a:t> </a:t>
-            </a:r>
-            <a:r>
-              <a:rPr lang="en-US" sz="1800" dirty="0" err="1"/>
-              <a:t>harian</a:t>
-            </a:r>
-            <a:r>
-              <a:rPr lang="en-US" sz="1800" dirty="0"/>
-              <a:t> pada slide </a:t>
-            </a:r>
-            <a:r>
-              <a:rPr lang="en-US" sz="1800" dirty="0" err="1"/>
-              <a:t>berikutnya</a:t>
-            </a:r>
-            <a:endParaRPr lang="en-ID" sz="1800" dirty="0"/>
+            <a:endParaRPr lang="en-ID" sz="1800" dirty="0">
+              <a:latin typeface="+mn-lt"/>
+            </a:endParaRPr>
           </a:p>
         </p:txBody>
       </p:sp>
       <p:pic>
         <p:nvPicPr>
-          <p:cNvPr id="9" name="Picture 8">
+          <p:cNvPr id="4" name="Picture 3">
             <a:extLst>
               <a:ext uri="{FF2B5EF4-FFF2-40B4-BE49-F238E27FC236}">
-                <a16:creationId xmlns:a16="http://schemas.microsoft.com/office/drawing/2014/main" id="{8AEFFCA0-6C6E-431C-86C8-80BD8A89E5CA}"/>
+                <a16:creationId xmlns:a16="http://schemas.microsoft.com/office/drawing/2014/main" id="{1A515F6D-54E7-4F64-B98A-F7DEA6B6F283}"/>
               </a:ext>
             </a:extLst>
           </p:cNvPr>
@@ -17595,13 +9439,13 @@
         </p:nvPicPr>
         <p:blipFill rotWithShape="1">
           <a:blip r:embed="rId2"/>
-          <a:srcRect l="56459" t="7837" r="18958" b="30127"/>
+          <a:srcRect l="56354" t="9985" r="20625" b="30395"/>
           <a:stretch/>
         </p:blipFill>
         <p:spPr>
           <a:xfrm>
-            <a:off x="260158" y="365125"/>
-            <a:ext cx="6127942" cy="5998114"/>
+            <a:off x="101600" y="190499"/>
+            <a:ext cx="6400800" cy="6429763"/>
           </a:xfrm>
           <a:prstGeom prst="rect">
             <a:avLst/>
